--- a/SEL Presentation.pptx
+++ b/SEL Presentation.pptx
@@ -20,9 +20,9 @@
     <p:sldId id="319" r:id="rId11"/>
     <p:sldId id="313" r:id="rId12"/>
     <p:sldId id="318" r:id="rId13"/>
-    <p:sldId id="314" r:id="rId14"/>
-    <p:sldId id="324" r:id="rId15"/>
-    <p:sldId id="325" r:id="rId16"/>
+    <p:sldId id="325" r:id="rId14"/>
+    <p:sldId id="314" r:id="rId15"/>
+    <p:sldId id="324" r:id="rId16"/>
     <p:sldId id="310" r:id="rId17"/>
   </p:sldIdLst>
   <p:sldSz cx="12192000" cy="6858000"/>
@@ -241,7 +241,7 @@
           <a:p>
             <a:fld id="{4BE6205E-B305-4B90-9534-3C5E99A0275E}" type="datetimeFigureOut">
               <a:rPr lang="en-US" smtClean="0"/>
-              <a:t>11/10/2025</a:t>
+              <a:t>11/12/2025</a:t>
             </a:fld>
             <a:endParaRPr lang="en-US" dirty="0"/>
           </a:p>
@@ -418,7 +418,7 @@
           <a:p>
             <a:fld id="{233722F1-E430-42A1-A473-1759336AECCE}" type="datetimeFigureOut">
               <a:rPr lang="en-US" smtClean="0"/>
-              <a:t>11/10/2025</a:t>
+              <a:t>11/12/2025</a:t>
             </a:fld>
             <a:endParaRPr lang="en-US" dirty="0"/>
           </a:p>
@@ -858,7 +858,7 @@
           <a:p>
             <a:fld id="{C37D7554-D10C-4E29-B8E6-BB7111FA614F}" type="slidenum">
               <a:rPr lang="en-US" smtClean="0"/>
-              <a:t>11</a:t>
+              <a:t>12</a:t>
             </a:fld>
             <a:endParaRPr lang="en-US" dirty="0"/>
           </a:p>
@@ -880,16 +880,6 @@
 <file path=ppt/slideLayouts/slideLayout1.xml><?xml version="1.0" encoding="utf-8"?>
 <p:sldLayout xmlns:a="http://schemas.openxmlformats.org/drawingml/2006/main" xmlns:r="http://schemas.openxmlformats.org/officeDocument/2006/relationships" xmlns:p="http://schemas.openxmlformats.org/presentationml/2006/main" preserve="1" userDrawn="1">
   <p:cSld name="Title 1">
-    <p:bg>
-      <p:bgPr>
-        <a:solidFill>
-          <a:schemeClr val="accent2">
-            <a:lumMod val="50000"/>
-          </a:schemeClr>
-        </a:solidFill>
-        <a:effectLst/>
-      </p:bgPr>
-    </p:bg>
     <p:spTree>
       <p:nvGrpSpPr>
         <p:cNvPr id="1" name=""/>
@@ -1128,17 +1118,6 @@
 <file path=ppt/slideLayouts/slideLayout10.xml><?xml version="1.0" encoding="utf-8"?>
 <p:sldLayout xmlns:a="http://schemas.openxmlformats.org/drawingml/2006/main" xmlns:r="http://schemas.openxmlformats.org/officeDocument/2006/relationships" xmlns:p="http://schemas.openxmlformats.org/presentationml/2006/main" preserve="1" userDrawn="1">
   <p:cSld name="Title Content and Table">
-    <p:bg>
-      <p:bgPr>
-        <a:solidFill>
-          <a:schemeClr val="accent5">
-            <a:lumMod val="20000"/>
-            <a:lumOff val="80000"/>
-          </a:schemeClr>
-        </a:solidFill>
-        <a:effectLst/>
-      </p:bgPr>
-    </p:bg>
     <p:spTree>
       <p:nvGrpSpPr>
         <p:cNvPr id="1" name=""/>
@@ -1515,17 +1494,6 @@
 <file path=ppt/slideLayouts/slideLayout11.xml><?xml version="1.0" encoding="utf-8"?>
 <p:sldLayout xmlns:a="http://schemas.openxmlformats.org/drawingml/2006/main" xmlns:r="http://schemas.openxmlformats.org/officeDocument/2006/relationships" xmlns:p="http://schemas.openxmlformats.org/presentationml/2006/main" preserve="1" userDrawn="1">
   <p:cSld name="Title and 2 Content 2">
-    <p:bg>
-      <p:bgPr>
-        <a:solidFill>
-          <a:schemeClr val="accent5">
-            <a:lumMod val="20000"/>
-            <a:lumOff val="80000"/>
-          </a:schemeClr>
-        </a:solidFill>
-        <a:effectLst/>
-      </p:bgPr>
-    </p:bg>
     <p:spTree>
       <p:nvGrpSpPr>
         <p:cNvPr id="1" name=""/>
@@ -1945,17 +1913,6 @@
 <file path=ppt/slideLayouts/slideLayout12.xml><?xml version="1.0" encoding="utf-8"?>
 <p:sldLayout xmlns:a="http://schemas.openxmlformats.org/drawingml/2006/main" xmlns:r="http://schemas.openxmlformats.org/officeDocument/2006/relationships" xmlns:p="http://schemas.openxmlformats.org/presentationml/2006/main" preserve="1" userDrawn="1">
   <p:cSld name="Title and Table">
-    <p:bg>
-      <p:bgPr>
-        <a:solidFill>
-          <a:schemeClr val="accent5">
-            <a:lumMod val="20000"/>
-            <a:lumOff val="80000"/>
-          </a:schemeClr>
-        </a:solidFill>
-        <a:effectLst/>
-      </p:bgPr>
-    </p:bg>
     <p:spTree>
       <p:nvGrpSpPr>
         <p:cNvPr id="1" name=""/>
@@ -2207,16 +2164,6 @@
 <file path=ppt/slideLayouts/slideLayout13.xml><?xml version="1.0" encoding="utf-8"?>
 <p:sldLayout xmlns:a="http://schemas.openxmlformats.org/drawingml/2006/main" xmlns:r="http://schemas.openxmlformats.org/officeDocument/2006/relationships" xmlns:p="http://schemas.openxmlformats.org/presentationml/2006/main" preserve="1" userDrawn="1">
   <p:cSld name="Thank you 1">
-    <p:bg>
-      <p:bgPr>
-        <a:solidFill>
-          <a:schemeClr val="accent2">
-            <a:lumMod val="50000"/>
-          </a:schemeClr>
-        </a:solidFill>
-        <a:effectLst/>
-      </p:bgPr>
-    </p:bg>
     <p:spTree>
       <p:nvGrpSpPr>
         <p:cNvPr id="1" name=""/>
@@ -2609,17 +2556,6 @@
 <file path=ppt/slideLayouts/slideLayout2.xml><?xml version="1.0" encoding="utf-8"?>
 <p:sldLayout xmlns:a="http://schemas.openxmlformats.org/drawingml/2006/main" xmlns:r="http://schemas.openxmlformats.org/officeDocument/2006/relationships" xmlns:p="http://schemas.openxmlformats.org/presentationml/2006/main" preserve="1" userDrawn="1">
   <p:cSld name="Agenda 1">
-    <p:bg>
-      <p:bgPr>
-        <a:solidFill>
-          <a:schemeClr val="accent2">
-            <a:lumMod val="20000"/>
-            <a:lumOff val="80000"/>
-          </a:schemeClr>
-        </a:solidFill>
-        <a:effectLst/>
-      </p:bgPr>
-    </p:bg>
     <p:spTree>
       <p:nvGrpSpPr>
         <p:cNvPr id="1" name=""/>
@@ -2956,17 +2892,6 @@
 <file path=ppt/slideLayouts/slideLayout3.xml><?xml version="1.0" encoding="utf-8"?>
 <p:sldLayout xmlns:a="http://schemas.openxmlformats.org/drawingml/2006/main" xmlns:r="http://schemas.openxmlformats.org/officeDocument/2006/relationships" xmlns:p="http://schemas.openxmlformats.org/presentationml/2006/main" preserve="1" userDrawn="1">
   <p:cSld name="Title and Picture">
-    <p:bg>
-      <p:bgPr>
-        <a:solidFill>
-          <a:schemeClr val="accent2">
-            <a:lumMod val="20000"/>
-            <a:lumOff val="80000"/>
-          </a:schemeClr>
-        </a:solidFill>
-        <a:effectLst/>
-      </p:bgPr>
-    </p:bg>
     <p:spTree>
       <p:nvGrpSpPr>
         <p:cNvPr id="1" name=""/>
@@ -3241,17 +3166,6 @@
 <file path=ppt/slideLayouts/slideLayout4.xml><?xml version="1.0" encoding="utf-8"?>
 <p:sldLayout xmlns:a="http://schemas.openxmlformats.org/drawingml/2006/main" xmlns:r="http://schemas.openxmlformats.org/officeDocument/2006/relationships" xmlns:p="http://schemas.openxmlformats.org/presentationml/2006/main" preserve="1" userDrawn="1">
   <p:cSld name="Title and Subtitle">
-    <p:bg>
-      <p:bgPr>
-        <a:solidFill>
-          <a:schemeClr val="accent2">
-            <a:lumMod val="20000"/>
-            <a:lumOff val="80000"/>
-          </a:schemeClr>
-        </a:solidFill>
-        <a:effectLst/>
-      </p:bgPr>
-    </p:bg>
     <p:spTree>
       <p:nvGrpSpPr>
         <p:cNvPr id="1" name=""/>
@@ -3581,17 +3495,6 @@
 <file path=ppt/slideLayouts/slideLayout5.xml><?xml version="1.0" encoding="utf-8"?>
 <p:sldLayout xmlns:a="http://schemas.openxmlformats.org/drawingml/2006/main" xmlns:r="http://schemas.openxmlformats.org/officeDocument/2006/relationships" xmlns:p="http://schemas.openxmlformats.org/presentationml/2006/main" preserve="1" userDrawn="1">
   <p:cSld name="Title and Content ">
-    <p:bg>
-      <p:bgPr>
-        <a:solidFill>
-          <a:schemeClr val="accent2">
-            <a:lumMod val="20000"/>
-            <a:lumOff val="80000"/>
-          </a:schemeClr>
-        </a:solidFill>
-        <a:effectLst/>
-      </p:bgPr>
-    </p:bg>
     <p:spTree>
       <p:nvGrpSpPr>
         <p:cNvPr id="1" name=""/>
@@ -3928,14 +3831,6 @@
 <file path=ppt/slideLayouts/slideLayout6.xml><?xml version="1.0" encoding="utf-8"?>
 <p:sldLayout xmlns:a="http://schemas.openxmlformats.org/drawingml/2006/main" xmlns:r="http://schemas.openxmlformats.org/officeDocument/2006/relationships" xmlns:p="http://schemas.openxmlformats.org/presentationml/2006/main" preserve="1" userDrawn="1">
   <p:cSld name="Section Title">
-    <p:bg>
-      <p:bgPr>
-        <a:solidFill>
-          <a:schemeClr val="accent6"/>
-        </a:solidFill>
-        <a:effectLst/>
-      </p:bgPr>
-    </p:bg>
     <p:spTree>
       <p:nvGrpSpPr>
         <p:cNvPr id="1" name=""/>
@@ -4233,17 +4128,6 @@
 <file path=ppt/slideLayouts/slideLayout7.xml><?xml version="1.0" encoding="utf-8"?>
 <p:sldLayout xmlns:a="http://schemas.openxmlformats.org/drawingml/2006/main" xmlns:r="http://schemas.openxmlformats.org/officeDocument/2006/relationships" xmlns:p="http://schemas.openxmlformats.org/presentationml/2006/main" preserve="1" userDrawn="1">
   <p:cSld name="Title and 2 Content ">
-    <p:bg>
-      <p:bgPr>
-        <a:solidFill>
-          <a:schemeClr val="accent5">
-            <a:lumMod val="20000"/>
-            <a:lumOff val="80000"/>
-          </a:schemeClr>
-        </a:solidFill>
-        <a:effectLst/>
-      </p:bgPr>
-    </p:bg>
     <p:spTree>
       <p:nvGrpSpPr>
         <p:cNvPr id="1" name=""/>
@@ -4705,17 +4589,6 @@
 <file path=ppt/slideLayouts/slideLayout8.xml><?xml version="1.0" encoding="utf-8"?>
 <p:sldLayout xmlns:a="http://schemas.openxmlformats.org/drawingml/2006/main" xmlns:r="http://schemas.openxmlformats.org/officeDocument/2006/relationships" xmlns:p="http://schemas.openxmlformats.org/presentationml/2006/main" preserve="1" userDrawn="1">
   <p:cSld name="Title and 2 Content 3">
-    <p:bg>
-      <p:bgPr>
-        <a:solidFill>
-          <a:schemeClr val="accent5">
-            <a:lumMod val="20000"/>
-            <a:lumOff val="80000"/>
-          </a:schemeClr>
-        </a:solidFill>
-        <a:effectLst/>
-      </p:bgPr>
-    </p:bg>
     <p:spTree>
       <p:nvGrpSpPr>
         <p:cNvPr id="1" name=""/>
@@ -5178,17 +5051,6 @@
 <file path=ppt/slideLayouts/slideLayout9.xml><?xml version="1.0" encoding="utf-8"?>
 <p:sldLayout xmlns:a="http://schemas.openxmlformats.org/drawingml/2006/main" xmlns:r="http://schemas.openxmlformats.org/officeDocument/2006/relationships" xmlns:p="http://schemas.openxmlformats.org/presentationml/2006/main" preserve="1" userDrawn="1">
   <p:cSld name="Title Picture and Content">
-    <p:bg>
-      <p:bgPr>
-        <a:solidFill>
-          <a:schemeClr val="accent5">
-            <a:lumMod val="20000"/>
-            <a:lumOff val="80000"/>
-          </a:schemeClr>
-        </a:solidFill>
-        <a:effectLst/>
-      </p:bgPr>
-    </p:bg>
     <p:spTree>
       <p:nvGrpSpPr>
         <p:cNvPr id="1" name=""/>
@@ -5567,9 +5429,15 @@
 <p:sldMaster xmlns:a="http://schemas.openxmlformats.org/drawingml/2006/main" xmlns:r="http://schemas.openxmlformats.org/officeDocument/2006/relationships" xmlns:p="http://schemas.openxmlformats.org/presentationml/2006/main">
   <p:cSld>
     <p:bg>
-      <p:bgRef idx="1001">
-        <a:schemeClr val="bg1"/>
-      </p:bgRef>
+      <p:bgPr>
+        <a:solidFill>
+          <a:schemeClr val="accent2">
+            <a:lumMod val="20000"/>
+            <a:lumOff val="80000"/>
+          </a:schemeClr>
+        </a:solidFill>
+        <a:effectLst/>
+      </p:bgPr>
     </p:bg>
     <p:spTree>
       <p:nvGrpSpPr>
@@ -6135,6 +6003,14 @@
 <file path=ppt/slides/slide1.xml><?xml version="1.0" encoding="utf-8"?>
 <p:sld xmlns:a="http://schemas.openxmlformats.org/drawingml/2006/main" xmlns:r="http://schemas.openxmlformats.org/officeDocument/2006/relationships" xmlns:p="http://schemas.openxmlformats.org/presentationml/2006/main">
   <p:cSld>
+    <p:bg>
+      <p:bgPr>
+        <a:solidFill>
+          <a:srgbClr val="324E54"/>
+        </a:solidFill>
+        <a:effectLst/>
+      </p:bgPr>
+    </p:bg>
     <p:spTree>
       <p:nvGrpSpPr>
         <p:cNvPr id="1" name=""/>
@@ -6261,9 +6137,11 @@
                     <a:lumOff val="80000"/>
                   </a:schemeClr>
                 </a:solidFill>
-                <a:latin typeface="Arial" panose="020B0604020202020204" pitchFamily="34" charset="0"/>
-              </a:rPr>
-              <a:t>Name: 	   Swathi Chittani</a:t>
+                <a:latin typeface="Calibri" panose="020F0502020204030204" pitchFamily="34" charset="0"/>
+                <a:ea typeface="Calibri" panose="020F0502020204030204" pitchFamily="34" charset="0"/>
+                <a:cs typeface="Calibri" panose="020F0502020204030204" pitchFamily="34" charset="0"/>
+              </a:rPr>
+              <a:t>Name: 	                 Swathi Chittani</a:t>
             </a:r>
           </a:p>
           <a:p>
@@ -6293,7 +6171,9 @@
                   </a:schemeClr>
                 </a:solidFill>
                 <a:effectLst/>
-                <a:latin typeface="Arial" panose="020B0604020202020204" pitchFamily="34" charset="0"/>
+                <a:latin typeface="Calibri" panose="020F0502020204030204" pitchFamily="34" charset="0"/>
+                <a:ea typeface="Calibri" panose="020F0502020204030204" pitchFamily="34" charset="0"/>
+                <a:cs typeface="Calibri" panose="020F0502020204030204" pitchFamily="34" charset="0"/>
               </a:rPr>
               <a:t>Role: 		   Senior Software Engineer (Front End)</a:t>
             </a:r>
@@ -6325,7 +6205,9 @@
                   </a:schemeClr>
                 </a:solidFill>
                 <a:effectLst/>
-                <a:latin typeface="Arial" panose="020B0604020202020204" pitchFamily="34" charset="0"/>
+                <a:latin typeface="Calibri" panose="020F0502020204030204" pitchFamily="34" charset="0"/>
+                <a:ea typeface="Calibri" panose="020F0502020204030204" pitchFamily="34" charset="0"/>
+                <a:cs typeface="Calibri" panose="020F0502020204030204" pitchFamily="34" charset="0"/>
               </a:rPr>
               <a:t>Experience: 	   9.6 years</a:t>
             </a:r>
@@ -6357,7 +6239,9 @@
                   </a:schemeClr>
                 </a:solidFill>
                 <a:effectLst/>
-                <a:latin typeface="Arial" panose="020B0604020202020204" pitchFamily="34" charset="0"/>
+                <a:latin typeface="Calibri" panose="020F0502020204030204" pitchFamily="34" charset="0"/>
+                <a:ea typeface="Calibri" panose="020F0502020204030204" pitchFamily="34" charset="0"/>
+                <a:cs typeface="Calibri" panose="020F0502020204030204" pitchFamily="34" charset="0"/>
               </a:rPr>
               <a:t>Domains: 	   Public Sector &amp; Healthcare</a:t>
             </a:r>
@@ -6389,9 +6273,11 @@
                   </a:schemeClr>
                 </a:solidFill>
                 <a:effectLst/>
-                <a:latin typeface="Arial" panose="020B0604020202020204" pitchFamily="34" charset="0"/>
-              </a:rPr>
-              <a:t>Specialization: Full-stack ReactJS + ASP.NET + </a:t>
+                <a:latin typeface="Calibri" panose="020F0502020204030204" pitchFamily="34" charset="0"/>
+                <a:ea typeface="Calibri" panose="020F0502020204030204" pitchFamily="34" charset="0"/>
+                <a:cs typeface="Calibri" panose="020F0502020204030204" pitchFamily="34" charset="0"/>
+              </a:rPr>
+              <a:t>Specialization:     Full-stack ReactJS + ASP.NET + </a:t>
             </a:r>
             <a:r>
               <a:rPr lang="en-US" altLang="en-US" sz="2200" b="1" dirty="0" err="1">
@@ -6401,7 +6287,9 @@
                     <a:lumOff val="80000"/>
                   </a:schemeClr>
                 </a:solidFill>
-                <a:latin typeface="Arial" panose="020B0604020202020204" pitchFamily="34" charset="0"/>
+                <a:latin typeface="Calibri" panose="020F0502020204030204" pitchFamily="34" charset="0"/>
+                <a:ea typeface="Calibri" panose="020F0502020204030204" pitchFamily="34" charset="0"/>
+                <a:cs typeface="Calibri" panose="020F0502020204030204" pitchFamily="34" charset="0"/>
               </a:rPr>
               <a:t>SqlServer</a:t>
             </a:r>
@@ -6416,7 +6304,9 @@
                 </a:schemeClr>
               </a:solidFill>
               <a:effectLst/>
-              <a:latin typeface="Arial" panose="020B0604020202020204" pitchFamily="34" charset="0"/>
+              <a:latin typeface="Calibri" panose="020F0502020204030204" pitchFamily="34" charset="0"/>
+              <a:ea typeface="Calibri" panose="020F0502020204030204" pitchFamily="34" charset="0"/>
+              <a:cs typeface="Calibri" panose="020F0502020204030204" pitchFamily="34" charset="0"/>
             </a:endParaRPr>
           </a:p>
           <a:p>
@@ -6446,7 +6336,9 @@
                   </a:schemeClr>
                 </a:solidFill>
                 <a:effectLst/>
-                <a:latin typeface="Arial" panose="020B0604020202020204" pitchFamily="34" charset="0"/>
+                <a:latin typeface="Calibri" panose="020F0502020204030204" pitchFamily="34" charset="0"/>
+                <a:ea typeface="Calibri" panose="020F0502020204030204" pitchFamily="34" charset="0"/>
+                <a:cs typeface="Calibri" panose="020F0502020204030204" pitchFamily="34" charset="0"/>
               </a:rPr>
               <a:t>LinkedIn: 	   linkedin.com/in/swathi-chittani-11247557</a:t>
             </a:r>
@@ -6518,7 +6410,13 @@
   <p:cSld>
     <p:spTree>
       <p:nvGrpSpPr>
-        <p:cNvPr id="1" name=""/>
+        <p:cNvPr id="1" name="">
+          <a:extLst>
+            <a:ext uri="{FF2B5EF4-FFF2-40B4-BE49-F238E27FC236}">
+              <a16:creationId xmlns:a16="http://schemas.microsoft.com/office/drawing/2014/main" id="{B525CDDC-D73E-4700-52DA-B2F00D215131}"/>
+            </a:ext>
+          </a:extLst>
+        </p:cNvPr>
         <p:cNvGrpSpPr/>
         <p:nvPr/>
       </p:nvGrpSpPr>
@@ -6535,7 +6433,7 @@
           <p:cNvPr id="2" name="Slide Number Placeholder 1">
             <a:extLst>
               <a:ext uri="{FF2B5EF4-FFF2-40B4-BE49-F238E27FC236}">
-                <a16:creationId xmlns:a16="http://schemas.microsoft.com/office/drawing/2014/main" id="{C1D94129-1999-7159-E6E3-7D6C478655BD}"/>
+                <a16:creationId xmlns:a16="http://schemas.microsoft.com/office/drawing/2014/main" id="{E62F0F2E-5966-5B2C-7D7A-DA218DABF28A}"/>
               </a:ext>
             </a:extLst>
           </p:cNvPr>
@@ -6546,12 +6444,7 @@
             <p:ph type="sldNum" sz="quarter" idx="15"/>
           </p:nvPr>
         </p:nvSpPr>
-        <p:spPr>
-          <a:xfrm>
-            <a:off x="412136" y="5943601"/>
-            <a:ext cx="968983" cy="651912"/>
-          </a:xfrm>
-        </p:spPr>
+        <p:spPr/>
         <p:txBody>
           <a:bodyPr/>
           <a:lstStyle/>
@@ -6570,7 +6463,7 @@
           <p:cNvPr id="14" name="TextBox 13">
             <a:extLst>
               <a:ext uri="{FF2B5EF4-FFF2-40B4-BE49-F238E27FC236}">
-                <a16:creationId xmlns:a16="http://schemas.microsoft.com/office/drawing/2014/main" id="{62B7CBD1-66F9-EE9A-012D-309DE86EEA9C}"/>
+                <a16:creationId xmlns:a16="http://schemas.microsoft.com/office/drawing/2014/main" id="{833DAFE8-08EC-8D54-96D0-E42816E4E56B}"/>
               </a:ext>
             </a:extLst>
           </p:cNvPr>
@@ -6579,8 +6472,8 @@
         </p:nvSpPr>
         <p:spPr>
           <a:xfrm>
-            <a:off x="1238506" y="799664"/>
-            <a:ext cx="5405575" cy="4770537"/>
+            <a:off x="1238506" y="522827"/>
+            <a:ext cx="5405575" cy="6001643"/>
           </a:xfrm>
           <a:prstGeom prst="rect">
             <a:avLst/>
@@ -6599,7 +6492,7 @@
                 <a:ea typeface="Calibri" panose="020F0502020204030204" pitchFamily="34" charset="0"/>
                 <a:cs typeface="Calibri" panose="020F0502020204030204" pitchFamily="34" charset="0"/>
               </a:rPr>
-              <a:t>Callback.js</a:t>
+              <a:t>&lt;script&gt;</a:t>
             </a:r>
           </a:p>
           <a:p>
@@ -6609,7 +6502,7 @@
                 <a:ea typeface="Calibri" panose="020F0502020204030204" pitchFamily="34" charset="0"/>
                 <a:cs typeface="Calibri" panose="020F0502020204030204" pitchFamily="34" charset="0"/>
               </a:rPr>
-              <a:t>import { </a:t>
+              <a:t>      (function(</a:t>
             </a:r>
             <a:r>
               <a:rPr lang="en-US" sz="1600" dirty="0" err="1">
@@ -6617,7 +6510,7 @@
                 <a:ea typeface="Calibri" panose="020F0502020204030204" pitchFamily="34" charset="0"/>
                 <a:cs typeface="Calibri" panose="020F0502020204030204" pitchFamily="34" charset="0"/>
               </a:rPr>
-              <a:t>useEffect</a:t>
+              <a:t>apiKey</a:t>
             </a:r>
             <a:r>
               <a:rPr lang="en-US" sz="1600" dirty="0">
@@ -6625,7 +6518,7 @@
                 <a:ea typeface="Calibri" panose="020F0502020204030204" pitchFamily="34" charset="0"/>
                 <a:cs typeface="Calibri" panose="020F0502020204030204" pitchFamily="34" charset="0"/>
               </a:rPr>
-              <a:t> } from "react";</a:t>
+              <a:t>){</a:t>
             </a:r>
           </a:p>
           <a:p>
@@ -6635,7 +6528,7 @@
                 <a:ea typeface="Calibri" panose="020F0502020204030204" pitchFamily="34" charset="0"/>
                 <a:cs typeface="Calibri" panose="020F0502020204030204" pitchFamily="34" charset="0"/>
               </a:rPr>
-              <a:t>import { </a:t>
+              <a:t>        (function(</a:t>
             </a:r>
             <a:r>
               <a:rPr lang="en-US" sz="1600" dirty="0" err="1">
@@ -6643,7 +6536,7 @@
                 <a:ea typeface="Calibri" panose="020F0502020204030204" pitchFamily="34" charset="0"/>
                 <a:cs typeface="Calibri" panose="020F0502020204030204" pitchFamily="34" charset="0"/>
               </a:rPr>
-              <a:t>useNavigate</a:t>
+              <a:t>p,e,n,d,o</a:t>
             </a:r>
             <a:r>
               <a:rPr lang="en-US" sz="1600" dirty="0">
@@ -6651,7 +6544,17 @@
                 <a:ea typeface="Calibri" panose="020F0502020204030204" pitchFamily="34" charset="0"/>
                 <a:cs typeface="Calibri" panose="020F0502020204030204" pitchFamily="34" charset="0"/>
               </a:rPr>
-              <a:t> } from "react-router-</a:t>
+              <a:t>){</a:t>
+            </a:r>
+          </a:p>
+          <a:p>
+            <a:r>
+              <a:rPr lang="en-US" sz="1600" dirty="0">
+                <a:latin typeface="Calibri" panose="020F0502020204030204" pitchFamily="34" charset="0"/>
+                <a:ea typeface="Calibri" panose="020F0502020204030204" pitchFamily="34" charset="0"/>
+                <a:cs typeface="Calibri" panose="020F0502020204030204" pitchFamily="34" charset="0"/>
+              </a:rPr>
+              <a:t>          var </a:t>
             </a:r>
             <a:r>
               <a:rPr lang="en-US" sz="1600" dirty="0" err="1">
@@ -6659,7 +6562,7 @@
                 <a:ea typeface="Calibri" panose="020F0502020204030204" pitchFamily="34" charset="0"/>
                 <a:cs typeface="Calibri" panose="020F0502020204030204" pitchFamily="34" charset="0"/>
               </a:rPr>
-              <a:t>dom</a:t>
+              <a:t>v,w,x,y,z</a:t>
             </a:r>
             <a:r>
               <a:rPr lang="en-US" sz="1600" dirty="0">
@@ -6667,7 +6570,7 @@
                 <a:ea typeface="Calibri" panose="020F0502020204030204" pitchFamily="34" charset="0"/>
                 <a:cs typeface="Calibri" panose="020F0502020204030204" pitchFamily="34" charset="0"/>
               </a:rPr>
-              <a:t>";</a:t>
+              <a:t>;</a:t>
             </a:r>
           </a:p>
           <a:p>
@@ -6677,7 +6580,17 @@
                 <a:ea typeface="Calibri" panose="020F0502020204030204" pitchFamily="34" charset="0"/>
                 <a:cs typeface="Calibri" panose="020F0502020204030204" pitchFamily="34" charset="0"/>
               </a:rPr>
-              <a:t>import { </a:t>
+              <a:t>          o=p[d]=p[d]||{};</a:t>
+            </a:r>
+          </a:p>
+          <a:p>
+            <a:r>
+              <a:rPr lang="en-US" sz="1600" dirty="0">
+                <a:latin typeface="Calibri" panose="020F0502020204030204" pitchFamily="34" charset="0"/>
+                <a:ea typeface="Calibri" panose="020F0502020204030204" pitchFamily="34" charset="0"/>
+                <a:cs typeface="Calibri" panose="020F0502020204030204" pitchFamily="34" charset="0"/>
+              </a:rPr>
+              <a:t>          </a:t>
             </a:r>
             <a:r>
               <a:rPr lang="en-US" sz="1600" dirty="0" err="1">
@@ -6685,7 +6598,7 @@
                 <a:ea typeface="Calibri" panose="020F0502020204030204" pitchFamily="34" charset="0"/>
                 <a:cs typeface="Calibri" panose="020F0502020204030204" pitchFamily="34" charset="0"/>
               </a:rPr>
-              <a:t>userManager</a:t>
+              <a:t>o._q</a:t>
             </a:r>
             <a:r>
               <a:rPr lang="en-US" sz="1600" dirty="0">
@@ -6693,7 +6606,17 @@
                 <a:ea typeface="Calibri" panose="020F0502020204030204" pitchFamily="34" charset="0"/>
                 <a:cs typeface="Calibri" panose="020F0502020204030204" pitchFamily="34" charset="0"/>
               </a:rPr>
-              <a:t> } from "./</a:t>
+              <a:t>=[];</a:t>
+            </a:r>
+          </a:p>
+          <a:p>
+            <a:r>
+              <a:rPr lang="en-US" sz="1600" dirty="0">
+                <a:latin typeface="Calibri" panose="020F0502020204030204" pitchFamily="34" charset="0"/>
+                <a:ea typeface="Calibri" panose="020F0502020204030204" pitchFamily="34" charset="0"/>
+                <a:cs typeface="Calibri" panose="020F0502020204030204" pitchFamily="34" charset="0"/>
+              </a:rPr>
+              <a:t>          v=['initialize','identify','</a:t>
             </a:r>
             <a:r>
               <a:rPr lang="en-US" sz="1600" dirty="0" err="1">
@@ -6701,7 +6624,7 @@
                 <a:ea typeface="Calibri" panose="020F0502020204030204" pitchFamily="34" charset="0"/>
                 <a:cs typeface="Calibri" panose="020F0502020204030204" pitchFamily="34" charset="0"/>
               </a:rPr>
-              <a:t>authService</a:t>
+              <a:t>updateOptions</a:t>
             </a:r>
             <a:r>
               <a:rPr lang="en-US" sz="1600" dirty="0">
@@ -6709,24 +6632,23 @@
                 <a:ea typeface="Calibri" panose="020F0502020204030204" pitchFamily="34" charset="0"/>
                 <a:cs typeface="Calibri" panose="020F0502020204030204" pitchFamily="34" charset="0"/>
               </a:rPr>
-              <a:t>";</a:t>
-            </a:r>
-          </a:p>
-          <a:p>
-            <a:endParaRPr lang="en-US" sz="1600" dirty="0">
-              <a:latin typeface="Calibri" panose="020F0502020204030204" pitchFamily="34" charset="0"/>
-              <a:ea typeface="Calibri" panose="020F0502020204030204" pitchFamily="34" charset="0"/>
-              <a:cs typeface="Calibri" panose="020F0502020204030204" pitchFamily="34" charset="0"/>
-            </a:endParaRPr>
-          </a:p>
-          <a:p>
+              <a:t>','</a:t>
+            </a:r>
+            <a:r>
+              <a:rPr lang="en-US" sz="1600" dirty="0" err="1">
+                <a:latin typeface="Calibri" panose="020F0502020204030204" pitchFamily="34" charset="0"/>
+                <a:ea typeface="Calibri" panose="020F0502020204030204" pitchFamily="34" charset="0"/>
+                <a:cs typeface="Calibri" panose="020F0502020204030204" pitchFamily="34" charset="0"/>
+              </a:rPr>
+              <a:t>pageLoad</a:t>
+            </a:r>
             <a:r>
               <a:rPr lang="en-US" sz="1600" dirty="0">
                 <a:latin typeface="Calibri" panose="020F0502020204030204" pitchFamily="34" charset="0"/>
                 <a:ea typeface="Calibri" panose="020F0502020204030204" pitchFamily="34" charset="0"/>
                 <a:cs typeface="Calibri" panose="020F0502020204030204" pitchFamily="34" charset="0"/>
               </a:rPr>
-              <a:t>export default function Callback() {</a:t>
+              <a:t>','track'];</a:t>
             </a:r>
           </a:p>
           <a:p>
@@ -6736,7 +6658,7 @@
                 <a:ea typeface="Calibri" panose="020F0502020204030204" pitchFamily="34" charset="0"/>
                 <a:cs typeface="Calibri" panose="020F0502020204030204" pitchFamily="34" charset="0"/>
               </a:rPr>
-              <a:t>  const navigate = </a:t>
+              <a:t>          for(w=0,x=</a:t>
             </a:r>
             <a:r>
               <a:rPr lang="en-US" sz="1600" dirty="0" err="1">
@@ -6744,7 +6666,7 @@
                 <a:ea typeface="Calibri" panose="020F0502020204030204" pitchFamily="34" charset="0"/>
                 <a:cs typeface="Calibri" panose="020F0502020204030204" pitchFamily="34" charset="0"/>
               </a:rPr>
-              <a:t>useNavigate</a:t>
+              <a:t>v.length;w</a:t>
             </a:r>
             <a:r>
               <a:rPr lang="en-US" sz="1600" dirty="0">
@@ -6752,15 +6674,8 @@
                 <a:ea typeface="Calibri" panose="020F0502020204030204" pitchFamily="34" charset="0"/>
                 <a:cs typeface="Calibri" panose="020F0502020204030204" pitchFamily="34" charset="0"/>
               </a:rPr>
-              <a:t>();</a:t>
-            </a:r>
-          </a:p>
-          <a:p>
-            <a:endParaRPr lang="en-US" sz="1600" dirty="0">
-              <a:latin typeface="Calibri" panose="020F0502020204030204" pitchFamily="34" charset="0"/>
-              <a:ea typeface="Calibri" panose="020F0502020204030204" pitchFamily="34" charset="0"/>
-              <a:cs typeface="Calibri" panose="020F0502020204030204" pitchFamily="34" charset="0"/>
-            </a:endParaRPr>
+              <a:t>&lt;x;++w)(function(m){</a:t>
+            </a:r>
           </a:p>
           <a:p>
             <a:r>
@@ -6769,7 +6684,17 @@
                 <a:ea typeface="Calibri" panose="020F0502020204030204" pitchFamily="34" charset="0"/>
                 <a:cs typeface="Calibri" panose="020F0502020204030204" pitchFamily="34" charset="0"/>
               </a:rPr>
-              <a:t>  </a:t>
+              <a:t>            o[m]=o[m]||function(){</a:t>
+            </a:r>
+          </a:p>
+          <a:p>
+            <a:r>
+              <a:rPr lang="en-US" sz="1600" dirty="0">
+                <a:latin typeface="Calibri" panose="020F0502020204030204" pitchFamily="34" charset="0"/>
+                <a:ea typeface="Calibri" panose="020F0502020204030204" pitchFamily="34" charset="0"/>
+                <a:cs typeface="Calibri" panose="020F0502020204030204" pitchFamily="34" charset="0"/>
+              </a:rPr>
+              <a:t>              </a:t>
             </a:r>
             <a:r>
               <a:rPr lang="en-US" sz="1600" dirty="0" err="1">
@@ -6777,7 +6702,7 @@
                 <a:ea typeface="Calibri" panose="020F0502020204030204" pitchFamily="34" charset="0"/>
                 <a:cs typeface="Calibri" panose="020F0502020204030204" pitchFamily="34" charset="0"/>
               </a:rPr>
-              <a:t>useEffect</a:t>
+              <a:t>o._q</a:t>
             </a:r>
             <a:r>
               <a:rPr lang="en-US" sz="1600" dirty="0">
@@ -6785,17 +6710,23 @@
                 <a:ea typeface="Calibri" panose="020F0502020204030204" pitchFamily="34" charset="0"/>
                 <a:cs typeface="Calibri" panose="020F0502020204030204" pitchFamily="34" charset="0"/>
               </a:rPr>
-              <a:t>(() =&gt; {</a:t>
-            </a:r>
-          </a:p>
-          <a:p>
+              <a:t>[m===v[0]?'</a:t>
+            </a:r>
+            <a:r>
+              <a:rPr lang="en-US" sz="1600" dirty="0" err="1">
+                <a:latin typeface="Calibri" panose="020F0502020204030204" pitchFamily="34" charset="0"/>
+                <a:ea typeface="Calibri" panose="020F0502020204030204" pitchFamily="34" charset="0"/>
+                <a:cs typeface="Calibri" panose="020F0502020204030204" pitchFamily="34" charset="0"/>
+              </a:rPr>
+              <a:t>unshift':'push</a:t>
+            </a:r>
             <a:r>
               <a:rPr lang="en-US" sz="1600" dirty="0">
                 <a:latin typeface="Calibri" panose="020F0502020204030204" pitchFamily="34" charset="0"/>
                 <a:ea typeface="Calibri" panose="020F0502020204030204" pitchFamily="34" charset="0"/>
                 <a:cs typeface="Calibri" panose="020F0502020204030204" pitchFamily="34" charset="0"/>
               </a:rPr>
-              <a:t>    </a:t>
+              <a:t>']([m].</a:t>
             </a:r>
             <a:r>
               <a:rPr lang="en-US" sz="1600" dirty="0" err="1">
@@ -6803,7 +6734,7 @@
                 <a:ea typeface="Calibri" panose="020F0502020204030204" pitchFamily="34" charset="0"/>
                 <a:cs typeface="Calibri" panose="020F0502020204030204" pitchFamily="34" charset="0"/>
               </a:rPr>
-              <a:t>userManager.signinRedirectCallback</a:t>
+              <a:t>concat</a:t>
             </a:r>
             <a:r>
               <a:rPr lang="en-US" sz="1600" dirty="0">
@@ -6811,17 +6742,53 @@
                 <a:ea typeface="Calibri" panose="020F0502020204030204" pitchFamily="34" charset="0"/>
                 <a:cs typeface="Calibri" panose="020F0502020204030204" pitchFamily="34" charset="0"/>
               </a:rPr>
-              <a:t>().then(user =&gt; {</a:t>
-            </a:r>
-          </a:p>
-          <a:p>
+              <a:t>([].</a:t>
+            </a:r>
+            <a:r>
+              <a:rPr lang="en-US" sz="1600" dirty="0" err="1">
+                <a:latin typeface="Calibri" panose="020F0502020204030204" pitchFamily="34" charset="0"/>
+                <a:ea typeface="Calibri" panose="020F0502020204030204" pitchFamily="34" charset="0"/>
+                <a:cs typeface="Calibri" panose="020F0502020204030204" pitchFamily="34" charset="0"/>
+              </a:rPr>
+              <a:t>slice.call</a:t>
+            </a:r>
             <a:r>
               <a:rPr lang="en-US" sz="1600" dirty="0">
                 <a:latin typeface="Calibri" panose="020F0502020204030204" pitchFamily="34" charset="0"/>
                 <a:ea typeface="Calibri" panose="020F0502020204030204" pitchFamily="34" charset="0"/>
                 <a:cs typeface="Calibri" panose="020F0502020204030204" pitchFamily="34" charset="0"/>
               </a:rPr>
-              <a:t>      console.log("Token received:", </a:t>
+              <a:t>(arguments,0)));</a:t>
+            </a:r>
+          </a:p>
+          <a:p>
+            <a:r>
+              <a:rPr lang="en-US" sz="1600" dirty="0">
+                <a:latin typeface="Calibri" panose="020F0502020204030204" pitchFamily="34" charset="0"/>
+                <a:ea typeface="Calibri" panose="020F0502020204030204" pitchFamily="34" charset="0"/>
+                <a:cs typeface="Calibri" panose="020F0502020204030204" pitchFamily="34" charset="0"/>
+              </a:rPr>
+              <a:t>            };</a:t>
+            </a:r>
+          </a:p>
+          <a:p>
+            <a:r>
+              <a:rPr lang="en-US" sz="1600" dirty="0">
+                <a:latin typeface="Calibri" panose="020F0502020204030204" pitchFamily="34" charset="0"/>
+                <a:ea typeface="Calibri" panose="020F0502020204030204" pitchFamily="34" charset="0"/>
+                <a:cs typeface="Calibri" panose="020F0502020204030204" pitchFamily="34" charset="0"/>
+              </a:rPr>
+              <a:t>          })(v[w]);</a:t>
+            </a:r>
+          </a:p>
+          <a:p>
+            <a:r>
+              <a:rPr lang="en-US" sz="1600" dirty="0">
+                <a:latin typeface="Calibri" panose="020F0502020204030204" pitchFamily="34" charset="0"/>
+                <a:ea typeface="Calibri" panose="020F0502020204030204" pitchFamily="34" charset="0"/>
+                <a:cs typeface="Calibri" panose="020F0502020204030204" pitchFamily="34" charset="0"/>
+              </a:rPr>
+              <a:t>          y=</a:t>
             </a:r>
             <a:r>
               <a:rPr lang="en-US" sz="1600" dirty="0" err="1">
@@ -6829,7 +6796,7 @@
                 <a:ea typeface="Calibri" panose="020F0502020204030204" pitchFamily="34" charset="0"/>
                 <a:cs typeface="Calibri" panose="020F0502020204030204" pitchFamily="34" charset="0"/>
               </a:rPr>
-              <a:t>user.access_token</a:t>
+              <a:t>e.createElement</a:t>
             </a:r>
             <a:r>
               <a:rPr lang="en-US" sz="1600" dirty="0">
@@ -6837,6 +6804,142 @@
                 <a:ea typeface="Calibri" panose="020F0502020204030204" pitchFamily="34" charset="0"/>
                 <a:cs typeface="Calibri" panose="020F0502020204030204" pitchFamily="34" charset="0"/>
               </a:rPr>
+              <a:t>(n);</a:t>
+            </a:r>
+          </a:p>
+          <a:p>
+            <a:r>
+              <a:rPr lang="en-US" sz="1600" dirty="0">
+                <a:latin typeface="Calibri" panose="020F0502020204030204" pitchFamily="34" charset="0"/>
+                <a:ea typeface="Calibri" panose="020F0502020204030204" pitchFamily="34" charset="0"/>
+                <a:cs typeface="Calibri" panose="020F0502020204030204" pitchFamily="34" charset="0"/>
+              </a:rPr>
+              <a:t>          </a:t>
+            </a:r>
+            <a:r>
+              <a:rPr lang="en-US" sz="1600" dirty="0" err="1">
+                <a:latin typeface="Calibri" panose="020F0502020204030204" pitchFamily="34" charset="0"/>
+                <a:ea typeface="Calibri" panose="020F0502020204030204" pitchFamily="34" charset="0"/>
+                <a:cs typeface="Calibri" panose="020F0502020204030204" pitchFamily="34" charset="0"/>
+              </a:rPr>
+              <a:t>y.async</a:t>
+            </a:r>
+            <a:r>
+              <a:rPr lang="en-US" sz="1600" dirty="0">
+                <a:latin typeface="Calibri" panose="020F0502020204030204" pitchFamily="34" charset="0"/>
+                <a:ea typeface="Calibri" panose="020F0502020204030204" pitchFamily="34" charset="0"/>
+                <a:cs typeface="Calibri" panose="020F0502020204030204" pitchFamily="34" charset="0"/>
+              </a:rPr>
+              <a:t>=!0;</a:t>
+            </a:r>
+          </a:p>
+          <a:p>
+            <a:r>
+              <a:rPr lang="en-US" sz="1600" dirty="0">
+                <a:latin typeface="Calibri" panose="020F0502020204030204" pitchFamily="34" charset="0"/>
+                <a:ea typeface="Calibri" panose="020F0502020204030204" pitchFamily="34" charset="0"/>
+                <a:cs typeface="Calibri" panose="020F0502020204030204" pitchFamily="34" charset="0"/>
+              </a:rPr>
+              <a:t>          </a:t>
+            </a:r>
+            <a:r>
+              <a:rPr lang="en-US" sz="1600" dirty="0" err="1">
+                <a:latin typeface="Calibri" panose="020F0502020204030204" pitchFamily="34" charset="0"/>
+                <a:ea typeface="Calibri" panose="020F0502020204030204" pitchFamily="34" charset="0"/>
+                <a:cs typeface="Calibri" panose="020F0502020204030204" pitchFamily="34" charset="0"/>
+              </a:rPr>
+              <a:t>y.src</a:t>
+            </a:r>
+            <a:r>
+              <a:rPr lang="en-US" sz="1600" dirty="0">
+                <a:latin typeface="Calibri" panose="020F0502020204030204" pitchFamily="34" charset="0"/>
+                <a:ea typeface="Calibri" panose="020F0502020204030204" pitchFamily="34" charset="0"/>
+                <a:cs typeface="Calibri" panose="020F0502020204030204" pitchFamily="34" charset="0"/>
+              </a:rPr>
+              <a:t>='https://cdn.pendo.io/agent/static/'+</a:t>
+            </a:r>
+            <a:r>
+              <a:rPr lang="en-US" sz="1600" dirty="0" err="1">
+                <a:latin typeface="Calibri" panose="020F0502020204030204" pitchFamily="34" charset="0"/>
+                <a:ea typeface="Calibri" panose="020F0502020204030204" pitchFamily="34" charset="0"/>
+                <a:cs typeface="Calibri" panose="020F0502020204030204" pitchFamily="34" charset="0"/>
+              </a:rPr>
+              <a:t>apiKey</a:t>
+            </a:r>
+            <a:r>
+              <a:rPr lang="en-US" sz="1600" dirty="0">
+                <a:latin typeface="Calibri" panose="020F0502020204030204" pitchFamily="34" charset="0"/>
+                <a:ea typeface="Calibri" panose="020F0502020204030204" pitchFamily="34" charset="0"/>
+                <a:cs typeface="Calibri" panose="020F0502020204030204" pitchFamily="34" charset="0"/>
+              </a:rPr>
+              <a:t>+'/pendo.js';</a:t>
+            </a:r>
+          </a:p>
+          <a:p>
+            <a:r>
+              <a:rPr lang="en-US" sz="1600" dirty="0">
+                <a:latin typeface="Calibri" panose="020F0502020204030204" pitchFamily="34" charset="0"/>
+                <a:ea typeface="Calibri" panose="020F0502020204030204" pitchFamily="34" charset="0"/>
+                <a:cs typeface="Calibri" panose="020F0502020204030204" pitchFamily="34" charset="0"/>
+              </a:rPr>
+              <a:t>          z=</a:t>
+            </a:r>
+            <a:r>
+              <a:rPr lang="en-US" sz="1600" dirty="0" err="1">
+                <a:latin typeface="Calibri" panose="020F0502020204030204" pitchFamily="34" charset="0"/>
+                <a:ea typeface="Calibri" panose="020F0502020204030204" pitchFamily="34" charset="0"/>
+                <a:cs typeface="Calibri" panose="020F0502020204030204" pitchFamily="34" charset="0"/>
+              </a:rPr>
+              <a:t>e.getElementsByTagName</a:t>
+            </a:r>
+            <a:r>
+              <a:rPr lang="en-US" sz="1600" dirty="0">
+                <a:latin typeface="Calibri" panose="020F0502020204030204" pitchFamily="34" charset="0"/>
+                <a:ea typeface="Calibri" panose="020F0502020204030204" pitchFamily="34" charset="0"/>
+                <a:cs typeface="Calibri" panose="020F0502020204030204" pitchFamily="34" charset="0"/>
+              </a:rPr>
+              <a:t>(n)[0];</a:t>
+            </a:r>
+          </a:p>
+          <a:p>
+            <a:r>
+              <a:rPr lang="en-US" sz="1600" dirty="0">
+                <a:latin typeface="Calibri" panose="020F0502020204030204" pitchFamily="34" charset="0"/>
+                <a:ea typeface="Calibri" panose="020F0502020204030204" pitchFamily="34" charset="0"/>
+                <a:cs typeface="Calibri" panose="020F0502020204030204" pitchFamily="34" charset="0"/>
+              </a:rPr>
+              <a:t>          </a:t>
+            </a:r>
+            <a:r>
+              <a:rPr lang="en-US" sz="1600" dirty="0" err="1">
+                <a:latin typeface="Calibri" panose="020F0502020204030204" pitchFamily="34" charset="0"/>
+                <a:ea typeface="Calibri" panose="020F0502020204030204" pitchFamily="34" charset="0"/>
+                <a:cs typeface="Calibri" panose="020F0502020204030204" pitchFamily="34" charset="0"/>
+              </a:rPr>
+              <a:t>z.parentNode.insertBefore</a:t>
+            </a:r>
+            <a:r>
+              <a:rPr lang="en-US" sz="1600" dirty="0">
+                <a:latin typeface="Calibri" panose="020F0502020204030204" pitchFamily="34" charset="0"/>
+                <a:ea typeface="Calibri" panose="020F0502020204030204" pitchFamily="34" charset="0"/>
+                <a:cs typeface="Calibri" panose="020F0502020204030204" pitchFamily="34" charset="0"/>
+              </a:rPr>
+              <a:t>(</a:t>
+            </a:r>
+            <a:r>
+              <a:rPr lang="en-US" sz="1600" dirty="0" err="1">
+                <a:latin typeface="Calibri" panose="020F0502020204030204" pitchFamily="34" charset="0"/>
+                <a:ea typeface="Calibri" panose="020F0502020204030204" pitchFamily="34" charset="0"/>
+                <a:cs typeface="Calibri" panose="020F0502020204030204" pitchFamily="34" charset="0"/>
+              </a:rPr>
+              <a:t>y,z</a:t>
+            </a:r>
+            <a:r>
+              <a:rPr lang="en-US" sz="1600" dirty="0">
+                <a:latin typeface="Calibri" panose="020F0502020204030204" pitchFamily="34" charset="0"/>
+                <a:ea typeface="Calibri" panose="020F0502020204030204" pitchFamily="34" charset="0"/>
+                <a:cs typeface="Calibri" panose="020F0502020204030204" pitchFamily="34" charset="0"/>
+              </a:rPr>
               <a:t>);</a:t>
             </a:r>
           </a:p>
@@ -6847,7 +6950,7 @@
                 <a:ea typeface="Calibri" panose="020F0502020204030204" pitchFamily="34" charset="0"/>
                 <a:cs typeface="Calibri" panose="020F0502020204030204" pitchFamily="34" charset="0"/>
               </a:rPr>
-              <a:t>      </a:t>
+              <a:t>        })(window,document,'script','</a:t>
             </a:r>
             <a:r>
               <a:rPr lang="en-US" sz="1600" dirty="0" err="1">
@@ -6855,7 +6958,7 @@
                 <a:ea typeface="Calibri" panose="020F0502020204030204" pitchFamily="34" charset="0"/>
                 <a:cs typeface="Calibri" panose="020F0502020204030204" pitchFamily="34" charset="0"/>
               </a:rPr>
-              <a:t>localStorage.setItem</a:t>
+              <a:t>pendo</a:t>
             </a:r>
             <a:r>
               <a:rPr lang="en-US" sz="1600" dirty="0">
@@ -6863,23 +6966,17 @@
                 <a:ea typeface="Calibri" panose="020F0502020204030204" pitchFamily="34" charset="0"/>
                 <a:cs typeface="Calibri" panose="020F0502020204030204" pitchFamily="34" charset="0"/>
               </a:rPr>
-              <a:t>("user", </a:t>
-            </a:r>
-            <a:r>
-              <a:rPr lang="en-US" sz="1600" dirty="0" err="1">
-                <a:latin typeface="Calibri" panose="020F0502020204030204" pitchFamily="34" charset="0"/>
-                <a:ea typeface="Calibri" panose="020F0502020204030204" pitchFamily="34" charset="0"/>
-                <a:cs typeface="Calibri" panose="020F0502020204030204" pitchFamily="34" charset="0"/>
-              </a:rPr>
-              <a:t>JSON.stringify</a:t>
-            </a:r>
+              <a:t>');</a:t>
+            </a:r>
+          </a:p>
+          <a:p>
             <a:r>
               <a:rPr lang="en-US" sz="1600" dirty="0">
                 <a:latin typeface="Calibri" panose="020F0502020204030204" pitchFamily="34" charset="0"/>
                 <a:ea typeface="Calibri" panose="020F0502020204030204" pitchFamily="34" charset="0"/>
                 <a:cs typeface="Calibri" panose="020F0502020204030204" pitchFamily="34" charset="0"/>
               </a:rPr>
-              <a:t>(user));</a:t>
+              <a:t>      })('YOUR_PENDO_API_KEY');</a:t>
             </a:r>
           </a:p>
           <a:p>
@@ -6889,90 +6986,17 @@
                 <a:ea typeface="Calibri" panose="020F0502020204030204" pitchFamily="34" charset="0"/>
                 <a:cs typeface="Calibri" panose="020F0502020204030204" pitchFamily="34" charset="0"/>
               </a:rPr>
-              <a:t>      navigate("/", { replace: true }); </a:t>
-            </a:r>
-          </a:p>
-          <a:p>
-            <a:r>
-              <a:rPr lang="en-US" sz="1600" dirty="0">
-                <a:latin typeface="Calibri" panose="020F0502020204030204" pitchFamily="34" charset="0"/>
-                <a:ea typeface="Calibri" panose="020F0502020204030204" pitchFamily="34" charset="0"/>
-                <a:cs typeface="Calibri" panose="020F0502020204030204" pitchFamily="34" charset="0"/>
-              </a:rPr>
-              <a:t>    })</a:t>
-            </a:r>
-          </a:p>
-          <a:p>
-            <a:r>
-              <a:rPr lang="en-US" sz="1600" dirty="0">
-                <a:latin typeface="Calibri" panose="020F0502020204030204" pitchFamily="34" charset="0"/>
-                <a:ea typeface="Calibri" panose="020F0502020204030204" pitchFamily="34" charset="0"/>
-                <a:cs typeface="Calibri" panose="020F0502020204030204" pitchFamily="34" charset="0"/>
-              </a:rPr>
-              <a:t>     .catch(err =&gt; </a:t>
-            </a:r>
-            <a:r>
-              <a:rPr lang="en-US" sz="1600" dirty="0" err="1">
-                <a:latin typeface="Calibri" panose="020F0502020204030204" pitchFamily="34" charset="0"/>
-                <a:ea typeface="Calibri" panose="020F0502020204030204" pitchFamily="34" charset="0"/>
-                <a:cs typeface="Calibri" panose="020F0502020204030204" pitchFamily="34" charset="0"/>
-              </a:rPr>
-              <a:t>console.error</a:t>
-            </a:r>
-            <a:r>
-              <a:rPr lang="en-US" sz="1600" dirty="0">
-                <a:latin typeface="Calibri" panose="020F0502020204030204" pitchFamily="34" charset="0"/>
-                <a:ea typeface="Calibri" panose="020F0502020204030204" pitchFamily="34" charset="0"/>
-                <a:cs typeface="Calibri" panose="020F0502020204030204" pitchFamily="34" charset="0"/>
-              </a:rPr>
-              <a:t>("Callback error:", err));</a:t>
-            </a:r>
-          </a:p>
-          <a:p>
-            <a:r>
-              <a:rPr lang="en-US" sz="1600" dirty="0">
-                <a:latin typeface="Calibri" panose="020F0502020204030204" pitchFamily="34" charset="0"/>
-                <a:ea typeface="Calibri" panose="020F0502020204030204" pitchFamily="34" charset="0"/>
-                <a:cs typeface="Calibri" panose="020F0502020204030204" pitchFamily="34" charset="0"/>
-              </a:rPr>
-              <a:t>  }, [navigate]);</a:t>
-            </a:r>
-          </a:p>
-          <a:p>
-            <a:endParaRPr lang="en-US" sz="1600" dirty="0">
-              <a:latin typeface="Calibri" panose="020F0502020204030204" pitchFamily="34" charset="0"/>
-              <a:ea typeface="Calibri" panose="020F0502020204030204" pitchFamily="34" charset="0"/>
-              <a:cs typeface="Calibri" panose="020F0502020204030204" pitchFamily="34" charset="0"/>
-            </a:endParaRPr>
-          </a:p>
-          <a:p>
-            <a:r>
-              <a:rPr lang="en-US" sz="1600" dirty="0">
-                <a:latin typeface="Calibri" panose="020F0502020204030204" pitchFamily="34" charset="0"/>
-                <a:ea typeface="Calibri" panose="020F0502020204030204" pitchFamily="34" charset="0"/>
-                <a:cs typeface="Calibri" panose="020F0502020204030204" pitchFamily="34" charset="0"/>
-              </a:rPr>
-              <a:t>  return &lt;p&gt;Completing login...&lt;/p&gt;;</a:t>
-            </a:r>
-          </a:p>
-          <a:p>
-            <a:r>
-              <a:rPr lang="en-US" sz="1600" dirty="0">
-                <a:latin typeface="Calibri" panose="020F0502020204030204" pitchFamily="34" charset="0"/>
-                <a:ea typeface="Calibri" panose="020F0502020204030204" pitchFamily="34" charset="0"/>
-                <a:cs typeface="Calibri" panose="020F0502020204030204" pitchFamily="34" charset="0"/>
-              </a:rPr>
-              <a:t>}</a:t>
+              <a:t>    &lt;/script&gt;</a:t>
             </a:r>
           </a:p>
         </p:txBody>
       </p:sp>
       <p:sp>
         <p:nvSpPr>
-          <p:cNvPr id="17" name="Title 1">
+          <p:cNvPr id="3" name="Title 1">
             <a:extLst>
               <a:ext uri="{FF2B5EF4-FFF2-40B4-BE49-F238E27FC236}">
-                <a16:creationId xmlns:a16="http://schemas.microsoft.com/office/drawing/2014/main" id="{50CB0B6A-1399-AD02-B89D-F0F042899C41}"/>
+                <a16:creationId xmlns:a16="http://schemas.microsoft.com/office/drawing/2014/main" id="{32EC2E5E-4B82-2A5B-BF0D-FE77268ABF16}"/>
               </a:ext>
             </a:extLst>
           </p:cNvPr>
@@ -6983,7 +7007,7 @@
         </p:nvSpPr>
         <p:spPr>
           <a:xfrm>
-            <a:off x="1238506" y="262487"/>
+            <a:off x="1159821" y="103089"/>
             <a:ext cx="9150675" cy="460882"/>
           </a:xfrm>
           <a:prstGeom prst="rect">
@@ -6992,7 +7016,7 @@
         </p:spPr>
         <p:txBody>
           <a:bodyPr vert="horz" lIns="0" tIns="45720" rIns="91440" bIns="45720" rtlCol="0" anchor="ctr">
-            <a:normAutofit fontScale="82500" lnSpcReduction="20000"/>
+            <a:noAutofit/>
           </a:bodyPr>
           <a:lstStyle>
             <a:lvl1pPr algn="l" defTabSz="914400" rtl="0" eaLnBrk="1" latinLnBrk="0" hangingPunct="1">
@@ -7015,16 +7039,591 @@
           </a:lstStyle>
           <a:p>
             <a:r>
-              <a:rPr lang="en-US" b="1" dirty="0">
+              <a:rPr lang="en-US" sz="3200" b="1" dirty="0">
                 <a:solidFill>
                   <a:schemeClr val="accent6">
                     <a:lumMod val="75000"/>
                   </a:schemeClr>
                 </a:solidFill>
               </a:rPr>
-              <a:t>Code Snippets:</a:t>
-            </a:r>
-            <a:endParaRPr lang="en-ZA" b="1" dirty="0">
+              <a:t>Code Snippets: Pendo Analytics</a:t>
+            </a:r>
+            <a:endParaRPr lang="en-ZA" sz="3200" b="1" dirty="0">
+              <a:solidFill>
+                <a:schemeClr val="accent6">
+                  <a:lumMod val="75000"/>
+                </a:schemeClr>
+              </a:solidFill>
+            </a:endParaRPr>
+          </a:p>
+        </p:txBody>
+      </p:sp>
+    </p:spTree>
+    <p:extLst>
+      <p:ext uri="{BB962C8B-B14F-4D97-AF65-F5344CB8AC3E}">
+        <p14:creationId xmlns:p14="http://schemas.microsoft.com/office/powerpoint/2010/main" val="1043321150"/>
+      </p:ext>
+    </p:extLst>
+  </p:cSld>
+  <p:clrMapOvr>
+    <a:masterClrMapping/>
+  </p:clrMapOvr>
+</p:sld>
+</file>
+
+<file path=ppt/slides/slide11.xml><?xml version="1.0" encoding="utf-8"?>
+<p:sld xmlns:a="http://schemas.openxmlformats.org/drawingml/2006/main" xmlns:r="http://schemas.openxmlformats.org/officeDocument/2006/relationships" xmlns:p="http://schemas.openxmlformats.org/presentationml/2006/main">
+  <p:cSld>
+    <p:spTree>
+      <p:nvGrpSpPr>
+        <p:cNvPr id="1" name=""/>
+        <p:cNvGrpSpPr/>
+        <p:nvPr/>
+      </p:nvGrpSpPr>
+      <p:grpSpPr>
+        <a:xfrm>
+          <a:off x="0" y="0"/>
+          <a:ext cx="0" cy="0"/>
+          <a:chOff x="0" y="0"/>
+          <a:chExt cx="0" cy="0"/>
+        </a:xfrm>
+      </p:grpSpPr>
+      <p:sp>
+        <p:nvSpPr>
+          <p:cNvPr id="2" name="Slide Number Placeholder 1">
+            <a:extLst>
+              <a:ext uri="{FF2B5EF4-FFF2-40B4-BE49-F238E27FC236}">
+                <a16:creationId xmlns:a16="http://schemas.microsoft.com/office/drawing/2014/main" id="{C1D94129-1999-7159-E6E3-7D6C478655BD}"/>
+              </a:ext>
+            </a:extLst>
+          </p:cNvPr>
+          <p:cNvSpPr>
+            <a:spLocks noGrp="1"/>
+          </p:cNvSpPr>
+          <p:nvPr>
+            <p:ph type="sldNum" sz="quarter" idx="15"/>
+          </p:nvPr>
+        </p:nvSpPr>
+        <p:spPr/>
+        <p:txBody>
+          <a:bodyPr/>
+          <a:lstStyle/>
+          <a:p>
+            <a:fld id="{18D65601-5AE2-46FC-B138-694DDD2B510D}" type="slidenum">
+              <a:rPr lang="en-US" smtClean="0"/>
+              <a:pPr/>
+              <a:t>11</a:t>
+            </a:fld>
+            <a:endParaRPr lang="en-US" dirty="0"/>
+          </a:p>
+        </p:txBody>
+      </p:sp>
+      <p:sp>
+        <p:nvSpPr>
+          <p:cNvPr id="4" name="TextBox 3">
+            <a:extLst>
+              <a:ext uri="{FF2B5EF4-FFF2-40B4-BE49-F238E27FC236}">
+                <a16:creationId xmlns:a16="http://schemas.microsoft.com/office/drawing/2014/main" id="{60287F33-C161-F85D-DA2F-AEECC824C2F0}"/>
+              </a:ext>
+            </a:extLst>
+          </p:cNvPr>
+          <p:cNvSpPr txBox="1"/>
+          <p:nvPr/>
+        </p:nvSpPr>
+        <p:spPr>
+          <a:xfrm>
+            <a:off x="1250490" y="612844"/>
+            <a:ext cx="9156252" cy="5632311"/>
+          </a:xfrm>
+          <a:prstGeom prst="rect">
+            <a:avLst/>
+          </a:prstGeom>
+          <a:noFill/>
+        </p:spPr>
+        <p:txBody>
+          <a:bodyPr wrap="square">
+            <a:spAutoFit/>
+          </a:bodyPr>
+          <a:lstStyle/>
+          <a:p>
+            <a:r>
+              <a:rPr lang="en-US" dirty="0" err="1">
+                <a:latin typeface="Calibri" panose="020F0502020204030204" pitchFamily="34" charset="0"/>
+                <a:ea typeface="Calibri" panose="020F0502020204030204" pitchFamily="34" charset="0"/>
+                <a:cs typeface="Calibri" panose="020F0502020204030204" pitchFamily="34" charset="0"/>
+              </a:rPr>
+              <a:t>app.Use</a:t>
+            </a:r>
+            <a:r>
+              <a:rPr lang="en-US" dirty="0">
+                <a:latin typeface="Calibri" panose="020F0502020204030204" pitchFamily="34" charset="0"/>
+                <a:ea typeface="Calibri" panose="020F0502020204030204" pitchFamily="34" charset="0"/>
+                <a:cs typeface="Calibri" panose="020F0502020204030204" pitchFamily="34" charset="0"/>
+              </a:rPr>
+              <a:t>(async (context, next) =&gt;</a:t>
+            </a:r>
+          </a:p>
+          <a:p>
+            <a:r>
+              <a:rPr lang="en-US" dirty="0">
+                <a:latin typeface="Calibri" panose="020F0502020204030204" pitchFamily="34" charset="0"/>
+                <a:ea typeface="Calibri" panose="020F0502020204030204" pitchFamily="34" charset="0"/>
+                <a:cs typeface="Calibri" panose="020F0502020204030204" pitchFamily="34" charset="0"/>
+              </a:rPr>
+              <a:t>{</a:t>
+            </a:r>
+          </a:p>
+          <a:p>
+            <a:r>
+              <a:rPr lang="en-US" dirty="0">
+                <a:latin typeface="Calibri" panose="020F0502020204030204" pitchFamily="34" charset="0"/>
+                <a:ea typeface="Calibri" panose="020F0502020204030204" pitchFamily="34" charset="0"/>
+                <a:cs typeface="Calibri" panose="020F0502020204030204" pitchFamily="34" charset="0"/>
+              </a:rPr>
+              <a:t>    var </a:t>
+            </a:r>
+            <a:r>
+              <a:rPr lang="en-US" dirty="0" err="1">
+                <a:latin typeface="Calibri" panose="020F0502020204030204" pitchFamily="34" charset="0"/>
+                <a:ea typeface="Calibri" panose="020F0502020204030204" pitchFamily="34" charset="0"/>
+                <a:cs typeface="Calibri" panose="020F0502020204030204" pitchFamily="34" charset="0"/>
+              </a:rPr>
+              <a:t>csp</a:t>
+            </a:r>
+            <a:r>
+              <a:rPr lang="en-US" dirty="0">
+                <a:latin typeface="Calibri" panose="020F0502020204030204" pitchFamily="34" charset="0"/>
+                <a:ea typeface="Calibri" panose="020F0502020204030204" pitchFamily="34" charset="0"/>
+                <a:cs typeface="Calibri" panose="020F0502020204030204" pitchFamily="34" charset="0"/>
+              </a:rPr>
+              <a:t> = </a:t>
+            </a:r>
+            <a:r>
+              <a:rPr lang="en-US" dirty="0" err="1">
+                <a:latin typeface="Calibri" panose="020F0502020204030204" pitchFamily="34" charset="0"/>
+                <a:ea typeface="Calibri" panose="020F0502020204030204" pitchFamily="34" charset="0"/>
+                <a:cs typeface="Calibri" panose="020F0502020204030204" pitchFamily="34" charset="0"/>
+              </a:rPr>
+              <a:t>string.Join</a:t>
+            </a:r>
+            <a:r>
+              <a:rPr lang="en-US" dirty="0">
+                <a:latin typeface="Calibri" panose="020F0502020204030204" pitchFamily="34" charset="0"/>
+                <a:ea typeface="Calibri" panose="020F0502020204030204" pitchFamily="34" charset="0"/>
+                <a:cs typeface="Calibri" panose="020F0502020204030204" pitchFamily="34" charset="0"/>
+              </a:rPr>
+              <a:t>(" ",</a:t>
+            </a:r>
+          </a:p>
+          <a:p>
+            <a:r>
+              <a:rPr lang="en-US" dirty="0">
+                <a:latin typeface="Calibri" panose="020F0502020204030204" pitchFamily="34" charset="0"/>
+                <a:ea typeface="Calibri" panose="020F0502020204030204" pitchFamily="34" charset="0"/>
+                <a:cs typeface="Calibri" panose="020F0502020204030204" pitchFamily="34" charset="0"/>
+              </a:rPr>
+              <a:t>        "default-</a:t>
+            </a:r>
+            <a:r>
+              <a:rPr lang="en-US" dirty="0" err="1">
+                <a:latin typeface="Calibri" panose="020F0502020204030204" pitchFamily="34" charset="0"/>
+                <a:ea typeface="Calibri" panose="020F0502020204030204" pitchFamily="34" charset="0"/>
+                <a:cs typeface="Calibri" panose="020F0502020204030204" pitchFamily="34" charset="0"/>
+              </a:rPr>
+              <a:t>src</a:t>
+            </a:r>
+            <a:r>
+              <a:rPr lang="en-US" dirty="0">
+                <a:latin typeface="Calibri" panose="020F0502020204030204" pitchFamily="34" charset="0"/>
+                <a:ea typeface="Calibri" panose="020F0502020204030204" pitchFamily="34" charset="0"/>
+                <a:cs typeface="Calibri" panose="020F0502020204030204" pitchFamily="34" charset="0"/>
+              </a:rPr>
+              <a:t> 'self';",</a:t>
+            </a:r>
+          </a:p>
+          <a:p>
+            <a:r>
+              <a:rPr lang="en-US" dirty="0">
+                <a:latin typeface="Calibri" panose="020F0502020204030204" pitchFamily="34" charset="0"/>
+                <a:ea typeface="Calibri" panose="020F0502020204030204" pitchFamily="34" charset="0"/>
+                <a:cs typeface="Calibri" panose="020F0502020204030204" pitchFamily="34" charset="0"/>
+              </a:rPr>
+              <a:t>        "script-</a:t>
+            </a:r>
+            <a:r>
+              <a:rPr lang="en-US" dirty="0" err="1">
+                <a:latin typeface="Calibri" panose="020F0502020204030204" pitchFamily="34" charset="0"/>
+                <a:ea typeface="Calibri" panose="020F0502020204030204" pitchFamily="34" charset="0"/>
+                <a:cs typeface="Calibri" panose="020F0502020204030204" pitchFamily="34" charset="0"/>
+              </a:rPr>
+              <a:t>src</a:t>
+            </a:r>
+            <a:r>
+              <a:rPr lang="en-US" dirty="0">
+                <a:latin typeface="Calibri" panose="020F0502020204030204" pitchFamily="34" charset="0"/>
+                <a:ea typeface="Calibri" panose="020F0502020204030204" pitchFamily="34" charset="0"/>
+                <a:cs typeface="Calibri" panose="020F0502020204030204" pitchFamily="34" charset="0"/>
+              </a:rPr>
+              <a:t> 'self';",</a:t>
+            </a:r>
+          </a:p>
+          <a:p>
+            <a:r>
+              <a:rPr lang="en-US" dirty="0">
+                <a:latin typeface="Calibri" panose="020F0502020204030204" pitchFamily="34" charset="0"/>
+                <a:ea typeface="Calibri" panose="020F0502020204030204" pitchFamily="34" charset="0"/>
+                <a:cs typeface="Calibri" panose="020F0502020204030204" pitchFamily="34" charset="0"/>
+              </a:rPr>
+              <a:t>        "style-</a:t>
+            </a:r>
+            <a:r>
+              <a:rPr lang="en-US" dirty="0" err="1">
+                <a:latin typeface="Calibri" panose="020F0502020204030204" pitchFamily="34" charset="0"/>
+                <a:ea typeface="Calibri" panose="020F0502020204030204" pitchFamily="34" charset="0"/>
+                <a:cs typeface="Calibri" panose="020F0502020204030204" pitchFamily="34" charset="0"/>
+              </a:rPr>
+              <a:t>src</a:t>
+            </a:r>
+            <a:r>
+              <a:rPr lang="en-US" dirty="0">
+                <a:latin typeface="Calibri" panose="020F0502020204030204" pitchFamily="34" charset="0"/>
+                <a:ea typeface="Calibri" panose="020F0502020204030204" pitchFamily="34" charset="0"/>
+                <a:cs typeface="Calibri" panose="020F0502020204030204" pitchFamily="34" charset="0"/>
+              </a:rPr>
+              <a:t> 'self' 'unsafe-inline';",</a:t>
+            </a:r>
+          </a:p>
+          <a:p>
+            <a:r>
+              <a:rPr lang="en-US" dirty="0">
+                <a:latin typeface="Calibri" panose="020F0502020204030204" pitchFamily="34" charset="0"/>
+                <a:ea typeface="Calibri" panose="020F0502020204030204" pitchFamily="34" charset="0"/>
+                <a:cs typeface="Calibri" panose="020F0502020204030204" pitchFamily="34" charset="0"/>
+              </a:rPr>
+              <a:t>        "</a:t>
+            </a:r>
+            <a:r>
+              <a:rPr lang="en-US" dirty="0" err="1">
+                <a:latin typeface="Calibri" panose="020F0502020204030204" pitchFamily="34" charset="0"/>
+                <a:ea typeface="Calibri" panose="020F0502020204030204" pitchFamily="34" charset="0"/>
+                <a:cs typeface="Calibri" panose="020F0502020204030204" pitchFamily="34" charset="0"/>
+              </a:rPr>
+              <a:t>img-src</a:t>
+            </a:r>
+            <a:r>
+              <a:rPr lang="en-US" dirty="0">
+                <a:latin typeface="Calibri" panose="020F0502020204030204" pitchFamily="34" charset="0"/>
+                <a:ea typeface="Calibri" panose="020F0502020204030204" pitchFamily="34" charset="0"/>
+                <a:cs typeface="Calibri" panose="020F0502020204030204" pitchFamily="34" charset="0"/>
+              </a:rPr>
+              <a:t> 'self' data:;",</a:t>
+            </a:r>
+          </a:p>
+          <a:p>
+            <a:r>
+              <a:rPr lang="en-US" dirty="0">
+                <a:latin typeface="Calibri" panose="020F0502020204030204" pitchFamily="34" charset="0"/>
+                <a:ea typeface="Calibri" panose="020F0502020204030204" pitchFamily="34" charset="0"/>
+                <a:cs typeface="Calibri" panose="020F0502020204030204" pitchFamily="34" charset="0"/>
+              </a:rPr>
+              <a:t>        "font-</a:t>
+            </a:r>
+            <a:r>
+              <a:rPr lang="en-US" dirty="0" err="1">
+                <a:latin typeface="Calibri" panose="020F0502020204030204" pitchFamily="34" charset="0"/>
+                <a:ea typeface="Calibri" panose="020F0502020204030204" pitchFamily="34" charset="0"/>
+                <a:cs typeface="Calibri" panose="020F0502020204030204" pitchFamily="34" charset="0"/>
+              </a:rPr>
+              <a:t>src</a:t>
+            </a:r>
+            <a:r>
+              <a:rPr lang="en-US" dirty="0">
+                <a:latin typeface="Calibri" panose="020F0502020204030204" pitchFamily="34" charset="0"/>
+                <a:ea typeface="Calibri" panose="020F0502020204030204" pitchFamily="34" charset="0"/>
+                <a:cs typeface="Calibri" panose="020F0502020204030204" pitchFamily="34" charset="0"/>
+              </a:rPr>
+              <a:t> 'self';",</a:t>
+            </a:r>
+          </a:p>
+          <a:p>
+            <a:r>
+              <a:rPr lang="en-US" dirty="0">
+                <a:latin typeface="Calibri" panose="020F0502020204030204" pitchFamily="34" charset="0"/>
+                <a:ea typeface="Calibri" panose="020F0502020204030204" pitchFamily="34" charset="0"/>
+                <a:cs typeface="Calibri" panose="020F0502020204030204" pitchFamily="34" charset="0"/>
+              </a:rPr>
+              <a:t>        "connect-</a:t>
+            </a:r>
+            <a:r>
+              <a:rPr lang="en-US" dirty="0" err="1">
+                <a:latin typeface="Calibri" panose="020F0502020204030204" pitchFamily="34" charset="0"/>
+                <a:ea typeface="Calibri" panose="020F0502020204030204" pitchFamily="34" charset="0"/>
+                <a:cs typeface="Calibri" panose="020F0502020204030204" pitchFamily="34" charset="0"/>
+              </a:rPr>
+              <a:t>src</a:t>
+            </a:r>
+            <a:r>
+              <a:rPr lang="en-US" dirty="0">
+                <a:latin typeface="Calibri" panose="020F0502020204030204" pitchFamily="34" charset="0"/>
+                <a:ea typeface="Calibri" panose="020F0502020204030204" pitchFamily="34" charset="0"/>
+                <a:cs typeface="Calibri" panose="020F0502020204030204" pitchFamily="34" charset="0"/>
+              </a:rPr>
+              <a:t> 'self';",</a:t>
+            </a:r>
+          </a:p>
+          <a:p>
+            <a:r>
+              <a:rPr lang="en-US" dirty="0">
+                <a:latin typeface="Calibri" panose="020F0502020204030204" pitchFamily="34" charset="0"/>
+                <a:ea typeface="Calibri" panose="020F0502020204030204" pitchFamily="34" charset="0"/>
+                <a:cs typeface="Calibri" panose="020F0502020204030204" pitchFamily="34" charset="0"/>
+              </a:rPr>
+              <a:t>        "frame-ancestors 'none';"</a:t>
+            </a:r>
+          </a:p>
+          <a:p>
+            <a:r>
+              <a:rPr lang="en-US" dirty="0">
+                <a:latin typeface="Calibri" panose="020F0502020204030204" pitchFamily="34" charset="0"/>
+                <a:ea typeface="Calibri" panose="020F0502020204030204" pitchFamily="34" charset="0"/>
+                <a:cs typeface="Calibri" panose="020F0502020204030204" pitchFamily="34" charset="0"/>
+              </a:rPr>
+              <a:t>    );</a:t>
+            </a:r>
+          </a:p>
+          <a:p>
+            <a:endParaRPr lang="en-US" dirty="0">
+              <a:latin typeface="Calibri" panose="020F0502020204030204" pitchFamily="34" charset="0"/>
+              <a:ea typeface="Calibri" panose="020F0502020204030204" pitchFamily="34" charset="0"/>
+              <a:cs typeface="Calibri" panose="020F0502020204030204" pitchFamily="34" charset="0"/>
+            </a:endParaRPr>
+          </a:p>
+          <a:p>
+            <a:r>
+              <a:rPr lang="en-US" dirty="0">
+                <a:latin typeface="Calibri" panose="020F0502020204030204" pitchFamily="34" charset="0"/>
+                <a:ea typeface="Calibri" panose="020F0502020204030204" pitchFamily="34" charset="0"/>
+                <a:cs typeface="Calibri" panose="020F0502020204030204" pitchFamily="34" charset="0"/>
+              </a:rPr>
+              <a:t>    </a:t>
+            </a:r>
+            <a:r>
+              <a:rPr lang="en-US" dirty="0" err="1">
+                <a:latin typeface="Calibri" panose="020F0502020204030204" pitchFamily="34" charset="0"/>
+                <a:ea typeface="Calibri" panose="020F0502020204030204" pitchFamily="34" charset="0"/>
+                <a:cs typeface="Calibri" panose="020F0502020204030204" pitchFamily="34" charset="0"/>
+              </a:rPr>
+              <a:t>context.Response.Headers</a:t>
+            </a:r>
+            <a:r>
+              <a:rPr lang="en-US" dirty="0">
+                <a:latin typeface="Calibri" panose="020F0502020204030204" pitchFamily="34" charset="0"/>
+                <a:ea typeface="Calibri" panose="020F0502020204030204" pitchFamily="34" charset="0"/>
+                <a:cs typeface="Calibri" panose="020F0502020204030204" pitchFamily="34" charset="0"/>
+              </a:rPr>
+              <a:t>["Content-Security-Policy"] = </a:t>
+            </a:r>
+            <a:r>
+              <a:rPr lang="en-US" dirty="0" err="1">
+                <a:latin typeface="Calibri" panose="020F0502020204030204" pitchFamily="34" charset="0"/>
+                <a:ea typeface="Calibri" panose="020F0502020204030204" pitchFamily="34" charset="0"/>
+                <a:cs typeface="Calibri" panose="020F0502020204030204" pitchFamily="34" charset="0"/>
+              </a:rPr>
+              <a:t>csp</a:t>
+            </a:r>
+            <a:r>
+              <a:rPr lang="en-US" dirty="0">
+                <a:latin typeface="Calibri" panose="020F0502020204030204" pitchFamily="34" charset="0"/>
+                <a:ea typeface="Calibri" panose="020F0502020204030204" pitchFamily="34" charset="0"/>
+                <a:cs typeface="Calibri" panose="020F0502020204030204" pitchFamily="34" charset="0"/>
+              </a:rPr>
+              <a:t>;</a:t>
+            </a:r>
+          </a:p>
+          <a:p>
+            <a:r>
+              <a:rPr lang="en-US" dirty="0">
+                <a:latin typeface="Calibri" panose="020F0502020204030204" pitchFamily="34" charset="0"/>
+                <a:ea typeface="Calibri" panose="020F0502020204030204" pitchFamily="34" charset="0"/>
+                <a:cs typeface="Calibri" panose="020F0502020204030204" pitchFamily="34" charset="0"/>
+              </a:rPr>
+              <a:t>    </a:t>
+            </a:r>
+            <a:r>
+              <a:rPr lang="en-US" dirty="0" err="1">
+                <a:latin typeface="Calibri" panose="020F0502020204030204" pitchFamily="34" charset="0"/>
+                <a:ea typeface="Calibri" panose="020F0502020204030204" pitchFamily="34" charset="0"/>
+                <a:cs typeface="Calibri" panose="020F0502020204030204" pitchFamily="34" charset="0"/>
+              </a:rPr>
+              <a:t>context.Response.Headers</a:t>
+            </a:r>
+            <a:r>
+              <a:rPr lang="en-US" dirty="0">
+                <a:latin typeface="Calibri" panose="020F0502020204030204" pitchFamily="34" charset="0"/>
+                <a:ea typeface="Calibri" panose="020F0502020204030204" pitchFamily="34" charset="0"/>
+                <a:cs typeface="Calibri" panose="020F0502020204030204" pitchFamily="34" charset="0"/>
+              </a:rPr>
+              <a:t>["X-Content-Type-Options"] = "</a:t>
+            </a:r>
+            <a:r>
+              <a:rPr lang="en-US" dirty="0" err="1">
+                <a:latin typeface="Calibri" panose="020F0502020204030204" pitchFamily="34" charset="0"/>
+                <a:ea typeface="Calibri" panose="020F0502020204030204" pitchFamily="34" charset="0"/>
+                <a:cs typeface="Calibri" panose="020F0502020204030204" pitchFamily="34" charset="0"/>
+              </a:rPr>
+              <a:t>nosniff</a:t>
+            </a:r>
+            <a:r>
+              <a:rPr lang="en-US" dirty="0">
+                <a:latin typeface="Calibri" panose="020F0502020204030204" pitchFamily="34" charset="0"/>
+                <a:ea typeface="Calibri" panose="020F0502020204030204" pitchFamily="34" charset="0"/>
+                <a:cs typeface="Calibri" panose="020F0502020204030204" pitchFamily="34" charset="0"/>
+              </a:rPr>
+              <a:t>";</a:t>
+            </a:r>
+          </a:p>
+          <a:p>
+            <a:r>
+              <a:rPr lang="en-US" dirty="0">
+                <a:latin typeface="Calibri" panose="020F0502020204030204" pitchFamily="34" charset="0"/>
+                <a:ea typeface="Calibri" panose="020F0502020204030204" pitchFamily="34" charset="0"/>
+                <a:cs typeface="Calibri" panose="020F0502020204030204" pitchFamily="34" charset="0"/>
+              </a:rPr>
+              <a:t>    </a:t>
+            </a:r>
+            <a:r>
+              <a:rPr lang="en-US" dirty="0" err="1">
+                <a:latin typeface="Calibri" panose="020F0502020204030204" pitchFamily="34" charset="0"/>
+                <a:ea typeface="Calibri" panose="020F0502020204030204" pitchFamily="34" charset="0"/>
+                <a:cs typeface="Calibri" panose="020F0502020204030204" pitchFamily="34" charset="0"/>
+              </a:rPr>
+              <a:t>context.Response.Headers</a:t>
+            </a:r>
+            <a:r>
+              <a:rPr lang="en-US" dirty="0">
+                <a:latin typeface="Calibri" panose="020F0502020204030204" pitchFamily="34" charset="0"/>
+                <a:ea typeface="Calibri" panose="020F0502020204030204" pitchFamily="34" charset="0"/>
+                <a:cs typeface="Calibri" panose="020F0502020204030204" pitchFamily="34" charset="0"/>
+              </a:rPr>
+              <a:t>["X-Frame-Options"] = "DENY";</a:t>
+            </a:r>
+          </a:p>
+          <a:p>
+            <a:r>
+              <a:rPr lang="en-US" dirty="0">
+                <a:latin typeface="Calibri" panose="020F0502020204030204" pitchFamily="34" charset="0"/>
+                <a:ea typeface="Calibri" panose="020F0502020204030204" pitchFamily="34" charset="0"/>
+                <a:cs typeface="Calibri" panose="020F0502020204030204" pitchFamily="34" charset="0"/>
+              </a:rPr>
+              <a:t>    </a:t>
+            </a:r>
+            <a:r>
+              <a:rPr lang="en-US" dirty="0" err="1">
+                <a:latin typeface="Calibri" panose="020F0502020204030204" pitchFamily="34" charset="0"/>
+                <a:ea typeface="Calibri" panose="020F0502020204030204" pitchFamily="34" charset="0"/>
+                <a:cs typeface="Calibri" panose="020F0502020204030204" pitchFamily="34" charset="0"/>
+              </a:rPr>
+              <a:t>context.Response.Headers</a:t>
+            </a:r>
+            <a:r>
+              <a:rPr lang="en-US" dirty="0">
+                <a:latin typeface="Calibri" panose="020F0502020204030204" pitchFamily="34" charset="0"/>
+                <a:ea typeface="Calibri" panose="020F0502020204030204" pitchFamily="34" charset="0"/>
+                <a:cs typeface="Calibri" panose="020F0502020204030204" pitchFamily="34" charset="0"/>
+              </a:rPr>
+              <a:t>["Referrer-Policy"] = "strict-origin-when-cross-origin";</a:t>
+            </a:r>
+          </a:p>
+          <a:p>
+            <a:endParaRPr lang="en-US" dirty="0">
+              <a:latin typeface="Calibri" panose="020F0502020204030204" pitchFamily="34" charset="0"/>
+              <a:ea typeface="Calibri" panose="020F0502020204030204" pitchFamily="34" charset="0"/>
+              <a:cs typeface="Calibri" panose="020F0502020204030204" pitchFamily="34" charset="0"/>
+            </a:endParaRPr>
+          </a:p>
+          <a:p>
+            <a:r>
+              <a:rPr lang="en-US" dirty="0">
+                <a:latin typeface="Calibri" panose="020F0502020204030204" pitchFamily="34" charset="0"/>
+                <a:ea typeface="Calibri" panose="020F0502020204030204" pitchFamily="34" charset="0"/>
+                <a:cs typeface="Calibri" panose="020F0502020204030204" pitchFamily="34" charset="0"/>
+              </a:rPr>
+              <a:t>    await next();</a:t>
+            </a:r>
+          </a:p>
+          <a:p>
+            <a:r>
+              <a:rPr lang="en-US" dirty="0">
+                <a:latin typeface="Calibri" panose="020F0502020204030204" pitchFamily="34" charset="0"/>
+                <a:ea typeface="Calibri" panose="020F0502020204030204" pitchFamily="34" charset="0"/>
+                <a:cs typeface="Calibri" panose="020F0502020204030204" pitchFamily="34" charset="0"/>
+              </a:rPr>
+              <a:t>});</a:t>
+            </a:r>
+          </a:p>
+          <a:p>
+            <a:endParaRPr lang="en-US" dirty="0"/>
+          </a:p>
+        </p:txBody>
+      </p:sp>
+      <p:sp>
+        <p:nvSpPr>
+          <p:cNvPr id="5" name="Title 1">
+            <a:extLst>
+              <a:ext uri="{FF2B5EF4-FFF2-40B4-BE49-F238E27FC236}">
+                <a16:creationId xmlns:a16="http://schemas.microsoft.com/office/drawing/2014/main" id="{0AE6ED58-4BDA-376A-1ADB-576B86956914}"/>
+              </a:ext>
+            </a:extLst>
+          </p:cNvPr>
+          <p:cNvSpPr txBox="1">
+            <a:spLocks/>
+          </p:cNvSpPr>
+          <p:nvPr/>
+        </p:nvSpPr>
+        <p:spPr>
+          <a:xfrm>
+            <a:off x="1159821" y="103089"/>
+            <a:ext cx="9150675" cy="460882"/>
+          </a:xfrm>
+          <a:prstGeom prst="rect">
+            <a:avLst/>
+          </a:prstGeom>
+        </p:spPr>
+        <p:txBody>
+          <a:bodyPr vert="horz" lIns="0" tIns="45720" rIns="91440" bIns="45720" rtlCol="0" anchor="ctr">
+            <a:noAutofit/>
+          </a:bodyPr>
+          <a:lstStyle>
+            <a:lvl1pPr algn="l" defTabSz="914400" rtl="0" eaLnBrk="1" latinLnBrk="0" hangingPunct="1">
+              <a:lnSpc>
+                <a:spcPct val="90000"/>
+              </a:lnSpc>
+              <a:spcBef>
+                <a:spcPct val="0"/>
+              </a:spcBef>
+              <a:buNone/>
+              <a:defRPr sz="3600" kern="1200">
+                <a:solidFill>
+                  <a:schemeClr val="tx1"/>
+                </a:solidFill>
+                <a:latin typeface="+mj-lt"/>
+                <a:ea typeface="+mj-ea"/>
+                <a:cs typeface="+mj-cs"/>
+              </a:defRPr>
+            </a:lvl1pPr>
+          </a:lstStyle>
+          <a:p>
+            <a:r>
+              <a:rPr lang="en-US" sz="3200" b="1" dirty="0">
+                <a:solidFill>
+                  <a:schemeClr val="accent6">
+                    <a:lumMod val="75000"/>
+                  </a:schemeClr>
+                </a:solidFill>
+              </a:rPr>
+              <a:t>Code Snippets: Harden Headers</a:t>
+            </a:r>
+            <a:endParaRPr lang="en-ZA" sz="3200" b="1" dirty="0">
               <a:solidFill>
                 <a:schemeClr val="accent6">
                   <a:lumMod val="75000"/>
@@ -7047,7 +7646,7 @@
 </p:sld>
 </file>
 
-<file path=ppt/slides/slide11.xml><?xml version="1.0" encoding="utf-8"?>
+<file path=ppt/slides/slide12.xml><?xml version="1.0" encoding="utf-8"?>
 <p:sld xmlns:a="http://schemas.openxmlformats.org/drawingml/2006/main" xmlns:r="http://schemas.openxmlformats.org/officeDocument/2006/relationships" xmlns:p="http://schemas.openxmlformats.org/presentationml/2006/main">
   <p:cSld>
     <p:spTree>
@@ -7095,7 +7694,7 @@
         </p:spPr>
         <p:txBody>
           <a:bodyPr vert="horz" lIns="0" tIns="45720" rIns="91440" bIns="45720" rtlCol="0" anchor="ctr">
-            <a:normAutofit fontScale="82500" lnSpcReduction="20000"/>
+            <a:noAutofit/>
           </a:bodyPr>
           <a:lstStyle>
             <a:lvl1pPr algn="l" defTabSz="914400" rtl="0" eaLnBrk="1" latinLnBrk="0" hangingPunct="1">
@@ -7118,7 +7717,7 @@
           </a:lstStyle>
           <a:p>
             <a:r>
-              <a:rPr lang="en-ZA" b="1" dirty="0">
+              <a:rPr lang="en-ZA" sz="3200" b="1" dirty="0">
                 <a:solidFill>
                   <a:schemeClr val="accent6">
                     <a:lumMod val="75000"/>
@@ -7148,8 +7747,8 @@
         </p:nvSpPr>
         <p:spPr bwMode="auto">
           <a:xfrm>
-            <a:off x="1050764" y="816896"/>
-            <a:ext cx="6943944" cy="5909310"/>
+            <a:off x="1089952" y="680908"/>
+            <a:ext cx="10012095" cy="7017306"/>
           </a:xfrm>
           <a:prstGeom prst="rect">
             <a:avLst/>
@@ -7212,14 +7811,14 @@
               <a:tabLst/>
             </a:pPr>
             <a:r>
-              <a:rPr lang="en-US" altLang="en-US" sz="1800" b="1" dirty="0">
+              <a:rPr lang="en-US" altLang="en-US" sz="2100" b="1" dirty="0">
                 <a:latin typeface="Calibri" panose="020F0502020204030204" pitchFamily="34" charset="0"/>
                 <a:ea typeface="Calibri" panose="020F0502020204030204" pitchFamily="34" charset="0"/>
                 <a:cs typeface="Calibri" panose="020F0502020204030204" pitchFamily="34" charset="0"/>
               </a:rPr>
               <a:t>Frontend Optimizations:</a:t>
             </a:r>
-            <a:endParaRPr kumimoji="0" lang="en-US" altLang="en-US" sz="1800" b="1" i="0" u="none" strike="noStrike" cap="none" normalizeH="0" baseline="0" dirty="0">
+            <a:endParaRPr kumimoji="0" lang="en-US" altLang="en-US" sz="2100" b="1" i="0" u="none" strike="noStrike" cap="none" normalizeH="0" baseline="0" dirty="0">
               <a:ln>
                 <a:noFill/>
               </a:ln>
@@ -7250,7 +7849,7 @@
               <a:tabLst/>
             </a:pPr>
             <a:r>
-              <a:rPr kumimoji="0" lang="en-US" altLang="en-US" sz="1800" b="0" i="0" u="none" strike="noStrike" cap="none" normalizeH="0" baseline="0" dirty="0">
+              <a:rPr kumimoji="0" lang="en-US" altLang="en-US" sz="2100" b="0" i="0" u="none" strike="noStrike" cap="none" normalizeH="0" baseline="0" dirty="0">
                 <a:ln>
                   <a:noFill/>
                 </a:ln>
@@ -7265,7 +7864,7 @@
               <a:t>Implemented </a:t>
             </a:r>
             <a:r>
-              <a:rPr kumimoji="0" lang="en-US" altLang="en-US" sz="1800" b="1" i="0" u="none" strike="noStrike" cap="none" normalizeH="0" baseline="0" dirty="0">
+              <a:rPr kumimoji="0" lang="en-US" altLang="en-US" sz="2100" b="1" i="0" u="none" strike="noStrike" cap="none" normalizeH="0" baseline="0" dirty="0">
                 <a:ln>
                   <a:noFill/>
                 </a:ln>
@@ -7280,7 +7879,7 @@
               <a:t>code-splitting</a:t>
             </a:r>
             <a:r>
-              <a:rPr kumimoji="0" lang="en-US" altLang="en-US" sz="1800" b="0" i="0" u="none" strike="noStrike" cap="none" normalizeH="0" baseline="0" dirty="0">
+              <a:rPr kumimoji="0" lang="en-US" altLang="en-US" sz="2100" b="0" i="0" u="none" strike="noStrike" cap="none" normalizeH="0" baseline="0" dirty="0">
                 <a:ln>
                   <a:noFill/>
                 </a:ln>
@@ -7295,7 +7894,7 @@
               <a:t> and </a:t>
             </a:r>
             <a:r>
-              <a:rPr kumimoji="0" lang="en-US" altLang="en-US" sz="1800" b="1" i="0" u="none" strike="noStrike" cap="none" normalizeH="0" baseline="0" dirty="0">
+              <a:rPr kumimoji="0" lang="en-US" altLang="en-US" sz="2100" b="1" i="0" u="none" strike="noStrike" cap="none" normalizeH="0" baseline="0" dirty="0">
                 <a:ln>
                   <a:noFill/>
                 </a:ln>
@@ -7310,7 +7909,7 @@
               <a:t>lazy loading</a:t>
             </a:r>
             <a:r>
-              <a:rPr kumimoji="0" lang="en-US" altLang="en-US" sz="1800" b="0" i="0" u="none" strike="noStrike" cap="none" normalizeH="0" baseline="0" dirty="0">
+              <a:rPr kumimoji="0" lang="en-US" altLang="en-US" sz="2100" b="0" i="0" u="none" strike="noStrike" cap="none" normalizeH="0" baseline="0" dirty="0">
                 <a:ln>
                   <a:noFill/>
                 </a:ln>
@@ -7325,7 +7924,7 @@
               <a:t> using </a:t>
             </a:r>
             <a:r>
-              <a:rPr kumimoji="0" lang="en-US" altLang="en-US" sz="1800" b="0" i="0" u="none" strike="noStrike" cap="none" normalizeH="0" baseline="0" dirty="0" err="1">
+              <a:rPr kumimoji="0" lang="en-US" altLang="en-US" sz="2100" b="0" i="0" u="none" strike="noStrike" cap="none" normalizeH="0" baseline="0" dirty="0" err="1">
                 <a:ln>
                   <a:noFill/>
                 </a:ln>
@@ -7340,7 +7939,7 @@
               <a:t>React.lazy</a:t>
             </a:r>
             <a:r>
-              <a:rPr kumimoji="0" lang="en-US" altLang="en-US" sz="1800" b="0" i="0" u="none" strike="noStrike" cap="none" normalizeH="0" baseline="0" dirty="0">
+              <a:rPr kumimoji="0" lang="en-US" altLang="en-US" sz="2100" b="0" i="0" u="none" strike="noStrike" cap="none" normalizeH="0" baseline="0" dirty="0">
                 <a:ln>
                   <a:noFill/>
                 </a:ln>
@@ -7373,7 +7972,7 @@
               <a:tabLst/>
             </a:pPr>
             <a:r>
-              <a:rPr kumimoji="0" lang="en-US" altLang="en-US" sz="1800" b="0" i="0" u="none" strike="noStrike" cap="none" normalizeH="0" baseline="0" dirty="0">
+              <a:rPr kumimoji="0" lang="en-US" altLang="en-US" sz="2100" b="0" i="0" u="none" strike="noStrike" cap="none" normalizeH="0" baseline="0" dirty="0">
                 <a:ln>
                   <a:noFill/>
                 </a:ln>
@@ -7388,7 +7987,7 @@
               <a:t>Used </a:t>
             </a:r>
             <a:r>
-              <a:rPr kumimoji="0" lang="en-US" altLang="en-US" sz="1800" b="1" i="0" u="none" strike="noStrike" cap="none" normalizeH="0" baseline="0" dirty="0">
+              <a:rPr kumimoji="0" lang="en-US" altLang="en-US" sz="2100" b="1" i="0" u="none" strike="noStrike" cap="none" normalizeH="0" baseline="0" dirty="0">
                 <a:ln>
                   <a:noFill/>
                 </a:ln>
@@ -7403,7 +8002,7 @@
               <a:t>dynamic imports</a:t>
             </a:r>
             <a:r>
-              <a:rPr kumimoji="0" lang="en-US" altLang="en-US" sz="1800" b="0" i="0" u="none" strike="noStrike" cap="none" normalizeH="0" baseline="0" dirty="0">
+              <a:rPr kumimoji="0" lang="en-US" altLang="en-US" sz="2100" b="0" i="0" u="none" strike="noStrike" cap="none" normalizeH="0" baseline="0" dirty="0">
                 <a:ln>
                   <a:noFill/>
                 </a:ln>
@@ -7436,7 +8035,7 @@
               <a:tabLst/>
             </a:pPr>
             <a:r>
-              <a:rPr kumimoji="0" lang="en-US" altLang="en-US" sz="1800" b="0" i="0" u="none" strike="noStrike" cap="none" normalizeH="0" baseline="0" dirty="0">
+              <a:rPr kumimoji="0" lang="en-US" altLang="en-US" sz="2100" b="0" i="0" u="none" strike="noStrike" cap="none" normalizeH="0" baseline="0" dirty="0">
                 <a:ln>
                   <a:noFill/>
                 </a:ln>
@@ -7451,7 +8050,7 @@
               <a:t>Applied </a:t>
             </a:r>
             <a:r>
-              <a:rPr kumimoji="0" lang="en-US" altLang="en-US" sz="1800" b="1" i="0" u="none" strike="noStrike" cap="none" normalizeH="0" baseline="0" dirty="0" err="1">
+              <a:rPr kumimoji="0" lang="en-US" altLang="en-US" sz="2100" b="1" i="0" u="none" strike="noStrike" cap="none" normalizeH="0" baseline="0" dirty="0" err="1">
                 <a:ln>
                   <a:noFill/>
                 </a:ln>
@@ -7466,7 +8065,7 @@
               <a:t>React.memo</a:t>
             </a:r>
             <a:r>
-              <a:rPr kumimoji="0" lang="en-US" altLang="en-US" sz="1800" b="0" i="0" u="none" strike="noStrike" cap="none" normalizeH="0" baseline="0" dirty="0">
+              <a:rPr kumimoji="0" lang="en-US" altLang="en-US" sz="2100" b="0" i="0" u="none" strike="noStrike" cap="none" normalizeH="0" baseline="0" dirty="0">
                 <a:ln>
                   <a:noFill/>
                 </a:ln>
@@ -7481,7 +8080,7 @@
               <a:t>, </a:t>
             </a:r>
             <a:r>
-              <a:rPr kumimoji="0" lang="en-US" altLang="en-US" sz="1800" b="0" i="0" u="none" strike="noStrike" cap="none" normalizeH="0" baseline="0" dirty="0" err="1">
+              <a:rPr kumimoji="0" lang="en-US" altLang="en-US" sz="2100" b="0" i="0" u="none" strike="noStrike" cap="none" normalizeH="0" baseline="0" dirty="0" err="1">
                 <a:ln>
                   <a:noFill/>
                 </a:ln>
@@ -7496,7 +8095,7 @@
               <a:t>useMemo</a:t>
             </a:r>
             <a:r>
-              <a:rPr kumimoji="0" lang="en-US" altLang="en-US" sz="1800" b="0" i="0" u="none" strike="noStrike" cap="none" normalizeH="0" baseline="0" dirty="0">
+              <a:rPr kumimoji="0" lang="en-US" altLang="en-US" sz="2100" b="0" i="0" u="none" strike="noStrike" cap="none" normalizeH="0" baseline="0" dirty="0">
                 <a:ln>
                   <a:noFill/>
                 </a:ln>
@@ -7511,7 +8110,7 @@
               <a:t>, and </a:t>
             </a:r>
             <a:r>
-              <a:rPr kumimoji="0" lang="en-US" altLang="en-US" sz="1800" b="0" i="0" u="none" strike="noStrike" cap="none" normalizeH="0" baseline="0" dirty="0" err="1">
+              <a:rPr kumimoji="0" lang="en-US" altLang="en-US" sz="2100" b="0" i="0" u="none" strike="noStrike" cap="none" normalizeH="0" baseline="0" dirty="0" err="1">
                 <a:ln>
                   <a:noFill/>
                 </a:ln>
@@ -7526,7 +8125,7 @@
               <a:t>useCallback</a:t>
             </a:r>
             <a:r>
-              <a:rPr kumimoji="0" lang="en-US" altLang="en-US" sz="1800" b="0" i="0" u="none" strike="noStrike" cap="none" normalizeH="0" baseline="0" dirty="0">
+              <a:rPr kumimoji="0" lang="en-US" altLang="en-US" sz="2100" b="0" i="0" u="none" strike="noStrike" cap="none" normalizeH="0" baseline="0" dirty="0">
                 <a:ln>
                   <a:noFill/>
                 </a:ln>
@@ -7539,6 +8138,139 @@
                 <a:cs typeface="Calibri" panose="020F0502020204030204" pitchFamily="34" charset="0"/>
               </a:rPr>
               <a:t> to prevent unnecessary re-renders.</a:t>
+            </a:r>
+          </a:p>
+          <a:p>
+            <a:pPr marL="285750" indent="-285750" eaLnBrk="0" fontAlgn="base" hangingPunct="0">
+              <a:lnSpc>
+                <a:spcPct val="100000"/>
+              </a:lnSpc>
+              <a:spcBef>
+                <a:spcPct val="0"/>
+              </a:spcBef>
+              <a:spcAft>
+                <a:spcPct val="0"/>
+              </a:spcAft>
+              <a:buFont typeface="Wingdings" panose="05000000000000000000" pitchFamily="2" charset="2"/>
+              <a:buChar char="Ø"/>
+            </a:pPr>
+            <a:r>
+              <a:rPr lang="en-US" sz="2100" dirty="0">
+                <a:latin typeface="Calibri" panose="020F0502020204030204" pitchFamily="34" charset="0"/>
+                <a:ea typeface="Calibri" panose="020F0502020204030204" pitchFamily="34" charset="0"/>
+                <a:cs typeface="Calibri" panose="020F0502020204030204" pitchFamily="34" charset="0"/>
+              </a:rPr>
+              <a:t>Preferred async/await + </a:t>
+            </a:r>
+            <a:r>
+              <a:rPr lang="en-US" sz="2100" dirty="0" err="1">
+                <a:latin typeface="Calibri" panose="020F0502020204030204" pitchFamily="34" charset="0"/>
+                <a:ea typeface="Calibri" panose="020F0502020204030204" pitchFamily="34" charset="0"/>
+                <a:cs typeface="Calibri" panose="020F0502020204030204" pitchFamily="34" charset="0"/>
+              </a:rPr>
+              <a:t>Promise.all</a:t>
+            </a:r>
+            <a:r>
+              <a:rPr lang="en-US" sz="2100" dirty="0">
+                <a:latin typeface="Calibri" panose="020F0502020204030204" pitchFamily="34" charset="0"/>
+                <a:ea typeface="Calibri" panose="020F0502020204030204" pitchFamily="34" charset="0"/>
+                <a:cs typeface="Calibri" panose="020F0502020204030204" pitchFamily="34" charset="0"/>
+              </a:rPr>
+              <a:t> for parallel, resilient calls</a:t>
+            </a:r>
+          </a:p>
+          <a:p>
+            <a:pPr marL="285750" indent="-285750" eaLnBrk="0" fontAlgn="base" hangingPunct="0">
+              <a:lnSpc>
+                <a:spcPct val="100000"/>
+              </a:lnSpc>
+              <a:spcBef>
+                <a:spcPct val="0"/>
+              </a:spcBef>
+              <a:spcAft>
+                <a:spcPct val="0"/>
+              </a:spcAft>
+              <a:buFont typeface="Wingdings" panose="05000000000000000000" pitchFamily="2" charset="2"/>
+              <a:buChar char="Ø"/>
+            </a:pPr>
+            <a:r>
+              <a:rPr lang="en-US" altLang="en-US" sz="2100" dirty="0">
+                <a:latin typeface="Calibri" panose="020F0502020204030204" pitchFamily="34" charset="0"/>
+                <a:ea typeface="Calibri" panose="020F0502020204030204" pitchFamily="34" charset="0"/>
+                <a:cs typeface="Calibri" panose="020F0502020204030204" pitchFamily="34" charset="0"/>
+              </a:rPr>
+              <a:t>Integrated Light house audits to track </a:t>
+            </a:r>
+            <a:r>
+              <a:rPr lang="en-US" sz="2100" b="1" dirty="0">
+                <a:latin typeface="Calibri" panose="020F0502020204030204" pitchFamily="34" charset="0"/>
+                <a:ea typeface="Calibri" panose="020F0502020204030204" pitchFamily="34" charset="0"/>
+                <a:cs typeface="Calibri" panose="020F0502020204030204" pitchFamily="34" charset="0"/>
+              </a:rPr>
+              <a:t>Largest </a:t>
+            </a:r>
+            <a:r>
+              <a:rPr lang="en-US" sz="2100" b="1" dirty="0" err="1">
+                <a:latin typeface="Calibri" panose="020F0502020204030204" pitchFamily="34" charset="0"/>
+                <a:ea typeface="Calibri" panose="020F0502020204030204" pitchFamily="34" charset="0"/>
+                <a:cs typeface="Calibri" panose="020F0502020204030204" pitchFamily="34" charset="0"/>
+              </a:rPr>
+              <a:t>Contentful</a:t>
+            </a:r>
+            <a:r>
+              <a:rPr lang="en-US" sz="2100" b="1" dirty="0">
+                <a:latin typeface="Calibri" panose="020F0502020204030204" pitchFamily="34" charset="0"/>
+                <a:ea typeface="Calibri" panose="020F0502020204030204" pitchFamily="34" charset="0"/>
+                <a:cs typeface="Calibri" panose="020F0502020204030204" pitchFamily="34" charset="0"/>
+              </a:rPr>
+              <a:t> Paint, </a:t>
+            </a:r>
+            <a:r>
+              <a:rPr lang="en-US" sz="2100" dirty="0">
+                <a:latin typeface="Calibri" panose="020F0502020204030204" pitchFamily="34" charset="0"/>
+                <a:ea typeface="Calibri" panose="020F0502020204030204" pitchFamily="34" charset="0"/>
+                <a:cs typeface="Calibri" panose="020F0502020204030204" pitchFamily="34" charset="0"/>
+              </a:rPr>
+              <a:t>Time to Interactive, Cumulative Layout Shift</a:t>
+            </a:r>
+          </a:p>
+          <a:p>
+            <a:pPr lvl="0" eaLnBrk="0" fontAlgn="base" hangingPunct="0">
+              <a:lnSpc>
+                <a:spcPct val="100000"/>
+              </a:lnSpc>
+              <a:spcBef>
+                <a:spcPct val="0"/>
+              </a:spcBef>
+              <a:spcAft>
+                <a:spcPct val="0"/>
+              </a:spcAft>
+            </a:pPr>
+            <a:endParaRPr lang="en-US" sz="2100" dirty="0">
+              <a:latin typeface="Calibri" panose="020F0502020204030204" pitchFamily="34" charset="0"/>
+              <a:ea typeface="Calibri" panose="020F0502020204030204" pitchFamily="34" charset="0"/>
+              <a:cs typeface="Calibri" panose="020F0502020204030204" pitchFamily="34" charset="0"/>
+            </a:endParaRPr>
+          </a:p>
+          <a:p>
+            <a:pPr lvl="0" eaLnBrk="0" fontAlgn="base" hangingPunct="0">
+              <a:lnSpc>
+                <a:spcPct val="100000"/>
+              </a:lnSpc>
+              <a:spcBef>
+                <a:spcPct val="0"/>
+              </a:spcBef>
+              <a:spcAft>
+                <a:spcPct val="0"/>
+              </a:spcAft>
+            </a:pPr>
+            <a:r>
+              <a:rPr lang="en-US" sz="2100" b="1" dirty="0">
+                <a:latin typeface="Calibri" panose="020F0502020204030204" pitchFamily="34" charset="0"/>
+                <a:ea typeface="Calibri" panose="020F0502020204030204" pitchFamily="34" charset="0"/>
+                <a:cs typeface="Calibri" panose="020F0502020204030204" pitchFamily="34" charset="0"/>
+              </a:rPr>
+              <a:t>DB Optimizations:</a:t>
             </a:r>
           </a:p>
           <a:p>
@@ -7556,93 +8288,12 @@
               <a:buChar char="Ø"/>
             </a:pPr>
             <a:r>
-              <a:rPr lang="en-US" sz="1800" dirty="0">
-                <a:latin typeface="Calibri" panose="020F0502020204030204" pitchFamily="34" charset="0"/>
-                <a:ea typeface="Calibri" panose="020F0502020204030204" pitchFamily="34" charset="0"/>
-                <a:cs typeface="Calibri" panose="020F0502020204030204" pitchFamily="34" charset="0"/>
-              </a:rPr>
-              <a:t>Suggested to integrate </a:t>
-            </a:r>
-            <a:r>
-              <a:rPr lang="en-US" sz="1800" b="1" dirty="0">
-                <a:latin typeface="Calibri" panose="020F0502020204030204" pitchFamily="34" charset="0"/>
-                <a:ea typeface="Calibri" panose="020F0502020204030204" pitchFamily="34" charset="0"/>
-                <a:cs typeface="Calibri" panose="020F0502020204030204" pitchFamily="34" charset="0"/>
-              </a:rPr>
-              <a:t>SonarQube scans in CI/CD</a:t>
-            </a:r>
-            <a:r>
-              <a:rPr lang="en-US" sz="1800" dirty="0">
-                <a:latin typeface="Calibri" panose="020F0502020204030204" pitchFamily="34" charset="0"/>
-                <a:ea typeface="Calibri" panose="020F0502020204030204" pitchFamily="34" charset="0"/>
-                <a:cs typeface="Calibri" panose="020F0502020204030204" pitchFamily="34" charset="0"/>
-              </a:rPr>
-              <a:t> to detect and fix </a:t>
-            </a:r>
-            <a:r>
-              <a:rPr lang="en-US" sz="1800" b="1" dirty="0">
-                <a:latin typeface="Calibri" panose="020F0502020204030204" pitchFamily="34" charset="0"/>
-                <a:ea typeface="Calibri" panose="020F0502020204030204" pitchFamily="34" charset="0"/>
-                <a:cs typeface="Calibri" panose="020F0502020204030204" pitchFamily="34" charset="0"/>
-              </a:rPr>
-              <a:t>code smells, unused imports, and inefficiencies</a:t>
-            </a:r>
-            <a:r>
-              <a:rPr lang="en-US" sz="1800" dirty="0">
-                <a:latin typeface="Calibri" panose="020F0502020204030204" pitchFamily="34" charset="0"/>
-                <a:ea typeface="Calibri" panose="020F0502020204030204" pitchFamily="34" charset="0"/>
-                <a:cs typeface="Calibri" panose="020F0502020204030204" pitchFamily="34" charset="0"/>
-              </a:rPr>
-              <a:t>.</a:t>
-            </a:r>
-          </a:p>
-          <a:p>
-            <a:pPr lvl="0" eaLnBrk="0" fontAlgn="base" hangingPunct="0">
-              <a:lnSpc>
-                <a:spcPct val="100000"/>
-              </a:lnSpc>
-              <a:spcBef>
-                <a:spcPct val="0"/>
-              </a:spcBef>
-              <a:spcAft>
-                <a:spcPct val="0"/>
-              </a:spcAft>
-              <a:buFontTx/>
-              <a:buChar char="•"/>
-            </a:pPr>
-            <a:endParaRPr lang="en-US" sz="1800" dirty="0">
-              <a:latin typeface="Calibri" panose="020F0502020204030204" pitchFamily="34" charset="0"/>
-              <a:ea typeface="Calibri" panose="020F0502020204030204" pitchFamily="34" charset="0"/>
-              <a:cs typeface="Calibri" panose="020F0502020204030204" pitchFamily="34" charset="0"/>
-            </a:endParaRPr>
-          </a:p>
-          <a:p>
-            <a:pPr lvl="0" eaLnBrk="0" fontAlgn="base" hangingPunct="0">
-              <a:lnSpc>
-                <a:spcPct val="100000"/>
-              </a:lnSpc>
-              <a:spcBef>
-                <a:spcPct val="0"/>
-              </a:spcBef>
-              <a:spcAft>
-                <a:spcPct val="0"/>
-              </a:spcAft>
-            </a:pPr>
-            <a:r>
-              <a:rPr lang="en-US" sz="1800" dirty="0">
-                <a:latin typeface="Calibri" panose="020F0502020204030204" pitchFamily="34" charset="0"/>
-                <a:ea typeface="Calibri" panose="020F0502020204030204" pitchFamily="34" charset="0"/>
-                <a:cs typeface="Calibri" panose="020F0502020204030204" pitchFamily="34" charset="0"/>
-              </a:rPr>
-              <a:t>📊 </a:t>
-            </a:r>
-            <a:r>
-              <a:rPr lang="en-US" altLang="en-US" sz="1800" b="1" dirty="0">
-                <a:latin typeface="Calibri" panose="020F0502020204030204" pitchFamily="34" charset="0"/>
-                <a:ea typeface="Calibri" panose="020F0502020204030204" pitchFamily="34" charset="0"/>
-                <a:cs typeface="Calibri" panose="020F0502020204030204" pitchFamily="34" charset="0"/>
-              </a:rPr>
-              <a:t>Monitoring &amp; Analysis:</a:t>
+              <a:rPr lang="en-US" sz="2100" b="1" dirty="0">
+                <a:latin typeface="Calibri" panose="020F0502020204030204" pitchFamily="34" charset="0"/>
+                <a:ea typeface="Calibri" panose="020F0502020204030204" pitchFamily="34" charset="0"/>
+                <a:cs typeface="Calibri" panose="020F0502020204030204" pitchFamily="34" charset="0"/>
+              </a:rPr>
+              <a:t>Query Optimizations</a:t>
             </a:r>
           </a:p>
           <a:p>
@@ -7660,50 +8311,28 @@
               <a:buChar char="Ø"/>
             </a:pPr>
             <a:r>
-              <a:rPr lang="en-US" altLang="en-US" sz="1800" dirty="0">
-                <a:latin typeface="Calibri" panose="020F0502020204030204" pitchFamily="34" charset="0"/>
-                <a:ea typeface="Calibri" panose="020F0502020204030204" pitchFamily="34" charset="0"/>
-                <a:cs typeface="Calibri" panose="020F0502020204030204" pitchFamily="34" charset="0"/>
-              </a:rPr>
-              <a:t>Integrated Light house audits to track </a:t>
-            </a:r>
-            <a:r>
-              <a:rPr lang="en-US" sz="1800" b="1" dirty="0">
-                <a:latin typeface="Calibri" panose="020F0502020204030204" pitchFamily="34" charset="0"/>
-                <a:ea typeface="Calibri" panose="020F0502020204030204" pitchFamily="34" charset="0"/>
-                <a:cs typeface="Calibri" panose="020F0502020204030204" pitchFamily="34" charset="0"/>
-              </a:rPr>
-              <a:t>Largest </a:t>
-            </a:r>
-            <a:r>
-              <a:rPr lang="en-US" sz="1800" b="1" dirty="0" err="1">
-                <a:latin typeface="Calibri" panose="020F0502020204030204" pitchFamily="34" charset="0"/>
-                <a:ea typeface="Calibri" panose="020F0502020204030204" pitchFamily="34" charset="0"/>
-                <a:cs typeface="Calibri" panose="020F0502020204030204" pitchFamily="34" charset="0"/>
-              </a:rPr>
-              <a:t>Contentful</a:t>
-            </a:r>
-            <a:r>
-              <a:rPr lang="en-US" sz="1800" b="1" dirty="0">
-                <a:latin typeface="Calibri" panose="020F0502020204030204" pitchFamily="34" charset="0"/>
-                <a:ea typeface="Calibri" panose="020F0502020204030204" pitchFamily="34" charset="0"/>
-                <a:cs typeface="Calibri" panose="020F0502020204030204" pitchFamily="34" charset="0"/>
-              </a:rPr>
-              <a:t> Paint, </a:t>
-            </a:r>
-            <a:r>
-              <a:rPr lang="en-US" sz="1800" dirty="0">
-                <a:latin typeface="Calibri" panose="020F0502020204030204" pitchFamily="34" charset="0"/>
-                <a:ea typeface="Calibri" panose="020F0502020204030204" pitchFamily="34" charset="0"/>
-                <a:cs typeface="Calibri" panose="020F0502020204030204" pitchFamily="34" charset="0"/>
-              </a:rPr>
-              <a:t>Time to Interactive, Cumulative Layout Shift</a:t>
-            </a:r>
-            <a:endParaRPr lang="en-US" altLang="en-US" sz="1800" b="1" dirty="0">
-              <a:latin typeface="Calibri" panose="020F0502020204030204" pitchFamily="34" charset="0"/>
-              <a:ea typeface="Calibri" panose="020F0502020204030204" pitchFamily="34" charset="0"/>
-              <a:cs typeface="Calibri" panose="020F0502020204030204" pitchFamily="34" charset="0"/>
-            </a:endParaRPr>
+              <a:rPr lang="en-US" sz="2100" dirty="0">
+                <a:latin typeface="Calibri" panose="020F0502020204030204" pitchFamily="34" charset="0"/>
+                <a:ea typeface="Calibri" panose="020F0502020204030204" pitchFamily="34" charset="0"/>
+                <a:cs typeface="Calibri" panose="020F0502020204030204" pitchFamily="34" charset="0"/>
+              </a:rPr>
+              <a:t>Added custom column-level flags to indicate pre-validated records.</a:t>
+            </a:r>
+            <a:br>
+              <a:rPr lang="en-US" sz="2100" dirty="0">
+                <a:latin typeface="Calibri" panose="020F0502020204030204" pitchFamily="34" charset="0"/>
+                <a:ea typeface="Calibri" panose="020F0502020204030204" pitchFamily="34" charset="0"/>
+                <a:cs typeface="Calibri" panose="020F0502020204030204" pitchFamily="34" charset="0"/>
+              </a:rPr>
+            </a:br>
+            <a:r>
+              <a:rPr lang="en-US" sz="2100" dirty="0">
+                <a:latin typeface="Calibri" panose="020F0502020204030204" pitchFamily="34" charset="0"/>
+                <a:ea typeface="Calibri" panose="020F0502020204030204" pitchFamily="34" charset="0"/>
+                <a:cs typeface="Calibri" panose="020F0502020204030204" pitchFamily="34" charset="0"/>
+              </a:rPr>
+              <a:t>This significantly reduced repeated validation queries and eliminated unnecessary database round-trips.</a:t>
+            </a:r>
           </a:p>
           <a:p>
             <a:pPr marL="285750" lvl="0" indent="-285750" eaLnBrk="0" fontAlgn="base" hangingPunct="0">
@@ -7720,60 +8349,44 @@
               <a:buChar char="Ø"/>
             </a:pPr>
             <a:r>
-              <a:rPr lang="en-US" altLang="en-US" sz="1800" dirty="0">
-                <a:latin typeface="Calibri" panose="020F0502020204030204" pitchFamily="34" charset="0"/>
-                <a:ea typeface="Calibri" panose="020F0502020204030204" pitchFamily="34" charset="0"/>
-                <a:cs typeface="Calibri" panose="020F0502020204030204" pitchFamily="34" charset="0"/>
-              </a:rPr>
-              <a:t>Applied </a:t>
-            </a:r>
-            <a:r>
-              <a:rPr lang="en-US" altLang="en-US" sz="1800" b="1" dirty="0" err="1">
-                <a:latin typeface="Calibri" panose="020F0502020204030204" pitchFamily="34" charset="0"/>
-                <a:ea typeface="Calibri" panose="020F0502020204030204" pitchFamily="34" charset="0"/>
-                <a:cs typeface="Calibri" panose="020F0502020204030204" pitchFamily="34" charset="0"/>
-              </a:rPr>
-              <a:t>React.memo</a:t>
-            </a:r>
-            <a:r>
-              <a:rPr lang="en-US" altLang="en-US" sz="1800" dirty="0">
-                <a:latin typeface="Calibri" panose="020F0502020204030204" pitchFamily="34" charset="0"/>
-                <a:ea typeface="Calibri" panose="020F0502020204030204" pitchFamily="34" charset="0"/>
-                <a:cs typeface="Calibri" panose="020F0502020204030204" pitchFamily="34" charset="0"/>
-              </a:rPr>
-              <a:t>, </a:t>
-            </a:r>
-            <a:r>
-              <a:rPr lang="en-US" altLang="en-US" sz="1800" dirty="0" err="1">
-                <a:latin typeface="Calibri" panose="020F0502020204030204" pitchFamily="34" charset="0"/>
-                <a:ea typeface="Calibri" panose="020F0502020204030204" pitchFamily="34" charset="0"/>
-                <a:cs typeface="Calibri" panose="020F0502020204030204" pitchFamily="34" charset="0"/>
-              </a:rPr>
-              <a:t>useMemo</a:t>
-            </a:r>
-            <a:r>
-              <a:rPr lang="en-US" altLang="en-US" sz="1800" dirty="0">
-                <a:latin typeface="Calibri" panose="020F0502020204030204" pitchFamily="34" charset="0"/>
-                <a:ea typeface="Calibri" panose="020F0502020204030204" pitchFamily="34" charset="0"/>
-                <a:cs typeface="Calibri" panose="020F0502020204030204" pitchFamily="34" charset="0"/>
-              </a:rPr>
-              <a:t>, and </a:t>
-            </a:r>
-            <a:r>
-              <a:rPr lang="en-US" altLang="en-US" sz="1800" dirty="0" err="1">
-                <a:latin typeface="Calibri" panose="020F0502020204030204" pitchFamily="34" charset="0"/>
-                <a:ea typeface="Calibri" panose="020F0502020204030204" pitchFamily="34" charset="0"/>
-                <a:cs typeface="Calibri" panose="020F0502020204030204" pitchFamily="34" charset="0"/>
-              </a:rPr>
-              <a:t>useCallback</a:t>
-            </a:r>
-            <a:r>
-              <a:rPr lang="en-US" altLang="en-US" sz="1800" dirty="0">
-                <a:latin typeface="Calibri" panose="020F0502020204030204" pitchFamily="34" charset="0"/>
-                <a:ea typeface="Calibri" panose="020F0502020204030204" pitchFamily="34" charset="0"/>
-                <a:cs typeface="Calibri" panose="020F0502020204030204" pitchFamily="34" charset="0"/>
-              </a:rPr>
-              <a:t> to prevent unnecessary re-renders.</a:t>
+              <a:rPr lang="en-US" sz="2100" dirty="0">
+                <a:latin typeface="Calibri" panose="020F0502020204030204" pitchFamily="34" charset="0"/>
+                <a:ea typeface="Calibri" panose="020F0502020204030204" pitchFamily="34" charset="0"/>
+                <a:cs typeface="Calibri" panose="020F0502020204030204" pitchFamily="34" charset="0"/>
+              </a:rPr>
+              <a:t>Replaced row-by-row operations with </a:t>
+            </a:r>
+            <a:r>
+              <a:rPr lang="en-US" sz="2100" b="1" dirty="0">
+                <a:latin typeface="Calibri" panose="020F0502020204030204" pitchFamily="34" charset="0"/>
+                <a:ea typeface="Calibri" panose="020F0502020204030204" pitchFamily="34" charset="0"/>
+                <a:cs typeface="Calibri" panose="020F0502020204030204" pitchFamily="34" charset="0"/>
+              </a:rPr>
+              <a:t>FORALL</a:t>
+            </a:r>
+            <a:r>
+              <a:rPr lang="en-US" sz="2100" dirty="0">
+                <a:latin typeface="Calibri" panose="020F0502020204030204" pitchFamily="34" charset="0"/>
+                <a:ea typeface="Calibri" panose="020F0502020204030204" pitchFamily="34" charset="0"/>
+                <a:cs typeface="Calibri" panose="020F0502020204030204" pitchFamily="34" charset="0"/>
+              </a:rPr>
+              <a:t> (for batch INSERT/UPDATE) and </a:t>
+            </a:r>
+            <a:r>
+              <a:rPr lang="en-US" sz="2100" b="1" dirty="0">
+                <a:latin typeface="Calibri" panose="020F0502020204030204" pitchFamily="34" charset="0"/>
+                <a:ea typeface="Calibri" panose="020F0502020204030204" pitchFamily="34" charset="0"/>
+                <a:cs typeface="Calibri" panose="020F0502020204030204" pitchFamily="34" charset="0"/>
+              </a:rPr>
+              <a:t>BULK COLLECT</a:t>
+            </a:r>
+            <a:r>
+              <a:rPr lang="en-US" sz="2100" dirty="0">
+                <a:latin typeface="Calibri" panose="020F0502020204030204" pitchFamily="34" charset="0"/>
+                <a:ea typeface="Calibri" panose="020F0502020204030204" pitchFamily="34" charset="0"/>
+                <a:cs typeface="Calibri" panose="020F0502020204030204" pitchFamily="34" charset="0"/>
+              </a:rPr>
+              <a:t> (for high-volume data retrieval), improving throughput and reducing execution time dramatically.</a:t>
             </a:r>
           </a:p>
           <a:p>
@@ -7791,44 +8404,12 @@
               <a:buChar char="Ø"/>
             </a:pPr>
             <a:r>
-              <a:rPr lang="en-US" sz="1800" dirty="0">
-                <a:latin typeface="Calibri" panose="020F0502020204030204" pitchFamily="34" charset="0"/>
-                <a:ea typeface="Calibri" panose="020F0502020204030204" pitchFamily="34" charset="0"/>
-                <a:cs typeface="Calibri" panose="020F0502020204030204" pitchFamily="34" charset="0"/>
-              </a:rPr>
-              <a:t>Integrated </a:t>
-            </a:r>
-            <a:r>
-              <a:rPr lang="en-US" sz="1800" b="1" dirty="0">
-                <a:latin typeface="Calibri" panose="020F0502020204030204" pitchFamily="34" charset="0"/>
-                <a:ea typeface="Calibri" panose="020F0502020204030204" pitchFamily="34" charset="0"/>
-                <a:cs typeface="Calibri" panose="020F0502020204030204" pitchFamily="34" charset="0"/>
-              </a:rPr>
-              <a:t>SonarQube scans in CI/CD</a:t>
-            </a:r>
-            <a:r>
-              <a:rPr lang="en-US" sz="1800" dirty="0">
-                <a:latin typeface="Calibri" panose="020F0502020204030204" pitchFamily="34" charset="0"/>
-                <a:ea typeface="Calibri" panose="020F0502020204030204" pitchFamily="34" charset="0"/>
-                <a:cs typeface="Calibri" panose="020F0502020204030204" pitchFamily="34" charset="0"/>
-              </a:rPr>
-              <a:t> to detect and fix </a:t>
-            </a:r>
-            <a:r>
-              <a:rPr lang="en-US" sz="1800" b="1" dirty="0">
-                <a:latin typeface="Calibri" panose="020F0502020204030204" pitchFamily="34" charset="0"/>
-                <a:ea typeface="Calibri" panose="020F0502020204030204" pitchFamily="34" charset="0"/>
-                <a:cs typeface="Calibri" panose="020F0502020204030204" pitchFamily="34" charset="0"/>
-              </a:rPr>
-              <a:t>code smells, unused imports, and inefficiencies</a:t>
-            </a:r>
-            <a:r>
-              <a:rPr lang="en-US" sz="1800" dirty="0">
-                <a:latin typeface="Calibri" panose="020F0502020204030204" pitchFamily="34" charset="0"/>
-                <a:ea typeface="Calibri" panose="020F0502020204030204" pitchFamily="34" charset="0"/>
-                <a:cs typeface="Calibri" panose="020F0502020204030204" pitchFamily="34" charset="0"/>
-              </a:rPr>
-              <a:t>.</a:t>
+              <a:rPr lang="en-US" sz="2100" dirty="0">
+                <a:latin typeface="Calibri" panose="020F0502020204030204" pitchFamily="34" charset="0"/>
+                <a:ea typeface="Calibri" panose="020F0502020204030204" pitchFamily="34" charset="0"/>
+                <a:cs typeface="Calibri" panose="020F0502020204030204" pitchFamily="34" charset="0"/>
+              </a:rPr>
+              <a:t>Added Strategic Indexing &amp; Removed Unused Indexes</a:t>
             </a:r>
           </a:p>
           <a:p>
@@ -7846,13 +8427,36 @@
               <a:buChar char="Ø"/>
             </a:pPr>
             <a:r>
-              <a:rPr lang="en-US" sz="1800" dirty="0">
-                <a:latin typeface="Calibri" panose="020F0502020204030204" pitchFamily="34" charset="0"/>
-                <a:ea typeface="Calibri" panose="020F0502020204030204" pitchFamily="34" charset="0"/>
-                <a:cs typeface="Calibri" panose="020F0502020204030204" pitchFamily="34" charset="0"/>
-              </a:rPr>
-              <a:t>Pendo Analytics integration to track React pages/components that users visit the most.</a:t>
-            </a:r>
+              <a:rPr lang="en-US" sz="2100" dirty="0">
+                <a:latin typeface="Calibri" panose="020F0502020204030204" pitchFamily="34" charset="0"/>
+                <a:ea typeface="Calibri" panose="020F0502020204030204" pitchFamily="34" charset="0"/>
+                <a:cs typeface="Calibri" panose="020F0502020204030204" pitchFamily="34" charset="0"/>
+              </a:rPr>
+              <a:t>Fine-Tuned SQL Execution Plans</a:t>
+            </a:r>
+            <a:endParaRPr lang="en-US" sz="2100" b="1" dirty="0">
+              <a:latin typeface="Calibri" panose="020F0502020204030204" pitchFamily="34" charset="0"/>
+              <a:ea typeface="Calibri" panose="020F0502020204030204" pitchFamily="34" charset="0"/>
+              <a:cs typeface="Calibri" panose="020F0502020204030204" pitchFamily="34" charset="0"/>
+            </a:endParaRPr>
+          </a:p>
+          <a:p>
+            <a:pPr lvl="0" eaLnBrk="0" fontAlgn="base" hangingPunct="0">
+              <a:lnSpc>
+                <a:spcPct val="100000"/>
+              </a:lnSpc>
+              <a:spcBef>
+                <a:spcPct val="0"/>
+              </a:spcBef>
+              <a:spcAft>
+                <a:spcPct val="0"/>
+              </a:spcAft>
+            </a:pPr>
+            <a:endParaRPr lang="en-US" sz="1800" b="1" dirty="0">
+              <a:latin typeface="Calibri" panose="020F0502020204030204" pitchFamily="34" charset="0"/>
+              <a:ea typeface="Calibri" panose="020F0502020204030204" pitchFamily="34" charset="0"/>
+              <a:cs typeface="Calibri" panose="020F0502020204030204" pitchFamily="34" charset="0"/>
+            </a:endParaRPr>
           </a:p>
           <a:p>
             <a:pPr lvl="0" eaLnBrk="0" fontAlgn="base" hangingPunct="0">
@@ -7941,680 +8545,17 @@
 </p:sld>
 </file>
 
-<file path=ppt/slides/slide12.xml><?xml version="1.0" encoding="utf-8"?>
-<p:sld xmlns:a="http://schemas.openxmlformats.org/drawingml/2006/main" xmlns:r="http://schemas.openxmlformats.org/officeDocument/2006/relationships" xmlns:p="http://schemas.openxmlformats.org/presentationml/2006/main">
-  <p:cSld>
-    <p:spTree>
-      <p:nvGrpSpPr>
-        <p:cNvPr id="1" name="">
-          <a:extLst>
-            <a:ext uri="{FF2B5EF4-FFF2-40B4-BE49-F238E27FC236}">
-              <a16:creationId xmlns:a16="http://schemas.microsoft.com/office/drawing/2014/main" id="{B525CDDC-D73E-4700-52DA-B2F00D215131}"/>
-            </a:ext>
-          </a:extLst>
-        </p:cNvPr>
-        <p:cNvGrpSpPr/>
-        <p:nvPr/>
-      </p:nvGrpSpPr>
-      <p:grpSpPr>
-        <a:xfrm>
-          <a:off x="0" y="0"/>
-          <a:ext cx="0" cy="0"/>
-          <a:chOff x="0" y="0"/>
-          <a:chExt cx="0" cy="0"/>
-        </a:xfrm>
-      </p:grpSpPr>
-      <p:sp>
-        <p:nvSpPr>
-          <p:cNvPr id="2" name="Slide Number Placeholder 1">
-            <a:extLst>
-              <a:ext uri="{FF2B5EF4-FFF2-40B4-BE49-F238E27FC236}">
-                <a16:creationId xmlns:a16="http://schemas.microsoft.com/office/drawing/2014/main" id="{E62F0F2E-5966-5B2C-7D7A-DA218DABF28A}"/>
-              </a:ext>
-            </a:extLst>
-          </p:cNvPr>
-          <p:cNvSpPr>
-            <a:spLocks noGrp="1"/>
-          </p:cNvSpPr>
-          <p:nvPr>
-            <p:ph type="sldNum" sz="quarter" idx="15"/>
-          </p:nvPr>
-        </p:nvSpPr>
-        <p:spPr>
-          <a:xfrm>
-            <a:off x="412136" y="5943601"/>
-            <a:ext cx="968983" cy="651912"/>
-          </a:xfrm>
-        </p:spPr>
-        <p:txBody>
-          <a:bodyPr/>
-          <a:lstStyle/>
-          <a:p>
-            <a:fld id="{18D65601-5AE2-46FC-B138-694DDD2B510D}" type="slidenum">
-              <a:rPr lang="en-US" smtClean="0"/>
-              <a:pPr/>
-              <a:t>12</a:t>
-            </a:fld>
-            <a:endParaRPr lang="en-US" dirty="0"/>
-          </a:p>
-        </p:txBody>
-      </p:sp>
-      <p:sp>
-        <p:nvSpPr>
-          <p:cNvPr id="14" name="TextBox 13">
-            <a:extLst>
-              <a:ext uri="{FF2B5EF4-FFF2-40B4-BE49-F238E27FC236}">
-                <a16:creationId xmlns:a16="http://schemas.microsoft.com/office/drawing/2014/main" id="{833DAFE8-08EC-8D54-96D0-E42816E4E56B}"/>
-              </a:ext>
-            </a:extLst>
-          </p:cNvPr>
-          <p:cNvSpPr txBox="1"/>
-          <p:nvPr/>
-        </p:nvSpPr>
-        <p:spPr>
-          <a:xfrm>
-            <a:off x="1238506" y="522827"/>
-            <a:ext cx="5405575" cy="6001643"/>
-          </a:xfrm>
-          <a:prstGeom prst="rect">
-            <a:avLst/>
-          </a:prstGeom>
-          <a:noFill/>
-        </p:spPr>
-        <p:txBody>
-          <a:bodyPr wrap="square">
-            <a:spAutoFit/>
-          </a:bodyPr>
-          <a:lstStyle/>
-          <a:p>
-            <a:r>
-              <a:rPr lang="en-US" sz="1600" dirty="0">
-                <a:latin typeface="Calibri" panose="020F0502020204030204" pitchFamily="34" charset="0"/>
-                <a:ea typeface="Calibri" panose="020F0502020204030204" pitchFamily="34" charset="0"/>
-                <a:cs typeface="Calibri" panose="020F0502020204030204" pitchFamily="34" charset="0"/>
-              </a:rPr>
-              <a:t>&lt;script&gt;</a:t>
-            </a:r>
-          </a:p>
-          <a:p>
-            <a:r>
-              <a:rPr lang="en-US" sz="1600" dirty="0">
-                <a:latin typeface="Calibri" panose="020F0502020204030204" pitchFamily="34" charset="0"/>
-                <a:ea typeface="Calibri" panose="020F0502020204030204" pitchFamily="34" charset="0"/>
-                <a:cs typeface="Calibri" panose="020F0502020204030204" pitchFamily="34" charset="0"/>
-              </a:rPr>
-              <a:t>      (function(</a:t>
-            </a:r>
-            <a:r>
-              <a:rPr lang="en-US" sz="1600" dirty="0" err="1">
-                <a:latin typeface="Calibri" panose="020F0502020204030204" pitchFamily="34" charset="0"/>
-                <a:ea typeface="Calibri" panose="020F0502020204030204" pitchFamily="34" charset="0"/>
-                <a:cs typeface="Calibri" panose="020F0502020204030204" pitchFamily="34" charset="0"/>
-              </a:rPr>
-              <a:t>apiKey</a:t>
-            </a:r>
-            <a:r>
-              <a:rPr lang="en-US" sz="1600" dirty="0">
-                <a:latin typeface="Calibri" panose="020F0502020204030204" pitchFamily="34" charset="0"/>
-                <a:ea typeface="Calibri" panose="020F0502020204030204" pitchFamily="34" charset="0"/>
-                <a:cs typeface="Calibri" panose="020F0502020204030204" pitchFamily="34" charset="0"/>
-              </a:rPr>
-              <a:t>){</a:t>
-            </a:r>
-          </a:p>
-          <a:p>
-            <a:r>
-              <a:rPr lang="en-US" sz="1600" dirty="0">
-                <a:latin typeface="Calibri" panose="020F0502020204030204" pitchFamily="34" charset="0"/>
-                <a:ea typeface="Calibri" panose="020F0502020204030204" pitchFamily="34" charset="0"/>
-                <a:cs typeface="Calibri" panose="020F0502020204030204" pitchFamily="34" charset="0"/>
-              </a:rPr>
-              <a:t>        (function(</a:t>
-            </a:r>
-            <a:r>
-              <a:rPr lang="en-US" sz="1600" dirty="0" err="1">
-                <a:latin typeface="Calibri" panose="020F0502020204030204" pitchFamily="34" charset="0"/>
-                <a:ea typeface="Calibri" panose="020F0502020204030204" pitchFamily="34" charset="0"/>
-                <a:cs typeface="Calibri" panose="020F0502020204030204" pitchFamily="34" charset="0"/>
-              </a:rPr>
-              <a:t>p,e,n,d,o</a:t>
-            </a:r>
-            <a:r>
-              <a:rPr lang="en-US" sz="1600" dirty="0">
-                <a:latin typeface="Calibri" panose="020F0502020204030204" pitchFamily="34" charset="0"/>
-                <a:ea typeface="Calibri" panose="020F0502020204030204" pitchFamily="34" charset="0"/>
-                <a:cs typeface="Calibri" panose="020F0502020204030204" pitchFamily="34" charset="0"/>
-              </a:rPr>
-              <a:t>){</a:t>
-            </a:r>
-          </a:p>
-          <a:p>
-            <a:r>
-              <a:rPr lang="en-US" sz="1600" dirty="0">
-                <a:latin typeface="Calibri" panose="020F0502020204030204" pitchFamily="34" charset="0"/>
-                <a:ea typeface="Calibri" panose="020F0502020204030204" pitchFamily="34" charset="0"/>
-                <a:cs typeface="Calibri" panose="020F0502020204030204" pitchFamily="34" charset="0"/>
-              </a:rPr>
-              <a:t>          var </a:t>
-            </a:r>
-            <a:r>
-              <a:rPr lang="en-US" sz="1600" dirty="0" err="1">
-                <a:latin typeface="Calibri" panose="020F0502020204030204" pitchFamily="34" charset="0"/>
-                <a:ea typeface="Calibri" panose="020F0502020204030204" pitchFamily="34" charset="0"/>
-                <a:cs typeface="Calibri" panose="020F0502020204030204" pitchFamily="34" charset="0"/>
-              </a:rPr>
-              <a:t>v,w,x,y,z</a:t>
-            </a:r>
-            <a:r>
-              <a:rPr lang="en-US" sz="1600" dirty="0">
-                <a:latin typeface="Calibri" panose="020F0502020204030204" pitchFamily="34" charset="0"/>
-                <a:ea typeface="Calibri" panose="020F0502020204030204" pitchFamily="34" charset="0"/>
-                <a:cs typeface="Calibri" panose="020F0502020204030204" pitchFamily="34" charset="0"/>
-              </a:rPr>
-              <a:t>;</a:t>
-            </a:r>
-          </a:p>
-          <a:p>
-            <a:r>
-              <a:rPr lang="en-US" sz="1600" dirty="0">
-                <a:latin typeface="Calibri" panose="020F0502020204030204" pitchFamily="34" charset="0"/>
-                <a:ea typeface="Calibri" panose="020F0502020204030204" pitchFamily="34" charset="0"/>
-                <a:cs typeface="Calibri" panose="020F0502020204030204" pitchFamily="34" charset="0"/>
-              </a:rPr>
-              <a:t>          o=p[d]=p[d]||{};</a:t>
-            </a:r>
-          </a:p>
-          <a:p>
-            <a:r>
-              <a:rPr lang="en-US" sz="1600" dirty="0">
-                <a:latin typeface="Calibri" panose="020F0502020204030204" pitchFamily="34" charset="0"/>
-                <a:ea typeface="Calibri" panose="020F0502020204030204" pitchFamily="34" charset="0"/>
-                <a:cs typeface="Calibri" panose="020F0502020204030204" pitchFamily="34" charset="0"/>
-              </a:rPr>
-              <a:t>          </a:t>
-            </a:r>
-            <a:r>
-              <a:rPr lang="en-US" sz="1600" dirty="0" err="1">
-                <a:latin typeface="Calibri" panose="020F0502020204030204" pitchFamily="34" charset="0"/>
-                <a:ea typeface="Calibri" panose="020F0502020204030204" pitchFamily="34" charset="0"/>
-                <a:cs typeface="Calibri" panose="020F0502020204030204" pitchFamily="34" charset="0"/>
-              </a:rPr>
-              <a:t>o._q</a:t>
-            </a:r>
-            <a:r>
-              <a:rPr lang="en-US" sz="1600" dirty="0">
-                <a:latin typeface="Calibri" panose="020F0502020204030204" pitchFamily="34" charset="0"/>
-                <a:ea typeface="Calibri" panose="020F0502020204030204" pitchFamily="34" charset="0"/>
-                <a:cs typeface="Calibri" panose="020F0502020204030204" pitchFamily="34" charset="0"/>
-              </a:rPr>
-              <a:t>=[];</a:t>
-            </a:r>
-          </a:p>
-          <a:p>
-            <a:r>
-              <a:rPr lang="en-US" sz="1600" dirty="0">
-                <a:latin typeface="Calibri" panose="020F0502020204030204" pitchFamily="34" charset="0"/>
-                <a:ea typeface="Calibri" panose="020F0502020204030204" pitchFamily="34" charset="0"/>
-                <a:cs typeface="Calibri" panose="020F0502020204030204" pitchFamily="34" charset="0"/>
-              </a:rPr>
-              <a:t>          v=['initialize','identify','</a:t>
-            </a:r>
-            <a:r>
-              <a:rPr lang="en-US" sz="1600" dirty="0" err="1">
-                <a:latin typeface="Calibri" panose="020F0502020204030204" pitchFamily="34" charset="0"/>
-                <a:ea typeface="Calibri" panose="020F0502020204030204" pitchFamily="34" charset="0"/>
-                <a:cs typeface="Calibri" panose="020F0502020204030204" pitchFamily="34" charset="0"/>
-              </a:rPr>
-              <a:t>updateOptions</a:t>
-            </a:r>
-            <a:r>
-              <a:rPr lang="en-US" sz="1600" dirty="0">
-                <a:latin typeface="Calibri" panose="020F0502020204030204" pitchFamily="34" charset="0"/>
-                <a:ea typeface="Calibri" panose="020F0502020204030204" pitchFamily="34" charset="0"/>
-                <a:cs typeface="Calibri" panose="020F0502020204030204" pitchFamily="34" charset="0"/>
-              </a:rPr>
-              <a:t>','</a:t>
-            </a:r>
-            <a:r>
-              <a:rPr lang="en-US" sz="1600" dirty="0" err="1">
-                <a:latin typeface="Calibri" panose="020F0502020204030204" pitchFamily="34" charset="0"/>
-                <a:ea typeface="Calibri" panose="020F0502020204030204" pitchFamily="34" charset="0"/>
-                <a:cs typeface="Calibri" panose="020F0502020204030204" pitchFamily="34" charset="0"/>
-              </a:rPr>
-              <a:t>pageLoad</a:t>
-            </a:r>
-            <a:r>
-              <a:rPr lang="en-US" sz="1600" dirty="0">
-                <a:latin typeface="Calibri" panose="020F0502020204030204" pitchFamily="34" charset="0"/>
-                <a:ea typeface="Calibri" panose="020F0502020204030204" pitchFamily="34" charset="0"/>
-                <a:cs typeface="Calibri" panose="020F0502020204030204" pitchFamily="34" charset="0"/>
-              </a:rPr>
-              <a:t>','track'];</a:t>
-            </a:r>
-          </a:p>
-          <a:p>
-            <a:r>
-              <a:rPr lang="en-US" sz="1600" dirty="0">
-                <a:latin typeface="Calibri" panose="020F0502020204030204" pitchFamily="34" charset="0"/>
-                <a:ea typeface="Calibri" panose="020F0502020204030204" pitchFamily="34" charset="0"/>
-                <a:cs typeface="Calibri" panose="020F0502020204030204" pitchFamily="34" charset="0"/>
-              </a:rPr>
-              <a:t>          for(w=0,x=</a:t>
-            </a:r>
-            <a:r>
-              <a:rPr lang="en-US" sz="1600" dirty="0" err="1">
-                <a:latin typeface="Calibri" panose="020F0502020204030204" pitchFamily="34" charset="0"/>
-                <a:ea typeface="Calibri" panose="020F0502020204030204" pitchFamily="34" charset="0"/>
-                <a:cs typeface="Calibri" panose="020F0502020204030204" pitchFamily="34" charset="0"/>
-              </a:rPr>
-              <a:t>v.length;w</a:t>
-            </a:r>
-            <a:r>
-              <a:rPr lang="en-US" sz="1600" dirty="0">
-                <a:latin typeface="Calibri" panose="020F0502020204030204" pitchFamily="34" charset="0"/>
-                <a:ea typeface="Calibri" panose="020F0502020204030204" pitchFamily="34" charset="0"/>
-                <a:cs typeface="Calibri" panose="020F0502020204030204" pitchFamily="34" charset="0"/>
-              </a:rPr>
-              <a:t>&lt;x;++w)(function(m){</a:t>
-            </a:r>
-          </a:p>
-          <a:p>
-            <a:r>
-              <a:rPr lang="en-US" sz="1600" dirty="0">
-                <a:latin typeface="Calibri" panose="020F0502020204030204" pitchFamily="34" charset="0"/>
-                <a:ea typeface="Calibri" panose="020F0502020204030204" pitchFamily="34" charset="0"/>
-                <a:cs typeface="Calibri" panose="020F0502020204030204" pitchFamily="34" charset="0"/>
-              </a:rPr>
-              <a:t>            o[m]=o[m]||function(){</a:t>
-            </a:r>
-          </a:p>
-          <a:p>
-            <a:r>
-              <a:rPr lang="en-US" sz="1600" dirty="0">
-                <a:latin typeface="Calibri" panose="020F0502020204030204" pitchFamily="34" charset="0"/>
-                <a:ea typeface="Calibri" panose="020F0502020204030204" pitchFamily="34" charset="0"/>
-                <a:cs typeface="Calibri" panose="020F0502020204030204" pitchFamily="34" charset="0"/>
-              </a:rPr>
-              <a:t>              </a:t>
-            </a:r>
-            <a:r>
-              <a:rPr lang="en-US" sz="1600" dirty="0" err="1">
-                <a:latin typeface="Calibri" panose="020F0502020204030204" pitchFamily="34" charset="0"/>
-                <a:ea typeface="Calibri" panose="020F0502020204030204" pitchFamily="34" charset="0"/>
-                <a:cs typeface="Calibri" panose="020F0502020204030204" pitchFamily="34" charset="0"/>
-              </a:rPr>
-              <a:t>o._q</a:t>
-            </a:r>
-            <a:r>
-              <a:rPr lang="en-US" sz="1600" dirty="0">
-                <a:latin typeface="Calibri" panose="020F0502020204030204" pitchFamily="34" charset="0"/>
-                <a:ea typeface="Calibri" panose="020F0502020204030204" pitchFamily="34" charset="0"/>
-                <a:cs typeface="Calibri" panose="020F0502020204030204" pitchFamily="34" charset="0"/>
-              </a:rPr>
-              <a:t>[m===v[0]?'</a:t>
-            </a:r>
-            <a:r>
-              <a:rPr lang="en-US" sz="1600" dirty="0" err="1">
-                <a:latin typeface="Calibri" panose="020F0502020204030204" pitchFamily="34" charset="0"/>
-                <a:ea typeface="Calibri" panose="020F0502020204030204" pitchFamily="34" charset="0"/>
-                <a:cs typeface="Calibri" panose="020F0502020204030204" pitchFamily="34" charset="0"/>
-              </a:rPr>
-              <a:t>unshift':'push</a:t>
-            </a:r>
-            <a:r>
-              <a:rPr lang="en-US" sz="1600" dirty="0">
-                <a:latin typeface="Calibri" panose="020F0502020204030204" pitchFamily="34" charset="0"/>
-                <a:ea typeface="Calibri" panose="020F0502020204030204" pitchFamily="34" charset="0"/>
-                <a:cs typeface="Calibri" panose="020F0502020204030204" pitchFamily="34" charset="0"/>
-              </a:rPr>
-              <a:t>']([m].</a:t>
-            </a:r>
-            <a:r>
-              <a:rPr lang="en-US" sz="1600" dirty="0" err="1">
-                <a:latin typeface="Calibri" panose="020F0502020204030204" pitchFamily="34" charset="0"/>
-                <a:ea typeface="Calibri" panose="020F0502020204030204" pitchFamily="34" charset="0"/>
-                <a:cs typeface="Calibri" panose="020F0502020204030204" pitchFamily="34" charset="0"/>
-              </a:rPr>
-              <a:t>concat</a:t>
-            </a:r>
-            <a:r>
-              <a:rPr lang="en-US" sz="1600" dirty="0">
-                <a:latin typeface="Calibri" panose="020F0502020204030204" pitchFamily="34" charset="0"/>
-                <a:ea typeface="Calibri" panose="020F0502020204030204" pitchFamily="34" charset="0"/>
-                <a:cs typeface="Calibri" panose="020F0502020204030204" pitchFamily="34" charset="0"/>
-              </a:rPr>
-              <a:t>([].</a:t>
-            </a:r>
-            <a:r>
-              <a:rPr lang="en-US" sz="1600" dirty="0" err="1">
-                <a:latin typeface="Calibri" panose="020F0502020204030204" pitchFamily="34" charset="0"/>
-                <a:ea typeface="Calibri" panose="020F0502020204030204" pitchFamily="34" charset="0"/>
-                <a:cs typeface="Calibri" panose="020F0502020204030204" pitchFamily="34" charset="0"/>
-              </a:rPr>
-              <a:t>slice.call</a:t>
-            </a:r>
-            <a:r>
-              <a:rPr lang="en-US" sz="1600" dirty="0">
-                <a:latin typeface="Calibri" panose="020F0502020204030204" pitchFamily="34" charset="0"/>
-                <a:ea typeface="Calibri" panose="020F0502020204030204" pitchFamily="34" charset="0"/>
-                <a:cs typeface="Calibri" panose="020F0502020204030204" pitchFamily="34" charset="0"/>
-              </a:rPr>
-              <a:t>(arguments,0)));</a:t>
-            </a:r>
-          </a:p>
-          <a:p>
-            <a:r>
-              <a:rPr lang="en-US" sz="1600" dirty="0">
-                <a:latin typeface="Calibri" panose="020F0502020204030204" pitchFamily="34" charset="0"/>
-                <a:ea typeface="Calibri" panose="020F0502020204030204" pitchFamily="34" charset="0"/>
-                <a:cs typeface="Calibri" panose="020F0502020204030204" pitchFamily="34" charset="0"/>
-              </a:rPr>
-              <a:t>            };</a:t>
-            </a:r>
-          </a:p>
-          <a:p>
-            <a:r>
-              <a:rPr lang="en-US" sz="1600" dirty="0">
-                <a:latin typeface="Calibri" panose="020F0502020204030204" pitchFamily="34" charset="0"/>
-                <a:ea typeface="Calibri" panose="020F0502020204030204" pitchFamily="34" charset="0"/>
-                <a:cs typeface="Calibri" panose="020F0502020204030204" pitchFamily="34" charset="0"/>
-              </a:rPr>
-              <a:t>          })(v[w]);</a:t>
-            </a:r>
-          </a:p>
-          <a:p>
-            <a:r>
-              <a:rPr lang="en-US" sz="1600" dirty="0">
-                <a:latin typeface="Calibri" panose="020F0502020204030204" pitchFamily="34" charset="0"/>
-                <a:ea typeface="Calibri" panose="020F0502020204030204" pitchFamily="34" charset="0"/>
-                <a:cs typeface="Calibri" panose="020F0502020204030204" pitchFamily="34" charset="0"/>
-              </a:rPr>
-              <a:t>          y=</a:t>
-            </a:r>
-            <a:r>
-              <a:rPr lang="en-US" sz="1600" dirty="0" err="1">
-                <a:latin typeface="Calibri" panose="020F0502020204030204" pitchFamily="34" charset="0"/>
-                <a:ea typeface="Calibri" panose="020F0502020204030204" pitchFamily="34" charset="0"/>
-                <a:cs typeface="Calibri" panose="020F0502020204030204" pitchFamily="34" charset="0"/>
-              </a:rPr>
-              <a:t>e.createElement</a:t>
-            </a:r>
-            <a:r>
-              <a:rPr lang="en-US" sz="1600" dirty="0">
-                <a:latin typeface="Calibri" panose="020F0502020204030204" pitchFamily="34" charset="0"/>
-                <a:ea typeface="Calibri" panose="020F0502020204030204" pitchFamily="34" charset="0"/>
-                <a:cs typeface="Calibri" panose="020F0502020204030204" pitchFamily="34" charset="0"/>
-              </a:rPr>
-              <a:t>(n);</a:t>
-            </a:r>
-          </a:p>
-          <a:p>
-            <a:r>
-              <a:rPr lang="en-US" sz="1600" dirty="0">
-                <a:latin typeface="Calibri" panose="020F0502020204030204" pitchFamily="34" charset="0"/>
-                <a:ea typeface="Calibri" panose="020F0502020204030204" pitchFamily="34" charset="0"/>
-                <a:cs typeface="Calibri" panose="020F0502020204030204" pitchFamily="34" charset="0"/>
-              </a:rPr>
-              <a:t>          </a:t>
-            </a:r>
-            <a:r>
-              <a:rPr lang="en-US" sz="1600" dirty="0" err="1">
-                <a:latin typeface="Calibri" panose="020F0502020204030204" pitchFamily="34" charset="0"/>
-                <a:ea typeface="Calibri" panose="020F0502020204030204" pitchFamily="34" charset="0"/>
-                <a:cs typeface="Calibri" panose="020F0502020204030204" pitchFamily="34" charset="0"/>
-              </a:rPr>
-              <a:t>y.async</a:t>
-            </a:r>
-            <a:r>
-              <a:rPr lang="en-US" sz="1600" dirty="0">
-                <a:latin typeface="Calibri" panose="020F0502020204030204" pitchFamily="34" charset="0"/>
-                <a:ea typeface="Calibri" panose="020F0502020204030204" pitchFamily="34" charset="0"/>
-                <a:cs typeface="Calibri" panose="020F0502020204030204" pitchFamily="34" charset="0"/>
-              </a:rPr>
-              <a:t>=!0;</a:t>
-            </a:r>
-          </a:p>
-          <a:p>
-            <a:r>
-              <a:rPr lang="en-US" sz="1600" dirty="0">
-                <a:latin typeface="Calibri" panose="020F0502020204030204" pitchFamily="34" charset="0"/>
-                <a:ea typeface="Calibri" panose="020F0502020204030204" pitchFamily="34" charset="0"/>
-                <a:cs typeface="Calibri" panose="020F0502020204030204" pitchFamily="34" charset="0"/>
-              </a:rPr>
-              <a:t>          </a:t>
-            </a:r>
-            <a:r>
-              <a:rPr lang="en-US" sz="1600" dirty="0" err="1">
-                <a:latin typeface="Calibri" panose="020F0502020204030204" pitchFamily="34" charset="0"/>
-                <a:ea typeface="Calibri" panose="020F0502020204030204" pitchFamily="34" charset="0"/>
-                <a:cs typeface="Calibri" panose="020F0502020204030204" pitchFamily="34" charset="0"/>
-              </a:rPr>
-              <a:t>y.src</a:t>
-            </a:r>
-            <a:r>
-              <a:rPr lang="en-US" sz="1600" dirty="0">
-                <a:latin typeface="Calibri" panose="020F0502020204030204" pitchFamily="34" charset="0"/>
-                <a:ea typeface="Calibri" panose="020F0502020204030204" pitchFamily="34" charset="0"/>
-                <a:cs typeface="Calibri" panose="020F0502020204030204" pitchFamily="34" charset="0"/>
-              </a:rPr>
-              <a:t>='https://cdn.pendo.io/agent/static/'+</a:t>
-            </a:r>
-            <a:r>
-              <a:rPr lang="en-US" sz="1600" dirty="0" err="1">
-                <a:latin typeface="Calibri" panose="020F0502020204030204" pitchFamily="34" charset="0"/>
-                <a:ea typeface="Calibri" panose="020F0502020204030204" pitchFamily="34" charset="0"/>
-                <a:cs typeface="Calibri" panose="020F0502020204030204" pitchFamily="34" charset="0"/>
-              </a:rPr>
-              <a:t>apiKey</a:t>
-            </a:r>
-            <a:r>
-              <a:rPr lang="en-US" sz="1600" dirty="0">
-                <a:latin typeface="Calibri" panose="020F0502020204030204" pitchFamily="34" charset="0"/>
-                <a:ea typeface="Calibri" panose="020F0502020204030204" pitchFamily="34" charset="0"/>
-                <a:cs typeface="Calibri" panose="020F0502020204030204" pitchFamily="34" charset="0"/>
-              </a:rPr>
-              <a:t>+'/pendo.js';</a:t>
-            </a:r>
-          </a:p>
-          <a:p>
-            <a:r>
-              <a:rPr lang="en-US" sz="1600" dirty="0">
-                <a:latin typeface="Calibri" panose="020F0502020204030204" pitchFamily="34" charset="0"/>
-                <a:ea typeface="Calibri" panose="020F0502020204030204" pitchFamily="34" charset="0"/>
-                <a:cs typeface="Calibri" panose="020F0502020204030204" pitchFamily="34" charset="0"/>
-              </a:rPr>
-              <a:t>          z=</a:t>
-            </a:r>
-            <a:r>
-              <a:rPr lang="en-US" sz="1600" dirty="0" err="1">
-                <a:latin typeface="Calibri" panose="020F0502020204030204" pitchFamily="34" charset="0"/>
-                <a:ea typeface="Calibri" panose="020F0502020204030204" pitchFamily="34" charset="0"/>
-                <a:cs typeface="Calibri" panose="020F0502020204030204" pitchFamily="34" charset="0"/>
-              </a:rPr>
-              <a:t>e.getElementsByTagName</a:t>
-            </a:r>
-            <a:r>
-              <a:rPr lang="en-US" sz="1600" dirty="0">
-                <a:latin typeface="Calibri" panose="020F0502020204030204" pitchFamily="34" charset="0"/>
-                <a:ea typeface="Calibri" panose="020F0502020204030204" pitchFamily="34" charset="0"/>
-                <a:cs typeface="Calibri" panose="020F0502020204030204" pitchFamily="34" charset="0"/>
-              </a:rPr>
-              <a:t>(n)[0];</a:t>
-            </a:r>
-          </a:p>
-          <a:p>
-            <a:r>
-              <a:rPr lang="en-US" sz="1600" dirty="0">
-                <a:latin typeface="Calibri" panose="020F0502020204030204" pitchFamily="34" charset="0"/>
-                <a:ea typeface="Calibri" panose="020F0502020204030204" pitchFamily="34" charset="0"/>
-                <a:cs typeface="Calibri" panose="020F0502020204030204" pitchFamily="34" charset="0"/>
-              </a:rPr>
-              <a:t>          </a:t>
-            </a:r>
-            <a:r>
-              <a:rPr lang="en-US" sz="1600" dirty="0" err="1">
-                <a:latin typeface="Calibri" panose="020F0502020204030204" pitchFamily="34" charset="0"/>
-                <a:ea typeface="Calibri" panose="020F0502020204030204" pitchFamily="34" charset="0"/>
-                <a:cs typeface="Calibri" panose="020F0502020204030204" pitchFamily="34" charset="0"/>
-              </a:rPr>
-              <a:t>z.parentNode.insertBefore</a:t>
-            </a:r>
-            <a:r>
-              <a:rPr lang="en-US" sz="1600" dirty="0">
-                <a:latin typeface="Calibri" panose="020F0502020204030204" pitchFamily="34" charset="0"/>
-                <a:ea typeface="Calibri" panose="020F0502020204030204" pitchFamily="34" charset="0"/>
-                <a:cs typeface="Calibri" panose="020F0502020204030204" pitchFamily="34" charset="0"/>
-              </a:rPr>
-              <a:t>(</a:t>
-            </a:r>
-            <a:r>
-              <a:rPr lang="en-US" sz="1600" dirty="0" err="1">
-                <a:latin typeface="Calibri" panose="020F0502020204030204" pitchFamily="34" charset="0"/>
-                <a:ea typeface="Calibri" panose="020F0502020204030204" pitchFamily="34" charset="0"/>
-                <a:cs typeface="Calibri" panose="020F0502020204030204" pitchFamily="34" charset="0"/>
-              </a:rPr>
-              <a:t>y,z</a:t>
-            </a:r>
-            <a:r>
-              <a:rPr lang="en-US" sz="1600" dirty="0">
-                <a:latin typeface="Calibri" panose="020F0502020204030204" pitchFamily="34" charset="0"/>
-                <a:ea typeface="Calibri" panose="020F0502020204030204" pitchFamily="34" charset="0"/>
-                <a:cs typeface="Calibri" panose="020F0502020204030204" pitchFamily="34" charset="0"/>
-              </a:rPr>
-              <a:t>);</a:t>
-            </a:r>
-          </a:p>
-          <a:p>
-            <a:r>
-              <a:rPr lang="en-US" sz="1600" dirty="0">
-                <a:latin typeface="Calibri" panose="020F0502020204030204" pitchFamily="34" charset="0"/>
-                <a:ea typeface="Calibri" panose="020F0502020204030204" pitchFamily="34" charset="0"/>
-                <a:cs typeface="Calibri" panose="020F0502020204030204" pitchFamily="34" charset="0"/>
-              </a:rPr>
-              <a:t>        })(window,document,'script','</a:t>
-            </a:r>
-            <a:r>
-              <a:rPr lang="en-US" sz="1600" dirty="0" err="1">
-                <a:latin typeface="Calibri" panose="020F0502020204030204" pitchFamily="34" charset="0"/>
-                <a:ea typeface="Calibri" panose="020F0502020204030204" pitchFamily="34" charset="0"/>
-                <a:cs typeface="Calibri" panose="020F0502020204030204" pitchFamily="34" charset="0"/>
-              </a:rPr>
-              <a:t>pendo</a:t>
-            </a:r>
-            <a:r>
-              <a:rPr lang="en-US" sz="1600" dirty="0">
-                <a:latin typeface="Calibri" panose="020F0502020204030204" pitchFamily="34" charset="0"/>
-                <a:ea typeface="Calibri" panose="020F0502020204030204" pitchFamily="34" charset="0"/>
-                <a:cs typeface="Calibri" panose="020F0502020204030204" pitchFamily="34" charset="0"/>
-              </a:rPr>
-              <a:t>');</a:t>
-            </a:r>
-          </a:p>
-          <a:p>
-            <a:r>
-              <a:rPr lang="en-US" sz="1600" dirty="0">
-                <a:latin typeface="Calibri" panose="020F0502020204030204" pitchFamily="34" charset="0"/>
-                <a:ea typeface="Calibri" panose="020F0502020204030204" pitchFamily="34" charset="0"/>
-                <a:cs typeface="Calibri" panose="020F0502020204030204" pitchFamily="34" charset="0"/>
-              </a:rPr>
-              <a:t>      })('YOUR_PENDO_API_KEY');</a:t>
-            </a:r>
-          </a:p>
-          <a:p>
-            <a:r>
-              <a:rPr lang="en-US" sz="1600" dirty="0">
-                <a:latin typeface="Calibri" panose="020F0502020204030204" pitchFamily="34" charset="0"/>
-                <a:ea typeface="Calibri" panose="020F0502020204030204" pitchFamily="34" charset="0"/>
-                <a:cs typeface="Calibri" panose="020F0502020204030204" pitchFamily="34" charset="0"/>
-              </a:rPr>
-              <a:t>    &lt;/script&gt;</a:t>
-            </a:r>
-          </a:p>
-        </p:txBody>
-      </p:sp>
-      <p:sp>
-        <p:nvSpPr>
-          <p:cNvPr id="3" name="Title 1">
-            <a:extLst>
-              <a:ext uri="{FF2B5EF4-FFF2-40B4-BE49-F238E27FC236}">
-                <a16:creationId xmlns:a16="http://schemas.microsoft.com/office/drawing/2014/main" id="{32EC2E5E-4B82-2A5B-BF0D-FE77268ABF16}"/>
-              </a:ext>
-            </a:extLst>
-          </p:cNvPr>
-          <p:cNvSpPr txBox="1">
-            <a:spLocks/>
-          </p:cNvSpPr>
-          <p:nvPr/>
-        </p:nvSpPr>
-        <p:spPr>
-          <a:xfrm>
-            <a:off x="1159821" y="103089"/>
-            <a:ext cx="9150675" cy="460882"/>
-          </a:xfrm>
-          <a:prstGeom prst="rect">
-            <a:avLst/>
-          </a:prstGeom>
-        </p:spPr>
-        <p:txBody>
-          <a:bodyPr vert="horz" lIns="0" tIns="45720" rIns="91440" bIns="45720" rtlCol="0" anchor="ctr">
-            <a:normAutofit fontScale="82500" lnSpcReduction="20000"/>
-          </a:bodyPr>
-          <a:lstStyle>
-            <a:lvl1pPr algn="l" defTabSz="914400" rtl="0" eaLnBrk="1" latinLnBrk="0" hangingPunct="1">
-              <a:lnSpc>
-                <a:spcPct val="90000"/>
-              </a:lnSpc>
-              <a:spcBef>
-                <a:spcPct val="0"/>
-              </a:spcBef>
-              <a:buNone/>
-              <a:defRPr sz="3600" kern="1200">
-                <a:solidFill>
-                  <a:schemeClr val="tx1"/>
-                </a:solidFill>
-                <a:latin typeface="+mj-lt"/>
-                <a:ea typeface="+mj-ea"/>
-                <a:cs typeface="+mj-cs"/>
-              </a:defRPr>
-            </a:lvl1pPr>
-          </a:lstStyle>
-          <a:p>
-            <a:r>
-              <a:rPr lang="en-US" b="1" dirty="0">
-                <a:solidFill>
-                  <a:schemeClr val="accent6">
-                    <a:lumMod val="75000"/>
-                  </a:schemeClr>
-                </a:solidFill>
-              </a:rPr>
-              <a:t>Pendo Code Snippets:</a:t>
-            </a:r>
-            <a:endParaRPr lang="en-ZA" b="1" dirty="0">
-              <a:solidFill>
-                <a:schemeClr val="accent6">
-                  <a:lumMod val="75000"/>
-                </a:schemeClr>
-              </a:solidFill>
-            </a:endParaRPr>
-          </a:p>
-        </p:txBody>
-      </p:sp>
-    </p:spTree>
-    <p:extLst>
-      <p:ext uri="{BB962C8B-B14F-4D97-AF65-F5344CB8AC3E}">
-        <p14:creationId xmlns:p14="http://schemas.microsoft.com/office/powerpoint/2010/main" val="1043321150"/>
-      </p:ext>
-    </p:extLst>
-  </p:cSld>
-  <p:clrMapOvr>
-    <a:masterClrMapping/>
-  </p:clrMapOvr>
-</p:sld>
-</file>
-
 <file path=ppt/slides/slide13.xml><?xml version="1.0" encoding="utf-8"?>
 <p:sld xmlns:a="http://schemas.openxmlformats.org/drawingml/2006/main" xmlns:r="http://schemas.openxmlformats.org/officeDocument/2006/relationships" xmlns:p="http://schemas.openxmlformats.org/presentationml/2006/main">
   <p:cSld>
+    <p:bg>
+      <p:bgPr>
+        <a:solidFill>
+          <a:srgbClr val="335057"/>
+        </a:solidFill>
+        <a:effectLst/>
+      </p:bgPr>
+    </p:bg>
     <p:spTree>
       <p:nvGrpSpPr>
         <p:cNvPr id="1" name=""/>
@@ -8676,7 +8617,7 @@
 </file>
 
 <file path=ppt/slides/slide2.xml><?xml version="1.0" encoding="utf-8"?>
-<p:sld xmlns:a="http://schemas.openxmlformats.org/drawingml/2006/main" xmlns:r="http://schemas.openxmlformats.org/officeDocument/2006/relationships" xmlns:p="http://schemas.openxmlformats.org/presentationml/2006/main">
+<p:sld xmlns:a="http://schemas.openxmlformats.org/drawingml/2006/main" xmlns:r="http://schemas.openxmlformats.org/officeDocument/2006/relationships" xmlns:p="http://schemas.openxmlformats.org/presentationml/2006/main" showMasterSp="0">
   <p:cSld>
     <p:spTree>
       <p:nvGrpSpPr>
@@ -8708,7 +8649,7 @@
         </p:nvSpPr>
         <p:spPr>
           <a:xfrm>
-            <a:off x="1849867" y="1895411"/>
+            <a:off x="1109639" y="1895410"/>
             <a:ext cx="2772468" cy="1533590"/>
           </a:xfrm>
           <a:prstGeom prst="rect">
@@ -8740,7 +8681,14 @@
           </a:lstStyle>
           <a:p>
             <a:r>
-              <a:rPr lang="en-US" dirty="0"/>
+              <a:rPr lang="en-US" b="1" dirty="0">
+                <a:solidFill>
+                  <a:schemeClr val="tx1"/>
+                </a:solidFill>
+                <a:latin typeface="Calibri" panose="020F0502020204030204" pitchFamily="34" charset="0"/>
+                <a:ea typeface="Calibri" panose="020F0502020204030204" pitchFamily="34" charset="0"/>
+                <a:cs typeface="Calibri" panose="020F0502020204030204" pitchFamily="34" charset="0"/>
+              </a:rPr>
               <a:t>Agenda</a:t>
             </a:r>
           </a:p>
@@ -8943,20 +8891,26 @@
               <a:buChar char="Ø"/>
             </a:pPr>
             <a:r>
-              <a:rPr lang="en-US" sz="2100" b="1" dirty="0">
+              <a:rPr lang="en-US" sz="2400" b="1" dirty="0">
                 <a:solidFill>
-                  <a:srgbClr val="92D050"/>
+                  <a:schemeClr val="tx1"/>
                 </a:solidFill>
+                <a:latin typeface="Calibri" panose="020F0502020204030204" pitchFamily="34" charset="0"/>
+                <a:ea typeface="Calibri" panose="020F0502020204030204" pitchFamily="34" charset="0"/>
+                <a:cs typeface="Calibri" panose="020F0502020204030204" pitchFamily="34" charset="0"/>
               </a:rPr>
               <a:t>Introduction</a:t>
             </a:r>
           </a:p>
           <a:p>
             <a:pPr algn="l"/>
-            <a:endParaRPr lang="en-US" sz="2100" b="1" dirty="0">
+            <a:endParaRPr lang="en-US" sz="2400" b="1" dirty="0">
               <a:solidFill>
-                <a:srgbClr val="92D050"/>
+                <a:schemeClr val="tx1"/>
               </a:solidFill>
+              <a:latin typeface="Calibri" panose="020F0502020204030204" pitchFamily="34" charset="0"/>
+              <a:ea typeface="Calibri" panose="020F0502020204030204" pitchFamily="34" charset="0"/>
+              <a:cs typeface="Calibri" panose="020F0502020204030204" pitchFamily="34" charset="0"/>
             </a:endParaRPr>
           </a:p>
           <a:p>
@@ -8965,20 +8919,26 @@
               <a:buChar char="Ø"/>
             </a:pPr>
             <a:r>
-              <a:rPr lang="en-US" sz="2100" b="1" dirty="0">
+              <a:rPr lang="en-US" sz="2400" b="1" dirty="0">
                 <a:solidFill>
-                  <a:srgbClr val="92D050"/>
+                  <a:schemeClr val="tx1"/>
                 </a:solidFill>
+                <a:latin typeface="Calibri" panose="020F0502020204030204" pitchFamily="34" charset="0"/>
+                <a:ea typeface="Calibri" panose="020F0502020204030204" pitchFamily="34" charset="0"/>
+                <a:cs typeface="Calibri" panose="020F0502020204030204" pitchFamily="34" charset="0"/>
               </a:rPr>
               <a:t>Client Portfolio</a:t>
             </a:r>
           </a:p>
           <a:p>
             <a:pPr algn="l"/>
-            <a:endParaRPr lang="en-US" sz="2100" b="1" dirty="0">
+            <a:endParaRPr lang="en-US" sz="2400" b="1" dirty="0">
               <a:solidFill>
-                <a:srgbClr val="92D050"/>
+                <a:schemeClr val="tx1"/>
               </a:solidFill>
+              <a:latin typeface="Calibri" panose="020F0502020204030204" pitchFamily="34" charset="0"/>
+              <a:ea typeface="Calibri" panose="020F0502020204030204" pitchFamily="34" charset="0"/>
+              <a:cs typeface="Calibri" panose="020F0502020204030204" pitchFamily="34" charset="0"/>
             </a:endParaRPr>
           </a:p>
           <a:p>
@@ -8987,20 +8947,26 @@
               <a:buChar char="Ø"/>
             </a:pPr>
             <a:r>
-              <a:rPr lang="en-US" sz="2100" b="1" dirty="0">
+              <a:rPr lang="en-US" sz="2400" b="1" dirty="0">
                 <a:solidFill>
-                  <a:srgbClr val="92D050"/>
+                  <a:schemeClr val="tx1"/>
                 </a:solidFill>
+                <a:latin typeface="Calibri" panose="020F0502020204030204" pitchFamily="34" charset="0"/>
+                <a:ea typeface="Calibri" panose="020F0502020204030204" pitchFamily="34" charset="0"/>
+                <a:cs typeface="Calibri" panose="020F0502020204030204" pitchFamily="34" charset="0"/>
               </a:rPr>
               <a:t>Current Project Overview – PACSES</a:t>
             </a:r>
           </a:p>
           <a:p>
             <a:pPr algn="l"/>
-            <a:endParaRPr lang="en-US" sz="2100" b="1" dirty="0">
+            <a:endParaRPr lang="en-US" sz="2400" b="1" dirty="0">
               <a:solidFill>
-                <a:srgbClr val="92D050"/>
+                <a:schemeClr val="tx1"/>
               </a:solidFill>
+              <a:latin typeface="Calibri" panose="020F0502020204030204" pitchFamily="34" charset="0"/>
+              <a:ea typeface="Calibri" panose="020F0502020204030204" pitchFamily="34" charset="0"/>
+              <a:cs typeface="Calibri" panose="020F0502020204030204" pitchFamily="34" charset="0"/>
             </a:endParaRPr>
           </a:p>
           <a:p>
@@ -9009,20 +8975,26 @@
               <a:buChar char="Ø"/>
             </a:pPr>
             <a:r>
-              <a:rPr lang="en-US" sz="2100" b="1" dirty="0">
+              <a:rPr lang="en-US" sz="2400" b="1" dirty="0">
                 <a:solidFill>
-                  <a:srgbClr val="92D050"/>
+                  <a:schemeClr val="tx1"/>
                 </a:solidFill>
-              </a:rPr>
-              <a:t> Modernization (CWOPA)Visual aids</a:t>
+                <a:latin typeface="Calibri" panose="020F0502020204030204" pitchFamily="34" charset="0"/>
+                <a:ea typeface="Calibri" panose="020F0502020204030204" pitchFamily="34" charset="0"/>
+                <a:cs typeface="Calibri" panose="020F0502020204030204" pitchFamily="34" charset="0"/>
+              </a:rPr>
+              <a:t>Application Architecture</a:t>
             </a:r>
           </a:p>
           <a:p>
             <a:pPr algn="l"/>
-            <a:endParaRPr lang="en-US" sz="2100" b="1" dirty="0">
+            <a:endParaRPr lang="en-US" sz="2400" b="1" dirty="0">
               <a:solidFill>
-                <a:srgbClr val="92D050"/>
+                <a:schemeClr val="tx1"/>
               </a:solidFill>
+              <a:latin typeface="Calibri" panose="020F0502020204030204" pitchFamily="34" charset="0"/>
+              <a:ea typeface="Calibri" panose="020F0502020204030204" pitchFamily="34" charset="0"/>
+              <a:cs typeface="Calibri" panose="020F0502020204030204" pitchFamily="34" charset="0"/>
             </a:endParaRPr>
           </a:p>
           <a:p>
@@ -9031,20 +9003,26 @@
               <a:buChar char="Ø"/>
             </a:pPr>
             <a:r>
-              <a:rPr lang="en-US" sz="2100" b="1" dirty="0">
+              <a:rPr lang="en-US" sz="2400" b="1" dirty="0">
                 <a:solidFill>
-                  <a:srgbClr val="92D050"/>
+                  <a:schemeClr val="tx1"/>
                 </a:solidFill>
-              </a:rPr>
-              <a:t>Application Architecture</a:t>
+                <a:latin typeface="Calibri" panose="020F0502020204030204" pitchFamily="34" charset="0"/>
+                <a:ea typeface="Calibri" panose="020F0502020204030204" pitchFamily="34" charset="0"/>
+                <a:cs typeface="Calibri" panose="020F0502020204030204" pitchFamily="34" charset="0"/>
+              </a:rPr>
+              <a:t>Technical Contributions</a:t>
             </a:r>
           </a:p>
           <a:p>
             <a:pPr algn="l"/>
-            <a:endParaRPr lang="en-US" sz="2100" b="1" dirty="0">
+            <a:endParaRPr lang="en-US" sz="2400" b="1" dirty="0">
               <a:solidFill>
-                <a:srgbClr val="92D050"/>
+                <a:schemeClr val="tx1"/>
               </a:solidFill>
+              <a:latin typeface="Calibri" panose="020F0502020204030204" pitchFamily="34" charset="0"/>
+              <a:ea typeface="Calibri" panose="020F0502020204030204" pitchFamily="34" charset="0"/>
+              <a:cs typeface="Calibri" panose="020F0502020204030204" pitchFamily="34" charset="0"/>
             </a:endParaRPr>
           </a:p>
           <a:p>
@@ -9053,20 +9031,26 @@
               <a:buChar char="Ø"/>
             </a:pPr>
             <a:r>
-              <a:rPr lang="en-US" sz="2100" b="1" dirty="0">
+              <a:rPr lang="en-US" sz="2400" b="1" dirty="0">
                 <a:solidFill>
-                  <a:srgbClr val="92D050"/>
+                  <a:schemeClr val="tx1"/>
                 </a:solidFill>
-              </a:rPr>
-              <a:t>Technical Contributions</a:t>
+                <a:latin typeface="Calibri" panose="020F0502020204030204" pitchFamily="34" charset="0"/>
+                <a:ea typeface="Calibri" panose="020F0502020204030204" pitchFamily="34" charset="0"/>
+                <a:cs typeface="Calibri" panose="020F0502020204030204" pitchFamily="34" charset="0"/>
+              </a:rPr>
+              <a:t>Problem-Solving &amp; Performance Optimization</a:t>
             </a:r>
           </a:p>
           <a:p>
             <a:pPr algn="l"/>
-            <a:endParaRPr lang="en-US" sz="2100" b="1" dirty="0">
+            <a:endParaRPr lang="en-US" sz="2400" b="1" dirty="0">
               <a:solidFill>
-                <a:srgbClr val="92D050"/>
+                <a:schemeClr val="tx1"/>
               </a:solidFill>
+              <a:latin typeface="Calibri" panose="020F0502020204030204" pitchFamily="34" charset="0"/>
+              <a:ea typeface="Calibri" panose="020F0502020204030204" pitchFamily="34" charset="0"/>
+              <a:cs typeface="Calibri" panose="020F0502020204030204" pitchFamily="34" charset="0"/>
             </a:endParaRPr>
           </a:p>
           <a:p>
@@ -9075,41 +9059,22 @@
               <a:buChar char="Ø"/>
             </a:pPr>
             <a:r>
-              <a:rPr lang="en-US" sz="2100" b="1" dirty="0">
+              <a:rPr lang="en-US" sz="2400" b="1" dirty="0">
                 <a:solidFill>
-                  <a:srgbClr val="92D050"/>
+                  <a:schemeClr val="tx1"/>
                 </a:solidFill>
-              </a:rPr>
-              <a:t>Problem-Solving &amp; Performance Optimization</a:t>
+                <a:latin typeface="Calibri" panose="020F0502020204030204" pitchFamily="34" charset="0"/>
+                <a:ea typeface="Calibri" panose="020F0502020204030204" pitchFamily="34" charset="0"/>
+                <a:cs typeface="Calibri" panose="020F0502020204030204" pitchFamily="34" charset="0"/>
+              </a:rPr>
+              <a:t>Code Snippets &amp; Best Practices</a:t>
             </a:r>
           </a:p>
           <a:p>
             <a:pPr algn="l"/>
             <a:endParaRPr lang="en-US" sz="2100" b="1" dirty="0">
               <a:solidFill>
-                <a:srgbClr val="92D050"/>
-              </a:solidFill>
-            </a:endParaRPr>
-          </a:p>
-          <a:p>
-            <a:pPr marL="342900" indent="-342900" algn="l">
-              <a:buFont typeface="Wingdings" panose="05000000000000000000" pitchFamily="2" charset="2"/>
-              <a:buChar char="Ø"/>
-            </a:pPr>
-            <a:r>
-              <a:rPr lang="en-US" sz="2100" b="1" dirty="0">
-                <a:solidFill>
-                  <a:srgbClr val="92D050"/>
-                </a:solidFill>
-              </a:rPr>
-              <a:t>Code Snippets &amp; Best Practices</a:t>
-            </a:r>
-          </a:p>
-          <a:p>
-            <a:pPr algn="l"/>
-            <a:endParaRPr lang="en-US" sz="2100" b="1" dirty="0">
-              <a:solidFill>
-                <a:srgbClr val="92D050"/>
+                <a:schemeClr val="tx1"/>
               </a:solidFill>
             </a:endParaRPr>
           </a:p>
@@ -9202,8 +9167,8 @@
         </p:nvSpPr>
         <p:spPr>
           <a:xfrm>
-            <a:off x="1266738" y="1057013"/>
-            <a:ext cx="9009373" cy="5094466"/>
+            <a:off x="1266738" y="862149"/>
+            <a:ext cx="9009373" cy="5289330"/>
           </a:xfrm>
         </p:spPr>
         <p:txBody>
@@ -9212,6 +9177,9 @@
           </a:bodyPr>
           <a:lstStyle/>
           <a:p>
+            <a:pPr marL="0" indent="0">
+              <a:buNone/>
+            </a:pPr>
             <a:r>
               <a:rPr lang="en-US" sz="2400" b="1" dirty="0">
                 <a:solidFill>
@@ -9221,15 +9189,24 @@
                 <a:ea typeface="Calibri" panose="020F0502020204030204" pitchFamily="34" charset="0"/>
                 <a:cs typeface="Calibri" panose="020F0502020204030204" pitchFamily="34" charset="0"/>
               </a:rPr>
-              <a:t>     Commonwealth of Pennsylvania (CWOPA – PACSES Modernization Project, USA)</a:t>
-            </a:r>
-          </a:p>
-          <a:p>
-            <a:r>
-              <a:rPr lang="en-US" sz="2200" b="1" dirty="0">
-                <a:solidFill>
-                  <a:srgbClr val="00B050"/>
-                </a:solidFill>
+              <a:t>          Commonwealth of Pennsylvania (CWOPA – PACSES Modernization Project, USA)</a:t>
+            </a:r>
+            <a:endParaRPr lang="en-US" b="1" dirty="0">
+              <a:solidFill>
+                <a:srgbClr val="002060"/>
+              </a:solidFill>
+              <a:latin typeface="Calibri" panose="020F0502020204030204" pitchFamily="34" charset="0"/>
+              <a:ea typeface="Calibri" panose="020F0502020204030204" pitchFamily="34" charset="0"/>
+              <a:cs typeface="Calibri" panose="020F0502020204030204" pitchFamily="34" charset="0"/>
+            </a:endParaRPr>
+          </a:p>
+          <a:p>
+            <a:pPr>
+              <a:buFont typeface="Wingdings" panose="05000000000000000000" pitchFamily="2" charset="2"/>
+              <a:buChar char="Ø"/>
+            </a:pPr>
+            <a:r>
+              <a:rPr lang="en-US" b="1" dirty="0">
                 <a:latin typeface="Calibri" panose="020F0502020204030204" pitchFamily="34" charset="0"/>
                 <a:ea typeface="Calibri" panose="020F0502020204030204" pitchFamily="34" charset="0"/>
                 <a:cs typeface="Calibri" panose="020F0502020204030204" pitchFamily="34" charset="0"/>
@@ -9238,11 +9215,12 @@
             </a:r>
           </a:p>
           <a:p>
-            <a:r>
-              <a:rPr lang="en-US" sz="2200" b="1" dirty="0">
-                <a:solidFill>
-                  <a:srgbClr val="00B050"/>
-                </a:solidFill>
+            <a:pPr>
+              <a:buFont typeface="Wingdings" panose="05000000000000000000" pitchFamily="2" charset="2"/>
+              <a:buChar char="Ø"/>
+            </a:pPr>
+            <a:r>
+              <a:rPr lang="en-US" b="1" dirty="0">
                 <a:latin typeface="Calibri" panose="020F0502020204030204" pitchFamily="34" charset="0"/>
                 <a:ea typeface="Calibri" panose="020F0502020204030204" pitchFamily="34" charset="0"/>
                 <a:cs typeface="Calibri" panose="020F0502020204030204" pitchFamily="34" charset="0"/>
@@ -9251,6 +9229,9 @@
             </a:r>
           </a:p>
           <a:p>
+            <a:pPr marL="0" indent="0">
+              <a:buNone/>
+            </a:pPr>
             <a:r>
               <a:rPr lang="en-US" sz="2400" b="1" dirty="0">
                 <a:solidFill>
@@ -9260,15 +9241,16 @@
                 <a:ea typeface="Calibri" panose="020F0502020204030204" pitchFamily="34" charset="0"/>
                 <a:cs typeface="Calibri" panose="020F0502020204030204" pitchFamily="34" charset="0"/>
               </a:rPr>
-              <a:t>     National Health Service (NHS – United Kingdom) </a:t>
-            </a:r>
-          </a:p>
-          <a:p>
-            <a:r>
-              <a:rPr lang="en-US" sz="2400" b="1" dirty="0">
-                <a:solidFill>
-                  <a:srgbClr val="00B050"/>
-                </a:solidFill>
+              <a:t>         National Health Service (NHS – United Kingdom) </a:t>
+            </a:r>
+          </a:p>
+          <a:p>
+            <a:pPr>
+              <a:buFont typeface="Wingdings" panose="05000000000000000000" pitchFamily="2" charset="2"/>
+              <a:buChar char="Ø"/>
+            </a:pPr>
+            <a:r>
+              <a:rPr lang="en-US" b="1" dirty="0">
                 <a:latin typeface="Calibri" panose="020F0502020204030204" pitchFamily="34" charset="0"/>
                 <a:ea typeface="Calibri" panose="020F0502020204030204" pitchFamily="34" charset="0"/>
                 <a:cs typeface="Calibri" panose="020F0502020204030204" pitchFamily="34" charset="0"/>
@@ -9276,10 +9258,7 @@
               <a:t>Role:</a:t>
             </a:r>
             <a:r>
-              <a:rPr lang="en-US" sz="2400" dirty="0">
-                <a:solidFill>
-                  <a:srgbClr val="00B050"/>
-                </a:solidFill>
+              <a:rPr lang="en-US" dirty="0">
                 <a:latin typeface="Calibri" panose="020F0502020204030204" pitchFamily="34" charset="0"/>
                 <a:ea typeface="Calibri" panose="020F0502020204030204" pitchFamily="34" charset="0"/>
                 <a:cs typeface="Calibri" panose="020F0502020204030204" pitchFamily="34" charset="0"/>
@@ -9288,11 +9267,12 @@
             </a:r>
           </a:p>
           <a:p>
-            <a:r>
-              <a:rPr lang="en-US" sz="2400" dirty="0">
-                <a:solidFill>
-                  <a:srgbClr val="00B050"/>
-                </a:solidFill>
+            <a:pPr>
+              <a:buFont typeface="Wingdings" panose="05000000000000000000" pitchFamily="2" charset="2"/>
+              <a:buChar char="Ø"/>
+            </a:pPr>
+            <a:r>
+              <a:rPr lang="en-US" dirty="0">
                 <a:latin typeface="Calibri" panose="020F0502020204030204" pitchFamily="34" charset="0"/>
                 <a:ea typeface="Calibri" panose="020F0502020204030204" pitchFamily="34" charset="0"/>
                 <a:cs typeface="Calibri" panose="020F0502020204030204" pitchFamily="34" charset="0"/>
@@ -9300,10 +9280,7 @@
               <a:t>Contributed to the development of </a:t>
             </a:r>
             <a:r>
-              <a:rPr lang="en-US" sz="2400" b="1" dirty="0">
-                <a:solidFill>
-                  <a:srgbClr val="00B050"/>
-                </a:solidFill>
+              <a:rPr lang="en-US" b="1" dirty="0">
                 <a:latin typeface="Calibri" panose="020F0502020204030204" pitchFamily="34" charset="0"/>
                 <a:ea typeface="Calibri" panose="020F0502020204030204" pitchFamily="34" charset="0"/>
                 <a:cs typeface="Calibri" panose="020F0502020204030204" pitchFamily="34" charset="0"/>
@@ -9311,10 +9288,7 @@
               <a:t>web applications for patient management and healthcare analytics</a:t>
             </a:r>
             <a:r>
-              <a:rPr lang="en-US" sz="2400" dirty="0">
-                <a:solidFill>
-                  <a:srgbClr val="00B050"/>
-                </a:solidFill>
+              <a:rPr lang="en-US" dirty="0">
                 <a:latin typeface="Calibri" panose="020F0502020204030204" pitchFamily="34" charset="0"/>
                 <a:ea typeface="Calibri" panose="020F0502020204030204" pitchFamily="34" charset="0"/>
                 <a:cs typeface="Calibri" panose="020F0502020204030204" pitchFamily="34" charset="0"/>
@@ -9376,7 +9350,7 @@
         </p:blipFill>
         <p:spPr>
           <a:xfrm>
-            <a:off x="1477692" y="3838005"/>
+            <a:off x="1381119" y="3959925"/>
             <a:ext cx="411757" cy="167149"/>
           </a:xfrm>
           <a:prstGeom prst="rect">
@@ -9386,10 +9360,10 @@
       </p:pic>
       <p:pic>
         <p:nvPicPr>
-          <p:cNvPr id="12" name="Picture 11">
+          <p:cNvPr id="5" name="Picture 4">
             <a:extLst>
               <a:ext uri="{FF2B5EF4-FFF2-40B4-BE49-F238E27FC236}">
-                <a16:creationId xmlns:a16="http://schemas.microsoft.com/office/drawing/2014/main" id="{210EE12E-0B3F-F89F-FC42-8625806A94B5}"/>
+                <a16:creationId xmlns:a16="http://schemas.microsoft.com/office/drawing/2014/main" id="{94747886-F039-4AE3-C405-DA6F769DCB1D}"/>
               </a:ext>
             </a:extLst>
           </p:cNvPr>
@@ -9406,7 +9380,7 @@
         </p:blipFill>
         <p:spPr>
           <a:xfrm>
-            <a:off x="1477692" y="1155741"/>
+            <a:off x="1500725" y="1466511"/>
             <a:ext cx="406785" cy="306482"/>
           </a:xfrm>
           <a:prstGeom prst="rect">
@@ -9462,19 +9436,21 @@
         </p:nvSpPr>
         <p:spPr>
           <a:xfrm>
-            <a:off x="1233181" y="335632"/>
-            <a:ext cx="9808773" cy="1427585"/>
+            <a:off x="1209040" y="347098"/>
+            <a:ext cx="9150675" cy="1427585"/>
           </a:xfrm>
         </p:spPr>
         <p:txBody>
-          <a:bodyPr/>
+          <a:bodyPr anchor="ctr">
+            <a:normAutofit/>
+          </a:bodyPr>
           <a:lstStyle/>
           <a:p>
             <a:r>
-              <a:rPr lang="en-US" dirty="0"/>
+              <a:rPr lang="en-US" sz="3200" b="1" dirty="0"/>
               <a:t>Current Project Overview</a:t>
             </a:r>
-            <a:endParaRPr lang="en-ZA" dirty="0"/>
+            <a:endParaRPr lang="en-ZA" sz="3200" b="1" dirty="0"/>
           </a:p>
         </p:txBody>
       </p:sp>
@@ -9496,8 +9472,8 @@
         </p:nvSpPr>
         <p:spPr>
           <a:xfrm>
-            <a:off x="1233181" y="1686187"/>
-            <a:ext cx="10276513" cy="4490677"/>
+            <a:off x="1209040" y="1706880"/>
+            <a:ext cx="10027920" cy="4521305"/>
           </a:xfrm>
         </p:spPr>
         <p:txBody>
@@ -9520,6 +9496,9 @@
             </a:r>
           </a:p>
           <a:p>
+            <a:pPr marL="0" indent="0">
+              <a:buNone/>
+            </a:pPr>
             <a:r>
               <a:rPr lang="en-US" dirty="0">
                 <a:latin typeface="Calibri" panose="020F0502020204030204" pitchFamily="34" charset="0"/>
@@ -9550,7 +9529,7 @@
                 <a:ea typeface="Calibri" panose="020F0502020204030204" pitchFamily="34" charset="0"/>
                 <a:cs typeface="Calibri" panose="020F0502020204030204" pitchFamily="34" charset="0"/>
               </a:rPr>
-              <a:t>ReactJS, ASP.NET Core Web API, and Oracle 12c</a:t>
+              <a:t>ReactJS, ASP.NET Core Web API, and Oracle 19c</a:t>
             </a:r>
             <a:r>
               <a:rPr lang="en-US" dirty="0">
@@ -9576,6 +9555,9 @@
             </a:r>
           </a:p>
           <a:p>
+            <a:pPr marL="0" indent="0">
+              <a:buNone/>
+            </a:pPr>
             <a:r>
               <a:rPr lang="en-US" dirty="0">
                 <a:latin typeface="Calibri" panose="020F0502020204030204" pitchFamily="34" charset="0"/>
@@ -9632,6 +9614,9 @@
             </a:r>
           </a:p>
           <a:p>
+            <a:pPr marL="0" indent="0">
+              <a:buNone/>
+            </a:pPr>
             <a:r>
               <a:rPr lang="en-US" dirty="0">
                 <a:latin typeface="Calibri" panose="020F0502020204030204" pitchFamily="34" charset="0"/>
@@ -9688,6 +9673,12 @@
               </a:rPr>
               <a:t> operations, reducing processing time by 40%.</a:t>
             </a:r>
+          </a:p>
+          <a:p>
+            <a:pPr marL="0" indent="0">
+              <a:buNone/>
+            </a:pPr>
+            <a:endParaRPr lang="en-US" dirty="0"/>
           </a:p>
         </p:txBody>
       </p:sp>
@@ -9707,17 +9698,33 @@
             <p:ph type="sldNum" sz="quarter" idx="15"/>
           </p:nvPr>
         </p:nvSpPr>
-        <p:spPr/>
+        <p:spPr>
+          <a:xfrm>
+            <a:off x="412136" y="5943601"/>
+            <a:ext cx="968983" cy="651912"/>
+          </a:xfrm>
+        </p:spPr>
         <p:txBody>
-          <a:bodyPr/>
+          <a:bodyPr anchor="ctr">
+            <a:normAutofit/>
+          </a:bodyPr>
           <a:lstStyle/>
           <a:p>
+            <a:pPr>
+              <a:spcAft>
+                <a:spcPts val="600"/>
+              </a:spcAft>
+            </a:pPr>
             <a:fld id="{18D65601-5AE2-46FC-B138-694DDD2B510D}" type="slidenum">
               <a:rPr lang="en-US" smtClean="0"/>
-              <a:pPr/>
+              <a:pPr>
+                <a:spcAft>
+                  <a:spcPts val="600"/>
+                </a:spcAft>
+              </a:pPr>
               <a:t>4</a:t>
             </a:fld>
-            <a:endParaRPr lang="en-US" dirty="0"/>
+            <a:endParaRPr lang="en-US"/>
           </a:p>
         </p:txBody>
       </p:sp>
@@ -9780,8 +9787,12 @@
           <a:lstStyle/>
           <a:p>
             <a:r>
+              <a:rPr lang="en-US" sz="3200" b="1" dirty="0"/>
+              <a:t>ARCHITECTURE</a:t>
+            </a:r>
+            <a:r>
               <a:rPr lang="en-US" dirty="0"/>
-              <a:t>ARCHITECTURE </a:t>
+              <a:t> </a:t>
             </a:r>
           </a:p>
         </p:txBody>
@@ -9864,25 +9875,25 @@
         </p:nvSpPr>
         <p:spPr>
           <a:xfrm>
-            <a:off x="1381119" y="184666"/>
-            <a:ext cx="9808773" cy="922276"/>
+            <a:off x="995680" y="262488"/>
+            <a:ext cx="10231119" cy="1454552"/>
           </a:xfrm>
         </p:spPr>
         <p:txBody>
           <a:bodyPr>
-            <a:normAutofit fontScale="90000"/>
+            <a:normAutofit/>
           </a:bodyPr>
           <a:lstStyle/>
           <a:p>
             <a:r>
-              <a:rPr lang="en-US" dirty="0"/>
+              <a:rPr lang="en-US" sz="3200" dirty="0"/>
               <a:t>🧩 </a:t>
             </a:r>
             <a:r>
-              <a:rPr lang="en-US" b="1" dirty="0"/>
+              <a:rPr lang="en-US" sz="3200" b="1" dirty="0"/>
               <a:t>PACSES – Benefit Issuance Modernization System Architecture Explanation</a:t>
             </a:r>
-            <a:endParaRPr lang="en-ZA" dirty="0"/>
+            <a:endParaRPr lang="en-ZA" sz="3200" dirty="0"/>
           </a:p>
         </p:txBody>
       </p:sp>
@@ -9904,8 +9915,8 @@
         </p:nvSpPr>
         <p:spPr>
           <a:xfrm>
-            <a:off x="1381118" y="1193335"/>
-            <a:ext cx="10810881" cy="5664665"/>
+            <a:off x="1158240" y="1625600"/>
+            <a:ext cx="10708640" cy="4602585"/>
           </a:xfrm>
         </p:spPr>
         <p:txBody>
@@ -10431,7 +10442,7 @@
         </p:spPr>
         <p:txBody>
           <a:bodyPr>
-            <a:normAutofit lnSpcReduction="10000"/>
+            <a:normAutofit fontScale="92500" lnSpcReduction="10000"/>
           </a:bodyPr>
           <a:lstStyle/>
           <a:p>
@@ -10488,7 +10499,17 @@
             </a:r>
           </a:p>
           <a:p>
-            <a:pPr lvl="1"/>
+            <a:endParaRPr lang="en-US" sz="1800" dirty="0">
+              <a:latin typeface="Calibri" panose="020F0502020204030204" pitchFamily="34" charset="0"/>
+              <a:ea typeface="Calibri" panose="020F0502020204030204" pitchFamily="34" charset="0"/>
+              <a:cs typeface="Calibri" panose="020F0502020204030204" pitchFamily="34" charset="0"/>
+            </a:endParaRPr>
+          </a:p>
+          <a:p>
+            <a:pPr lvl="1">
+              <a:buFont typeface="Wingdings" panose="05000000000000000000" pitchFamily="2" charset="2"/>
+              <a:buChar char="Ø"/>
+            </a:pPr>
             <a:r>
               <a:rPr lang="en-US" sz="1800" b="1" dirty="0">
                 <a:latin typeface="Calibri" panose="020F0502020204030204" pitchFamily="34" charset="0"/>
@@ -10507,7 +10528,10 @@
             </a:r>
           </a:p>
           <a:p>
-            <a:pPr lvl="1"/>
+            <a:pPr lvl="1">
+              <a:buFont typeface="Wingdings" panose="05000000000000000000" pitchFamily="2" charset="2"/>
+              <a:buChar char="Ø"/>
+            </a:pPr>
             <a:r>
               <a:rPr lang="en-US" sz="1800" b="1" dirty="0">
                 <a:latin typeface="Calibri" panose="020F0502020204030204" pitchFamily="34" charset="0"/>
@@ -10574,8 +10598,32 @@
                 <a:ea typeface="Calibri" panose="020F0502020204030204" pitchFamily="34" charset="0"/>
                 <a:cs typeface="Calibri" panose="020F0502020204030204" pitchFamily="34" charset="0"/>
               </a:rPr>
-              <a:t> (e.g., https://localhost:3000/auth/callback).</a:t>
-            </a:r>
+              <a:t> (e.g.,</a:t>
+            </a:r>
+          </a:p>
+          <a:p>
+            <a:endParaRPr lang="en-US" sz="1800" dirty="0">
+              <a:latin typeface="Calibri" panose="020F0502020204030204" pitchFamily="34" charset="0"/>
+              <a:ea typeface="Calibri" panose="020F0502020204030204" pitchFamily="34" charset="0"/>
+              <a:cs typeface="Calibri" panose="020F0502020204030204" pitchFamily="34" charset="0"/>
+            </a:endParaRPr>
+          </a:p>
+          <a:p>
+            <a:r>
+              <a:rPr lang="en-US" sz="1800" dirty="0">
+                <a:latin typeface="Calibri" panose="020F0502020204030204" pitchFamily="34" charset="0"/>
+                <a:ea typeface="Calibri" panose="020F0502020204030204" pitchFamily="34" charset="0"/>
+                <a:cs typeface="Calibri" panose="020F0502020204030204" pitchFamily="34" charset="0"/>
+              </a:rPr>
+              <a:t> https://localhost:3000/auth/callback).</a:t>
+            </a:r>
+          </a:p>
+          <a:p>
+            <a:endParaRPr lang="en-US" sz="1800" dirty="0">
+              <a:latin typeface="Calibri" panose="020F0502020204030204" pitchFamily="34" charset="0"/>
+              <a:ea typeface="Calibri" panose="020F0502020204030204" pitchFamily="34" charset="0"/>
+              <a:cs typeface="Calibri" panose="020F0502020204030204" pitchFamily="34" charset="0"/>
+            </a:endParaRPr>
           </a:p>
           <a:p>
             <a:r>
@@ -10950,7 +10998,28 @@
                 <a:ea typeface="Calibri" panose="020F0502020204030204" pitchFamily="34" charset="0"/>
                 <a:cs typeface="Calibri" panose="020F0502020204030204" pitchFamily="34" charset="0"/>
               </a:rPr>
-              <a:t> for high-performance data processing.</a:t>
+              <a:t> </a:t>
+            </a:r>
+          </a:p>
+          <a:p>
+            <a:pPr marL="285750" indent="-285750">
+              <a:buFont typeface="Wingdings" panose="05000000000000000000" pitchFamily="2" charset="2"/>
+              <a:buChar char="Ø"/>
+            </a:pPr>
+            <a:endParaRPr lang="en-US" sz="1800" dirty="0">
+              <a:latin typeface="Calibri" panose="020F0502020204030204" pitchFamily="34" charset="0"/>
+              <a:ea typeface="Calibri" panose="020F0502020204030204" pitchFamily="34" charset="0"/>
+              <a:cs typeface="Calibri" panose="020F0502020204030204" pitchFamily="34" charset="0"/>
+            </a:endParaRPr>
+          </a:p>
+          <a:p>
+            <a:r>
+              <a:rPr lang="en-US" sz="1800" dirty="0">
+                <a:latin typeface="Calibri" panose="020F0502020204030204" pitchFamily="34" charset="0"/>
+                <a:ea typeface="Calibri" panose="020F0502020204030204" pitchFamily="34" charset="0"/>
+                <a:cs typeface="Calibri" panose="020F0502020204030204" pitchFamily="34" charset="0"/>
+              </a:rPr>
+              <a:t>      for high-performance data processing.</a:t>
             </a:r>
           </a:p>
           <a:p>
@@ -11037,13 +11106,13 @@
             <a:spLocks noGrp="1"/>
           </p:cNvSpPr>
           <p:nvPr>
-            <p:ph sz="quarter" idx="11"/>
+            <p:ph sz="quarter" idx="12"/>
           </p:nvPr>
         </p:nvSpPr>
         <p:spPr>
           <a:xfrm>
-            <a:off x="1124124" y="67111"/>
-            <a:ext cx="7038364" cy="6732165"/>
+            <a:off x="1056640" y="152400"/>
+            <a:ext cx="7030720" cy="6563360"/>
           </a:xfrm>
         </p:spPr>
         <p:txBody>
@@ -11052,13 +11121,36 @@
           </a:bodyPr>
           <a:lstStyle/>
           <a:p>
-            <a:r>
-              <a:rPr lang="en-US" sz="1800" b="1" dirty="0">
+            <a:pPr marL="0" marR="0" lvl="0" indent="0" algn="l" defTabSz="914400" rtl="0" eaLnBrk="1" fontAlgn="auto" latinLnBrk="0" hangingPunct="1">
+              <a:lnSpc>
+                <a:spcPct val="100000"/>
+              </a:lnSpc>
+              <a:spcBef>
+                <a:spcPts val="0"/>
+              </a:spcBef>
+              <a:spcAft>
+                <a:spcPts val="1200"/>
+              </a:spcAft>
+              <a:buClrTx/>
+              <a:buSzTx/>
+              <a:buFont typeface="Arial" panose="020B0604020202020204" pitchFamily="34" charset="0"/>
+              <a:buNone/>
+              <a:tabLst/>
+              <a:defRPr/>
+            </a:pPr>
+            <a:r>
+              <a:rPr kumimoji="0" lang="en-US" sz="1800" b="1" i="0" u="none" strike="noStrike" kern="1200" cap="none" spc="0" normalizeH="0" baseline="0" noProof="0" dirty="0">
+                <a:ln>
+                  <a:noFill/>
+                </a:ln>
                 <a:solidFill>
-                  <a:schemeClr val="accent6">
+                  <a:srgbClr val="CA553E">
                     <a:lumMod val="75000"/>
-                  </a:schemeClr>
+                  </a:srgbClr>
                 </a:solidFill>
+                <a:effectLst/>
+                <a:uLnTx/>
+                <a:uFillTx/>
                 <a:latin typeface="Calibri" panose="020F0502020204030204" pitchFamily="34" charset="0"/>
                 <a:ea typeface="Calibri" panose="020F0502020204030204" pitchFamily="34" charset="0"/>
                 <a:cs typeface="Calibri" panose="020F0502020204030204" pitchFamily="34" charset="0"/>
@@ -11067,8 +11159,34 @@
             </a:r>
           </a:p>
           <a:p>
-            <a:r>
-              <a:rPr lang="en-US" sz="1800" dirty="0">
+            <a:pPr marL="0" marR="0" lvl="0" indent="0" algn="l" defTabSz="914400" rtl="0" eaLnBrk="1" fontAlgn="auto" latinLnBrk="0" hangingPunct="1">
+              <a:lnSpc>
+                <a:spcPct val="100000"/>
+              </a:lnSpc>
+              <a:spcBef>
+                <a:spcPts val="0"/>
+              </a:spcBef>
+              <a:spcAft>
+                <a:spcPts val="1200"/>
+              </a:spcAft>
+              <a:buClrTx/>
+              <a:buSzTx/>
+              <a:buFont typeface="Arial" panose="020B0604020202020204" pitchFamily="34" charset="0"/>
+              <a:buNone/>
+              <a:tabLst/>
+              <a:defRPr/>
+            </a:pPr>
+            <a:r>
+              <a:rPr kumimoji="0" lang="en-US" sz="1800" b="0" i="0" u="none" strike="noStrike" kern="1200" cap="none" spc="0" normalizeH="0" baseline="0" noProof="0" dirty="0">
+                <a:ln>
+                  <a:noFill/>
+                </a:ln>
+                <a:solidFill>
+                  <a:prstClr val="black"/>
+                </a:solidFill>
+                <a:effectLst/>
+                <a:uLnTx/>
+                <a:uFillTx/>
                 <a:latin typeface="Calibri" panose="020F0502020204030204" pitchFamily="34" charset="0"/>
                 <a:ea typeface="Calibri" panose="020F0502020204030204" pitchFamily="34" charset="0"/>
                 <a:cs typeface="Calibri" panose="020F0502020204030204" pitchFamily="34" charset="0"/>
@@ -11076,7 +11194,16 @@
               <a:t>The Web API returns results to the React frontend in </a:t>
             </a:r>
             <a:r>
-              <a:rPr lang="en-US" sz="1800" b="1" dirty="0">
+              <a:rPr kumimoji="0" lang="en-US" sz="1800" b="1" i="0" u="none" strike="noStrike" kern="1200" cap="none" spc="0" normalizeH="0" baseline="0" noProof="0" dirty="0">
+                <a:ln>
+                  <a:noFill/>
+                </a:ln>
+                <a:solidFill>
+                  <a:prstClr val="black"/>
+                </a:solidFill>
+                <a:effectLst/>
+                <a:uLnTx/>
+                <a:uFillTx/>
                 <a:latin typeface="Calibri" panose="020F0502020204030204" pitchFamily="34" charset="0"/>
                 <a:ea typeface="Calibri" panose="020F0502020204030204" pitchFamily="34" charset="0"/>
                 <a:cs typeface="Calibri" panose="020F0502020204030204" pitchFamily="34" charset="0"/>
@@ -11084,7 +11211,16 @@
               <a:t>JSON format</a:t>
             </a:r>
             <a:r>
-              <a:rPr lang="en-US" sz="1800" dirty="0">
+              <a:rPr kumimoji="0" lang="en-US" sz="1800" b="0" i="0" u="none" strike="noStrike" kern="1200" cap="none" spc="0" normalizeH="0" baseline="0" noProof="0" dirty="0">
+                <a:ln>
+                  <a:noFill/>
+                </a:ln>
+                <a:solidFill>
+                  <a:prstClr val="black"/>
+                </a:solidFill>
+                <a:effectLst/>
+                <a:uLnTx/>
+                <a:uFillTx/>
                 <a:latin typeface="Calibri" panose="020F0502020204030204" pitchFamily="34" charset="0"/>
                 <a:ea typeface="Calibri" panose="020F0502020204030204" pitchFamily="34" charset="0"/>
                 <a:cs typeface="Calibri" panose="020F0502020204030204" pitchFamily="34" charset="0"/>
@@ -11093,8 +11229,34 @@
             </a:r>
           </a:p>
           <a:p>
-            <a:r>
-              <a:rPr lang="en-US" sz="1800" dirty="0">
+            <a:pPr marL="0" marR="0" lvl="0" indent="0" algn="l" defTabSz="914400" rtl="0" eaLnBrk="1" fontAlgn="auto" latinLnBrk="0" hangingPunct="1">
+              <a:lnSpc>
+                <a:spcPct val="100000"/>
+              </a:lnSpc>
+              <a:spcBef>
+                <a:spcPts val="0"/>
+              </a:spcBef>
+              <a:spcAft>
+                <a:spcPts val="1200"/>
+              </a:spcAft>
+              <a:buClrTx/>
+              <a:buSzTx/>
+              <a:buFont typeface="Arial" panose="020B0604020202020204" pitchFamily="34" charset="0"/>
+              <a:buNone/>
+              <a:tabLst/>
+              <a:defRPr/>
+            </a:pPr>
+            <a:r>
+              <a:rPr kumimoji="0" lang="en-US" sz="1800" b="0" i="0" u="none" strike="noStrike" kern="1200" cap="none" spc="0" normalizeH="0" baseline="0" noProof="0" dirty="0">
+                <a:ln>
+                  <a:noFill/>
+                </a:ln>
+                <a:solidFill>
+                  <a:prstClr val="black"/>
+                </a:solidFill>
+                <a:effectLst/>
+                <a:uLnTx/>
+                <a:uFillTx/>
                 <a:latin typeface="Calibri" panose="020F0502020204030204" pitchFamily="34" charset="0"/>
                 <a:ea typeface="Calibri" panose="020F0502020204030204" pitchFamily="34" charset="0"/>
                 <a:cs typeface="Calibri" panose="020F0502020204030204" pitchFamily="34" charset="0"/>
@@ -11103,23 +11265,72 @@
             </a:r>
           </a:p>
           <a:p>
-            <a:r>
-              <a:rPr lang="en-US" sz="1800" dirty="0">
-                <a:latin typeface="Calibri" panose="020F0502020204030204" pitchFamily="34" charset="0"/>
-                <a:ea typeface="Calibri" panose="020F0502020204030204" pitchFamily="34" charset="0"/>
-                <a:cs typeface="Calibri" panose="020F0502020204030204" pitchFamily="34" charset="0"/>
-              </a:rPr>
-              <a:t>Example: When the user checks “Benefit Issuance History,” the API returns the relevant client data in JSON, and the React UI displays it in a table or chart.</a:t>
-            </a:r>
-          </a:p>
-          <a:p>
-            <a:r>
-              <a:rPr lang="en-US" sz="1800" b="1" dirty="0">
+            <a:pPr marL="0" marR="0" lvl="0" indent="0" algn="l" defTabSz="914400" rtl="0" eaLnBrk="1" fontAlgn="auto" latinLnBrk="0" hangingPunct="1">
+              <a:lnSpc>
+                <a:spcPct val="100000"/>
+              </a:lnSpc>
+              <a:spcBef>
+                <a:spcPts val="0"/>
+              </a:spcBef>
+              <a:spcAft>
+                <a:spcPts val="1200"/>
+              </a:spcAft>
+              <a:buClrTx/>
+              <a:buSzTx/>
+              <a:buFont typeface="Arial" panose="020B0604020202020204" pitchFamily="34" charset="0"/>
+              <a:buNone/>
+              <a:tabLst/>
+              <a:defRPr/>
+            </a:pPr>
+            <a:r>
+              <a:rPr kumimoji="0" lang="en-US" sz="1800" b="0" i="0" u="none" strike="noStrike" kern="1200" cap="none" spc="0" normalizeH="0" baseline="0" noProof="0" dirty="0">
+                <a:ln>
+                  <a:noFill/>
+                </a:ln>
                 <a:solidFill>
-                  <a:schemeClr val="accent6">
+                  <a:prstClr val="black"/>
+                </a:solidFill>
+                <a:effectLst/>
+                <a:uLnTx/>
+                <a:uFillTx/>
+                <a:latin typeface="Calibri" panose="020F0502020204030204" pitchFamily="34" charset="0"/>
+                <a:ea typeface="Calibri" panose="020F0502020204030204" pitchFamily="34" charset="0"/>
+                <a:cs typeface="Calibri" panose="020F0502020204030204" pitchFamily="34" charset="0"/>
+              </a:rPr>
+              <a:t>Example: When the user checks “Benefit Issuance History,” the API returns          the relevant client data in JSON, and the React UI displays it in a table or chart.</a:t>
+            </a:r>
+          </a:p>
+          <a:p>
+            <a:pPr marL="0" marR="0" lvl="0" indent="0" algn="l" defTabSz="914400" rtl="0" eaLnBrk="1" fontAlgn="auto" latinLnBrk="0" hangingPunct="1">
+              <a:lnSpc>
+                <a:spcPct val="100000"/>
+              </a:lnSpc>
+              <a:spcBef>
+                <a:spcPts val="0"/>
+              </a:spcBef>
+              <a:spcAft>
+                <a:spcPts val="1200"/>
+              </a:spcAft>
+              <a:buClrTx/>
+              <a:buSzTx/>
+              <a:buFont typeface="Arial" panose="020B0604020202020204" pitchFamily="34" charset="0"/>
+              <a:buNone/>
+              <a:tabLst/>
+              <a:defRPr/>
+            </a:pPr>
+            <a:r>
+              <a:rPr kumimoji="0" lang="en-US" sz="1800" b="1" i="0" u="none" strike="noStrike" kern="1200" cap="none" spc="0" normalizeH="0" baseline="0" noProof="0" dirty="0">
+                <a:ln>
+                  <a:noFill/>
+                </a:ln>
+                <a:solidFill>
+                  <a:srgbClr val="CA553E">
                     <a:lumMod val="75000"/>
-                  </a:schemeClr>
+                  </a:srgbClr>
                 </a:solidFill>
+                <a:effectLst/>
+                <a:uLnTx/>
+                <a:uFillTx/>
                 <a:latin typeface="Calibri" panose="020F0502020204030204" pitchFamily="34" charset="0"/>
                 <a:ea typeface="Calibri" panose="020F0502020204030204" pitchFamily="34" charset="0"/>
                 <a:cs typeface="Calibri" panose="020F0502020204030204" pitchFamily="34" charset="0"/>
@@ -11128,8 +11339,34 @@
             </a:r>
           </a:p>
           <a:p>
-            <a:r>
-              <a:rPr lang="en-US" sz="1800" dirty="0">
+            <a:pPr marL="0" marR="0" lvl="0" indent="0" algn="l" defTabSz="914400" rtl="0" eaLnBrk="1" fontAlgn="auto" latinLnBrk="0" hangingPunct="1">
+              <a:lnSpc>
+                <a:spcPct val="100000"/>
+              </a:lnSpc>
+              <a:spcBef>
+                <a:spcPts val="0"/>
+              </a:spcBef>
+              <a:spcAft>
+                <a:spcPts val="1200"/>
+              </a:spcAft>
+              <a:buClrTx/>
+              <a:buSzTx/>
+              <a:buFont typeface="Arial" panose="020B0604020202020204" pitchFamily="34" charset="0"/>
+              <a:buNone/>
+              <a:tabLst/>
+              <a:defRPr/>
+            </a:pPr>
+            <a:r>
+              <a:rPr kumimoji="0" lang="en-US" sz="1800" b="0" i="0" u="none" strike="noStrike" kern="1200" cap="none" spc="0" normalizeH="0" baseline="0" noProof="0" dirty="0">
+                <a:ln>
+                  <a:noFill/>
+                </a:ln>
+                <a:solidFill>
+                  <a:prstClr val="black"/>
+                </a:solidFill>
+                <a:effectLst/>
+                <a:uLnTx/>
+                <a:uFillTx/>
                 <a:latin typeface="Calibri" panose="020F0502020204030204" pitchFamily="34" charset="0"/>
                 <a:ea typeface="Calibri" panose="020F0502020204030204" pitchFamily="34" charset="0"/>
                 <a:cs typeface="Calibri" panose="020F0502020204030204" pitchFamily="34" charset="0"/>
@@ -11137,7 +11374,16 @@
               <a:t>Code is developed locally, pushed to </a:t>
             </a:r>
             <a:r>
-              <a:rPr lang="en-US" sz="1800" b="1" dirty="0">
+              <a:rPr kumimoji="0" lang="en-US" sz="1800" b="1" i="0" u="none" strike="noStrike" kern="1200" cap="none" spc="0" normalizeH="0" baseline="0" noProof="0" dirty="0">
+                <a:ln>
+                  <a:noFill/>
+                </a:ln>
+                <a:solidFill>
+                  <a:prstClr val="black"/>
+                </a:solidFill>
+                <a:effectLst/>
+                <a:uLnTx/>
+                <a:uFillTx/>
                 <a:latin typeface="Calibri" panose="020F0502020204030204" pitchFamily="34" charset="0"/>
                 <a:ea typeface="Calibri" panose="020F0502020204030204" pitchFamily="34" charset="0"/>
                 <a:cs typeface="Calibri" panose="020F0502020204030204" pitchFamily="34" charset="0"/>
@@ -11145,7 +11391,16 @@
               <a:t>GitHub</a:t>
             </a:r>
             <a:r>
-              <a:rPr lang="en-US" sz="1800" dirty="0">
+              <a:rPr kumimoji="0" lang="en-US" sz="1800" b="0" i="0" u="none" strike="noStrike" kern="1200" cap="none" spc="0" normalizeH="0" baseline="0" noProof="0" dirty="0">
+                <a:ln>
+                  <a:noFill/>
+                </a:ln>
+                <a:solidFill>
+                  <a:prstClr val="black"/>
+                </a:solidFill>
+                <a:effectLst/>
+                <a:uLnTx/>
+                <a:uFillTx/>
                 <a:latin typeface="Calibri" panose="020F0502020204030204" pitchFamily="34" charset="0"/>
                 <a:ea typeface="Calibri" panose="020F0502020204030204" pitchFamily="34" charset="0"/>
                 <a:cs typeface="Calibri" panose="020F0502020204030204" pitchFamily="34" charset="0"/>
@@ -11153,7 +11408,16 @@
               <a:t>, and triggers a </a:t>
             </a:r>
             <a:r>
-              <a:rPr lang="en-US" sz="1800" b="1" dirty="0">
+              <a:rPr kumimoji="0" lang="en-US" sz="1800" b="1" i="0" u="none" strike="noStrike" kern="1200" cap="none" spc="0" normalizeH="0" baseline="0" noProof="0" dirty="0">
+                <a:ln>
+                  <a:noFill/>
+                </a:ln>
+                <a:solidFill>
+                  <a:prstClr val="black"/>
+                </a:solidFill>
+                <a:effectLst/>
+                <a:uLnTx/>
+                <a:uFillTx/>
                 <a:latin typeface="Calibri" panose="020F0502020204030204" pitchFamily="34" charset="0"/>
                 <a:ea typeface="Calibri" panose="020F0502020204030204" pitchFamily="34" charset="0"/>
                 <a:cs typeface="Calibri" panose="020F0502020204030204" pitchFamily="34" charset="0"/>
@@ -11161,7 +11425,16 @@
               <a:t>CI/CD pipeline</a:t>
             </a:r>
             <a:r>
-              <a:rPr lang="en-US" sz="1800" dirty="0">
+              <a:rPr kumimoji="0" lang="en-US" sz="1800" b="0" i="0" u="none" strike="noStrike" kern="1200" cap="none" spc="0" normalizeH="0" baseline="0" noProof="0" dirty="0">
+                <a:ln>
+                  <a:noFill/>
+                </a:ln>
+                <a:solidFill>
+                  <a:prstClr val="black"/>
+                </a:solidFill>
+                <a:effectLst/>
+                <a:uLnTx/>
+                <a:uFillTx/>
                 <a:latin typeface="Calibri" panose="020F0502020204030204" pitchFamily="34" charset="0"/>
                 <a:ea typeface="Calibri" panose="020F0502020204030204" pitchFamily="34" charset="0"/>
                 <a:cs typeface="Calibri" panose="020F0502020204030204" pitchFamily="34" charset="0"/>
@@ -11170,8 +11443,34 @@
             </a:r>
           </a:p>
           <a:p>
-            <a:r>
-              <a:rPr lang="en-US" sz="1800" dirty="0">
+            <a:pPr marL="0" marR="0" lvl="0" indent="0" algn="l" defTabSz="914400" rtl="0" eaLnBrk="1" fontAlgn="auto" latinLnBrk="0" hangingPunct="1">
+              <a:lnSpc>
+                <a:spcPct val="100000"/>
+              </a:lnSpc>
+              <a:spcBef>
+                <a:spcPts val="0"/>
+              </a:spcBef>
+              <a:spcAft>
+                <a:spcPts val="1200"/>
+              </a:spcAft>
+              <a:buClrTx/>
+              <a:buSzTx/>
+              <a:buFont typeface="Arial" panose="020B0604020202020204" pitchFamily="34" charset="0"/>
+              <a:buNone/>
+              <a:tabLst/>
+              <a:defRPr/>
+            </a:pPr>
+            <a:r>
+              <a:rPr kumimoji="0" lang="en-US" sz="1800" b="0" i="0" u="none" strike="noStrike" kern="1200" cap="none" spc="0" normalizeH="0" baseline="0" noProof="0" dirty="0">
+                <a:ln>
+                  <a:noFill/>
+                </a:ln>
+                <a:solidFill>
+                  <a:prstClr val="black"/>
+                </a:solidFill>
+                <a:effectLst/>
+                <a:uLnTx/>
+                <a:uFillTx/>
                 <a:latin typeface="Calibri" panose="020F0502020204030204" pitchFamily="34" charset="0"/>
                 <a:ea typeface="Calibri" panose="020F0502020204030204" pitchFamily="34" charset="0"/>
                 <a:cs typeface="Calibri" panose="020F0502020204030204" pitchFamily="34" charset="0"/>
@@ -11180,9 +11479,34 @@
             </a:r>
           </a:p>
           <a:p>
-            <a:pPr lvl="1"/>
-            <a:r>
-              <a:rPr lang="en-US" sz="1800" dirty="0">
+            <a:pPr marR="0" lvl="1" algn="l" defTabSz="914400" rtl="0" eaLnBrk="1" fontAlgn="auto" latinLnBrk="0" hangingPunct="1">
+              <a:lnSpc>
+                <a:spcPct val="100000"/>
+              </a:lnSpc>
+              <a:spcBef>
+                <a:spcPts val="0"/>
+              </a:spcBef>
+              <a:spcAft>
+                <a:spcPts val="1200"/>
+              </a:spcAft>
+              <a:buClrTx/>
+              <a:buSzTx/>
+              <a:buFont typeface="Wingdings" panose="05000000000000000000" pitchFamily="2" charset="2"/>
+              <a:buChar char="Ø"/>
+              <a:tabLst/>
+              <a:defRPr/>
+            </a:pPr>
+            <a:r>
+              <a:rPr kumimoji="0" lang="en-US" sz="1800" b="0" i="0" u="none" strike="noStrike" kern="1200" cap="none" spc="0" normalizeH="0" baseline="0" noProof="0" dirty="0">
+                <a:ln>
+                  <a:noFill/>
+                </a:ln>
+                <a:solidFill>
+                  <a:prstClr val="black"/>
+                </a:solidFill>
+                <a:effectLst/>
+                <a:uLnTx/>
+                <a:uFillTx/>
                 <a:latin typeface="Calibri" panose="020F0502020204030204" pitchFamily="34" charset="0"/>
                 <a:ea typeface="Calibri" panose="020F0502020204030204" pitchFamily="34" charset="0"/>
                 <a:cs typeface="Calibri" panose="020F0502020204030204" pitchFamily="34" charset="0"/>
@@ -11190,7 +11514,16 @@
               <a:t>Builds the </a:t>
             </a:r>
             <a:r>
-              <a:rPr lang="en-US" sz="1800" b="1" dirty="0">
+              <a:rPr kumimoji="0" lang="en-US" sz="1800" b="1" i="0" u="none" strike="noStrike" kern="1200" cap="none" spc="0" normalizeH="0" baseline="0" noProof="0" dirty="0">
+                <a:ln>
+                  <a:noFill/>
+                </a:ln>
+                <a:solidFill>
+                  <a:prstClr val="black"/>
+                </a:solidFill>
+                <a:effectLst/>
+                <a:uLnTx/>
+                <a:uFillTx/>
                 <a:latin typeface="Calibri" panose="020F0502020204030204" pitchFamily="34" charset="0"/>
                 <a:ea typeface="Calibri" panose="020F0502020204030204" pitchFamily="34" charset="0"/>
                 <a:cs typeface="Calibri" panose="020F0502020204030204" pitchFamily="34" charset="0"/>
@@ -11198,7 +11531,16 @@
               <a:t>ASP.NET Core Web API Docker image</a:t>
             </a:r>
             <a:r>
-              <a:rPr lang="en-US" sz="1800" dirty="0">
+              <a:rPr kumimoji="0" lang="en-US" sz="1800" b="0" i="0" u="none" strike="noStrike" kern="1200" cap="none" spc="0" normalizeH="0" baseline="0" noProof="0" dirty="0">
+                <a:ln>
+                  <a:noFill/>
+                </a:ln>
+                <a:solidFill>
+                  <a:prstClr val="black"/>
+                </a:solidFill>
+                <a:effectLst/>
+                <a:uLnTx/>
+                <a:uFillTx/>
                 <a:latin typeface="Calibri" panose="020F0502020204030204" pitchFamily="34" charset="0"/>
                 <a:ea typeface="Calibri" panose="020F0502020204030204" pitchFamily="34" charset="0"/>
                 <a:cs typeface="Calibri" panose="020F0502020204030204" pitchFamily="34" charset="0"/>
@@ -11207,9 +11549,34 @@
             </a:r>
           </a:p>
           <a:p>
-            <a:pPr lvl="1"/>
-            <a:r>
-              <a:rPr lang="en-US" sz="1800" dirty="0">
+            <a:pPr marR="0" lvl="1" algn="l" defTabSz="914400" rtl="0" eaLnBrk="1" fontAlgn="auto" latinLnBrk="0" hangingPunct="1">
+              <a:lnSpc>
+                <a:spcPct val="100000"/>
+              </a:lnSpc>
+              <a:spcBef>
+                <a:spcPts val="0"/>
+              </a:spcBef>
+              <a:spcAft>
+                <a:spcPts val="1200"/>
+              </a:spcAft>
+              <a:buClrTx/>
+              <a:buSzTx/>
+              <a:buFont typeface="Wingdings" panose="05000000000000000000" pitchFamily="2" charset="2"/>
+              <a:buChar char="Ø"/>
+              <a:tabLst/>
+              <a:defRPr/>
+            </a:pPr>
+            <a:r>
+              <a:rPr kumimoji="0" lang="en-US" sz="1800" b="0" i="0" u="none" strike="noStrike" kern="1200" cap="none" spc="0" normalizeH="0" baseline="0" noProof="0" dirty="0">
+                <a:ln>
+                  <a:noFill/>
+                </a:ln>
+                <a:solidFill>
+                  <a:prstClr val="black"/>
+                </a:solidFill>
+                <a:effectLst/>
+                <a:uLnTx/>
+                <a:uFillTx/>
                 <a:latin typeface="Calibri" panose="020F0502020204030204" pitchFamily="34" charset="0"/>
                 <a:ea typeface="Calibri" panose="020F0502020204030204" pitchFamily="34" charset="0"/>
                 <a:cs typeface="Calibri" panose="020F0502020204030204" pitchFamily="34" charset="0"/>
@@ -11217,7 +11584,16 @@
               <a:t>Pushes the image to </a:t>
             </a:r>
             <a:r>
-              <a:rPr lang="en-US" sz="1800" b="1" dirty="0">
+              <a:rPr kumimoji="0" lang="en-US" sz="1800" b="1" i="0" u="none" strike="noStrike" kern="1200" cap="none" spc="0" normalizeH="0" baseline="0" noProof="0" dirty="0">
+                <a:ln>
+                  <a:noFill/>
+                </a:ln>
+                <a:solidFill>
+                  <a:prstClr val="black"/>
+                </a:solidFill>
+                <a:effectLst/>
+                <a:uLnTx/>
+                <a:uFillTx/>
                 <a:latin typeface="Calibri" panose="020F0502020204030204" pitchFamily="34" charset="0"/>
                 <a:ea typeface="Calibri" panose="020F0502020204030204" pitchFamily="34" charset="0"/>
                 <a:cs typeface="Calibri" panose="020F0502020204030204" pitchFamily="34" charset="0"/>
@@ -11225,7 +11601,16 @@
               <a:t>AWS Elastic Container Registry (ECR)</a:t>
             </a:r>
             <a:r>
-              <a:rPr lang="en-US" sz="1800" dirty="0">
+              <a:rPr kumimoji="0" lang="en-US" sz="1800" b="0" i="0" u="none" strike="noStrike" kern="1200" cap="none" spc="0" normalizeH="0" baseline="0" noProof="0" dirty="0">
+                <a:ln>
+                  <a:noFill/>
+                </a:ln>
+                <a:solidFill>
+                  <a:prstClr val="black"/>
+                </a:solidFill>
+                <a:effectLst/>
+                <a:uLnTx/>
+                <a:uFillTx/>
                 <a:latin typeface="Calibri" panose="020F0502020204030204" pitchFamily="34" charset="0"/>
                 <a:ea typeface="Calibri" panose="020F0502020204030204" pitchFamily="34" charset="0"/>
                 <a:cs typeface="Calibri" panose="020F0502020204030204" pitchFamily="34" charset="0"/>
@@ -11234,9 +11619,34 @@
             </a:r>
           </a:p>
           <a:p>
-            <a:pPr lvl="1"/>
-            <a:r>
-              <a:rPr lang="en-US" sz="1800" dirty="0">
+            <a:pPr marR="0" lvl="1" algn="l" defTabSz="914400" rtl="0" eaLnBrk="1" fontAlgn="auto" latinLnBrk="0" hangingPunct="1">
+              <a:lnSpc>
+                <a:spcPct val="100000"/>
+              </a:lnSpc>
+              <a:spcBef>
+                <a:spcPts val="0"/>
+              </a:spcBef>
+              <a:spcAft>
+                <a:spcPts val="1200"/>
+              </a:spcAft>
+              <a:buClrTx/>
+              <a:buSzTx/>
+              <a:buFont typeface="Wingdings" panose="05000000000000000000" pitchFamily="2" charset="2"/>
+              <a:buChar char="Ø"/>
+              <a:tabLst/>
+              <a:defRPr/>
+            </a:pPr>
+            <a:r>
+              <a:rPr kumimoji="0" lang="en-US" sz="1800" b="0" i="0" u="none" strike="noStrike" kern="1200" cap="none" spc="0" normalizeH="0" baseline="0" noProof="0" dirty="0">
+                <a:ln>
+                  <a:noFill/>
+                </a:ln>
+                <a:solidFill>
+                  <a:prstClr val="black"/>
+                </a:solidFill>
+                <a:effectLst/>
+                <a:uLnTx/>
+                <a:uFillTx/>
                 <a:latin typeface="Calibri" panose="020F0502020204030204" pitchFamily="34" charset="0"/>
                 <a:ea typeface="Calibri" panose="020F0502020204030204" pitchFamily="34" charset="0"/>
                 <a:cs typeface="Calibri" panose="020F0502020204030204" pitchFamily="34" charset="0"/>
@@ -11244,7 +11654,16 @@
               <a:t>Deploys the containerized API to </a:t>
             </a:r>
             <a:r>
-              <a:rPr lang="en-US" sz="1800" b="1" dirty="0">
+              <a:rPr kumimoji="0" lang="en-US" sz="1800" b="1" i="0" u="none" strike="noStrike" kern="1200" cap="none" spc="0" normalizeH="0" baseline="0" noProof="0" dirty="0">
+                <a:ln>
+                  <a:noFill/>
+                </a:ln>
+                <a:solidFill>
+                  <a:prstClr val="black"/>
+                </a:solidFill>
+                <a:effectLst/>
+                <a:uLnTx/>
+                <a:uFillTx/>
                 <a:latin typeface="Calibri" panose="020F0502020204030204" pitchFamily="34" charset="0"/>
                 <a:ea typeface="Calibri" panose="020F0502020204030204" pitchFamily="34" charset="0"/>
                 <a:cs typeface="Calibri" panose="020F0502020204030204" pitchFamily="34" charset="0"/>
@@ -11252,7 +11671,16 @@
               <a:t>AWS ECS with Fargate</a:t>
             </a:r>
             <a:r>
-              <a:rPr lang="en-US" sz="1800" dirty="0">
+              <a:rPr kumimoji="0" lang="en-US" sz="1800" b="0" i="0" u="none" strike="noStrike" kern="1200" cap="none" spc="0" normalizeH="0" baseline="0" noProof="0" dirty="0">
+                <a:ln>
+                  <a:noFill/>
+                </a:ln>
+                <a:solidFill>
+                  <a:prstClr val="black"/>
+                </a:solidFill>
+                <a:effectLst/>
+                <a:uLnTx/>
+                <a:uFillTx/>
                 <a:latin typeface="Calibri" panose="020F0502020204030204" pitchFamily="34" charset="0"/>
                 <a:ea typeface="Calibri" panose="020F0502020204030204" pitchFamily="34" charset="0"/>
                 <a:cs typeface="Calibri" panose="020F0502020204030204" pitchFamily="34" charset="0"/>
@@ -11261,8 +11689,34 @@
             </a:r>
           </a:p>
           <a:p>
-            <a:r>
-              <a:rPr lang="en-US" sz="1800" dirty="0">
+            <a:pPr marL="0" marR="0" lvl="0" indent="0" algn="l" defTabSz="914400" rtl="0" eaLnBrk="1" fontAlgn="auto" latinLnBrk="0" hangingPunct="1">
+              <a:lnSpc>
+                <a:spcPct val="100000"/>
+              </a:lnSpc>
+              <a:spcBef>
+                <a:spcPts val="0"/>
+              </a:spcBef>
+              <a:spcAft>
+                <a:spcPts val="1200"/>
+              </a:spcAft>
+              <a:buClrTx/>
+              <a:buSzTx/>
+              <a:buFont typeface="Arial" panose="020B0604020202020204" pitchFamily="34" charset="0"/>
+              <a:buNone/>
+              <a:tabLst/>
+              <a:defRPr/>
+            </a:pPr>
+            <a:r>
+              <a:rPr kumimoji="0" lang="en-US" sz="1800" b="0" i="0" u="none" strike="noStrike" kern="1200" cap="none" spc="0" normalizeH="0" baseline="0" noProof="0" dirty="0">
+                <a:ln>
+                  <a:noFill/>
+                </a:ln>
+                <a:solidFill>
+                  <a:prstClr val="black"/>
+                </a:solidFill>
+                <a:effectLst/>
+                <a:uLnTx/>
+                <a:uFillTx/>
                 <a:latin typeface="Calibri" panose="020F0502020204030204" pitchFamily="34" charset="0"/>
                 <a:ea typeface="Calibri" panose="020F0502020204030204" pitchFamily="34" charset="0"/>
                 <a:cs typeface="Calibri" panose="020F0502020204030204" pitchFamily="34" charset="0"/>
@@ -11270,7 +11724,16 @@
               <a:t>This ensures </a:t>
             </a:r>
             <a:r>
-              <a:rPr lang="en-US" sz="1800" b="1" dirty="0">
+              <a:rPr kumimoji="0" lang="en-US" sz="1800" b="1" i="0" u="none" strike="noStrike" kern="1200" cap="none" spc="0" normalizeH="0" baseline="0" noProof="0" dirty="0">
+                <a:ln>
+                  <a:noFill/>
+                </a:ln>
+                <a:solidFill>
+                  <a:prstClr val="black"/>
+                </a:solidFill>
+                <a:effectLst/>
+                <a:uLnTx/>
+                <a:uFillTx/>
                 <a:latin typeface="Calibri" panose="020F0502020204030204" pitchFamily="34" charset="0"/>
                 <a:ea typeface="Calibri" panose="020F0502020204030204" pitchFamily="34" charset="0"/>
                 <a:cs typeface="Calibri" panose="020F0502020204030204" pitchFamily="34" charset="0"/>
@@ -11278,7 +11741,16 @@
               <a:t>automated, scalable, and version-controlled deployments</a:t>
             </a:r>
             <a:r>
-              <a:rPr lang="en-US" sz="1800" dirty="0">
+              <a:rPr kumimoji="0" lang="en-US" sz="1800" b="0" i="0" u="none" strike="noStrike" kern="1200" cap="none" spc="0" normalizeH="0" baseline="0" noProof="0" dirty="0">
+                <a:ln>
+                  <a:noFill/>
+                </a:ln>
+                <a:solidFill>
+                  <a:prstClr val="black"/>
+                </a:solidFill>
+                <a:effectLst/>
+                <a:uLnTx/>
+                <a:uFillTx/>
                 <a:latin typeface="Calibri" panose="020F0502020204030204" pitchFamily="34" charset="0"/>
                 <a:ea typeface="Calibri" panose="020F0502020204030204" pitchFamily="34" charset="0"/>
                 <a:cs typeface="Calibri" panose="020F0502020204030204" pitchFamily="34" charset="0"/>
@@ -11287,8 +11759,34 @@
             </a:r>
           </a:p>
           <a:p>
-            <a:r>
-              <a:rPr lang="en-US" sz="1800" dirty="0">
+            <a:pPr marL="0" marR="0" lvl="0" indent="0" algn="l" defTabSz="914400" rtl="0" eaLnBrk="1" fontAlgn="auto" latinLnBrk="0" hangingPunct="1">
+              <a:lnSpc>
+                <a:spcPct val="100000"/>
+              </a:lnSpc>
+              <a:spcBef>
+                <a:spcPts val="0"/>
+              </a:spcBef>
+              <a:spcAft>
+                <a:spcPts val="1200"/>
+              </a:spcAft>
+              <a:buClrTx/>
+              <a:buSzTx/>
+              <a:buFont typeface="Arial" panose="020B0604020202020204" pitchFamily="34" charset="0"/>
+              <a:buNone/>
+              <a:tabLst/>
+              <a:defRPr/>
+            </a:pPr>
+            <a:r>
+              <a:rPr kumimoji="0" lang="en-US" sz="1800" b="0" i="0" u="none" strike="noStrike" kern="1200" cap="none" spc="0" normalizeH="0" baseline="0" noProof="0" dirty="0">
+                <a:ln>
+                  <a:noFill/>
+                </a:ln>
+                <a:solidFill>
+                  <a:prstClr val="black"/>
+                </a:solidFill>
+                <a:effectLst/>
+                <a:uLnTx/>
+                <a:uFillTx/>
                 <a:latin typeface="Calibri" panose="020F0502020204030204" pitchFamily="34" charset="0"/>
                 <a:ea typeface="Calibri" panose="020F0502020204030204" pitchFamily="34" charset="0"/>
                 <a:cs typeface="Calibri" panose="020F0502020204030204" pitchFamily="34" charset="0"/>
@@ -11296,7 +11794,16 @@
               <a:t>The React app (frontend) is also built and deployed to </a:t>
             </a:r>
             <a:r>
-              <a:rPr lang="en-US" sz="1800" b="1" dirty="0">
+              <a:rPr kumimoji="0" lang="en-US" sz="1800" b="1" i="0" u="none" strike="noStrike" kern="1200" cap="none" spc="0" normalizeH="0" baseline="0" noProof="0" dirty="0">
+                <a:ln>
+                  <a:noFill/>
+                </a:ln>
+                <a:solidFill>
+                  <a:prstClr val="black"/>
+                </a:solidFill>
+                <a:effectLst/>
+                <a:uLnTx/>
+                <a:uFillTx/>
                 <a:latin typeface="Calibri" panose="020F0502020204030204" pitchFamily="34" charset="0"/>
                 <a:ea typeface="Calibri" panose="020F0502020204030204" pitchFamily="34" charset="0"/>
                 <a:cs typeface="Calibri" panose="020F0502020204030204" pitchFamily="34" charset="0"/>
@@ -11304,13 +11811,32 @@
               <a:t>S3</a:t>
             </a:r>
             <a:r>
-              <a:rPr lang="en-US" sz="1800" dirty="0">
+              <a:rPr kumimoji="0" lang="en-US" sz="1800" b="0" i="0" u="none" strike="noStrike" kern="1200" cap="none" spc="0" normalizeH="0" baseline="0" noProof="0" dirty="0">
+                <a:ln>
+                  <a:noFill/>
+                </a:ln>
+                <a:solidFill>
+                  <a:prstClr val="black"/>
+                </a:solidFill>
+                <a:effectLst/>
+                <a:uLnTx/>
+                <a:uFillTx/>
                 <a:latin typeface="Calibri" panose="020F0502020204030204" pitchFamily="34" charset="0"/>
                 <a:ea typeface="Calibri" panose="020F0502020204030204" pitchFamily="34" charset="0"/>
                 <a:cs typeface="Calibri" panose="020F0502020204030204" pitchFamily="34" charset="0"/>
               </a:rPr>
               <a:t> using a similar GitHub Actions pipeline.</a:t>
             </a:r>
+          </a:p>
+          <a:p>
+            <a:pPr marL="0" indent="0">
+              <a:buNone/>
+            </a:pPr>
+            <a:endParaRPr lang="en-US" sz="1800" dirty="0">
+              <a:latin typeface="Calibri" panose="020F0502020204030204" pitchFamily="34" charset="0"/>
+              <a:ea typeface="Calibri" panose="020F0502020204030204" pitchFamily="34" charset="0"/>
+              <a:cs typeface="Calibri" panose="020F0502020204030204" pitchFamily="34" charset="0"/>
+            </a:endParaRPr>
           </a:p>
         </p:txBody>
       </p:sp>
@@ -11366,7 +11892,7 @@
         </p:blipFill>
         <p:spPr>
           <a:xfrm>
-            <a:off x="7952763" y="3689058"/>
+            <a:off x="8087360" y="3429000"/>
             <a:ext cx="4036024" cy="1905454"/>
           </a:xfrm>
           <a:prstGeom prst="rect">
@@ -11428,12 +11954,12 @@
         </p:spPr>
         <p:txBody>
           <a:bodyPr>
-            <a:normAutofit fontScale="90000"/>
+            <a:noAutofit/>
           </a:bodyPr>
           <a:lstStyle/>
           <a:p>
             <a:r>
-              <a:rPr lang="en-US" b="1" dirty="0">
+              <a:rPr lang="en-US" sz="3200" b="1" dirty="0">
                 <a:solidFill>
                   <a:schemeClr val="accent6">
                     <a:lumMod val="75000"/>
@@ -11442,7 +11968,7 @@
               </a:rPr>
               <a:t>Key Technologies Used</a:t>
             </a:r>
-            <a:endParaRPr lang="en-ZA" b="1" dirty="0">
+            <a:endParaRPr lang="en-ZA" sz="3200" b="1" dirty="0">
               <a:solidFill>
                 <a:schemeClr val="accent6">
                   <a:lumMod val="75000"/>
@@ -11630,7 +12156,7 @@
         </p:nvSpPr>
         <p:spPr>
           <a:xfrm>
-            <a:off x="1134654" y="2451497"/>
+            <a:off x="1134654" y="2497054"/>
             <a:ext cx="9150675" cy="460882"/>
           </a:xfrm>
           <a:prstGeom prst="rect">
@@ -11639,7 +12165,7 @@
         </p:spPr>
         <p:txBody>
           <a:bodyPr vert="horz" lIns="0" tIns="45720" rIns="91440" bIns="45720" rtlCol="0" anchor="ctr">
-            <a:normAutofit fontScale="82500" lnSpcReduction="20000"/>
+            <a:noAutofit/>
           </a:bodyPr>
           <a:lstStyle>
             <a:lvl1pPr algn="l" defTabSz="914400" rtl="0" eaLnBrk="1" latinLnBrk="0" hangingPunct="1">
@@ -11662,16 +12188,34 @@
           </a:lstStyle>
           <a:p>
             <a:r>
-              <a:rPr lang="en-US" b="1" dirty="0">
+              <a:rPr lang="en-US" sz="3200" b="1" dirty="0">
                 <a:solidFill>
                   <a:schemeClr val="accent6">
                     <a:lumMod val="75000"/>
                   </a:schemeClr>
                 </a:solidFill>
               </a:rPr>
-              <a:t>Code Snippets:</a:t>
-            </a:r>
-            <a:endParaRPr lang="en-ZA" b="1" dirty="0">
+              <a:t> </a:t>
+            </a:r>
+            <a:r>
+              <a:rPr lang="en-US" sz="3200" dirty="0">
+                <a:latin typeface="Calibri" panose="020F0502020204030204" pitchFamily="34" charset="0"/>
+                <a:ea typeface="Calibri" panose="020F0502020204030204" pitchFamily="34" charset="0"/>
+                <a:cs typeface="Calibri" panose="020F0502020204030204" pitchFamily="34" charset="0"/>
+              </a:rPr>
+              <a:t>📊</a:t>
+            </a:r>
+            <a:r>
+              <a:rPr lang="en-US" sz="3200" b="1" dirty="0">
+                <a:solidFill>
+                  <a:schemeClr val="accent6">
+                    <a:lumMod val="75000"/>
+                  </a:schemeClr>
+                </a:solidFill>
+              </a:rPr>
+              <a:t>Best Practices</a:t>
+            </a:r>
+            <a:endParaRPr lang="en-ZA" sz="3200" b="1" dirty="0">
               <a:solidFill>
                 <a:schemeClr val="accent6">
                   <a:lumMod val="75000"/>
@@ -11695,8 +12239,8 @@
         </p:nvSpPr>
         <p:spPr>
           <a:xfrm>
-            <a:off x="1134654" y="2814996"/>
-            <a:ext cx="8579797" cy="3785652"/>
+            <a:off x="1134654" y="2957936"/>
+            <a:ext cx="8579797" cy="3093154"/>
           </a:xfrm>
           <a:prstGeom prst="rect">
             <a:avLst/>
@@ -11709,407 +12253,128 @@
           </a:bodyPr>
           <a:lstStyle/>
           <a:p>
-            <a:r>
-              <a:rPr lang="en-US" sz="1600" dirty="0">
-                <a:latin typeface="Calibri" panose="020F0502020204030204" pitchFamily="34" charset="0"/>
-                <a:ea typeface="Calibri" panose="020F0502020204030204" pitchFamily="34" charset="0"/>
-                <a:cs typeface="Calibri" panose="020F0502020204030204" pitchFamily="34" charset="0"/>
-              </a:rPr>
-              <a:t>// </a:t>
-            </a:r>
-            <a:r>
-              <a:rPr lang="en-US" sz="1600" dirty="0" err="1">
-                <a:latin typeface="Calibri" panose="020F0502020204030204" pitchFamily="34" charset="0"/>
-                <a:ea typeface="Calibri" panose="020F0502020204030204" pitchFamily="34" charset="0"/>
-                <a:cs typeface="Calibri" panose="020F0502020204030204" pitchFamily="34" charset="0"/>
-              </a:rPr>
-              <a:t>src</a:t>
-            </a:r>
-            <a:r>
-              <a:rPr lang="en-US" sz="1600" dirty="0">
-                <a:latin typeface="Calibri" panose="020F0502020204030204" pitchFamily="34" charset="0"/>
-                <a:ea typeface="Calibri" panose="020F0502020204030204" pitchFamily="34" charset="0"/>
-                <a:cs typeface="Calibri" panose="020F0502020204030204" pitchFamily="34" charset="0"/>
-              </a:rPr>
-              <a:t>/authService.js</a:t>
-            </a:r>
-          </a:p>
-          <a:p>
-            <a:r>
-              <a:rPr lang="en-US" sz="1600" dirty="0">
-                <a:latin typeface="Calibri" panose="020F0502020204030204" pitchFamily="34" charset="0"/>
-                <a:ea typeface="Calibri" panose="020F0502020204030204" pitchFamily="34" charset="0"/>
-                <a:cs typeface="Calibri" panose="020F0502020204030204" pitchFamily="34" charset="0"/>
-              </a:rPr>
-              <a:t>import { </a:t>
-            </a:r>
-            <a:r>
-              <a:rPr lang="en-US" sz="1600" dirty="0" err="1">
-                <a:latin typeface="Calibri" panose="020F0502020204030204" pitchFamily="34" charset="0"/>
-                <a:ea typeface="Calibri" panose="020F0502020204030204" pitchFamily="34" charset="0"/>
-                <a:cs typeface="Calibri" panose="020F0502020204030204" pitchFamily="34" charset="0"/>
-              </a:rPr>
-              <a:t>UserManager</a:t>
-            </a:r>
-            <a:r>
-              <a:rPr lang="en-US" sz="1600" dirty="0">
-                <a:latin typeface="Calibri" panose="020F0502020204030204" pitchFamily="34" charset="0"/>
-                <a:ea typeface="Calibri" panose="020F0502020204030204" pitchFamily="34" charset="0"/>
-                <a:cs typeface="Calibri" panose="020F0502020204030204" pitchFamily="34" charset="0"/>
-              </a:rPr>
-              <a:t> } from "</a:t>
-            </a:r>
-            <a:r>
-              <a:rPr lang="en-US" sz="1600" dirty="0" err="1">
-                <a:latin typeface="Calibri" panose="020F0502020204030204" pitchFamily="34" charset="0"/>
-                <a:ea typeface="Calibri" panose="020F0502020204030204" pitchFamily="34" charset="0"/>
-                <a:cs typeface="Calibri" panose="020F0502020204030204" pitchFamily="34" charset="0"/>
-              </a:rPr>
-              <a:t>oidc</a:t>
-            </a:r>
-            <a:r>
-              <a:rPr lang="en-US" sz="1600" dirty="0">
-                <a:latin typeface="Calibri" panose="020F0502020204030204" pitchFamily="34" charset="0"/>
-                <a:ea typeface="Calibri" panose="020F0502020204030204" pitchFamily="34" charset="0"/>
-                <a:cs typeface="Calibri" panose="020F0502020204030204" pitchFamily="34" charset="0"/>
-              </a:rPr>
-              <a:t>-client-</a:t>
-            </a:r>
-            <a:r>
-              <a:rPr lang="en-US" sz="1600" dirty="0" err="1">
-                <a:latin typeface="Calibri" panose="020F0502020204030204" pitchFamily="34" charset="0"/>
-                <a:ea typeface="Calibri" panose="020F0502020204030204" pitchFamily="34" charset="0"/>
-                <a:cs typeface="Calibri" panose="020F0502020204030204" pitchFamily="34" charset="0"/>
-              </a:rPr>
-              <a:t>ts</a:t>
-            </a:r>
-            <a:r>
-              <a:rPr lang="en-US" sz="1600" dirty="0">
-                <a:latin typeface="Calibri" panose="020F0502020204030204" pitchFamily="34" charset="0"/>
-                <a:ea typeface="Calibri" panose="020F0502020204030204" pitchFamily="34" charset="0"/>
-                <a:cs typeface="Calibri" panose="020F0502020204030204" pitchFamily="34" charset="0"/>
-              </a:rPr>
-              <a:t>";</a:t>
-            </a:r>
-          </a:p>
-          <a:p>
-            <a:r>
-              <a:rPr lang="en-US" sz="1600" dirty="0">
-                <a:latin typeface="Calibri" panose="020F0502020204030204" pitchFamily="34" charset="0"/>
-                <a:ea typeface="Calibri" panose="020F0502020204030204" pitchFamily="34" charset="0"/>
-                <a:cs typeface="Calibri" panose="020F0502020204030204" pitchFamily="34" charset="0"/>
-              </a:rPr>
-              <a:t>const settings = {</a:t>
-            </a:r>
-          </a:p>
-          <a:p>
-            <a:r>
-              <a:rPr lang="en-US" sz="1600" dirty="0">
-                <a:latin typeface="Calibri" panose="020F0502020204030204" pitchFamily="34" charset="0"/>
-                <a:ea typeface="Calibri" panose="020F0502020204030204" pitchFamily="34" charset="0"/>
-                <a:cs typeface="Calibri" panose="020F0502020204030204" pitchFamily="34" charset="0"/>
-              </a:rPr>
-              <a:t>  authority: "https://localhost:5000",               	// </a:t>
-            </a:r>
-            <a:r>
-              <a:rPr lang="en-US" sz="1600" dirty="0" err="1">
-                <a:latin typeface="Calibri" panose="020F0502020204030204" pitchFamily="34" charset="0"/>
-                <a:ea typeface="Calibri" panose="020F0502020204030204" pitchFamily="34" charset="0"/>
-                <a:cs typeface="Calibri" panose="020F0502020204030204" pitchFamily="34" charset="0"/>
-              </a:rPr>
-              <a:t>IdentityServer</a:t>
-            </a:r>
-            <a:endParaRPr lang="en-US" sz="1600" dirty="0">
+            <a:pPr marL="285750" indent="-285750">
+              <a:buFont typeface="Wingdings" panose="05000000000000000000" pitchFamily="2" charset="2"/>
+              <a:buChar char="Ø"/>
+            </a:pPr>
+            <a:r>
+              <a:rPr lang="en-US" sz="2100" dirty="0">
+                <a:latin typeface="Calibri" panose="020F0502020204030204" pitchFamily="34" charset="0"/>
+                <a:ea typeface="Calibri" panose="020F0502020204030204" pitchFamily="34" charset="0"/>
+                <a:cs typeface="Calibri" panose="020F0502020204030204" pitchFamily="34" charset="0"/>
+              </a:rPr>
+              <a:t>Used Authorization Code + PKCE for SPA auth (no implicit flow)</a:t>
+            </a:r>
+          </a:p>
+          <a:p>
+            <a:pPr marL="285750" indent="-285750">
+              <a:buFont typeface="Wingdings" panose="05000000000000000000" pitchFamily="2" charset="2"/>
+              <a:buChar char="Ø"/>
+            </a:pPr>
+            <a:r>
+              <a:rPr lang="en-US" sz="2100" dirty="0">
+                <a:latin typeface="Calibri" panose="020F0502020204030204" pitchFamily="34" charset="0"/>
+                <a:ea typeface="Calibri" panose="020F0502020204030204" pitchFamily="34" charset="0"/>
+                <a:cs typeface="Calibri" panose="020F0502020204030204" pitchFamily="34" charset="0"/>
+              </a:rPr>
+              <a:t>Suggested SonarQube integration in CI for security &amp; quality gates </a:t>
+            </a:r>
+            <a:r>
+              <a:rPr lang="en-US" sz="2400" dirty="0">
+                <a:latin typeface="Calibri" panose="020F0502020204030204" pitchFamily="34" charset="0"/>
+                <a:ea typeface="Calibri" panose="020F0502020204030204" pitchFamily="34" charset="0"/>
+                <a:cs typeface="Calibri" panose="020F0502020204030204" pitchFamily="34" charset="0"/>
+              </a:rPr>
+              <a:t>to detect and fix </a:t>
+            </a:r>
+            <a:r>
+              <a:rPr lang="en-US" sz="2400" b="1" dirty="0">
+                <a:latin typeface="Calibri" panose="020F0502020204030204" pitchFamily="34" charset="0"/>
+                <a:ea typeface="Calibri" panose="020F0502020204030204" pitchFamily="34" charset="0"/>
+                <a:cs typeface="Calibri" panose="020F0502020204030204" pitchFamily="34" charset="0"/>
+              </a:rPr>
+              <a:t>code smells, unused imports, and inefficiencies</a:t>
+            </a:r>
+            <a:r>
+              <a:rPr lang="en-US" sz="2400" dirty="0">
+                <a:latin typeface="Calibri" panose="020F0502020204030204" pitchFamily="34" charset="0"/>
+                <a:ea typeface="Calibri" panose="020F0502020204030204" pitchFamily="34" charset="0"/>
+                <a:cs typeface="Calibri" panose="020F0502020204030204" pitchFamily="34" charset="0"/>
+              </a:rPr>
+              <a:t>.</a:t>
+            </a:r>
+            <a:endParaRPr lang="en-US" sz="2100" dirty="0">
               <a:latin typeface="Calibri" panose="020F0502020204030204" pitchFamily="34" charset="0"/>
               <a:ea typeface="Calibri" panose="020F0502020204030204" pitchFamily="34" charset="0"/>
               <a:cs typeface="Calibri" panose="020F0502020204030204" pitchFamily="34" charset="0"/>
             </a:endParaRPr>
           </a:p>
           <a:p>
-            <a:r>
-              <a:rPr lang="en-US" sz="1600" dirty="0">
-                <a:latin typeface="Calibri" panose="020F0502020204030204" pitchFamily="34" charset="0"/>
-                <a:ea typeface="Calibri" panose="020F0502020204030204" pitchFamily="34" charset="0"/>
-                <a:cs typeface="Calibri" panose="020F0502020204030204" pitchFamily="34" charset="0"/>
-              </a:rPr>
-              <a:t>  </a:t>
-            </a:r>
-            <a:r>
-              <a:rPr lang="en-US" sz="1600" dirty="0" err="1">
-                <a:latin typeface="Calibri" panose="020F0502020204030204" pitchFamily="34" charset="0"/>
-                <a:ea typeface="Calibri" panose="020F0502020204030204" pitchFamily="34" charset="0"/>
-                <a:cs typeface="Calibri" panose="020F0502020204030204" pitchFamily="34" charset="0"/>
-              </a:rPr>
-              <a:t>client_id</a:t>
-            </a:r>
-            <a:r>
-              <a:rPr lang="en-US" sz="1600" dirty="0">
-                <a:latin typeface="Calibri" panose="020F0502020204030204" pitchFamily="34" charset="0"/>
-                <a:ea typeface="Calibri" panose="020F0502020204030204" pitchFamily="34" charset="0"/>
-                <a:cs typeface="Calibri" panose="020F0502020204030204" pitchFamily="34" charset="0"/>
-              </a:rPr>
-              <a:t>: "react-client",                         		// Registered client ID</a:t>
-            </a:r>
-          </a:p>
-          <a:p>
-            <a:r>
-              <a:rPr lang="en-US" sz="1600" dirty="0">
-                <a:latin typeface="Calibri" panose="020F0502020204030204" pitchFamily="34" charset="0"/>
-                <a:ea typeface="Calibri" panose="020F0502020204030204" pitchFamily="34" charset="0"/>
-                <a:cs typeface="Calibri" panose="020F0502020204030204" pitchFamily="34" charset="0"/>
-              </a:rPr>
-              <a:t>  </a:t>
-            </a:r>
-            <a:r>
-              <a:rPr lang="en-US" sz="1600" dirty="0" err="1">
-                <a:latin typeface="Calibri" panose="020F0502020204030204" pitchFamily="34" charset="0"/>
-                <a:ea typeface="Calibri" panose="020F0502020204030204" pitchFamily="34" charset="0"/>
-                <a:cs typeface="Calibri" panose="020F0502020204030204" pitchFamily="34" charset="0"/>
-              </a:rPr>
-              <a:t>redirect_uri</a:t>
-            </a:r>
-            <a:r>
-              <a:rPr lang="en-US" sz="1600" dirty="0">
-                <a:latin typeface="Calibri" panose="020F0502020204030204" pitchFamily="34" charset="0"/>
-                <a:ea typeface="Calibri" panose="020F0502020204030204" pitchFamily="34" charset="0"/>
-                <a:cs typeface="Calibri" panose="020F0502020204030204" pitchFamily="34" charset="0"/>
-              </a:rPr>
-              <a:t>: "https://localhost:3000/callback",   	// SPA redirect URL</a:t>
-            </a:r>
-          </a:p>
-          <a:p>
-            <a:r>
-              <a:rPr lang="en-US" sz="1600" dirty="0">
-                <a:latin typeface="Calibri" panose="020F0502020204030204" pitchFamily="34" charset="0"/>
-                <a:ea typeface="Calibri" panose="020F0502020204030204" pitchFamily="34" charset="0"/>
-                <a:cs typeface="Calibri" panose="020F0502020204030204" pitchFamily="34" charset="0"/>
-              </a:rPr>
-              <a:t>  </a:t>
-            </a:r>
-            <a:r>
-              <a:rPr lang="en-US" sz="1600" dirty="0" err="1">
-                <a:latin typeface="Calibri" panose="020F0502020204030204" pitchFamily="34" charset="0"/>
-                <a:ea typeface="Calibri" panose="020F0502020204030204" pitchFamily="34" charset="0"/>
-                <a:cs typeface="Calibri" panose="020F0502020204030204" pitchFamily="34" charset="0"/>
-              </a:rPr>
-              <a:t>response_type</a:t>
-            </a:r>
-            <a:r>
-              <a:rPr lang="en-US" sz="1600" dirty="0">
-                <a:latin typeface="Calibri" panose="020F0502020204030204" pitchFamily="34" charset="0"/>
-                <a:ea typeface="Calibri" panose="020F0502020204030204" pitchFamily="34" charset="0"/>
-                <a:cs typeface="Calibri" panose="020F0502020204030204" pitchFamily="34" charset="0"/>
-              </a:rPr>
-              <a:t>: "code",                             		// Authorization Code Flow</a:t>
-            </a:r>
-          </a:p>
-          <a:p>
-            <a:r>
-              <a:rPr lang="en-US" sz="1600" dirty="0">
-                <a:latin typeface="Calibri" panose="020F0502020204030204" pitchFamily="34" charset="0"/>
-                <a:ea typeface="Calibri" panose="020F0502020204030204" pitchFamily="34" charset="0"/>
-                <a:cs typeface="Calibri" panose="020F0502020204030204" pitchFamily="34" charset="0"/>
-              </a:rPr>
-              <a:t>  scope: "</a:t>
-            </a:r>
-            <a:r>
-              <a:rPr lang="en-US" sz="1600" dirty="0" err="1">
-                <a:latin typeface="Calibri" panose="020F0502020204030204" pitchFamily="34" charset="0"/>
-                <a:ea typeface="Calibri" panose="020F0502020204030204" pitchFamily="34" charset="0"/>
-                <a:cs typeface="Calibri" panose="020F0502020204030204" pitchFamily="34" charset="0"/>
-              </a:rPr>
-              <a:t>openid</a:t>
-            </a:r>
-            <a:r>
-              <a:rPr lang="en-US" sz="1600" dirty="0">
-                <a:latin typeface="Calibri" panose="020F0502020204030204" pitchFamily="34" charset="0"/>
-                <a:ea typeface="Calibri" panose="020F0502020204030204" pitchFamily="34" charset="0"/>
-                <a:cs typeface="Calibri" panose="020F0502020204030204" pitchFamily="34" charset="0"/>
-              </a:rPr>
-              <a:t> profile api1",                      		// What API / identity info to access</a:t>
-            </a:r>
-          </a:p>
-          <a:p>
-            <a:r>
-              <a:rPr lang="en-US" sz="1600" dirty="0">
-                <a:latin typeface="Calibri" panose="020F0502020204030204" pitchFamily="34" charset="0"/>
-                <a:ea typeface="Calibri" panose="020F0502020204030204" pitchFamily="34" charset="0"/>
-                <a:cs typeface="Calibri" panose="020F0502020204030204" pitchFamily="34" charset="0"/>
-              </a:rPr>
-              <a:t>  </a:t>
-            </a:r>
-            <a:r>
-              <a:rPr lang="en-US" sz="1600" dirty="0" err="1">
-                <a:latin typeface="Calibri" panose="020F0502020204030204" pitchFamily="34" charset="0"/>
-                <a:ea typeface="Calibri" panose="020F0502020204030204" pitchFamily="34" charset="0"/>
-                <a:cs typeface="Calibri" panose="020F0502020204030204" pitchFamily="34" charset="0"/>
-              </a:rPr>
-              <a:t>code_challenge_method</a:t>
-            </a:r>
-            <a:r>
-              <a:rPr lang="en-US" sz="1600" dirty="0">
-                <a:latin typeface="Calibri" panose="020F0502020204030204" pitchFamily="34" charset="0"/>
-                <a:ea typeface="Calibri" panose="020F0502020204030204" pitchFamily="34" charset="0"/>
-                <a:cs typeface="Calibri" panose="020F0502020204030204" pitchFamily="34" charset="0"/>
-              </a:rPr>
-              <a:t>: "S256"                      	// Enables PKCE</a:t>
-            </a:r>
-          </a:p>
-          <a:p>
-            <a:r>
-              <a:rPr lang="en-US" sz="1600" dirty="0">
-                <a:latin typeface="Calibri" panose="020F0502020204030204" pitchFamily="34" charset="0"/>
-                <a:ea typeface="Calibri" panose="020F0502020204030204" pitchFamily="34" charset="0"/>
-                <a:cs typeface="Calibri" panose="020F0502020204030204" pitchFamily="34" charset="0"/>
-              </a:rPr>
-              <a:t>};</a:t>
-            </a:r>
-          </a:p>
-          <a:p>
-            <a:r>
-              <a:rPr lang="en-US" sz="1600" dirty="0">
-                <a:latin typeface="Calibri" panose="020F0502020204030204" pitchFamily="34" charset="0"/>
-                <a:ea typeface="Calibri" panose="020F0502020204030204" pitchFamily="34" charset="0"/>
-                <a:cs typeface="Calibri" panose="020F0502020204030204" pitchFamily="34" charset="0"/>
-              </a:rPr>
-              <a:t>// Create OIDC User Manager</a:t>
-            </a:r>
-          </a:p>
-          <a:p>
-            <a:r>
-              <a:rPr lang="en-US" sz="1600" dirty="0">
-                <a:latin typeface="Calibri" panose="020F0502020204030204" pitchFamily="34" charset="0"/>
-                <a:ea typeface="Calibri" panose="020F0502020204030204" pitchFamily="34" charset="0"/>
-                <a:cs typeface="Calibri" panose="020F0502020204030204" pitchFamily="34" charset="0"/>
-              </a:rPr>
-              <a:t>export const </a:t>
-            </a:r>
-            <a:r>
-              <a:rPr lang="en-US" sz="1600" dirty="0" err="1">
-                <a:latin typeface="Calibri" panose="020F0502020204030204" pitchFamily="34" charset="0"/>
-                <a:ea typeface="Calibri" panose="020F0502020204030204" pitchFamily="34" charset="0"/>
-                <a:cs typeface="Calibri" panose="020F0502020204030204" pitchFamily="34" charset="0"/>
-              </a:rPr>
-              <a:t>userManager</a:t>
-            </a:r>
-            <a:r>
-              <a:rPr lang="en-US" sz="1600" dirty="0">
-                <a:latin typeface="Calibri" panose="020F0502020204030204" pitchFamily="34" charset="0"/>
-                <a:ea typeface="Calibri" panose="020F0502020204030204" pitchFamily="34" charset="0"/>
-                <a:cs typeface="Calibri" panose="020F0502020204030204" pitchFamily="34" charset="0"/>
-              </a:rPr>
-              <a:t> = new </a:t>
-            </a:r>
-            <a:r>
-              <a:rPr lang="en-US" sz="1600" dirty="0" err="1">
-                <a:latin typeface="Calibri" panose="020F0502020204030204" pitchFamily="34" charset="0"/>
-                <a:ea typeface="Calibri" panose="020F0502020204030204" pitchFamily="34" charset="0"/>
-                <a:cs typeface="Calibri" panose="020F0502020204030204" pitchFamily="34" charset="0"/>
-              </a:rPr>
-              <a:t>UserManager</a:t>
-            </a:r>
-            <a:r>
-              <a:rPr lang="en-US" sz="1600" dirty="0">
-                <a:latin typeface="Calibri" panose="020F0502020204030204" pitchFamily="34" charset="0"/>
-                <a:ea typeface="Calibri" panose="020F0502020204030204" pitchFamily="34" charset="0"/>
-                <a:cs typeface="Calibri" panose="020F0502020204030204" pitchFamily="34" charset="0"/>
-              </a:rPr>
-              <a:t>(settings);</a:t>
-            </a:r>
-          </a:p>
-          <a:p>
-            <a:r>
-              <a:rPr lang="en-US" sz="1600" dirty="0">
-                <a:latin typeface="Calibri" panose="020F0502020204030204" pitchFamily="34" charset="0"/>
-                <a:ea typeface="Calibri" panose="020F0502020204030204" pitchFamily="34" charset="0"/>
-                <a:cs typeface="Calibri" panose="020F0502020204030204" pitchFamily="34" charset="0"/>
-              </a:rPr>
-              <a:t>export const login = () =&gt; </a:t>
-            </a:r>
-            <a:r>
-              <a:rPr lang="en-US" sz="1600" dirty="0" err="1">
-                <a:latin typeface="Calibri" panose="020F0502020204030204" pitchFamily="34" charset="0"/>
-                <a:ea typeface="Calibri" panose="020F0502020204030204" pitchFamily="34" charset="0"/>
-                <a:cs typeface="Calibri" panose="020F0502020204030204" pitchFamily="34" charset="0"/>
-              </a:rPr>
-              <a:t>userManager.signinRedirect</a:t>
-            </a:r>
-            <a:r>
-              <a:rPr lang="en-US" sz="1600" dirty="0">
-                <a:latin typeface="Calibri" panose="020F0502020204030204" pitchFamily="34" charset="0"/>
-                <a:ea typeface="Calibri" panose="020F0502020204030204" pitchFamily="34" charset="0"/>
-                <a:cs typeface="Calibri" panose="020F0502020204030204" pitchFamily="34" charset="0"/>
-              </a:rPr>
-              <a:t>();    // Start login redirect</a:t>
-            </a:r>
-          </a:p>
-          <a:p>
-            <a:r>
-              <a:rPr lang="en-US" sz="1600" dirty="0">
-                <a:latin typeface="Calibri" panose="020F0502020204030204" pitchFamily="34" charset="0"/>
-                <a:ea typeface="Calibri" panose="020F0502020204030204" pitchFamily="34" charset="0"/>
-                <a:cs typeface="Calibri" panose="020F0502020204030204" pitchFamily="34" charset="0"/>
-              </a:rPr>
-              <a:t>export const logout = () =&gt; </a:t>
-            </a:r>
-            <a:r>
-              <a:rPr lang="en-US" sz="1600" dirty="0" err="1">
-                <a:latin typeface="Calibri" panose="020F0502020204030204" pitchFamily="34" charset="0"/>
-                <a:ea typeface="Calibri" panose="020F0502020204030204" pitchFamily="34" charset="0"/>
-                <a:cs typeface="Calibri" panose="020F0502020204030204" pitchFamily="34" charset="0"/>
-              </a:rPr>
-              <a:t>userManager.signoutRedirect</a:t>
-            </a:r>
-            <a:r>
-              <a:rPr lang="en-US" sz="1600" dirty="0">
-                <a:latin typeface="Calibri" panose="020F0502020204030204" pitchFamily="34" charset="0"/>
-                <a:ea typeface="Calibri" panose="020F0502020204030204" pitchFamily="34" charset="0"/>
-                <a:cs typeface="Calibri" panose="020F0502020204030204" pitchFamily="34" charset="0"/>
-              </a:rPr>
-              <a:t>();  // Logout flow</a:t>
-            </a:r>
-          </a:p>
-          <a:p>
-            <a:r>
-              <a:rPr lang="en-US" sz="1600" dirty="0">
-                <a:latin typeface="Calibri" panose="020F0502020204030204" pitchFamily="34" charset="0"/>
-                <a:ea typeface="Calibri" panose="020F0502020204030204" pitchFamily="34" charset="0"/>
-                <a:cs typeface="Calibri" panose="020F0502020204030204" pitchFamily="34" charset="0"/>
-              </a:rPr>
-              <a:t>export const </a:t>
-            </a:r>
-            <a:r>
-              <a:rPr lang="en-US" sz="1600" dirty="0" err="1">
-                <a:latin typeface="Calibri" panose="020F0502020204030204" pitchFamily="34" charset="0"/>
-                <a:ea typeface="Calibri" panose="020F0502020204030204" pitchFamily="34" charset="0"/>
-                <a:cs typeface="Calibri" panose="020F0502020204030204" pitchFamily="34" charset="0"/>
-              </a:rPr>
-              <a:t>getUser</a:t>
-            </a:r>
-            <a:r>
-              <a:rPr lang="en-US" sz="1600" dirty="0">
-                <a:latin typeface="Calibri" panose="020F0502020204030204" pitchFamily="34" charset="0"/>
-                <a:ea typeface="Calibri" panose="020F0502020204030204" pitchFamily="34" charset="0"/>
-                <a:cs typeface="Calibri" panose="020F0502020204030204" pitchFamily="34" charset="0"/>
-              </a:rPr>
-              <a:t> = () =&gt; </a:t>
-            </a:r>
-            <a:r>
-              <a:rPr lang="en-US" sz="1600" dirty="0" err="1">
-                <a:latin typeface="Calibri" panose="020F0502020204030204" pitchFamily="34" charset="0"/>
-                <a:ea typeface="Calibri" panose="020F0502020204030204" pitchFamily="34" charset="0"/>
-                <a:cs typeface="Calibri" panose="020F0502020204030204" pitchFamily="34" charset="0"/>
-              </a:rPr>
-              <a:t>userManager.getUser</a:t>
-            </a:r>
-            <a:r>
-              <a:rPr lang="en-US" sz="1600" dirty="0">
-                <a:latin typeface="Calibri" panose="020F0502020204030204" pitchFamily="34" charset="0"/>
-                <a:ea typeface="Calibri" panose="020F0502020204030204" pitchFamily="34" charset="0"/>
-                <a:cs typeface="Calibri" panose="020F0502020204030204" pitchFamily="34" charset="0"/>
-              </a:rPr>
-              <a:t>();         // Retrieve stored token</a:t>
-            </a:r>
+            <a:pPr marL="285750" indent="-285750">
+              <a:buFont typeface="Wingdings" panose="05000000000000000000" pitchFamily="2" charset="2"/>
+              <a:buChar char="Ø"/>
+            </a:pPr>
+            <a:r>
+              <a:rPr lang="en-US" sz="2100" dirty="0">
+                <a:latin typeface="Calibri" panose="020F0502020204030204" pitchFamily="34" charset="0"/>
+                <a:ea typeface="Calibri" panose="020F0502020204030204" pitchFamily="34" charset="0"/>
+                <a:cs typeface="Calibri" panose="020F0502020204030204" pitchFamily="34" charset="0"/>
+              </a:rPr>
+              <a:t>Centralized telemetry (Sentry / Application Insights) for errors &amp; traces</a:t>
+            </a:r>
+          </a:p>
+          <a:p>
+            <a:pPr marL="285750" indent="-285750">
+              <a:buFont typeface="Wingdings" panose="05000000000000000000" pitchFamily="2" charset="2"/>
+              <a:buChar char="Ø"/>
+            </a:pPr>
+            <a:r>
+              <a:rPr lang="en-US" sz="2100" dirty="0">
+                <a:latin typeface="Calibri" panose="020F0502020204030204" pitchFamily="34" charset="0"/>
+                <a:ea typeface="Calibri" panose="020F0502020204030204" pitchFamily="34" charset="0"/>
+                <a:cs typeface="Calibri" panose="020F0502020204030204" pitchFamily="34" charset="0"/>
+              </a:rPr>
+              <a:t>Pendo Analytics integration to track React pages/components that users visit the most.</a:t>
+            </a:r>
+          </a:p>
+          <a:p>
+            <a:pPr marL="285750" indent="-285750">
+              <a:buFont typeface="Wingdings" panose="05000000000000000000" pitchFamily="2" charset="2"/>
+              <a:buChar char="Ø"/>
+            </a:pPr>
+            <a:r>
+              <a:rPr lang="en-US" sz="2100" dirty="0">
+                <a:latin typeface="Calibri" panose="020F0502020204030204" pitchFamily="34" charset="0"/>
+                <a:ea typeface="Calibri" panose="020F0502020204030204" pitchFamily="34" charset="0"/>
+                <a:cs typeface="Calibri" panose="020F0502020204030204" pitchFamily="34" charset="0"/>
+              </a:rPr>
+              <a:t>Enforce linting, unit tests, and coverage in CI before merge</a:t>
+            </a:r>
+          </a:p>
+          <a:p>
+            <a:pPr marL="285750" indent="-285750">
+              <a:buFont typeface="Wingdings" panose="05000000000000000000" pitchFamily="2" charset="2"/>
+              <a:buChar char="Ø"/>
+            </a:pPr>
+            <a:r>
+              <a:rPr lang="en-US" sz="2100" dirty="0">
+                <a:latin typeface="Calibri" panose="020F0502020204030204" pitchFamily="34" charset="0"/>
+                <a:ea typeface="Calibri" panose="020F0502020204030204" pitchFamily="34" charset="0"/>
+                <a:cs typeface="Calibri" panose="020F0502020204030204" pitchFamily="34" charset="0"/>
+              </a:rPr>
+              <a:t>Harden headers: CSP, HSTS, X-Content-Type-Options</a:t>
+            </a:r>
+          </a:p>
+          <a:p>
+            <a:pPr marL="285750" indent="-285750">
+              <a:buFont typeface="Wingdings" panose="05000000000000000000" pitchFamily="2" charset="2"/>
+              <a:buChar char="Ø"/>
+            </a:pPr>
+            <a:endParaRPr lang="en-US" sz="2100" dirty="0">
+              <a:latin typeface="Calibri" panose="020F0502020204030204" pitchFamily="34" charset="0"/>
+              <a:ea typeface="Calibri" panose="020F0502020204030204" pitchFamily="34" charset="0"/>
+              <a:cs typeface="Calibri" panose="020F0502020204030204" pitchFamily="34" charset="0"/>
+            </a:endParaRPr>
           </a:p>
         </p:txBody>
       </p:sp>
@@ -12967,15 +13232,6 @@
 </file>
 
 <file path=customXml/item2.xml><?xml version="1.0" encoding="utf-8"?>
-<?mso-contentType ?>
-<FormTemplates xmlns="http://schemas.microsoft.com/sharepoint/v3/contenttype/forms">
-  <Display>DocumentLibraryForm</Display>
-  <Edit>DocumentLibraryForm</Edit>
-  <New>DocumentLibraryForm</New>
-</FormTemplates>
-</file>
-
-<file path=customXml/item3.xml><?xml version="1.0" encoding="utf-8"?>
 <ct:contentTypeSchema xmlns:ct="http://schemas.microsoft.com/office/2006/metadata/contentType" xmlns:ma="http://schemas.microsoft.com/office/2006/metadata/properties/metaAttributes" ct:_="" ma:_="" ma:contentTypeName="Document" ma:contentTypeID="0x01010079F111ED35F8CC479449609E8A0923A6" ma:contentTypeVersion="28" ma:contentTypeDescription="Create a new document." ma:contentTypeScope="" ma:versionID="60f5a4f2d2b0abadcf532d48ebf9cb71">
   <xsd:schema xmlns:xsd="http://www.w3.org/2001/XMLSchema" xmlns:xs="http://www.w3.org/2001/XMLSchema" xmlns:p="http://schemas.microsoft.com/office/2006/metadata/properties" xmlns:ns1="http://schemas.microsoft.com/sharepoint/v3" xmlns:ns2="71af3243-3dd4-4a8d-8c0d-dd76da1f02a5" xmlns:ns3="16c05727-aa75-4e4a-9b5f-8a80a1165891" xmlns:ns4="230e9df3-be65-4c73-a93b-d1236ebd677e" targetNamespace="http://schemas.microsoft.com/office/2006/metadata/properties" ma:root="true" ma:fieldsID="7dd78129e6a1811f84807ad11c651531" ns1:_="" ns2:_="" ns3:_="" ns4:_="">
     <xsd:import namespace="http://schemas.microsoft.com/sharepoint/v3"/>
@@ -13287,6 +13543,15 @@
 </ct:contentTypeSchema>
 </file>
 
+<file path=customXml/item3.xml><?xml version="1.0" encoding="utf-8"?>
+<?mso-contentType ?>
+<FormTemplates xmlns="http://schemas.microsoft.com/sharepoint/v3/contenttype/forms">
+  <Display>DocumentLibraryForm</Display>
+  <Edit>DocumentLibraryForm</Edit>
+  <New>DocumentLibraryForm</New>
+</FormTemplates>
+</file>
+
 <file path=customXml/itemProps1.xml><?xml version="1.0" encoding="utf-8"?>
 <ds:datastoreItem xmlns:ds="http://schemas.openxmlformats.org/officeDocument/2006/customXml" ds:itemID="{3FDB7358-0BCB-4DEB-B717-C1D7CC555F05}">
   <ds:schemaRefs>
@@ -13300,14 +13565,6 @@
 </file>
 
 <file path=customXml/itemProps2.xml><?xml version="1.0" encoding="utf-8"?>
-<ds:datastoreItem xmlns:ds="http://schemas.openxmlformats.org/officeDocument/2006/customXml" ds:itemID="{6DE3707C-8CAB-4302-B7E1-D32E1543E05C}">
-  <ds:schemaRefs>
-    <ds:schemaRef ds:uri="http://schemas.microsoft.com/sharepoint/v3/contenttype/forms"/>
-  </ds:schemaRefs>
-</ds:datastoreItem>
-</file>
-
-<file path=customXml/itemProps3.xml><?xml version="1.0" encoding="utf-8"?>
 <ds:datastoreItem xmlns:ds="http://schemas.openxmlformats.org/officeDocument/2006/customXml" ds:itemID="{B69E9DE5-EFFE-4262-A023-32732F0B666C}">
   <ds:schemaRefs>
     <ds:schemaRef ds:uri="http://schemas.microsoft.com/office/2006/metadata/contentType"/>
@@ -13328,6 +13585,14 @@
 </ds:datastoreItem>
 </file>
 
+<file path=customXml/itemProps3.xml><?xml version="1.0" encoding="utf-8"?>
+<ds:datastoreItem xmlns:ds="http://schemas.openxmlformats.org/officeDocument/2006/customXml" ds:itemID="{6DE3707C-8CAB-4302-B7E1-D32E1543E05C}">
+  <ds:schemaRefs>
+    <ds:schemaRef ds:uri="http://schemas.microsoft.com/sharepoint/v3/contenttype/forms"/>
+  </ds:schemaRefs>
+</ds:datastoreItem>
+</file>
+
 <file path=docMetadata/LabelInfo.xml><?xml version="1.0" encoding="utf-8"?>
 <clbl:labelList xmlns:clbl="http://schemas.microsoft.com/office/2020/mipLabelMetadata"/>
 </file>
--- a/SEL Presentation.pptx
+++ b/SEL Presentation.pptx
@@ -5,10 +5,10 @@
     <p:sldMasterId id="2147483648" r:id="rId4"/>
   </p:sldMasterIdLst>
   <p:notesMasterIdLst>
-    <p:notesMasterId r:id="rId18"/>
+    <p:notesMasterId r:id="rId16"/>
   </p:notesMasterIdLst>
   <p:handoutMasterIdLst>
-    <p:handoutMasterId r:id="rId19"/>
+    <p:handoutMasterId r:id="rId17"/>
   </p:handoutMasterIdLst>
   <p:sldIdLst>
     <p:sldId id="322" r:id="rId5"/>
@@ -20,10 +20,8 @@
     <p:sldId id="319" r:id="rId11"/>
     <p:sldId id="313" r:id="rId12"/>
     <p:sldId id="318" r:id="rId13"/>
-    <p:sldId id="325" r:id="rId14"/>
-    <p:sldId id="314" r:id="rId15"/>
-    <p:sldId id="324" r:id="rId16"/>
-    <p:sldId id="310" r:id="rId17"/>
+    <p:sldId id="324" r:id="rId14"/>
+    <p:sldId id="310" r:id="rId15"/>
   </p:sldIdLst>
   <p:sldSz cx="12192000" cy="6858000"/>
   <p:notesSz cx="6858000" cy="9144000"/>
@@ -142,9 +140,198 @@
 <file path=ppt/revisionInfo.xml><?xml version="1.0" encoding="utf-8"?>
 <p1510:revInfo xmlns:a="http://schemas.openxmlformats.org/drawingml/2006/main" xmlns:r="http://schemas.openxmlformats.org/officeDocument/2006/relationships" xmlns:p1510="http://schemas.microsoft.com/office/powerpoint/2015/10/main">
   <p1510:revLst>
-    <p1510:client id="{3606B828-76BF-43EA-8236-0EAC7847D383}" v="96" dt="2025-11-11T07:01:43.949"/>
+    <p1510:client id="{36EA6AB6-E2DB-443D-9D71-D8465C7365A7}" v="6" dt="2025-11-13T06:44:23.158"/>
   </p1510:revLst>
 </p1510:revInfo>
+</file>
+
+<file path=ppt/changesInfos/changesInfo1.xml><?xml version="1.0" encoding="utf-8"?>
+<pc:chgInfo xmlns:a="http://schemas.openxmlformats.org/drawingml/2006/main" xmlns:r="http://schemas.openxmlformats.org/officeDocument/2006/relationships" xmlns:ac="http://schemas.microsoft.com/office/drawing/2013/main/command" xmlns:pc="http://schemas.microsoft.com/office/powerpoint/2013/main/command">
+  <pc:docChgLst>
+    <pc:chgData name="Swathi Chittani" userId="f6387012ae5f990c" providerId="LiveId" clId="{F64BA8FB-421E-4DA2-A597-72A16AB83D95}"/>
+    <pc:docChg chg="undo custSel delSld modSld">
+      <pc:chgData name="Swathi Chittani" userId="f6387012ae5f990c" providerId="LiveId" clId="{F64BA8FB-421E-4DA2-A597-72A16AB83D95}" dt="2025-11-13T06:53:29.937" v="466" actId="207"/>
+      <pc:docMkLst>
+        <pc:docMk/>
+      </pc:docMkLst>
+      <pc:sldChg chg="modSp mod">
+        <pc:chgData name="Swathi Chittani" userId="f6387012ae5f990c" providerId="LiveId" clId="{F64BA8FB-421E-4DA2-A597-72A16AB83D95}" dt="2025-11-13T06:40:39.530" v="152" actId="20577"/>
+        <pc:sldMkLst>
+          <pc:docMk/>
+          <pc:sldMk cId="2224546682" sldId="313"/>
+        </pc:sldMkLst>
+        <pc:spChg chg="mod">
+          <ac:chgData name="Swathi Chittani" userId="f6387012ae5f990c" providerId="LiveId" clId="{F64BA8FB-421E-4DA2-A597-72A16AB83D95}" dt="2025-11-13T06:40:39.530" v="152" actId="20577"/>
+          <ac:spMkLst>
+            <pc:docMk/>
+            <pc:sldMk cId="2224546682" sldId="313"/>
+            <ac:spMk id="2" creationId="{6059FD0C-3CC0-6307-C5F3-CCBE0B14A19F}"/>
+          </ac:spMkLst>
+        </pc:spChg>
+      </pc:sldChg>
+      <pc:sldChg chg="del">
+        <pc:chgData name="Swathi Chittani" userId="f6387012ae5f990c" providerId="LiveId" clId="{F64BA8FB-421E-4DA2-A597-72A16AB83D95}" dt="2025-11-13T06:35:33.437" v="5" actId="2696"/>
+        <pc:sldMkLst>
+          <pc:docMk/>
+          <pc:sldMk cId="82250651" sldId="314"/>
+        </pc:sldMkLst>
+      </pc:sldChg>
+      <pc:sldChg chg="modSp mod">
+        <pc:chgData name="Swathi Chittani" userId="f6387012ae5f990c" providerId="LiveId" clId="{F64BA8FB-421E-4DA2-A597-72A16AB83D95}" dt="2025-11-13T06:53:21.353" v="465" actId="207"/>
+        <pc:sldMkLst>
+          <pc:docMk/>
+          <pc:sldMk cId="554382460" sldId="316"/>
+        </pc:sldMkLst>
+        <pc:spChg chg="mod">
+          <ac:chgData name="Swathi Chittani" userId="f6387012ae5f990c" providerId="LiveId" clId="{F64BA8FB-421E-4DA2-A597-72A16AB83D95}" dt="2025-11-13T06:53:21.353" v="465" actId="207"/>
+          <ac:spMkLst>
+            <pc:docMk/>
+            <pc:sldMk cId="554382460" sldId="316"/>
+            <ac:spMk id="3" creationId="{986F71E8-8D71-9405-3A01-01C3B8F86877}"/>
+          </ac:spMkLst>
+        </pc:spChg>
+        <pc:spChg chg="mod">
+          <ac:chgData name="Swathi Chittani" userId="f6387012ae5f990c" providerId="LiveId" clId="{F64BA8FB-421E-4DA2-A597-72A16AB83D95}" dt="2025-11-13T06:49:57.858" v="446" actId="14100"/>
+          <ac:spMkLst>
+            <pc:docMk/>
+            <pc:sldMk cId="554382460" sldId="316"/>
+            <ac:spMk id="4" creationId="{392C90C5-5198-C255-02F9-1608AA49E088}"/>
+          </ac:spMkLst>
+        </pc:spChg>
+      </pc:sldChg>
+      <pc:sldChg chg="modSp mod">
+        <pc:chgData name="Swathi Chittani" userId="f6387012ae5f990c" providerId="LiveId" clId="{F64BA8FB-421E-4DA2-A597-72A16AB83D95}" dt="2025-11-13T06:52:42.578" v="463" actId="255"/>
+        <pc:sldMkLst>
+          <pc:docMk/>
+          <pc:sldMk cId="2906152353" sldId="318"/>
+        </pc:sldMkLst>
+        <pc:spChg chg="mod">
+          <ac:chgData name="Swathi Chittani" userId="f6387012ae5f990c" providerId="LiveId" clId="{F64BA8FB-421E-4DA2-A597-72A16AB83D95}" dt="2025-11-13T06:52:42.578" v="463" actId="255"/>
+          <ac:spMkLst>
+            <pc:docMk/>
+            <pc:sldMk cId="2906152353" sldId="318"/>
+            <ac:spMk id="2" creationId="{CFDEBC60-AA38-5DEF-3160-0CAA68F3D28C}"/>
+          </ac:spMkLst>
+        </pc:spChg>
+        <pc:spChg chg="mod">
+          <ac:chgData name="Swathi Chittani" userId="f6387012ae5f990c" providerId="LiveId" clId="{F64BA8FB-421E-4DA2-A597-72A16AB83D95}" dt="2025-11-13T06:52:33.095" v="462" actId="255"/>
+          <ac:spMkLst>
+            <pc:docMk/>
+            <pc:sldMk cId="2906152353" sldId="318"/>
+            <ac:spMk id="10" creationId="{C1809A1F-7F52-8BBA-F848-96A971E4A73A}"/>
+          </ac:spMkLst>
+        </pc:spChg>
+        <pc:spChg chg="mod">
+          <ac:chgData name="Swathi Chittani" userId="f6387012ae5f990c" providerId="LiveId" clId="{F64BA8FB-421E-4DA2-A597-72A16AB83D95}" dt="2025-11-13T06:51:19.175" v="453" actId="1076"/>
+          <ac:spMkLst>
+            <pc:docMk/>
+            <pc:sldMk cId="2906152353" sldId="318"/>
+            <ac:spMk id="11" creationId="{8EEE22EB-ACE4-161F-E602-66245CD5469B}"/>
+          </ac:spMkLst>
+        </pc:spChg>
+        <pc:spChg chg="mod">
+          <ac:chgData name="Swathi Chittani" userId="f6387012ae5f990c" providerId="LiveId" clId="{F64BA8FB-421E-4DA2-A597-72A16AB83D95}" dt="2025-11-13T06:52:03.549" v="460" actId="1076"/>
+          <ac:spMkLst>
+            <pc:docMk/>
+            <pc:sldMk cId="2906152353" sldId="318"/>
+            <ac:spMk id="15" creationId="{C5E0EDA2-818B-884C-B485-CD820FE7B742}"/>
+          </ac:spMkLst>
+        </pc:spChg>
+      </pc:sldChg>
+      <pc:sldChg chg="modSp mod">
+        <pc:chgData name="Swathi Chittani" userId="f6387012ae5f990c" providerId="LiveId" clId="{F64BA8FB-421E-4DA2-A597-72A16AB83D95}" dt="2025-11-13T06:39:48.545" v="125" actId="20577"/>
+        <pc:sldMkLst>
+          <pc:docMk/>
+          <pc:sldMk cId="3421680658" sldId="319"/>
+        </pc:sldMkLst>
+        <pc:spChg chg="mod">
+          <ac:chgData name="Swathi Chittani" userId="f6387012ae5f990c" providerId="LiveId" clId="{F64BA8FB-421E-4DA2-A597-72A16AB83D95}" dt="2025-11-13T06:39:48.545" v="125" actId="20577"/>
+          <ac:spMkLst>
+            <pc:docMk/>
+            <pc:sldMk cId="3421680658" sldId="319"/>
+            <ac:spMk id="8" creationId="{DD542008-8017-76E5-ABC0-32401068875D}"/>
+          </ac:spMkLst>
+        </pc:spChg>
+      </pc:sldChg>
+      <pc:sldChg chg="modSp mod">
+        <pc:chgData name="Swathi Chittani" userId="f6387012ae5f990c" providerId="LiveId" clId="{F64BA8FB-421E-4DA2-A597-72A16AB83D95}" dt="2025-11-13T06:53:29.937" v="466" actId="207"/>
+        <pc:sldMkLst>
+          <pc:docMk/>
+          <pc:sldMk cId="3752118431" sldId="320"/>
+        </pc:sldMkLst>
+        <pc:spChg chg="mod">
+          <ac:chgData name="Swathi Chittani" userId="f6387012ae5f990c" providerId="LiveId" clId="{F64BA8FB-421E-4DA2-A597-72A16AB83D95}" dt="2025-11-13T06:53:29.937" v="466" actId="207"/>
+          <ac:spMkLst>
+            <pc:docMk/>
+            <pc:sldMk cId="3752118431" sldId="320"/>
+            <ac:spMk id="3" creationId="{89D0E47E-D228-15EB-5886-33E9AA181D03}"/>
+          </ac:spMkLst>
+        </pc:spChg>
+      </pc:sldChg>
+      <pc:sldChg chg="modSp mod">
+        <pc:chgData name="Swathi Chittani" userId="f6387012ae5f990c" providerId="LiveId" clId="{F64BA8FB-421E-4DA2-A597-72A16AB83D95}" dt="2025-11-13T06:53:14.176" v="464" actId="207"/>
+        <pc:sldMkLst>
+          <pc:docMk/>
+          <pc:sldMk cId="1607455252" sldId="321"/>
+        </pc:sldMkLst>
+        <pc:spChg chg="mod">
+          <ac:chgData name="Swathi Chittani" userId="f6387012ae5f990c" providerId="LiveId" clId="{F64BA8FB-421E-4DA2-A597-72A16AB83D95}" dt="2025-11-13T06:53:14.176" v="464" actId="207"/>
+          <ac:spMkLst>
+            <pc:docMk/>
+            <pc:sldMk cId="1607455252" sldId="321"/>
+            <ac:spMk id="2" creationId="{2CD97761-0B88-A5E8-0B78-C39173D05F4D}"/>
+          </ac:spMkLst>
+        </pc:spChg>
+        <pc:spChg chg="mod">
+          <ac:chgData name="Swathi Chittani" userId="f6387012ae5f990c" providerId="LiveId" clId="{F64BA8FB-421E-4DA2-A597-72A16AB83D95}" dt="2025-11-13T06:48:36.953" v="436" actId="2710"/>
+          <ac:spMkLst>
+            <pc:docMk/>
+            <pc:sldMk cId="1607455252" sldId="321"/>
+            <ac:spMk id="3" creationId="{02BA04E6-CD61-B962-4287-DEC1993C32D6}"/>
+          </ac:spMkLst>
+        </pc:spChg>
+        <pc:picChg chg="mod">
+          <ac:chgData name="Swathi Chittani" userId="f6387012ae5f990c" providerId="LiveId" clId="{F64BA8FB-421E-4DA2-A597-72A16AB83D95}" dt="2025-11-13T06:48:52.640" v="439" actId="1076"/>
+          <ac:picMkLst>
+            <pc:docMk/>
+            <pc:sldMk cId="1607455252" sldId="321"/>
+            <ac:picMk id="5" creationId="{94747886-F039-4AE3-C405-DA6F769DCB1D}"/>
+          </ac:picMkLst>
+        </pc:picChg>
+        <pc:picChg chg="mod">
+          <ac:chgData name="Swathi Chittani" userId="f6387012ae5f990c" providerId="LiveId" clId="{F64BA8FB-421E-4DA2-A597-72A16AB83D95}" dt="2025-11-13T06:48:46.585" v="438" actId="1076"/>
+          <ac:picMkLst>
+            <pc:docMk/>
+            <pc:sldMk cId="1607455252" sldId="321"/>
+            <ac:picMk id="10" creationId="{C1688C69-C8AE-CEE6-CC89-20ABEFB1A30A}"/>
+          </ac:picMkLst>
+        </pc:picChg>
+      </pc:sldChg>
+      <pc:sldChg chg="modSp mod">
+        <pc:chgData name="Swathi Chittani" userId="f6387012ae5f990c" providerId="LiveId" clId="{F64BA8FB-421E-4DA2-A597-72A16AB83D95}" dt="2025-11-13T06:44:23.158" v="184" actId="1076"/>
+        <pc:sldMkLst>
+          <pc:docMk/>
+          <pc:sldMk cId="3439832814" sldId="324"/>
+        </pc:sldMkLst>
+        <pc:spChg chg="mod">
+          <ac:chgData name="Swathi Chittani" userId="f6387012ae5f990c" providerId="LiveId" clId="{F64BA8FB-421E-4DA2-A597-72A16AB83D95}" dt="2025-11-13T06:44:23.158" v="184" actId="1076"/>
+          <ac:spMkLst>
+            <pc:docMk/>
+            <pc:sldMk cId="3439832814" sldId="324"/>
+            <ac:spMk id="4" creationId="{FF0C252D-BED6-E783-25EC-F68722804521}"/>
+          </ac:spMkLst>
+        </pc:spChg>
+      </pc:sldChg>
+      <pc:sldChg chg="del">
+        <pc:chgData name="Swathi Chittani" userId="f6387012ae5f990c" providerId="LiveId" clId="{F64BA8FB-421E-4DA2-A597-72A16AB83D95}" dt="2025-11-13T06:35:29.709" v="4" actId="2696"/>
+        <pc:sldMkLst>
+          <pc:docMk/>
+          <pc:sldMk cId="1043321150" sldId="325"/>
+        </pc:sldMkLst>
+      </pc:sldChg>
+    </pc:docChg>
+  </pc:docChgLst>
+</pc:chgInfo>
 </file>
 
 <file path=ppt/handoutMasters/handoutMaster1.xml><?xml version="1.0" encoding="utf-8"?>
@@ -241,7 +428,7 @@
           <a:p>
             <a:fld id="{4BE6205E-B305-4B90-9534-3C5E99A0275E}" type="datetimeFigureOut">
               <a:rPr lang="en-US" smtClean="0"/>
-              <a:t>11/12/2025</a:t>
+              <a:t>11/13/2025</a:t>
             </a:fld>
             <a:endParaRPr lang="en-US" dirty="0"/>
           </a:p>
@@ -418,7 +605,7 @@
           <a:p>
             <a:fld id="{233722F1-E430-42A1-A473-1759336AECCE}" type="datetimeFigureOut">
               <a:rPr lang="en-US" smtClean="0"/>
-              <a:t>11/12/2025</a:t>
+              <a:t>11/13/2025</a:t>
             </a:fld>
             <a:endParaRPr lang="en-US" dirty="0"/>
           </a:p>
@@ -858,7 +1045,7 @@
           <a:p>
             <a:fld id="{C37D7554-D10C-4E29-B8E6-BB7111FA614F}" type="slidenum">
               <a:rPr lang="en-US" smtClean="0"/>
-              <a:t>12</a:t>
+              <a:t>10</a:t>
             </a:fld>
             <a:endParaRPr lang="en-US" dirty="0"/>
           </a:p>
@@ -6413,1247 +6600,6 @@
         <p:cNvPr id="1" name="">
           <a:extLst>
             <a:ext uri="{FF2B5EF4-FFF2-40B4-BE49-F238E27FC236}">
-              <a16:creationId xmlns:a16="http://schemas.microsoft.com/office/drawing/2014/main" id="{B525CDDC-D73E-4700-52DA-B2F00D215131}"/>
-            </a:ext>
-          </a:extLst>
-        </p:cNvPr>
-        <p:cNvGrpSpPr/>
-        <p:nvPr/>
-      </p:nvGrpSpPr>
-      <p:grpSpPr>
-        <a:xfrm>
-          <a:off x="0" y="0"/>
-          <a:ext cx="0" cy="0"/>
-          <a:chOff x="0" y="0"/>
-          <a:chExt cx="0" cy="0"/>
-        </a:xfrm>
-      </p:grpSpPr>
-      <p:sp>
-        <p:nvSpPr>
-          <p:cNvPr id="2" name="Slide Number Placeholder 1">
-            <a:extLst>
-              <a:ext uri="{FF2B5EF4-FFF2-40B4-BE49-F238E27FC236}">
-                <a16:creationId xmlns:a16="http://schemas.microsoft.com/office/drawing/2014/main" id="{E62F0F2E-5966-5B2C-7D7A-DA218DABF28A}"/>
-              </a:ext>
-            </a:extLst>
-          </p:cNvPr>
-          <p:cNvSpPr>
-            <a:spLocks noGrp="1"/>
-          </p:cNvSpPr>
-          <p:nvPr>
-            <p:ph type="sldNum" sz="quarter" idx="15"/>
-          </p:nvPr>
-        </p:nvSpPr>
-        <p:spPr/>
-        <p:txBody>
-          <a:bodyPr/>
-          <a:lstStyle/>
-          <a:p>
-            <a:fld id="{18D65601-5AE2-46FC-B138-694DDD2B510D}" type="slidenum">
-              <a:rPr lang="en-US" smtClean="0"/>
-              <a:pPr/>
-              <a:t>10</a:t>
-            </a:fld>
-            <a:endParaRPr lang="en-US" dirty="0"/>
-          </a:p>
-        </p:txBody>
-      </p:sp>
-      <p:sp>
-        <p:nvSpPr>
-          <p:cNvPr id="14" name="TextBox 13">
-            <a:extLst>
-              <a:ext uri="{FF2B5EF4-FFF2-40B4-BE49-F238E27FC236}">
-                <a16:creationId xmlns:a16="http://schemas.microsoft.com/office/drawing/2014/main" id="{833DAFE8-08EC-8D54-96D0-E42816E4E56B}"/>
-              </a:ext>
-            </a:extLst>
-          </p:cNvPr>
-          <p:cNvSpPr txBox="1"/>
-          <p:nvPr/>
-        </p:nvSpPr>
-        <p:spPr>
-          <a:xfrm>
-            <a:off x="1238506" y="522827"/>
-            <a:ext cx="5405575" cy="6001643"/>
-          </a:xfrm>
-          <a:prstGeom prst="rect">
-            <a:avLst/>
-          </a:prstGeom>
-          <a:noFill/>
-        </p:spPr>
-        <p:txBody>
-          <a:bodyPr wrap="square">
-            <a:spAutoFit/>
-          </a:bodyPr>
-          <a:lstStyle/>
-          <a:p>
-            <a:r>
-              <a:rPr lang="en-US" sz="1600" dirty="0">
-                <a:latin typeface="Calibri" panose="020F0502020204030204" pitchFamily="34" charset="0"/>
-                <a:ea typeface="Calibri" panose="020F0502020204030204" pitchFamily="34" charset="0"/>
-                <a:cs typeface="Calibri" panose="020F0502020204030204" pitchFamily="34" charset="0"/>
-              </a:rPr>
-              <a:t>&lt;script&gt;</a:t>
-            </a:r>
-          </a:p>
-          <a:p>
-            <a:r>
-              <a:rPr lang="en-US" sz="1600" dirty="0">
-                <a:latin typeface="Calibri" panose="020F0502020204030204" pitchFamily="34" charset="0"/>
-                <a:ea typeface="Calibri" panose="020F0502020204030204" pitchFamily="34" charset="0"/>
-                <a:cs typeface="Calibri" panose="020F0502020204030204" pitchFamily="34" charset="0"/>
-              </a:rPr>
-              <a:t>      (function(</a:t>
-            </a:r>
-            <a:r>
-              <a:rPr lang="en-US" sz="1600" dirty="0" err="1">
-                <a:latin typeface="Calibri" panose="020F0502020204030204" pitchFamily="34" charset="0"/>
-                <a:ea typeface="Calibri" panose="020F0502020204030204" pitchFamily="34" charset="0"/>
-                <a:cs typeface="Calibri" panose="020F0502020204030204" pitchFamily="34" charset="0"/>
-              </a:rPr>
-              <a:t>apiKey</a:t>
-            </a:r>
-            <a:r>
-              <a:rPr lang="en-US" sz="1600" dirty="0">
-                <a:latin typeface="Calibri" panose="020F0502020204030204" pitchFamily="34" charset="0"/>
-                <a:ea typeface="Calibri" panose="020F0502020204030204" pitchFamily="34" charset="0"/>
-                <a:cs typeface="Calibri" panose="020F0502020204030204" pitchFamily="34" charset="0"/>
-              </a:rPr>
-              <a:t>){</a:t>
-            </a:r>
-          </a:p>
-          <a:p>
-            <a:r>
-              <a:rPr lang="en-US" sz="1600" dirty="0">
-                <a:latin typeface="Calibri" panose="020F0502020204030204" pitchFamily="34" charset="0"/>
-                <a:ea typeface="Calibri" panose="020F0502020204030204" pitchFamily="34" charset="0"/>
-                <a:cs typeface="Calibri" panose="020F0502020204030204" pitchFamily="34" charset="0"/>
-              </a:rPr>
-              <a:t>        (function(</a:t>
-            </a:r>
-            <a:r>
-              <a:rPr lang="en-US" sz="1600" dirty="0" err="1">
-                <a:latin typeface="Calibri" panose="020F0502020204030204" pitchFamily="34" charset="0"/>
-                <a:ea typeface="Calibri" panose="020F0502020204030204" pitchFamily="34" charset="0"/>
-                <a:cs typeface="Calibri" panose="020F0502020204030204" pitchFamily="34" charset="0"/>
-              </a:rPr>
-              <a:t>p,e,n,d,o</a:t>
-            </a:r>
-            <a:r>
-              <a:rPr lang="en-US" sz="1600" dirty="0">
-                <a:latin typeface="Calibri" panose="020F0502020204030204" pitchFamily="34" charset="0"/>
-                <a:ea typeface="Calibri" panose="020F0502020204030204" pitchFamily="34" charset="0"/>
-                <a:cs typeface="Calibri" panose="020F0502020204030204" pitchFamily="34" charset="0"/>
-              </a:rPr>
-              <a:t>){</a:t>
-            </a:r>
-          </a:p>
-          <a:p>
-            <a:r>
-              <a:rPr lang="en-US" sz="1600" dirty="0">
-                <a:latin typeface="Calibri" panose="020F0502020204030204" pitchFamily="34" charset="0"/>
-                <a:ea typeface="Calibri" panose="020F0502020204030204" pitchFamily="34" charset="0"/>
-                <a:cs typeface="Calibri" panose="020F0502020204030204" pitchFamily="34" charset="0"/>
-              </a:rPr>
-              <a:t>          var </a:t>
-            </a:r>
-            <a:r>
-              <a:rPr lang="en-US" sz="1600" dirty="0" err="1">
-                <a:latin typeface="Calibri" panose="020F0502020204030204" pitchFamily="34" charset="0"/>
-                <a:ea typeface="Calibri" panose="020F0502020204030204" pitchFamily="34" charset="0"/>
-                <a:cs typeface="Calibri" panose="020F0502020204030204" pitchFamily="34" charset="0"/>
-              </a:rPr>
-              <a:t>v,w,x,y,z</a:t>
-            </a:r>
-            <a:r>
-              <a:rPr lang="en-US" sz="1600" dirty="0">
-                <a:latin typeface="Calibri" panose="020F0502020204030204" pitchFamily="34" charset="0"/>
-                <a:ea typeface="Calibri" panose="020F0502020204030204" pitchFamily="34" charset="0"/>
-                <a:cs typeface="Calibri" panose="020F0502020204030204" pitchFamily="34" charset="0"/>
-              </a:rPr>
-              <a:t>;</a:t>
-            </a:r>
-          </a:p>
-          <a:p>
-            <a:r>
-              <a:rPr lang="en-US" sz="1600" dirty="0">
-                <a:latin typeface="Calibri" panose="020F0502020204030204" pitchFamily="34" charset="0"/>
-                <a:ea typeface="Calibri" panose="020F0502020204030204" pitchFamily="34" charset="0"/>
-                <a:cs typeface="Calibri" panose="020F0502020204030204" pitchFamily="34" charset="0"/>
-              </a:rPr>
-              <a:t>          o=p[d]=p[d]||{};</a:t>
-            </a:r>
-          </a:p>
-          <a:p>
-            <a:r>
-              <a:rPr lang="en-US" sz="1600" dirty="0">
-                <a:latin typeface="Calibri" panose="020F0502020204030204" pitchFamily="34" charset="0"/>
-                <a:ea typeface="Calibri" panose="020F0502020204030204" pitchFamily="34" charset="0"/>
-                <a:cs typeface="Calibri" panose="020F0502020204030204" pitchFamily="34" charset="0"/>
-              </a:rPr>
-              <a:t>          </a:t>
-            </a:r>
-            <a:r>
-              <a:rPr lang="en-US" sz="1600" dirty="0" err="1">
-                <a:latin typeface="Calibri" panose="020F0502020204030204" pitchFamily="34" charset="0"/>
-                <a:ea typeface="Calibri" panose="020F0502020204030204" pitchFamily="34" charset="0"/>
-                <a:cs typeface="Calibri" panose="020F0502020204030204" pitchFamily="34" charset="0"/>
-              </a:rPr>
-              <a:t>o._q</a:t>
-            </a:r>
-            <a:r>
-              <a:rPr lang="en-US" sz="1600" dirty="0">
-                <a:latin typeface="Calibri" panose="020F0502020204030204" pitchFamily="34" charset="0"/>
-                <a:ea typeface="Calibri" panose="020F0502020204030204" pitchFamily="34" charset="0"/>
-                <a:cs typeface="Calibri" panose="020F0502020204030204" pitchFamily="34" charset="0"/>
-              </a:rPr>
-              <a:t>=[];</a:t>
-            </a:r>
-          </a:p>
-          <a:p>
-            <a:r>
-              <a:rPr lang="en-US" sz="1600" dirty="0">
-                <a:latin typeface="Calibri" panose="020F0502020204030204" pitchFamily="34" charset="0"/>
-                <a:ea typeface="Calibri" panose="020F0502020204030204" pitchFamily="34" charset="0"/>
-                <a:cs typeface="Calibri" panose="020F0502020204030204" pitchFamily="34" charset="0"/>
-              </a:rPr>
-              <a:t>          v=['initialize','identify','</a:t>
-            </a:r>
-            <a:r>
-              <a:rPr lang="en-US" sz="1600" dirty="0" err="1">
-                <a:latin typeface="Calibri" panose="020F0502020204030204" pitchFamily="34" charset="0"/>
-                <a:ea typeface="Calibri" panose="020F0502020204030204" pitchFamily="34" charset="0"/>
-                <a:cs typeface="Calibri" panose="020F0502020204030204" pitchFamily="34" charset="0"/>
-              </a:rPr>
-              <a:t>updateOptions</a:t>
-            </a:r>
-            <a:r>
-              <a:rPr lang="en-US" sz="1600" dirty="0">
-                <a:latin typeface="Calibri" panose="020F0502020204030204" pitchFamily="34" charset="0"/>
-                <a:ea typeface="Calibri" panose="020F0502020204030204" pitchFamily="34" charset="0"/>
-                <a:cs typeface="Calibri" panose="020F0502020204030204" pitchFamily="34" charset="0"/>
-              </a:rPr>
-              <a:t>','</a:t>
-            </a:r>
-            <a:r>
-              <a:rPr lang="en-US" sz="1600" dirty="0" err="1">
-                <a:latin typeface="Calibri" panose="020F0502020204030204" pitchFamily="34" charset="0"/>
-                <a:ea typeface="Calibri" panose="020F0502020204030204" pitchFamily="34" charset="0"/>
-                <a:cs typeface="Calibri" panose="020F0502020204030204" pitchFamily="34" charset="0"/>
-              </a:rPr>
-              <a:t>pageLoad</a:t>
-            </a:r>
-            <a:r>
-              <a:rPr lang="en-US" sz="1600" dirty="0">
-                <a:latin typeface="Calibri" panose="020F0502020204030204" pitchFamily="34" charset="0"/>
-                <a:ea typeface="Calibri" panose="020F0502020204030204" pitchFamily="34" charset="0"/>
-                <a:cs typeface="Calibri" panose="020F0502020204030204" pitchFamily="34" charset="0"/>
-              </a:rPr>
-              <a:t>','track'];</a:t>
-            </a:r>
-          </a:p>
-          <a:p>
-            <a:r>
-              <a:rPr lang="en-US" sz="1600" dirty="0">
-                <a:latin typeface="Calibri" panose="020F0502020204030204" pitchFamily="34" charset="0"/>
-                <a:ea typeface="Calibri" panose="020F0502020204030204" pitchFamily="34" charset="0"/>
-                <a:cs typeface="Calibri" panose="020F0502020204030204" pitchFamily="34" charset="0"/>
-              </a:rPr>
-              <a:t>          for(w=0,x=</a:t>
-            </a:r>
-            <a:r>
-              <a:rPr lang="en-US" sz="1600" dirty="0" err="1">
-                <a:latin typeface="Calibri" panose="020F0502020204030204" pitchFamily="34" charset="0"/>
-                <a:ea typeface="Calibri" panose="020F0502020204030204" pitchFamily="34" charset="0"/>
-                <a:cs typeface="Calibri" panose="020F0502020204030204" pitchFamily="34" charset="0"/>
-              </a:rPr>
-              <a:t>v.length;w</a:t>
-            </a:r>
-            <a:r>
-              <a:rPr lang="en-US" sz="1600" dirty="0">
-                <a:latin typeface="Calibri" panose="020F0502020204030204" pitchFamily="34" charset="0"/>
-                <a:ea typeface="Calibri" panose="020F0502020204030204" pitchFamily="34" charset="0"/>
-                <a:cs typeface="Calibri" panose="020F0502020204030204" pitchFamily="34" charset="0"/>
-              </a:rPr>
-              <a:t>&lt;x;++w)(function(m){</a:t>
-            </a:r>
-          </a:p>
-          <a:p>
-            <a:r>
-              <a:rPr lang="en-US" sz="1600" dirty="0">
-                <a:latin typeface="Calibri" panose="020F0502020204030204" pitchFamily="34" charset="0"/>
-                <a:ea typeface="Calibri" panose="020F0502020204030204" pitchFamily="34" charset="0"/>
-                <a:cs typeface="Calibri" panose="020F0502020204030204" pitchFamily="34" charset="0"/>
-              </a:rPr>
-              <a:t>            o[m]=o[m]||function(){</a:t>
-            </a:r>
-          </a:p>
-          <a:p>
-            <a:r>
-              <a:rPr lang="en-US" sz="1600" dirty="0">
-                <a:latin typeface="Calibri" panose="020F0502020204030204" pitchFamily="34" charset="0"/>
-                <a:ea typeface="Calibri" panose="020F0502020204030204" pitchFamily="34" charset="0"/>
-                <a:cs typeface="Calibri" panose="020F0502020204030204" pitchFamily="34" charset="0"/>
-              </a:rPr>
-              <a:t>              </a:t>
-            </a:r>
-            <a:r>
-              <a:rPr lang="en-US" sz="1600" dirty="0" err="1">
-                <a:latin typeface="Calibri" panose="020F0502020204030204" pitchFamily="34" charset="0"/>
-                <a:ea typeface="Calibri" panose="020F0502020204030204" pitchFamily="34" charset="0"/>
-                <a:cs typeface="Calibri" panose="020F0502020204030204" pitchFamily="34" charset="0"/>
-              </a:rPr>
-              <a:t>o._q</a:t>
-            </a:r>
-            <a:r>
-              <a:rPr lang="en-US" sz="1600" dirty="0">
-                <a:latin typeface="Calibri" panose="020F0502020204030204" pitchFamily="34" charset="0"/>
-                <a:ea typeface="Calibri" panose="020F0502020204030204" pitchFamily="34" charset="0"/>
-                <a:cs typeface="Calibri" panose="020F0502020204030204" pitchFamily="34" charset="0"/>
-              </a:rPr>
-              <a:t>[m===v[0]?'</a:t>
-            </a:r>
-            <a:r>
-              <a:rPr lang="en-US" sz="1600" dirty="0" err="1">
-                <a:latin typeface="Calibri" panose="020F0502020204030204" pitchFamily="34" charset="0"/>
-                <a:ea typeface="Calibri" panose="020F0502020204030204" pitchFamily="34" charset="0"/>
-                <a:cs typeface="Calibri" panose="020F0502020204030204" pitchFamily="34" charset="0"/>
-              </a:rPr>
-              <a:t>unshift':'push</a:t>
-            </a:r>
-            <a:r>
-              <a:rPr lang="en-US" sz="1600" dirty="0">
-                <a:latin typeface="Calibri" panose="020F0502020204030204" pitchFamily="34" charset="0"/>
-                <a:ea typeface="Calibri" panose="020F0502020204030204" pitchFamily="34" charset="0"/>
-                <a:cs typeface="Calibri" panose="020F0502020204030204" pitchFamily="34" charset="0"/>
-              </a:rPr>
-              <a:t>']([m].</a:t>
-            </a:r>
-            <a:r>
-              <a:rPr lang="en-US" sz="1600" dirty="0" err="1">
-                <a:latin typeface="Calibri" panose="020F0502020204030204" pitchFamily="34" charset="0"/>
-                <a:ea typeface="Calibri" panose="020F0502020204030204" pitchFamily="34" charset="0"/>
-                <a:cs typeface="Calibri" panose="020F0502020204030204" pitchFamily="34" charset="0"/>
-              </a:rPr>
-              <a:t>concat</a:t>
-            </a:r>
-            <a:r>
-              <a:rPr lang="en-US" sz="1600" dirty="0">
-                <a:latin typeface="Calibri" panose="020F0502020204030204" pitchFamily="34" charset="0"/>
-                <a:ea typeface="Calibri" panose="020F0502020204030204" pitchFamily="34" charset="0"/>
-                <a:cs typeface="Calibri" panose="020F0502020204030204" pitchFamily="34" charset="0"/>
-              </a:rPr>
-              <a:t>([].</a:t>
-            </a:r>
-            <a:r>
-              <a:rPr lang="en-US" sz="1600" dirty="0" err="1">
-                <a:latin typeface="Calibri" panose="020F0502020204030204" pitchFamily="34" charset="0"/>
-                <a:ea typeface="Calibri" panose="020F0502020204030204" pitchFamily="34" charset="0"/>
-                <a:cs typeface="Calibri" panose="020F0502020204030204" pitchFamily="34" charset="0"/>
-              </a:rPr>
-              <a:t>slice.call</a:t>
-            </a:r>
-            <a:r>
-              <a:rPr lang="en-US" sz="1600" dirty="0">
-                <a:latin typeface="Calibri" panose="020F0502020204030204" pitchFamily="34" charset="0"/>
-                <a:ea typeface="Calibri" panose="020F0502020204030204" pitchFamily="34" charset="0"/>
-                <a:cs typeface="Calibri" panose="020F0502020204030204" pitchFamily="34" charset="0"/>
-              </a:rPr>
-              <a:t>(arguments,0)));</a:t>
-            </a:r>
-          </a:p>
-          <a:p>
-            <a:r>
-              <a:rPr lang="en-US" sz="1600" dirty="0">
-                <a:latin typeface="Calibri" panose="020F0502020204030204" pitchFamily="34" charset="0"/>
-                <a:ea typeface="Calibri" panose="020F0502020204030204" pitchFamily="34" charset="0"/>
-                <a:cs typeface="Calibri" panose="020F0502020204030204" pitchFamily="34" charset="0"/>
-              </a:rPr>
-              <a:t>            };</a:t>
-            </a:r>
-          </a:p>
-          <a:p>
-            <a:r>
-              <a:rPr lang="en-US" sz="1600" dirty="0">
-                <a:latin typeface="Calibri" panose="020F0502020204030204" pitchFamily="34" charset="0"/>
-                <a:ea typeface="Calibri" panose="020F0502020204030204" pitchFamily="34" charset="0"/>
-                <a:cs typeface="Calibri" panose="020F0502020204030204" pitchFamily="34" charset="0"/>
-              </a:rPr>
-              <a:t>          })(v[w]);</a:t>
-            </a:r>
-          </a:p>
-          <a:p>
-            <a:r>
-              <a:rPr lang="en-US" sz="1600" dirty="0">
-                <a:latin typeface="Calibri" panose="020F0502020204030204" pitchFamily="34" charset="0"/>
-                <a:ea typeface="Calibri" panose="020F0502020204030204" pitchFamily="34" charset="0"/>
-                <a:cs typeface="Calibri" panose="020F0502020204030204" pitchFamily="34" charset="0"/>
-              </a:rPr>
-              <a:t>          y=</a:t>
-            </a:r>
-            <a:r>
-              <a:rPr lang="en-US" sz="1600" dirty="0" err="1">
-                <a:latin typeface="Calibri" panose="020F0502020204030204" pitchFamily="34" charset="0"/>
-                <a:ea typeface="Calibri" panose="020F0502020204030204" pitchFamily="34" charset="0"/>
-                <a:cs typeface="Calibri" panose="020F0502020204030204" pitchFamily="34" charset="0"/>
-              </a:rPr>
-              <a:t>e.createElement</a:t>
-            </a:r>
-            <a:r>
-              <a:rPr lang="en-US" sz="1600" dirty="0">
-                <a:latin typeface="Calibri" panose="020F0502020204030204" pitchFamily="34" charset="0"/>
-                <a:ea typeface="Calibri" panose="020F0502020204030204" pitchFamily="34" charset="0"/>
-                <a:cs typeface="Calibri" panose="020F0502020204030204" pitchFamily="34" charset="0"/>
-              </a:rPr>
-              <a:t>(n);</a:t>
-            </a:r>
-          </a:p>
-          <a:p>
-            <a:r>
-              <a:rPr lang="en-US" sz="1600" dirty="0">
-                <a:latin typeface="Calibri" panose="020F0502020204030204" pitchFamily="34" charset="0"/>
-                <a:ea typeface="Calibri" panose="020F0502020204030204" pitchFamily="34" charset="0"/>
-                <a:cs typeface="Calibri" panose="020F0502020204030204" pitchFamily="34" charset="0"/>
-              </a:rPr>
-              <a:t>          </a:t>
-            </a:r>
-            <a:r>
-              <a:rPr lang="en-US" sz="1600" dirty="0" err="1">
-                <a:latin typeface="Calibri" panose="020F0502020204030204" pitchFamily="34" charset="0"/>
-                <a:ea typeface="Calibri" panose="020F0502020204030204" pitchFamily="34" charset="0"/>
-                <a:cs typeface="Calibri" panose="020F0502020204030204" pitchFamily="34" charset="0"/>
-              </a:rPr>
-              <a:t>y.async</a:t>
-            </a:r>
-            <a:r>
-              <a:rPr lang="en-US" sz="1600" dirty="0">
-                <a:latin typeface="Calibri" panose="020F0502020204030204" pitchFamily="34" charset="0"/>
-                <a:ea typeface="Calibri" panose="020F0502020204030204" pitchFamily="34" charset="0"/>
-                <a:cs typeface="Calibri" panose="020F0502020204030204" pitchFamily="34" charset="0"/>
-              </a:rPr>
-              <a:t>=!0;</a:t>
-            </a:r>
-          </a:p>
-          <a:p>
-            <a:r>
-              <a:rPr lang="en-US" sz="1600" dirty="0">
-                <a:latin typeface="Calibri" panose="020F0502020204030204" pitchFamily="34" charset="0"/>
-                <a:ea typeface="Calibri" panose="020F0502020204030204" pitchFamily="34" charset="0"/>
-                <a:cs typeface="Calibri" panose="020F0502020204030204" pitchFamily="34" charset="0"/>
-              </a:rPr>
-              <a:t>          </a:t>
-            </a:r>
-            <a:r>
-              <a:rPr lang="en-US" sz="1600" dirty="0" err="1">
-                <a:latin typeface="Calibri" panose="020F0502020204030204" pitchFamily="34" charset="0"/>
-                <a:ea typeface="Calibri" panose="020F0502020204030204" pitchFamily="34" charset="0"/>
-                <a:cs typeface="Calibri" panose="020F0502020204030204" pitchFamily="34" charset="0"/>
-              </a:rPr>
-              <a:t>y.src</a:t>
-            </a:r>
-            <a:r>
-              <a:rPr lang="en-US" sz="1600" dirty="0">
-                <a:latin typeface="Calibri" panose="020F0502020204030204" pitchFamily="34" charset="0"/>
-                <a:ea typeface="Calibri" panose="020F0502020204030204" pitchFamily="34" charset="0"/>
-                <a:cs typeface="Calibri" panose="020F0502020204030204" pitchFamily="34" charset="0"/>
-              </a:rPr>
-              <a:t>='https://cdn.pendo.io/agent/static/'+</a:t>
-            </a:r>
-            <a:r>
-              <a:rPr lang="en-US" sz="1600" dirty="0" err="1">
-                <a:latin typeface="Calibri" panose="020F0502020204030204" pitchFamily="34" charset="0"/>
-                <a:ea typeface="Calibri" panose="020F0502020204030204" pitchFamily="34" charset="0"/>
-                <a:cs typeface="Calibri" panose="020F0502020204030204" pitchFamily="34" charset="0"/>
-              </a:rPr>
-              <a:t>apiKey</a:t>
-            </a:r>
-            <a:r>
-              <a:rPr lang="en-US" sz="1600" dirty="0">
-                <a:latin typeface="Calibri" panose="020F0502020204030204" pitchFamily="34" charset="0"/>
-                <a:ea typeface="Calibri" panose="020F0502020204030204" pitchFamily="34" charset="0"/>
-                <a:cs typeface="Calibri" panose="020F0502020204030204" pitchFamily="34" charset="0"/>
-              </a:rPr>
-              <a:t>+'/pendo.js';</a:t>
-            </a:r>
-          </a:p>
-          <a:p>
-            <a:r>
-              <a:rPr lang="en-US" sz="1600" dirty="0">
-                <a:latin typeface="Calibri" panose="020F0502020204030204" pitchFamily="34" charset="0"/>
-                <a:ea typeface="Calibri" panose="020F0502020204030204" pitchFamily="34" charset="0"/>
-                <a:cs typeface="Calibri" panose="020F0502020204030204" pitchFamily="34" charset="0"/>
-              </a:rPr>
-              <a:t>          z=</a:t>
-            </a:r>
-            <a:r>
-              <a:rPr lang="en-US" sz="1600" dirty="0" err="1">
-                <a:latin typeface="Calibri" panose="020F0502020204030204" pitchFamily="34" charset="0"/>
-                <a:ea typeface="Calibri" panose="020F0502020204030204" pitchFamily="34" charset="0"/>
-                <a:cs typeface="Calibri" panose="020F0502020204030204" pitchFamily="34" charset="0"/>
-              </a:rPr>
-              <a:t>e.getElementsByTagName</a:t>
-            </a:r>
-            <a:r>
-              <a:rPr lang="en-US" sz="1600" dirty="0">
-                <a:latin typeface="Calibri" panose="020F0502020204030204" pitchFamily="34" charset="0"/>
-                <a:ea typeface="Calibri" panose="020F0502020204030204" pitchFamily="34" charset="0"/>
-                <a:cs typeface="Calibri" panose="020F0502020204030204" pitchFamily="34" charset="0"/>
-              </a:rPr>
-              <a:t>(n)[0];</a:t>
-            </a:r>
-          </a:p>
-          <a:p>
-            <a:r>
-              <a:rPr lang="en-US" sz="1600" dirty="0">
-                <a:latin typeface="Calibri" panose="020F0502020204030204" pitchFamily="34" charset="0"/>
-                <a:ea typeface="Calibri" panose="020F0502020204030204" pitchFamily="34" charset="0"/>
-                <a:cs typeface="Calibri" panose="020F0502020204030204" pitchFamily="34" charset="0"/>
-              </a:rPr>
-              <a:t>          </a:t>
-            </a:r>
-            <a:r>
-              <a:rPr lang="en-US" sz="1600" dirty="0" err="1">
-                <a:latin typeface="Calibri" panose="020F0502020204030204" pitchFamily="34" charset="0"/>
-                <a:ea typeface="Calibri" panose="020F0502020204030204" pitchFamily="34" charset="0"/>
-                <a:cs typeface="Calibri" panose="020F0502020204030204" pitchFamily="34" charset="0"/>
-              </a:rPr>
-              <a:t>z.parentNode.insertBefore</a:t>
-            </a:r>
-            <a:r>
-              <a:rPr lang="en-US" sz="1600" dirty="0">
-                <a:latin typeface="Calibri" panose="020F0502020204030204" pitchFamily="34" charset="0"/>
-                <a:ea typeface="Calibri" panose="020F0502020204030204" pitchFamily="34" charset="0"/>
-                <a:cs typeface="Calibri" panose="020F0502020204030204" pitchFamily="34" charset="0"/>
-              </a:rPr>
-              <a:t>(</a:t>
-            </a:r>
-            <a:r>
-              <a:rPr lang="en-US" sz="1600" dirty="0" err="1">
-                <a:latin typeface="Calibri" panose="020F0502020204030204" pitchFamily="34" charset="0"/>
-                <a:ea typeface="Calibri" panose="020F0502020204030204" pitchFamily="34" charset="0"/>
-                <a:cs typeface="Calibri" panose="020F0502020204030204" pitchFamily="34" charset="0"/>
-              </a:rPr>
-              <a:t>y,z</a:t>
-            </a:r>
-            <a:r>
-              <a:rPr lang="en-US" sz="1600" dirty="0">
-                <a:latin typeface="Calibri" panose="020F0502020204030204" pitchFamily="34" charset="0"/>
-                <a:ea typeface="Calibri" panose="020F0502020204030204" pitchFamily="34" charset="0"/>
-                <a:cs typeface="Calibri" panose="020F0502020204030204" pitchFamily="34" charset="0"/>
-              </a:rPr>
-              <a:t>);</a:t>
-            </a:r>
-          </a:p>
-          <a:p>
-            <a:r>
-              <a:rPr lang="en-US" sz="1600" dirty="0">
-                <a:latin typeface="Calibri" panose="020F0502020204030204" pitchFamily="34" charset="0"/>
-                <a:ea typeface="Calibri" panose="020F0502020204030204" pitchFamily="34" charset="0"/>
-                <a:cs typeface="Calibri" panose="020F0502020204030204" pitchFamily="34" charset="0"/>
-              </a:rPr>
-              <a:t>        })(window,document,'script','</a:t>
-            </a:r>
-            <a:r>
-              <a:rPr lang="en-US" sz="1600" dirty="0" err="1">
-                <a:latin typeface="Calibri" panose="020F0502020204030204" pitchFamily="34" charset="0"/>
-                <a:ea typeface="Calibri" panose="020F0502020204030204" pitchFamily="34" charset="0"/>
-                <a:cs typeface="Calibri" panose="020F0502020204030204" pitchFamily="34" charset="0"/>
-              </a:rPr>
-              <a:t>pendo</a:t>
-            </a:r>
-            <a:r>
-              <a:rPr lang="en-US" sz="1600" dirty="0">
-                <a:latin typeface="Calibri" panose="020F0502020204030204" pitchFamily="34" charset="0"/>
-                <a:ea typeface="Calibri" panose="020F0502020204030204" pitchFamily="34" charset="0"/>
-                <a:cs typeface="Calibri" panose="020F0502020204030204" pitchFamily="34" charset="0"/>
-              </a:rPr>
-              <a:t>');</a:t>
-            </a:r>
-          </a:p>
-          <a:p>
-            <a:r>
-              <a:rPr lang="en-US" sz="1600" dirty="0">
-                <a:latin typeface="Calibri" panose="020F0502020204030204" pitchFamily="34" charset="0"/>
-                <a:ea typeface="Calibri" panose="020F0502020204030204" pitchFamily="34" charset="0"/>
-                <a:cs typeface="Calibri" panose="020F0502020204030204" pitchFamily="34" charset="0"/>
-              </a:rPr>
-              <a:t>      })('YOUR_PENDO_API_KEY');</a:t>
-            </a:r>
-          </a:p>
-          <a:p>
-            <a:r>
-              <a:rPr lang="en-US" sz="1600" dirty="0">
-                <a:latin typeface="Calibri" panose="020F0502020204030204" pitchFamily="34" charset="0"/>
-                <a:ea typeface="Calibri" panose="020F0502020204030204" pitchFamily="34" charset="0"/>
-                <a:cs typeface="Calibri" panose="020F0502020204030204" pitchFamily="34" charset="0"/>
-              </a:rPr>
-              <a:t>    &lt;/script&gt;</a:t>
-            </a:r>
-          </a:p>
-        </p:txBody>
-      </p:sp>
-      <p:sp>
-        <p:nvSpPr>
-          <p:cNvPr id="3" name="Title 1">
-            <a:extLst>
-              <a:ext uri="{FF2B5EF4-FFF2-40B4-BE49-F238E27FC236}">
-                <a16:creationId xmlns:a16="http://schemas.microsoft.com/office/drawing/2014/main" id="{32EC2E5E-4B82-2A5B-BF0D-FE77268ABF16}"/>
-              </a:ext>
-            </a:extLst>
-          </p:cNvPr>
-          <p:cNvSpPr txBox="1">
-            <a:spLocks/>
-          </p:cNvSpPr>
-          <p:nvPr/>
-        </p:nvSpPr>
-        <p:spPr>
-          <a:xfrm>
-            <a:off x="1159821" y="103089"/>
-            <a:ext cx="9150675" cy="460882"/>
-          </a:xfrm>
-          <a:prstGeom prst="rect">
-            <a:avLst/>
-          </a:prstGeom>
-        </p:spPr>
-        <p:txBody>
-          <a:bodyPr vert="horz" lIns="0" tIns="45720" rIns="91440" bIns="45720" rtlCol="0" anchor="ctr">
-            <a:noAutofit/>
-          </a:bodyPr>
-          <a:lstStyle>
-            <a:lvl1pPr algn="l" defTabSz="914400" rtl="0" eaLnBrk="1" latinLnBrk="0" hangingPunct="1">
-              <a:lnSpc>
-                <a:spcPct val="90000"/>
-              </a:lnSpc>
-              <a:spcBef>
-                <a:spcPct val="0"/>
-              </a:spcBef>
-              <a:buNone/>
-              <a:defRPr sz="3600" kern="1200">
-                <a:solidFill>
-                  <a:schemeClr val="tx1"/>
-                </a:solidFill>
-                <a:latin typeface="+mj-lt"/>
-                <a:ea typeface="+mj-ea"/>
-                <a:cs typeface="+mj-cs"/>
-              </a:defRPr>
-            </a:lvl1pPr>
-          </a:lstStyle>
-          <a:p>
-            <a:r>
-              <a:rPr lang="en-US" sz="3200" b="1" dirty="0">
-                <a:solidFill>
-                  <a:schemeClr val="accent6">
-                    <a:lumMod val="75000"/>
-                  </a:schemeClr>
-                </a:solidFill>
-              </a:rPr>
-              <a:t>Code Snippets: Pendo Analytics</a:t>
-            </a:r>
-            <a:endParaRPr lang="en-ZA" sz="3200" b="1" dirty="0">
-              <a:solidFill>
-                <a:schemeClr val="accent6">
-                  <a:lumMod val="75000"/>
-                </a:schemeClr>
-              </a:solidFill>
-            </a:endParaRPr>
-          </a:p>
-        </p:txBody>
-      </p:sp>
-    </p:spTree>
-    <p:extLst>
-      <p:ext uri="{BB962C8B-B14F-4D97-AF65-F5344CB8AC3E}">
-        <p14:creationId xmlns:p14="http://schemas.microsoft.com/office/powerpoint/2010/main" val="1043321150"/>
-      </p:ext>
-    </p:extLst>
-  </p:cSld>
-  <p:clrMapOvr>
-    <a:masterClrMapping/>
-  </p:clrMapOvr>
-</p:sld>
-</file>
-
-<file path=ppt/slides/slide11.xml><?xml version="1.0" encoding="utf-8"?>
-<p:sld xmlns:a="http://schemas.openxmlformats.org/drawingml/2006/main" xmlns:r="http://schemas.openxmlformats.org/officeDocument/2006/relationships" xmlns:p="http://schemas.openxmlformats.org/presentationml/2006/main">
-  <p:cSld>
-    <p:spTree>
-      <p:nvGrpSpPr>
-        <p:cNvPr id="1" name=""/>
-        <p:cNvGrpSpPr/>
-        <p:nvPr/>
-      </p:nvGrpSpPr>
-      <p:grpSpPr>
-        <a:xfrm>
-          <a:off x="0" y="0"/>
-          <a:ext cx="0" cy="0"/>
-          <a:chOff x="0" y="0"/>
-          <a:chExt cx="0" cy="0"/>
-        </a:xfrm>
-      </p:grpSpPr>
-      <p:sp>
-        <p:nvSpPr>
-          <p:cNvPr id="2" name="Slide Number Placeholder 1">
-            <a:extLst>
-              <a:ext uri="{FF2B5EF4-FFF2-40B4-BE49-F238E27FC236}">
-                <a16:creationId xmlns:a16="http://schemas.microsoft.com/office/drawing/2014/main" id="{C1D94129-1999-7159-E6E3-7D6C478655BD}"/>
-              </a:ext>
-            </a:extLst>
-          </p:cNvPr>
-          <p:cNvSpPr>
-            <a:spLocks noGrp="1"/>
-          </p:cNvSpPr>
-          <p:nvPr>
-            <p:ph type="sldNum" sz="quarter" idx="15"/>
-          </p:nvPr>
-        </p:nvSpPr>
-        <p:spPr/>
-        <p:txBody>
-          <a:bodyPr/>
-          <a:lstStyle/>
-          <a:p>
-            <a:fld id="{18D65601-5AE2-46FC-B138-694DDD2B510D}" type="slidenum">
-              <a:rPr lang="en-US" smtClean="0"/>
-              <a:pPr/>
-              <a:t>11</a:t>
-            </a:fld>
-            <a:endParaRPr lang="en-US" dirty="0"/>
-          </a:p>
-        </p:txBody>
-      </p:sp>
-      <p:sp>
-        <p:nvSpPr>
-          <p:cNvPr id="4" name="TextBox 3">
-            <a:extLst>
-              <a:ext uri="{FF2B5EF4-FFF2-40B4-BE49-F238E27FC236}">
-                <a16:creationId xmlns:a16="http://schemas.microsoft.com/office/drawing/2014/main" id="{60287F33-C161-F85D-DA2F-AEECC824C2F0}"/>
-              </a:ext>
-            </a:extLst>
-          </p:cNvPr>
-          <p:cNvSpPr txBox="1"/>
-          <p:nvPr/>
-        </p:nvSpPr>
-        <p:spPr>
-          <a:xfrm>
-            <a:off x="1250490" y="612844"/>
-            <a:ext cx="9156252" cy="5632311"/>
-          </a:xfrm>
-          <a:prstGeom prst="rect">
-            <a:avLst/>
-          </a:prstGeom>
-          <a:noFill/>
-        </p:spPr>
-        <p:txBody>
-          <a:bodyPr wrap="square">
-            <a:spAutoFit/>
-          </a:bodyPr>
-          <a:lstStyle/>
-          <a:p>
-            <a:r>
-              <a:rPr lang="en-US" dirty="0" err="1">
-                <a:latin typeface="Calibri" panose="020F0502020204030204" pitchFamily="34" charset="0"/>
-                <a:ea typeface="Calibri" panose="020F0502020204030204" pitchFamily="34" charset="0"/>
-                <a:cs typeface="Calibri" panose="020F0502020204030204" pitchFamily="34" charset="0"/>
-              </a:rPr>
-              <a:t>app.Use</a:t>
-            </a:r>
-            <a:r>
-              <a:rPr lang="en-US" dirty="0">
-                <a:latin typeface="Calibri" panose="020F0502020204030204" pitchFamily="34" charset="0"/>
-                <a:ea typeface="Calibri" panose="020F0502020204030204" pitchFamily="34" charset="0"/>
-                <a:cs typeface="Calibri" panose="020F0502020204030204" pitchFamily="34" charset="0"/>
-              </a:rPr>
-              <a:t>(async (context, next) =&gt;</a:t>
-            </a:r>
-          </a:p>
-          <a:p>
-            <a:r>
-              <a:rPr lang="en-US" dirty="0">
-                <a:latin typeface="Calibri" panose="020F0502020204030204" pitchFamily="34" charset="0"/>
-                <a:ea typeface="Calibri" panose="020F0502020204030204" pitchFamily="34" charset="0"/>
-                <a:cs typeface="Calibri" panose="020F0502020204030204" pitchFamily="34" charset="0"/>
-              </a:rPr>
-              <a:t>{</a:t>
-            </a:r>
-          </a:p>
-          <a:p>
-            <a:r>
-              <a:rPr lang="en-US" dirty="0">
-                <a:latin typeface="Calibri" panose="020F0502020204030204" pitchFamily="34" charset="0"/>
-                <a:ea typeface="Calibri" panose="020F0502020204030204" pitchFamily="34" charset="0"/>
-                <a:cs typeface="Calibri" panose="020F0502020204030204" pitchFamily="34" charset="0"/>
-              </a:rPr>
-              <a:t>    var </a:t>
-            </a:r>
-            <a:r>
-              <a:rPr lang="en-US" dirty="0" err="1">
-                <a:latin typeface="Calibri" panose="020F0502020204030204" pitchFamily="34" charset="0"/>
-                <a:ea typeface="Calibri" panose="020F0502020204030204" pitchFamily="34" charset="0"/>
-                <a:cs typeface="Calibri" panose="020F0502020204030204" pitchFamily="34" charset="0"/>
-              </a:rPr>
-              <a:t>csp</a:t>
-            </a:r>
-            <a:r>
-              <a:rPr lang="en-US" dirty="0">
-                <a:latin typeface="Calibri" panose="020F0502020204030204" pitchFamily="34" charset="0"/>
-                <a:ea typeface="Calibri" panose="020F0502020204030204" pitchFamily="34" charset="0"/>
-                <a:cs typeface="Calibri" panose="020F0502020204030204" pitchFamily="34" charset="0"/>
-              </a:rPr>
-              <a:t> = </a:t>
-            </a:r>
-            <a:r>
-              <a:rPr lang="en-US" dirty="0" err="1">
-                <a:latin typeface="Calibri" panose="020F0502020204030204" pitchFamily="34" charset="0"/>
-                <a:ea typeface="Calibri" panose="020F0502020204030204" pitchFamily="34" charset="0"/>
-                <a:cs typeface="Calibri" panose="020F0502020204030204" pitchFamily="34" charset="0"/>
-              </a:rPr>
-              <a:t>string.Join</a:t>
-            </a:r>
-            <a:r>
-              <a:rPr lang="en-US" dirty="0">
-                <a:latin typeface="Calibri" panose="020F0502020204030204" pitchFamily="34" charset="0"/>
-                <a:ea typeface="Calibri" panose="020F0502020204030204" pitchFamily="34" charset="0"/>
-                <a:cs typeface="Calibri" panose="020F0502020204030204" pitchFamily="34" charset="0"/>
-              </a:rPr>
-              <a:t>(" ",</a:t>
-            </a:r>
-          </a:p>
-          <a:p>
-            <a:r>
-              <a:rPr lang="en-US" dirty="0">
-                <a:latin typeface="Calibri" panose="020F0502020204030204" pitchFamily="34" charset="0"/>
-                <a:ea typeface="Calibri" panose="020F0502020204030204" pitchFamily="34" charset="0"/>
-                <a:cs typeface="Calibri" panose="020F0502020204030204" pitchFamily="34" charset="0"/>
-              </a:rPr>
-              <a:t>        "default-</a:t>
-            </a:r>
-            <a:r>
-              <a:rPr lang="en-US" dirty="0" err="1">
-                <a:latin typeface="Calibri" panose="020F0502020204030204" pitchFamily="34" charset="0"/>
-                <a:ea typeface="Calibri" panose="020F0502020204030204" pitchFamily="34" charset="0"/>
-                <a:cs typeface="Calibri" panose="020F0502020204030204" pitchFamily="34" charset="0"/>
-              </a:rPr>
-              <a:t>src</a:t>
-            </a:r>
-            <a:r>
-              <a:rPr lang="en-US" dirty="0">
-                <a:latin typeface="Calibri" panose="020F0502020204030204" pitchFamily="34" charset="0"/>
-                <a:ea typeface="Calibri" panose="020F0502020204030204" pitchFamily="34" charset="0"/>
-                <a:cs typeface="Calibri" panose="020F0502020204030204" pitchFamily="34" charset="0"/>
-              </a:rPr>
-              <a:t> 'self';",</a:t>
-            </a:r>
-          </a:p>
-          <a:p>
-            <a:r>
-              <a:rPr lang="en-US" dirty="0">
-                <a:latin typeface="Calibri" panose="020F0502020204030204" pitchFamily="34" charset="0"/>
-                <a:ea typeface="Calibri" panose="020F0502020204030204" pitchFamily="34" charset="0"/>
-                <a:cs typeface="Calibri" panose="020F0502020204030204" pitchFamily="34" charset="0"/>
-              </a:rPr>
-              <a:t>        "script-</a:t>
-            </a:r>
-            <a:r>
-              <a:rPr lang="en-US" dirty="0" err="1">
-                <a:latin typeface="Calibri" panose="020F0502020204030204" pitchFamily="34" charset="0"/>
-                <a:ea typeface="Calibri" panose="020F0502020204030204" pitchFamily="34" charset="0"/>
-                <a:cs typeface="Calibri" panose="020F0502020204030204" pitchFamily="34" charset="0"/>
-              </a:rPr>
-              <a:t>src</a:t>
-            </a:r>
-            <a:r>
-              <a:rPr lang="en-US" dirty="0">
-                <a:latin typeface="Calibri" panose="020F0502020204030204" pitchFamily="34" charset="0"/>
-                <a:ea typeface="Calibri" panose="020F0502020204030204" pitchFamily="34" charset="0"/>
-                <a:cs typeface="Calibri" panose="020F0502020204030204" pitchFamily="34" charset="0"/>
-              </a:rPr>
-              <a:t> 'self';",</a:t>
-            </a:r>
-          </a:p>
-          <a:p>
-            <a:r>
-              <a:rPr lang="en-US" dirty="0">
-                <a:latin typeface="Calibri" panose="020F0502020204030204" pitchFamily="34" charset="0"/>
-                <a:ea typeface="Calibri" panose="020F0502020204030204" pitchFamily="34" charset="0"/>
-                <a:cs typeface="Calibri" panose="020F0502020204030204" pitchFamily="34" charset="0"/>
-              </a:rPr>
-              <a:t>        "style-</a:t>
-            </a:r>
-            <a:r>
-              <a:rPr lang="en-US" dirty="0" err="1">
-                <a:latin typeface="Calibri" panose="020F0502020204030204" pitchFamily="34" charset="0"/>
-                <a:ea typeface="Calibri" panose="020F0502020204030204" pitchFamily="34" charset="0"/>
-                <a:cs typeface="Calibri" panose="020F0502020204030204" pitchFamily="34" charset="0"/>
-              </a:rPr>
-              <a:t>src</a:t>
-            </a:r>
-            <a:r>
-              <a:rPr lang="en-US" dirty="0">
-                <a:latin typeface="Calibri" panose="020F0502020204030204" pitchFamily="34" charset="0"/>
-                <a:ea typeface="Calibri" panose="020F0502020204030204" pitchFamily="34" charset="0"/>
-                <a:cs typeface="Calibri" panose="020F0502020204030204" pitchFamily="34" charset="0"/>
-              </a:rPr>
-              <a:t> 'self' 'unsafe-inline';",</a:t>
-            </a:r>
-          </a:p>
-          <a:p>
-            <a:r>
-              <a:rPr lang="en-US" dirty="0">
-                <a:latin typeface="Calibri" panose="020F0502020204030204" pitchFamily="34" charset="0"/>
-                <a:ea typeface="Calibri" panose="020F0502020204030204" pitchFamily="34" charset="0"/>
-                <a:cs typeface="Calibri" panose="020F0502020204030204" pitchFamily="34" charset="0"/>
-              </a:rPr>
-              <a:t>        "</a:t>
-            </a:r>
-            <a:r>
-              <a:rPr lang="en-US" dirty="0" err="1">
-                <a:latin typeface="Calibri" panose="020F0502020204030204" pitchFamily="34" charset="0"/>
-                <a:ea typeface="Calibri" panose="020F0502020204030204" pitchFamily="34" charset="0"/>
-                <a:cs typeface="Calibri" panose="020F0502020204030204" pitchFamily="34" charset="0"/>
-              </a:rPr>
-              <a:t>img-src</a:t>
-            </a:r>
-            <a:r>
-              <a:rPr lang="en-US" dirty="0">
-                <a:latin typeface="Calibri" panose="020F0502020204030204" pitchFamily="34" charset="0"/>
-                <a:ea typeface="Calibri" panose="020F0502020204030204" pitchFamily="34" charset="0"/>
-                <a:cs typeface="Calibri" panose="020F0502020204030204" pitchFamily="34" charset="0"/>
-              </a:rPr>
-              <a:t> 'self' data:;",</a:t>
-            </a:r>
-          </a:p>
-          <a:p>
-            <a:r>
-              <a:rPr lang="en-US" dirty="0">
-                <a:latin typeface="Calibri" panose="020F0502020204030204" pitchFamily="34" charset="0"/>
-                <a:ea typeface="Calibri" panose="020F0502020204030204" pitchFamily="34" charset="0"/>
-                <a:cs typeface="Calibri" panose="020F0502020204030204" pitchFamily="34" charset="0"/>
-              </a:rPr>
-              <a:t>        "font-</a:t>
-            </a:r>
-            <a:r>
-              <a:rPr lang="en-US" dirty="0" err="1">
-                <a:latin typeface="Calibri" panose="020F0502020204030204" pitchFamily="34" charset="0"/>
-                <a:ea typeface="Calibri" panose="020F0502020204030204" pitchFamily="34" charset="0"/>
-                <a:cs typeface="Calibri" panose="020F0502020204030204" pitchFamily="34" charset="0"/>
-              </a:rPr>
-              <a:t>src</a:t>
-            </a:r>
-            <a:r>
-              <a:rPr lang="en-US" dirty="0">
-                <a:latin typeface="Calibri" panose="020F0502020204030204" pitchFamily="34" charset="0"/>
-                <a:ea typeface="Calibri" panose="020F0502020204030204" pitchFamily="34" charset="0"/>
-                <a:cs typeface="Calibri" panose="020F0502020204030204" pitchFamily="34" charset="0"/>
-              </a:rPr>
-              <a:t> 'self';",</a:t>
-            </a:r>
-          </a:p>
-          <a:p>
-            <a:r>
-              <a:rPr lang="en-US" dirty="0">
-                <a:latin typeface="Calibri" panose="020F0502020204030204" pitchFamily="34" charset="0"/>
-                <a:ea typeface="Calibri" panose="020F0502020204030204" pitchFamily="34" charset="0"/>
-                <a:cs typeface="Calibri" panose="020F0502020204030204" pitchFamily="34" charset="0"/>
-              </a:rPr>
-              <a:t>        "connect-</a:t>
-            </a:r>
-            <a:r>
-              <a:rPr lang="en-US" dirty="0" err="1">
-                <a:latin typeface="Calibri" panose="020F0502020204030204" pitchFamily="34" charset="0"/>
-                <a:ea typeface="Calibri" panose="020F0502020204030204" pitchFamily="34" charset="0"/>
-                <a:cs typeface="Calibri" panose="020F0502020204030204" pitchFamily="34" charset="0"/>
-              </a:rPr>
-              <a:t>src</a:t>
-            </a:r>
-            <a:r>
-              <a:rPr lang="en-US" dirty="0">
-                <a:latin typeface="Calibri" panose="020F0502020204030204" pitchFamily="34" charset="0"/>
-                <a:ea typeface="Calibri" panose="020F0502020204030204" pitchFamily="34" charset="0"/>
-                <a:cs typeface="Calibri" panose="020F0502020204030204" pitchFamily="34" charset="0"/>
-              </a:rPr>
-              <a:t> 'self';",</a:t>
-            </a:r>
-          </a:p>
-          <a:p>
-            <a:r>
-              <a:rPr lang="en-US" dirty="0">
-                <a:latin typeface="Calibri" panose="020F0502020204030204" pitchFamily="34" charset="0"/>
-                <a:ea typeface="Calibri" panose="020F0502020204030204" pitchFamily="34" charset="0"/>
-                <a:cs typeface="Calibri" panose="020F0502020204030204" pitchFamily="34" charset="0"/>
-              </a:rPr>
-              <a:t>        "frame-ancestors 'none';"</a:t>
-            </a:r>
-          </a:p>
-          <a:p>
-            <a:r>
-              <a:rPr lang="en-US" dirty="0">
-                <a:latin typeface="Calibri" panose="020F0502020204030204" pitchFamily="34" charset="0"/>
-                <a:ea typeface="Calibri" panose="020F0502020204030204" pitchFamily="34" charset="0"/>
-                <a:cs typeface="Calibri" panose="020F0502020204030204" pitchFamily="34" charset="0"/>
-              </a:rPr>
-              <a:t>    );</a:t>
-            </a:r>
-          </a:p>
-          <a:p>
-            <a:endParaRPr lang="en-US" dirty="0">
-              <a:latin typeface="Calibri" panose="020F0502020204030204" pitchFamily="34" charset="0"/>
-              <a:ea typeface="Calibri" panose="020F0502020204030204" pitchFamily="34" charset="0"/>
-              <a:cs typeface="Calibri" panose="020F0502020204030204" pitchFamily="34" charset="0"/>
-            </a:endParaRPr>
-          </a:p>
-          <a:p>
-            <a:r>
-              <a:rPr lang="en-US" dirty="0">
-                <a:latin typeface="Calibri" panose="020F0502020204030204" pitchFamily="34" charset="0"/>
-                <a:ea typeface="Calibri" panose="020F0502020204030204" pitchFamily="34" charset="0"/>
-                <a:cs typeface="Calibri" panose="020F0502020204030204" pitchFamily="34" charset="0"/>
-              </a:rPr>
-              <a:t>    </a:t>
-            </a:r>
-            <a:r>
-              <a:rPr lang="en-US" dirty="0" err="1">
-                <a:latin typeface="Calibri" panose="020F0502020204030204" pitchFamily="34" charset="0"/>
-                <a:ea typeface="Calibri" panose="020F0502020204030204" pitchFamily="34" charset="0"/>
-                <a:cs typeface="Calibri" panose="020F0502020204030204" pitchFamily="34" charset="0"/>
-              </a:rPr>
-              <a:t>context.Response.Headers</a:t>
-            </a:r>
-            <a:r>
-              <a:rPr lang="en-US" dirty="0">
-                <a:latin typeface="Calibri" panose="020F0502020204030204" pitchFamily="34" charset="0"/>
-                <a:ea typeface="Calibri" panose="020F0502020204030204" pitchFamily="34" charset="0"/>
-                <a:cs typeface="Calibri" panose="020F0502020204030204" pitchFamily="34" charset="0"/>
-              </a:rPr>
-              <a:t>["Content-Security-Policy"] = </a:t>
-            </a:r>
-            <a:r>
-              <a:rPr lang="en-US" dirty="0" err="1">
-                <a:latin typeface="Calibri" panose="020F0502020204030204" pitchFamily="34" charset="0"/>
-                <a:ea typeface="Calibri" panose="020F0502020204030204" pitchFamily="34" charset="0"/>
-                <a:cs typeface="Calibri" panose="020F0502020204030204" pitchFamily="34" charset="0"/>
-              </a:rPr>
-              <a:t>csp</a:t>
-            </a:r>
-            <a:r>
-              <a:rPr lang="en-US" dirty="0">
-                <a:latin typeface="Calibri" panose="020F0502020204030204" pitchFamily="34" charset="0"/>
-                <a:ea typeface="Calibri" panose="020F0502020204030204" pitchFamily="34" charset="0"/>
-                <a:cs typeface="Calibri" panose="020F0502020204030204" pitchFamily="34" charset="0"/>
-              </a:rPr>
-              <a:t>;</a:t>
-            </a:r>
-          </a:p>
-          <a:p>
-            <a:r>
-              <a:rPr lang="en-US" dirty="0">
-                <a:latin typeface="Calibri" panose="020F0502020204030204" pitchFamily="34" charset="0"/>
-                <a:ea typeface="Calibri" panose="020F0502020204030204" pitchFamily="34" charset="0"/>
-                <a:cs typeface="Calibri" panose="020F0502020204030204" pitchFamily="34" charset="0"/>
-              </a:rPr>
-              <a:t>    </a:t>
-            </a:r>
-            <a:r>
-              <a:rPr lang="en-US" dirty="0" err="1">
-                <a:latin typeface="Calibri" panose="020F0502020204030204" pitchFamily="34" charset="0"/>
-                <a:ea typeface="Calibri" panose="020F0502020204030204" pitchFamily="34" charset="0"/>
-                <a:cs typeface="Calibri" panose="020F0502020204030204" pitchFamily="34" charset="0"/>
-              </a:rPr>
-              <a:t>context.Response.Headers</a:t>
-            </a:r>
-            <a:r>
-              <a:rPr lang="en-US" dirty="0">
-                <a:latin typeface="Calibri" panose="020F0502020204030204" pitchFamily="34" charset="0"/>
-                <a:ea typeface="Calibri" panose="020F0502020204030204" pitchFamily="34" charset="0"/>
-                <a:cs typeface="Calibri" panose="020F0502020204030204" pitchFamily="34" charset="0"/>
-              </a:rPr>
-              <a:t>["X-Content-Type-Options"] = "</a:t>
-            </a:r>
-            <a:r>
-              <a:rPr lang="en-US" dirty="0" err="1">
-                <a:latin typeface="Calibri" panose="020F0502020204030204" pitchFamily="34" charset="0"/>
-                <a:ea typeface="Calibri" panose="020F0502020204030204" pitchFamily="34" charset="0"/>
-                <a:cs typeface="Calibri" panose="020F0502020204030204" pitchFamily="34" charset="0"/>
-              </a:rPr>
-              <a:t>nosniff</a:t>
-            </a:r>
-            <a:r>
-              <a:rPr lang="en-US" dirty="0">
-                <a:latin typeface="Calibri" panose="020F0502020204030204" pitchFamily="34" charset="0"/>
-                <a:ea typeface="Calibri" panose="020F0502020204030204" pitchFamily="34" charset="0"/>
-                <a:cs typeface="Calibri" panose="020F0502020204030204" pitchFamily="34" charset="0"/>
-              </a:rPr>
-              <a:t>";</a:t>
-            </a:r>
-          </a:p>
-          <a:p>
-            <a:r>
-              <a:rPr lang="en-US" dirty="0">
-                <a:latin typeface="Calibri" panose="020F0502020204030204" pitchFamily="34" charset="0"/>
-                <a:ea typeface="Calibri" panose="020F0502020204030204" pitchFamily="34" charset="0"/>
-                <a:cs typeface="Calibri" panose="020F0502020204030204" pitchFamily="34" charset="0"/>
-              </a:rPr>
-              <a:t>    </a:t>
-            </a:r>
-            <a:r>
-              <a:rPr lang="en-US" dirty="0" err="1">
-                <a:latin typeface="Calibri" panose="020F0502020204030204" pitchFamily="34" charset="0"/>
-                <a:ea typeface="Calibri" panose="020F0502020204030204" pitchFamily="34" charset="0"/>
-                <a:cs typeface="Calibri" panose="020F0502020204030204" pitchFamily="34" charset="0"/>
-              </a:rPr>
-              <a:t>context.Response.Headers</a:t>
-            </a:r>
-            <a:r>
-              <a:rPr lang="en-US" dirty="0">
-                <a:latin typeface="Calibri" panose="020F0502020204030204" pitchFamily="34" charset="0"/>
-                <a:ea typeface="Calibri" panose="020F0502020204030204" pitchFamily="34" charset="0"/>
-                <a:cs typeface="Calibri" panose="020F0502020204030204" pitchFamily="34" charset="0"/>
-              </a:rPr>
-              <a:t>["X-Frame-Options"] = "DENY";</a:t>
-            </a:r>
-          </a:p>
-          <a:p>
-            <a:r>
-              <a:rPr lang="en-US" dirty="0">
-                <a:latin typeface="Calibri" panose="020F0502020204030204" pitchFamily="34" charset="0"/>
-                <a:ea typeface="Calibri" panose="020F0502020204030204" pitchFamily="34" charset="0"/>
-                <a:cs typeface="Calibri" panose="020F0502020204030204" pitchFamily="34" charset="0"/>
-              </a:rPr>
-              <a:t>    </a:t>
-            </a:r>
-            <a:r>
-              <a:rPr lang="en-US" dirty="0" err="1">
-                <a:latin typeface="Calibri" panose="020F0502020204030204" pitchFamily="34" charset="0"/>
-                <a:ea typeface="Calibri" panose="020F0502020204030204" pitchFamily="34" charset="0"/>
-                <a:cs typeface="Calibri" panose="020F0502020204030204" pitchFamily="34" charset="0"/>
-              </a:rPr>
-              <a:t>context.Response.Headers</a:t>
-            </a:r>
-            <a:r>
-              <a:rPr lang="en-US" dirty="0">
-                <a:latin typeface="Calibri" panose="020F0502020204030204" pitchFamily="34" charset="0"/>
-                <a:ea typeface="Calibri" panose="020F0502020204030204" pitchFamily="34" charset="0"/>
-                <a:cs typeface="Calibri" panose="020F0502020204030204" pitchFamily="34" charset="0"/>
-              </a:rPr>
-              <a:t>["Referrer-Policy"] = "strict-origin-when-cross-origin";</a:t>
-            </a:r>
-          </a:p>
-          <a:p>
-            <a:endParaRPr lang="en-US" dirty="0">
-              <a:latin typeface="Calibri" panose="020F0502020204030204" pitchFamily="34" charset="0"/>
-              <a:ea typeface="Calibri" panose="020F0502020204030204" pitchFamily="34" charset="0"/>
-              <a:cs typeface="Calibri" panose="020F0502020204030204" pitchFamily="34" charset="0"/>
-            </a:endParaRPr>
-          </a:p>
-          <a:p>
-            <a:r>
-              <a:rPr lang="en-US" dirty="0">
-                <a:latin typeface="Calibri" panose="020F0502020204030204" pitchFamily="34" charset="0"/>
-                <a:ea typeface="Calibri" panose="020F0502020204030204" pitchFamily="34" charset="0"/>
-                <a:cs typeface="Calibri" panose="020F0502020204030204" pitchFamily="34" charset="0"/>
-              </a:rPr>
-              <a:t>    await next();</a:t>
-            </a:r>
-          </a:p>
-          <a:p>
-            <a:r>
-              <a:rPr lang="en-US" dirty="0">
-                <a:latin typeface="Calibri" panose="020F0502020204030204" pitchFamily="34" charset="0"/>
-                <a:ea typeface="Calibri" panose="020F0502020204030204" pitchFamily="34" charset="0"/>
-                <a:cs typeface="Calibri" panose="020F0502020204030204" pitchFamily="34" charset="0"/>
-              </a:rPr>
-              <a:t>});</a:t>
-            </a:r>
-          </a:p>
-          <a:p>
-            <a:endParaRPr lang="en-US" dirty="0"/>
-          </a:p>
-        </p:txBody>
-      </p:sp>
-      <p:sp>
-        <p:nvSpPr>
-          <p:cNvPr id="5" name="Title 1">
-            <a:extLst>
-              <a:ext uri="{FF2B5EF4-FFF2-40B4-BE49-F238E27FC236}">
-                <a16:creationId xmlns:a16="http://schemas.microsoft.com/office/drawing/2014/main" id="{0AE6ED58-4BDA-376A-1ADB-576B86956914}"/>
-              </a:ext>
-            </a:extLst>
-          </p:cNvPr>
-          <p:cNvSpPr txBox="1">
-            <a:spLocks/>
-          </p:cNvSpPr>
-          <p:nvPr/>
-        </p:nvSpPr>
-        <p:spPr>
-          <a:xfrm>
-            <a:off x="1159821" y="103089"/>
-            <a:ext cx="9150675" cy="460882"/>
-          </a:xfrm>
-          <a:prstGeom prst="rect">
-            <a:avLst/>
-          </a:prstGeom>
-        </p:spPr>
-        <p:txBody>
-          <a:bodyPr vert="horz" lIns="0" tIns="45720" rIns="91440" bIns="45720" rtlCol="0" anchor="ctr">
-            <a:noAutofit/>
-          </a:bodyPr>
-          <a:lstStyle>
-            <a:lvl1pPr algn="l" defTabSz="914400" rtl="0" eaLnBrk="1" latinLnBrk="0" hangingPunct="1">
-              <a:lnSpc>
-                <a:spcPct val="90000"/>
-              </a:lnSpc>
-              <a:spcBef>
-                <a:spcPct val="0"/>
-              </a:spcBef>
-              <a:buNone/>
-              <a:defRPr sz="3600" kern="1200">
-                <a:solidFill>
-                  <a:schemeClr val="tx1"/>
-                </a:solidFill>
-                <a:latin typeface="+mj-lt"/>
-                <a:ea typeface="+mj-ea"/>
-                <a:cs typeface="+mj-cs"/>
-              </a:defRPr>
-            </a:lvl1pPr>
-          </a:lstStyle>
-          <a:p>
-            <a:r>
-              <a:rPr lang="en-US" sz="3200" b="1" dirty="0">
-                <a:solidFill>
-                  <a:schemeClr val="accent6">
-                    <a:lumMod val="75000"/>
-                  </a:schemeClr>
-                </a:solidFill>
-              </a:rPr>
-              <a:t>Code Snippets: Harden Headers</a:t>
-            </a:r>
-            <a:endParaRPr lang="en-ZA" sz="3200" b="1" dirty="0">
-              <a:solidFill>
-                <a:schemeClr val="accent6">
-                  <a:lumMod val="75000"/>
-                </a:schemeClr>
-              </a:solidFill>
-            </a:endParaRPr>
-          </a:p>
-        </p:txBody>
-      </p:sp>
-    </p:spTree>
-    <p:extLst>
-      <p:ext uri="{BB962C8B-B14F-4D97-AF65-F5344CB8AC3E}">
-        <p14:creationId xmlns:p14="http://schemas.microsoft.com/office/powerpoint/2010/main" val="82250651"/>
-      </p:ext>
-    </p:extLst>
-  </p:cSld>
-  <p:clrMapOvr>
-    <a:masterClrMapping/>
-  </p:clrMapOvr>
-</p:sld>
-</file>
-
-<file path=ppt/slides/slide12.xml><?xml version="1.0" encoding="utf-8"?>
-<p:sld xmlns:a="http://schemas.openxmlformats.org/drawingml/2006/main" xmlns:r="http://schemas.openxmlformats.org/officeDocument/2006/relationships" xmlns:p="http://schemas.openxmlformats.org/presentationml/2006/main">
-  <p:cSld>
-    <p:spTree>
-      <p:nvGrpSpPr>
-        <p:cNvPr id="1" name="">
-          <a:extLst>
-            <a:ext uri="{FF2B5EF4-FFF2-40B4-BE49-F238E27FC236}">
               <a16:creationId xmlns:a16="http://schemas.microsoft.com/office/drawing/2014/main" id="{545ADCDB-B7BF-AC56-36AF-A3C96D631AED}"/>
             </a:ext>
           </a:extLst>
@@ -7747,8 +6693,8 @@
         </p:nvSpPr>
         <p:spPr bwMode="auto">
           <a:xfrm>
-            <a:off x="1089952" y="680908"/>
-            <a:ext cx="10012095" cy="7017306"/>
+            <a:off x="1184988" y="816083"/>
+            <a:ext cx="10515600" cy="5765681"/>
           </a:xfrm>
           <a:prstGeom prst="rect">
             <a:avLst/>
@@ -7801,7 +6747,7 @@
                 <a:spcPct val="100000"/>
               </a:lnSpc>
               <a:spcBef>
-                <a:spcPct val="0"/>
+                <a:spcPts val="150"/>
               </a:spcBef>
               <a:spcAft>
                 <a:spcPct val="0"/>
@@ -7811,14 +6757,14 @@
               <a:tabLst/>
             </a:pPr>
             <a:r>
-              <a:rPr lang="en-US" altLang="en-US" sz="2100" b="1" dirty="0">
+              <a:rPr lang="en-US" altLang="en-US" sz="1800" b="1" dirty="0">
                 <a:latin typeface="Calibri" panose="020F0502020204030204" pitchFamily="34" charset="0"/>
                 <a:ea typeface="Calibri" panose="020F0502020204030204" pitchFamily="34" charset="0"/>
                 <a:cs typeface="Calibri" panose="020F0502020204030204" pitchFamily="34" charset="0"/>
               </a:rPr>
               <a:t>Frontend Optimizations:</a:t>
             </a:r>
-            <a:endParaRPr kumimoji="0" lang="en-US" altLang="en-US" sz="2100" b="1" i="0" u="none" strike="noStrike" cap="none" normalizeH="0" baseline="0" dirty="0">
+            <a:endParaRPr kumimoji="0" lang="en-US" altLang="en-US" sz="1800" b="1" i="0" u="none" strike="noStrike" cap="none" normalizeH="0" baseline="0" dirty="0">
               <a:ln>
                 <a:noFill/>
               </a:ln>
@@ -7837,7 +6783,7 @@
                 <a:spcPct val="100000"/>
               </a:lnSpc>
               <a:spcBef>
-                <a:spcPct val="0"/>
+                <a:spcPts val="150"/>
               </a:spcBef>
               <a:spcAft>
                 <a:spcPct val="0"/>
@@ -7849,7 +6795,7 @@
               <a:tabLst/>
             </a:pPr>
             <a:r>
-              <a:rPr kumimoji="0" lang="en-US" altLang="en-US" sz="2100" b="0" i="0" u="none" strike="noStrike" cap="none" normalizeH="0" baseline="0" dirty="0">
+              <a:rPr kumimoji="0" lang="en-US" altLang="en-US" sz="1800" b="0" i="0" u="none" strike="noStrike" cap="none" normalizeH="0" baseline="0" dirty="0">
                 <a:ln>
                   <a:noFill/>
                 </a:ln>
@@ -7864,7 +6810,7 @@
               <a:t>Implemented </a:t>
             </a:r>
             <a:r>
-              <a:rPr kumimoji="0" lang="en-US" altLang="en-US" sz="2100" b="1" i="0" u="none" strike="noStrike" cap="none" normalizeH="0" baseline="0" dirty="0">
+              <a:rPr kumimoji="0" lang="en-US" altLang="en-US" sz="1800" b="1" i="0" u="none" strike="noStrike" cap="none" normalizeH="0" baseline="0" dirty="0">
                 <a:ln>
                   <a:noFill/>
                 </a:ln>
@@ -7879,7 +6825,7 @@
               <a:t>code-splitting</a:t>
             </a:r>
             <a:r>
-              <a:rPr kumimoji="0" lang="en-US" altLang="en-US" sz="2100" b="0" i="0" u="none" strike="noStrike" cap="none" normalizeH="0" baseline="0" dirty="0">
+              <a:rPr kumimoji="0" lang="en-US" altLang="en-US" sz="1800" b="0" i="0" u="none" strike="noStrike" cap="none" normalizeH="0" baseline="0" dirty="0">
                 <a:ln>
                   <a:noFill/>
                 </a:ln>
@@ -7894,7 +6840,7 @@
               <a:t> and </a:t>
             </a:r>
             <a:r>
-              <a:rPr kumimoji="0" lang="en-US" altLang="en-US" sz="2100" b="1" i="0" u="none" strike="noStrike" cap="none" normalizeH="0" baseline="0" dirty="0">
+              <a:rPr kumimoji="0" lang="en-US" altLang="en-US" sz="1800" b="1" i="0" u="none" strike="noStrike" cap="none" normalizeH="0" baseline="0" dirty="0">
                 <a:ln>
                   <a:noFill/>
                 </a:ln>
@@ -7909,7 +6855,7 @@
               <a:t>lazy loading</a:t>
             </a:r>
             <a:r>
-              <a:rPr kumimoji="0" lang="en-US" altLang="en-US" sz="2100" b="0" i="0" u="none" strike="noStrike" cap="none" normalizeH="0" baseline="0" dirty="0">
+              <a:rPr kumimoji="0" lang="en-US" altLang="en-US" sz="1800" b="0" i="0" u="none" strike="noStrike" cap="none" normalizeH="0" baseline="0" dirty="0">
                 <a:ln>
                   <a:noFill/>
                 </a:ln>
@@ -7924,7 +6870,7 @@
               <a:t> using </a:t>
             </a:r>
             <a:r>
-              <a:rPr kumimoji="0" lang="en-US" altLang="en-US" sz="2100" b="0" i="0" u="none" strike="noStrike" cap="none" normalizeH="0" baseline="0" dirty="0" err="1">
+              <a:rPr kumimoji="0" lang="en-US" altLang="en-US" sz="1800" b="0" i="0" u="none" strike="noStrike" cap="none" normalizeH="0" baseline="0" dirty="0" err="1">
                 <a:ln>
                   <a:noFill/>
                 </a:ln>
@@ -7939,7 +6885,7 @@
               <a:t>React.lazy</a:t>
             </a:r>
             <a:r>
-              <a:rPr kumimoji="0" lang="en-US" altLang="en-US" sz="2100" b="0" i="0" u="none" strike="noStrike" cap="none" normalizeH="0" baseline="0" dirty="0">
+              <a:rPr kumimoji="0" lang="en-US" altLang="en-US" sz="1800" b="0" i="0" u="none" strike="noStrike" cap="none" normalizeH="0" baseline="0" dirty="0">
                 <a:ln>
                   <a:noFill/>
                 </a:ln>
@@ -7960,7 +6906,7 @@
                 <a:spcPct val="100000"/>
               </a:lnSpc>
               <a:spcBef>
-                <a:spcPct val="0"/>
+                <a:spcPts val="150"/>
               </a:spcBef>
               <a:spcAft>
                 <a:spcPct val="0"/>
@@ -7972,7 +6918,7 @@
               <a:tabLst/>
             </a:pPr>
             <a:r>
-              <a:rPr kumimoji="0" lang="en-US" altLang="en-US" sz="2100" b="0" i="0" u="none" strike="noStrike" cap="none" normalizeH="0" baseline="0" dirty="0">
+              <a:rPr kumimoji="0" lang="en-US" altLang="en-US" sz="1800" b="0" i="0" u="none" strike="noStrike" cap="none" normalizeH="0" baseline="0" dirty="0">
                 <a:ln>
                   <a:noFill/>
                 </a:ln>
@@ -7987,7 +6933,7 @@
               <a:t>Used </a:t>
             </a:r>
             <a:r>
-              <a:rPr kumimoji="0" lang="en-US" altLang="en-US" sz="2100" b="1" i="0" u="none" strike="noStrike" cap="none" normalizeH="0" baseline="0" dirty="0">
+              <a:rPr kumimoji="0" lang="en-US" altLang="en-US" sz="1800" b="1" i="0" u="none" strike="noStrike" cap="none" normalizeH="0" baseline="0" dirty="0">
                 <a:ln>
                   <a:noFill/>
                 </a:ln>
@@ -8002,7 +6948,7 @@
               <a:t>dynamic imports</a:t>
             </a:r>
             <a:r>
-              <a:rPr kumimoji="0" lang="en-US" altLang="en-US" sz="2100" b="0" i="0" u="none" strike="noStrike" cap="none" normalizeH="0" baseline="0" dirty="0">
+              <a:rPr kumimoji="0" lang="en-US" altLang="en-US" sz="1800" b="0" i="0" u="none" strike="noStrike" cap="none" normalizeH="0" baseline="0" dirty="0">
                 <a:ln>
                   <a:noFill/>
                 </a:ln>
@@ -8023,7 +6969,7 @@
                 <a:spcPct val="100000"/>
               </a:lnSpc>
               <a:spcBef>
-                <a:spcPct val="0"/>
+                <a:spcPts val="150"/>
               </a:spcBef>
               <a:spcAft>
                 <a:spcPct val="0"/>
@@ -8035,7 +6981,7 @@
               <a:tabLst/>
             </a:pPr>
             <a:r>
-              <a:rPr kumimoji="0" lang="en-US" altLang="en-US" sz="2100" b="0" i="0" u="none" strike="noStrike" cap="none" normalizeH="0" baseline="0" dirty="0">
+              <a:rPr kumimoji="0" lang="en-US" altLang="en-US" sz="1800" b="0" i="0" u="none" strike="noStrike" cap="none" normalizeH="0" baseline="0" dirty="0">
                 <a:ln>
                   <a:noFill/>
                 </a:ln>
@@ -8050,7 +6996,7 @@
               <a:t>Applied </a:t>
             </a:r>
             <a:r>
-              <a:rPr kumimoji="0" lang="en-US" altLang="en-US" sz="2100" b="1" i="0" u="none" strike="noStrike" cap="none" normalizeH="0" baseline="0" dirty="0" err="1">
+              <a:rPr kumimoji="0" lang="en-US" altLang="en-US" sz="1800" b="1" i="0" u="none" strike="noStrike" cap="none" normalizeH="0" baseline="0" dirty="0" err="1">
                 <a:ln>
                   <a:noFill/>
                 </a:ln>
@@ -8065,7 +7011,7 @@
               <a:t>React.memo</a:t>
             </a:r>
             <a:r>
-              <a:rPr kumimoji="0" lang="en-US" altLang="en-US" sz="2100" b="0" i="0" u="none" strike="noStrike" cap="none" normalizeH="0" baseline="0" dirty="0">
+              <a:rPr kumimoji="0" lang="en-US" altLang="en-US" sz="1800" b="0" i="0" u="none" strike="noStrike" cap="none" normalizeH="0" baseline="0" dirty="0">
                 <a:ln>
                   <a:noFill/>
                 </a:ln>
@@ -8080,7 +7026,7 @@
               <a:t>, </a:t>
             </a:r>
             <a:r>
-              <a:rPr kumimoji="0" lang="en-US" altLang="en-US" sz="2100" b="0" i="0" u="none" strike="noStrike" cap="none" normalizeH="0" baseline="0" dirty="0" err="1">
+              <a:rPr kumimoji="0" lang="en-US" altLang="en-US" sz="1800" b="0" i="0" u="none" strike="noStrike" cap="none" normalizeH="0" baseline="0" dirty="0" err="1">
                 <a:ln>
                   <a:noFill/>
                 </a:ln>
@@ -8095,7 +7041,7 @@
               <a:t>useMemo</a:t>
             </a:r>
             <a:r>
-              <a:rPr kumimoji="0" lang="en-US" altLang="en-US" sz="2100" b="0" i="0" u="none" strike="noStrike" cap="none" normalizeH="0" baseline="0" dirty="0">
+              <a:rPr kumimoji="0" lang="en-US" altLang="en-US" sz="1800" b="0" i="0" u="none" strike="noStrike" cap="none" normalizeH="0" baseline="0" dirty="0">
                 <a:ln>
                   <a:noFill/>
                 </a:ln>
@@ -8110,7 +7056,7 @@
               <a:t>, and </a:t>
             </a:r>
             <a:r>
-              <a:rPr kumimoji="0" lang="en-US" altLang="en-US" sz="2100" b="0" i="0" u="none" strike="noStrike" cap="none" normalizeH="0" baseline="0" dirty="0" err="1">
+              <a:rPr kumimoji="0" lang="en-US" altLang="en-US" sz="1800" b="0" i="0" u="none" strike="noStrike" cap="none" normalizeH="0" baseline="0" dirty="0" err="1">
                 <a:ln>
                   <a:noFill/>
                 </a:ln>
@@ -8125,7 +7071,7 @@
               <a:t>useCallback</a:t>
             </a:r>
             <a:r>
-              <a:rPr kumimoji="0" lang="en-US" altLang="en-US" sz="2100" b="0" i="0" u="none" strike="noStrike" cap="none" normalizeH="0" baseline="0" dirty="0">
+              <a:rPr kumimoji="0" lang="en-US" altLang="en-US" sz="1800" b="0" i="0" u="none" strike="noStrike" cap="none" normalizeH="0" baseline="0" dirty="0">
                 <a:ln>
                   <a:noFill/>
                 </a:ln>
@@ -8146,7 +7092,7 @@
                 <a:spcPct val="100000"/>
               </a:lnSpc>
               <a:spcBef>
-                <a:spcPct val="0"/>
+                <a:spcPts val="150"/>
               </a:spcBef>
               <a:spcAft>
                 <a:spcPct val="0"/>
@@ -8155,7 +7101,7 @@
               <a:buChar char="Ø"/>
             </a:pPr>
             <a:r>
-              <a:rPr lang="en-US" sz="2100" dirty="0">
+              <a:rPr lang="en-US" sz="1800" dirty="0">
                 <a:latin typeface="Calibri" panose="020F0502020204030204" pitchFamily="34" charset="0"/>
                 <a:ea typeface="Calibri" panose="020F0502020204030204" pitchFamily="34" charset="0"/>
                 <a:cs typeface="Calibri" panose="020F0502020204030204" pitchFamily="34" charset="0"/>
@@ -8163,7 +7109,7 @@
               <a:t>Preferred async/await + </a:t>
             </a:r>
             <a:r>
-              <a:rPr lang="en-US" sz="2100" dirty="0" err="1">
+              <a:rPr lang="en-US" sz="1800" dirty="0" err="1">
                 <a:latin typeface="Calibri" panose="020F0502020204030204" pitchFamily="34" charset="0"/>
                 <a:ea typeface="Calibri" panose="020F0502020204030204" pitchFamily="34" charset="0"/>
                 <a:cs typeface="Calibri" panose="020F0502020204030204" pitchFamily="34" charset="0"/>
@@ -8171,7 +7117,7 @@
               <a:t>Promise.all</a:t>
             </a:r>
             <a:r>
-              <a:rPr lang="en-US" sz="2100" dirty="0">
+              <a:rPr lang="en-US" sz="1800" dirty="0">
                 <a:latin typeface="Calibri" panose="020F0502020204030204" pitchFamily="34" charset="0"/>
                 <a:ea typeface="Calibri" panose="020F0502020204030204" pitchFamily="34" charset="0"/>
                 <a:cs typeface="Calibri" panose="020F0502020204030204" pitchFamily="34" charset="0"/>
@@ -8185,7 +7131,7 @@
                 <a:spcPct val="100000"/>
               </a:lnSpc>
               <a:spcBef>
-                <a:spcPct val="0"/>
+                <a:spcPts val="150"/>
               </a:spcBef>
               <a:spcAft>
                 <a:spcPct val="0"/>
@@ -8194,7 +7140,7 @@
               <a:buChar char="Ø"/>
             </a:pPr>
             <a:r>
-              <a:rPr lang="en-US" altLang="en-US" sz="2100" dirty="0">
+              <a:rPr lang="en-US" altLang="en-US" sz="1800" dirty="0">
                 <a:latin typeface="Calibri" panose="020F0502020204030204" pitchFamily="34" charset="0"/>
                 <a:ea typeface="Calibri" panose="020F0502020204030204" pitchFamily="34" charset="0"/>
                 <a:cs typeface="Calibri" panose="020F0502020204030204" pitchFamily="34" charset="0"/>
@@ -8202,7 +7148,7 @@
               <a:t>Integrated Light house audits to track </a:t>
             </a:r>
             <a:r>
-              <a:rPr lang="en-US" sz="2100" b="1" dirty="0">
+              <a:rPr lang="en-US" sz="1800" b="1" dirty="0">
                 <a:latin typeface="Calibri" panose="020F0502020204030204" pitchFamily="34" charset="0"/>
                 <a:ea typeface="Calibri" panose="020F0502020204030204" pitchFamily="34" charset="0"/>
                 <a:cs typeface="Calibri" panose="020F0502020204030204" pitchFamily="34" charset="0"/>
@@ -8210,7 +7156,7 @@
               <a:t>Largest </a:t>
             </a:r>
             <a:r>
-              <a:rPr lang="en-US" sz="2100" b="1" dirty="0" err="1">
+              <a:rPr lang="en-US" sz="1800" b="1" dirty="0" err="1">
                 <a:latin typeface="Calibri" panose="020F0502020204030204" pitchFamily="34" charset="0"/>
                 <a:ea typeface="Calibri" panose="020F0502020204030204" pitchFamily="34" charset="0"/>
                 <a:cs typeface="Calibri" panose="020F0502020204030204" pitchFamily="34" charset="0"/>
@@ -8218,7 +7164,7 @@
               <a:t>Contentful</a:t>
             </a:r>
             <a:r>
-              <a:rPr lang="en-US" sz="2100" b="1" dirty="0">
+              <a:rPr lang="en-US" sz="1800" b="1" dirty="0">
                 <a:latin typeface="Calibri" panose="020F0502020204030204" pitchFamily="34" charset="0"/>
                 <a:ea typeface="Calibri" panose="020F0502020204030204" pitchFamily="34" charset="0"/>
                 <a:cs typeface="Calibri" panose="020F0502020204030204" pitchFamily="34" charset="0"/>
@@ -8226,7 +7172,7 @@
               <a:t> Paint, </a:t>
             </a:r>
             <a:r>
-              <a:rPr lang="en-US" sz="2100" dirty="0">
+              <a:rPr lang="en-US" sz="1800" dirty="0">
                 <a:latin typeface="Calibri" panose="020F0502020204030204" pitchFamily="34" charset="0"/>
                 <a:ea typeface="Calibri" panose="020F0502020204030204" pitchFamily="34" charset="0"/>
                 <a:cs typeface="Calibri" panose="020F0502020204030204" pitchFamily="34" charset="0"/>
@@ -8240,13 +7186,13 @@
                 <a:spcPct val="100000"/>
               </a:lnSpc>
               <a:spcBef>
-                <a:spcPct val="0"/>
+                <a:spcPts val="150"/>
               </a:spcBef>
               <a:spcAft>
                 <a:spcPct val="0"/>
               </a:spcAft>
             </a:pPr>
-            <a:endParaRPr lang="en-US" sz="2100" dirty="0">
+            <a:endParaRPr lang="en-US" sz="1800" dirty="0">
               <a:latin typeface="Calibri" panose="020F0502020204030204" pitchFamily="34" charset="0"/>
               <a:ea typeface="Calibri" panose="020F0502020204030204" pitchFamily="34" charset="0"/>
               <a:cs typeface="Calibri" panose="020F0502020204030204" pitchFamily="34" charset="0"/>
@@ -8258,14 +7204,14 @@
                 <a:spcPct val="100000"/>
               </a:lnSpc>
               <a:spcBef>
-                <a:spcPct val="0"/>
+                <a:spcPts val="150"/>
               </a:spcBef>
               <a:spcAft>
                 <a:spcPct val="0"/>
               </a:spcAft>
             </a:pPr>
             <a:r>
-              <a:rPr lang="en-US" sz="2100" b="1" dirty="0">
+              <a:rPr lang="en-US" sz="1800" b="1" dirty="0">
                 <a:latin typeface="Calibri" panose="020F0502020204030204" pitchFamily="34" charset="0"/>
                 <a:ea typeface="Calibri" panose="020F0502020204030204" pitchFamily="34" charset="0"/>
                 <a:cs typeface="Calibri" panose="020F0502020204030204" pitchFamily="34" charset="0"/>
@@ -8279,7 +7225,7 @@
                 <a:spcPct val="100000"/>
               </a:lnSpc>
               <a:spcBef>
-                <a:spcPct val="0"/>
+                <a:spcPts val="150"/>
               </a:spcBef>
               <a:spcAft>
                 <a:spcPct val="0"/>
@@ -8288,7 +7234,7 @@
               <a:buChar char="Ø"/>
             </a:pPr>
             <a:r>
-              <a:rPr lang="en-US" sz="2100" b="1" dirty="0">
+              <a:rPr lang="en-US" sz="1800" b="1" dirty="0">
                 <a:latin typeface="Calibri" panose="020F0502020204030204" pitchFamily="34" charset="0"/>
                 <a:ea typeface="Calibri" panose="020F0502020204030204" pitchFamily="34" charset="0"/>
                 <a:cs typeface="Calibri" panose="020F0502020204030204" pitchFamily="34" charset="0"/>
@@ -8302,7 +7248,7 @@
                 <a:spcPct val="100000"/>
               </a:lnSpc>
               <a:spcBef>
-                <a:spcPct val="0"/>
+                <a:spcPts val="150"/>
               </a:spcBef>
               <a:spcAft>
                 <a:spcPct val="0"/>
@@ -8311,7 +7257,7 @@
               <a:buChar char="Ø"/>
             </a:pPr>
             <a:r>
-              <a:rPr lang="en-US" sz="2100" dirty="0">
+              <a:rPr lang="en-US" sz="1800" dirty="0">
                 <a:latin typeface="Calibri" panose="020F0502020204030204" pitchFamily="34" charset="0"/>
                 <a:ea typeface="Calibri" panose="020F0502020204030204" pitchFamily="34" charset="0"/>
                 <a:cs typeface="Calibri" panose="020F0502020204030204" pitchFamily="34" charset="0"/>
@@ -8319,14 +7265,14 @@
               <a:t>Added custom column-level flags to indicate pre-validated records.</a:t>
             </a:r>
             <a:br>
-              <a:rPr lang="en-US" sz="2100" dirty="0">
+              <a:rPr lang="en-US" sz="1800" dirty="0">
                 <a:latin typeface="Calibri" panose="020F0502020204030204" pitchFamily="34" charset="0"/>
                 <a:ea typeface="Calibri" panose="020F0502020204030204" pitchFamily="34" charset="0"/>
                 <a:cs typeface="Calibri" panose="020F0502020204030204" pitchFamily="34" charset="0"/>
               </a:rPr>
             </a:br>
             <a:r>
-              <a:rPr lang="en-US" sz="2100" dirty="0">
+              <a:rPr lang="en-US" sz="1800" dirty="0">
                 <a:latin typeface="Calibri" panose="020F0502020204030204" pitchFamily="34" charset="0"/>
                 <a:ea typeface="Calibri" panose="020F0502020204030204" pitchFamily="34" charset="0"/>
                 <a:cs typeface="Calibri" panose="020F0502020204030204" pitchFamily="34" charset="0"/>
@@ -8340,7 +7286,7 @@
                 <a:spcPct val="100000"/>
               </a:lnSpc>
               <a:spcBef>
-                <a:spcPct val="0"/>
+                <a:spcPts val="150"/>
               </a:spcBef>
               <a:spcAft>
                 <a:spcPct val="0"/>
@@ -8349,7 +7295,7 @@
               <a:buChar char="Ø"/>
             </a:pPr>
             <a:r>
-              <a:rPr lang="en-US" sz="2100" dirty="0">
+              <a:rPr lang="en-US" sz="1800" dirty="0">
                 <a:latin typeface="Calibri" panose="020F0502020204030204" pitchFamily="34" charset="0"/>
                 <a:ea typeface="Calibri" panose="020F0502020204030204" pitchFamily="34" charset="0"/>
                 <a:cs typeface="Calibri" panose="020F0502020204030204" pitchFamily="34" charset="0"/>
@@ -8357,7 +7303,7 @@
               <a:t>Replaced row-by-row operations with </a:t>
             </a:r>
             <a:r>
-              <a:rPr lang="en-US" sz="2100" b="1" dirty="0">
+              <a:rPr lang="en-US" sz="1800" b="1" dirty="0">
                 <a:latin typeface="Calibri" panose="020F0502020204030204" pitchFamily="34" charset="0"/>
                 <a:ea typeface="Calibri" panose="020F0502020204030204" pitchFamily="34" charset="0"/>
                 <a:cs typeface="Calibri" panose="020F0502020204030204" pitchFamily="34" charset="0"/>
@@ -8365,7 +7311,7 @@
               <a:t>FORALL</a:t>
             </a:r>
             <a:r>
-              <a:rPr lang="en-US" sz="2100" dirty="0">
+              <a:rPr lang="en-US" sz="1800" dirty="0">
                 <a:latin typeface="Calibri" panose="020F0502020204030204" pitchFamily="34" charset="0"/>
                 <a:ea typeface="Calibri" panose="020F0502020204030204" pitchFamily="34" charset="0"/>
                 <a:cs typeface="Calibri" panose="020F0502020204030204" pitchFamily="34" charset="0"/>
@@ -8373,7 +7319,7 @@
               <a:t> (for batch INSERT/UPDATE) and </a:t>
             </a:r>
             <a:r>
-              <a:rPr lang="en-US" sz="2100" b="1" dirty="0">
+              <a:rPr lang="en-US" sz="1800" b="1" dirty="0">
                 <a:latin typeface="Calibri" panose="020F0502020204030204" pitchFamily="34" charset="0"/>
                 <a:ea typeface="Calibri" panose="020F0502020204030204" pitchFamily="34" charset="0"/>
                 <a:cs typeface="Calibri" panose="020F0502020204030204" pitchFamily="34" charset="0"/>
@@ -8381,7 +7327,7 @@
               <a:t>BULK COLLECT</a:t>
             </a:r>
             <a:r>
-              <a:rPr lang="en-US" sz="2100" dirty="0">
+              <a:rPr lang="en-US" sz="1800" dirty="0">
                 <a:latin typeface="Calibri" panose="020F0502020204030204" pitchFamily="34" charset="0"/>
                 <a:ea typeface="Calibri" panose="020F0502020204030204" pitchFamily="34" charset="0"/>
                 <a:cs typeface="Calibri" panose="020F0502020204030204" pitchFamily="34" charset="0"/>
@@ -8395,7 +7341,7 @@
                 <a:spcPct val="100000"/>
               </a:lnSpc>
               <a:spcBef>
-                <a:spcPct val="0"/>
+                <a:spcPts val="150"/>
               </a:spcBef>
               <a:spcAft>
                 <a:spcPct val="0"/>
@@ -8404,7 +7350,7 @@
               <a:buChar char="Ø"/>
             </a:pPr>
             <a:r>
-              <a:rPr lang="en-US" sz="2100" dirty="0">
+              <a:rPr lang="en-US" sz="1800" dirty="0">
                 <a:latin typeface="Calibri" panose="020F0502020204030204" pitchFamily="34" charset="0"/>
                 <a:ea typeface="Calibri" panose="020F0502020204030204" pitchFamily="34" charset="0"/>
                 <a:cs typeface="Calibri" panose="020F0502020204030204" pitchFamily="34" charset="0"/>
@@ -8418,7 +7364,7 @@
                 <a:spcPct val="100000"/>
               </a:lnSpc>
               <a:spcBef>
-                <a:spcPct val="0"/>
+                <a:spcPts val="150"/>
               </a:spcBef>
               <a:spcAft>
                 <a:spcPct val="0"/>
@@ -8427,14 +7373,14 @@
               <a:buChar char="Ø"/>
             </a:pPr>
             <a:r>
-              <a:rPr lang="en-US" sz="2100" dirty="0">
+              <a:rPr lang="en-US" sz="1800" dirty="0">
                 <a:latin typeface="Calibri" panose="020F0502020204030204" pitchFamily="34" charset="0"/>
                 <a:ea typeface="Calibri" panose="020F0502020204030204" pitchFamily="34" charset="0"/>
                 <a:cs typeface="Calibri" panose="020F0502020204030204" pitchFamily="34" charset="0"/>
               </a:rPr>
               <a:t>Fine-Tuned SQL Execution Plans</a:t>
             </a:r>
-            <a:endParaRPr lang="en-US" sz="2100" b="1" dirty="0">
+            <a:endParaRPr lang="en-US" sz="1800" b="1" dirty="0">
               <a:latin typeface="Calibri" panose="020F0502020204030204" pitchFamily="34" charset="0"/>
               <a:ea typeface="Calibri" panose="020F0502020204030204" pitchFamily="34" charset="0"/>
               <a:cs typeface="Calibri" panose="020F0502020204030204" pitchFamily="34" charset="0"/>
@@ -8446,7 +7392,7 @@
                 <a:spcPct val="100000"/>
               </a:lnSpc>
               <a:spcBef>
-                <a:spcPct val="0"/>
+                <a:spcPts val="150"/>
               </a:spcBef>
               <a:spcAft>
                 <a:spcPct val="0"/>
@@ -8464,7 +7410,7 @@
                 <a:spcPct val="100000"/>
               </a:lnSpc>
               <a:spcBef>
-                <a:spcPct val="0"/>
+                <a:spcPts val="150"/>
               </a:spcBef>
               <a:spcAft>
                 <a:spcPct val="0"/>
@@ -8482,7 +7428,7 @@
                 <a:spcPct val="100000"/>
               </a:lnSpc>
               <a:spcBef>
-                <a:spcPct val="0"/>
+                <a:spcPts val="150"/>
               </a:spcBef>
               <a:spcAft>
                 <a:spcPct val="0"/>
@@ -8509,7 +7455,7 @@
                 <a:spcPct val="100000"/>
               </a:lnSpc>
               <a:spcBef>
-                <a:spcPct val="0"/>
+                <a:spcPts val="150"/>
               </a:spcBef>
               <a:spcAft>
                 <a:spcPct val="0"/>
@@ -8545,7 +7491,7 @@
 </p:sld>
 </file>
 
-<file path=ppt/slides/slide13.xml><?xml version="1.0" encoding="utf-8"?>
+<file path=ppt/slides/slide11.xml><?xml version="1.0" encoding="utf-8"?>
 <p:sld xmlns:a="http://schemas.openxmlformats.org/drawingml/2006/main" xmlns:r="http://schemas.openxmlformats.org/officeDocument/2006/relationships" xmlns:p="http://schemas.openxmlformats.org/presentationml/2006/main">
   <p:cSld>
     <p:bg>
@@ -9128,20 +8074,22 @@
         </p:nvSpPr>
         <p:spPr>
           <a:xfrm>
-            <a:off x="1078079" y="262487"/>
-            <a:ext cx="3099639" cy="663232"/>
+            <a:off x="1266738" y="418115"/>
+            <a:ext cx="4443597" cy="663232"/>
           </a:xfrm>
         </p:spPr>
         <p:txBody>
           <a:bodyPr>
-            <a:normAutofit fontScale="90000"/>
+            <a:normAutofit/>
           </a:bodyPr>
           <a:lstStyle/>
           <a:p>
             <a:r>
-              <a:rPr lang="en-US" dirty="0">
+              <a:rPr lang="en-US" b="1" dirty="0">
                 <a:solidFill>
-                  <a:srgbClr val="002060"/>
+                  <a:schemeClr val="accent6">
+                    <a:lumMod val="75000"/>
+                  </a:schemeClr>
                 </a:solidFill>
               </a:rPr>
               <a:t>Client Portfolio</a:t>
@@ -9167,8 +8115,8 @@
         </p:nvSpPr>
         <p:spPr>
           <a:xfrm>
-            <a:off x="1266738" y="862149"/>
-            <a:ext cx="9009373" cy="5289330"/>
+            <a:off x="1266738" y="749731"/>
+            <a:ext cx="9547442" cy="5289330"/>
           </a:xfrm>
         </p:spPr>
         <p:txBody>
@@ -9178,10 +8126,13 @@
           <a:lstStyle/>
           <a:p>
             <a:pPr marL="0" indent="0">
+              <a:lnSpc>
+                <a:spcPct val="150000"/>
+              </a:lnSpc>
               <a:buNone/>
             </a:pPr>
             <a:r>
-              <a:rPr lang="en-US" sz="2400" b="1" dirty="0">
+              <a:rPr lang="en-US" sz="1800" b="1" dirty="0">
                 <a:solidFill>
                   <a:srgbClr val="002060"/>
                 </a:solidFill>
@@ -9189,51 +8140,84 @@
                 <a:ea typeface="Calibri" panose="020F0502020204030204" pitchFamily="34" charset="0"/>
                 <a:cs typeface="Calibri" panose="020F0502020204030204" pitchFamily="34" charset="0"/>
               </a:rPr>
-              <a:t>          Commonwealth of Pennsylvania (CWOPA – PACSES Modernization Project, USA)</a:t>
-            </a:r>
-            <a:endParaRPr lang="en-US" b="1" dirty="0">
-              <a:solidFill>
-                <a:srgbClr val="002060"/>
-              </a:solidFill>
-              <a:latin typeface="Calibri" panose="020F0502020204030204" pitchFamily="34" charset="0"/>
-              <a:ea typeface="Calibri" panose="020F0502020204030204" pitchFamily="34" charset="0"/>
-              <a:cs typeface="Calibri" panose="020F0502020204030204" pitchFamily="34" charset="0"/>
-            </a:endParaRPr>
+              <a:t>         </a:t>
+            </a:r>
+            <a:r>
+              <a:rPr lang="en-US" sz="1800" b="1" dirty="0">
+                <a:latin typeface="Calibri" panose="020F0502020204030204" pitchFamily="34" charset="0"/>
+                <a:ea typeface="Calibri" panose="020F0502020204030204" pitchFamily="34" charset="0"/>
+                <a:cs typeface="Calibri" panose="020F0502020204030204" pitchFamily="34" charset="0"/>
+              </a:rPr>
+              <a:t> Commonwealth of Pennsylvania (CWOPA – PACSES Modernization Project, USA)</a:t>
+            </a:r>
           </a:p>
           <a:p>
             <a:pPr>
+              <a:lnSpc>
+                <a:spcPct val="150000"/>
+              </a:lnSpc>
               <a:buFont typeface="Wingdings" panose="05000000000000000000" pitchFamily="2" charset="2"/>
               <a:buChar char="Ø"/>
             </a:pPr>
             <a:r>
-              <a:rPr lang="en-US" b="1" dirty="0">
-                <a:latin typeface="Calibri" panose="020F0502020204030204" pitchFamily="34" charset="0"/>
-                <a:ea typeface="Calibri" panose="020F0502020204030204" pitchFamily="34" charset="0"/>
-                <a:cs typeface="Calibri" panose="020F0502020204030204" pitchFamily="34" charset="0"/>
-              </a:rPr>
-              <a:t>Role: Senior Software Engineer (ReactJS, ASP.NET Core, Oracle SQL)</a:t>
+              <a:rPr lang="en-US" sz="1800" b="1" dirty="0">
+                <a:latin typeface="Calibri" panose="020F0502020204030204" pitchFamily="34" charset="0"/>
+                <a:ea typeface="Calibri" panose="020F0502020204030204" pitchFamily="34" charset="0"/>
+                <a:cs typeface="Calibri" panose="020F0502020204030204" pitchFamily="34" charset="0"/>
+              </a:rPr>
+              <a:t>Role: </a:t>
+            </a:r>
+            <a:r>
+              <a:rPr lang="en-US" sz="1800" dirty="0">
+                <a:latin typeface="Calibri" panose="020F0502020204030204" pitchFamily="34" charset="0"/>
+                <a:ea typeface="Calibri" panose="020F0502020204030204" pitchFamily="34" charset="0"/>
+                <a:cs typeface="Calibri" panose="020F0502020204030204" pitchFamily="34" charset="0"/>
+              </a:rPr>
+              <a:t>Senior Software Engineer (ReactJS, ASP.NET Core, Oracle SQL)</a:t>
             </a:r>
           </a:p>
           <a:p>
             <a:pPr>
+              <a:lnSpc>
+                <a:spcPct val="150000"/>
+              </a:lnSpc>
               <a:buFont typeface="Wingdings" panose="05000000000000000000" pitchFamily="2" charset="2"/>
               <a:buChar char="Ø"/>
             </a:pPr>
             <a:r>
-              <a:rPr lang="en-US" b="1" dirty="0">
-                <a:latin typeface="Calibri" panose="020F0502020204030204" pitchFamily="34" charset="0"/>
-                <a:ea typeface="Calibri" panose="020F0502020204030204" pitchFamily="34" charset="0"/>
-                <a:cs typeface="Calibri" panose="020F0502020204030204" pitchFamily="34" charset="0"/>
-              </a:rPr>
-              <a:t>Spearheaded the modernization of the PACSES (Public Assistance Child Support Enforcement System), transforming a legacy mainframe system into a modern web-based architecture to issue benefits to the Pennsylvania citizens</a:t>
+              <a:rPr lang="en-US" sz="1800" dirty="0">
+                <a:latin typeface="Calibri" panose="020F0502020204030204" pitchFamily="34" charset="0"/>
+                <a:ea typeface="Calibri" panose="020F0502020204030204" pitchFamily="34" charset="0"/>
+                <a:cs typeface="Calibri" panose="020F0502020204030204" pitchFamily="34" charset="0"/>
+              </a:rPr>
+              <a:t>Spearheaded the modernization of the </a:t>
+            </a:r>
+            <a:r>
+              <a:rPr lang="en-US" sz="1800" b="1" dirty="0">
+                <a:latin typeface="Calibri" panose="020F0502020204030204" pitchFamily="34" charset="0"/>
+                <a:ea typeface="Calibri" panose="020F0502020204030204" pitchFamily="34" charset="0"/>
+                <a:cs typeface="Calibri" panose="020F0502020204030204" pitchFamily="34" charset="0"/>
+              </a:rPr>
+              <a:t>PACSES</a:t>
+            </a:r>
+            <a:r>
+              <a:rPr lang="en-US" sz="1800" dirty="0">
+                <a:latin typeface="Calibri" panose="020F0502020204030204" pitchFamily="34" charset="0"/>
+                <a:ea typeface="Calibri" panose="020F0502020204030204" pitchFamily="34" charset="0"/>
+                <a:cs typeface="Calibri" panose="020F0502020204030204" pitchFamily="34" charset="0"/>
+              </a:rPr>
+              <a:t> (Public Assistance Child Support Enforcement System), transforming a legacy mainframe system into a modern web-based architecture to issue benefits to the Pennsylvania citizens</a:t>
             </a:r>
           </a:p>
           <a:p>
             <a:pPr marL="0" indent="0">
+              <a:lnSpc>
+                <a:spcPct val="150000"/>
+              </a:lnSpc>
               <a:buNone/>
             </a:pPr>
             <a:r>
-              <a:rPr lang="en-US" sz="2400" b="1" dirty="0">
+              <a:rPr lang="en-US" sz="1800" b="1" dirty="0">
                 <a:solidFill>
                   <a:srgbClr val="002060"/>
                 </a:solidFill>
@@ -9241,16 +8225,27 @@
                 <a:ea typeface="Calibri" panose="020F0502020204030204" pitchFamily="34" charset="0"/>
                 <a:cs typeface="Calibri" panose="020F0502020204030204" pitchFamily="34" charset="0"/>
               </a:rPr>
-              <a:t>         National Health Service (NHS – United Kingdom) </a:t>
+              <a:t>          </a:t>
+            </a:r>
+            <a:r>
+              <a:rPr lang="en-US" sz="1800" b="1" dirty="0">
+                <a:latin typeface="Calibri" panose="020F0502020204030204" pitchFamily="34" charset="0"/>
+                <a:ea typeface="Calibri" panose="020F0502020204030204" pitchFamily="34" charset="0"/>
+                <a:cs typeface="Calibri" panose="020F0502020204030204" pitchFamily="34" charset="0"/>
+              </a:rPr>
+              <a:t>National Health Service (NHS – United Kingdom) </a:t>
             </a:r>
           </a:p>
           <a:p>
             <a:pPr>
+              <a:lnSpc>
+                <a:spcPct val="150000"/>
+              </a:lnSpc>
               <a:buFont typeface="Wingdings" panose="05000000000000000000" pitchFamily="2" charset="2"/>
               <a:buChar char="Ø"/>
             </a:pPr>
             <a:r>
-              <a:rPr lang="en-US" b="1" dirty="0">
+              <a:rPr lang="en-US" sz="1800" b="1" dirty="0">
                 <a:latin typeface="Calibri" panose="020F0502020204030204" pitchFamily="34" charset="0"/>
                 <a:ea typeface="Calibri" panose="020F0502020204030204" pitchFamily="34" charset="0"/>
                 <a:cs typeface="Calibri" panose="020F0502020204030204" pitchFamily="34" charset="0"/>
@@ -9258,7 +8253,7 @@
               <a:t>Role:</a:t>
             </a:r>
             <a:r>
-              <a:rPr lang="en-US" dirty="0">
+              <a:rPr lang="en-US" sz="1800" dirty="0">
                 <a:latin typeface="Calibri" panose="020F0502020204030204" pitchFamily="34" charset="0"/>
                 <a:ea typeface="Calibri" panose="020F0502020204030204" pitchFamily="34" charset="0"/>
                 <a:cs typeface="Calibri" panose="020F0502020204030204" pitchFamily="34" charset="0"/>
@@ -9268,11 +8263,14 @@
           </a:p>
           <a:p>
             <a:pPr>
+              <a:lnSpc>
+                <a:spcPct val="150000"/>
+              </a:lnSpc>
               <a:buFont typeface="Wingdings" panose="05000000000000000000" pitchFamily="2" charset="2"/>
               <a:buChar char="Ø"/>
             </a:pPr>
             <a:r>
-              <a:rPr lang="en-US" dirty="0">
+              <a:rPr lang="en-US" sz="1800" dirty="0">
                 <a:latin typeface="Calibri" panose="020F0502020204030204" pitchFamily="34" charset="0"/>
                 <a:ea typeface="Calibri" panose="020F0502020204030204" pitchFamily="34" charset="0"/>
                 <a:cs typeface="Calibri" panose="020F0502020204030204" pitchFamily="34" charset="0"/>
@@ -9280,7 +8278,7 @@
               <a:t>Contributed to the development of </a:t>
             </a:r>
             <a:r>
-              <a:rPr lang="en-US" b="1" dirty="0">
+              <a:rPr lang="en-US" sz="1800" b="1" dirty="0">
                 <a:latin typeface="Calibri" panose="020F0502020204030204" pitchFamily="34" charset="0"/>
                 <a:ea typeface="Calibri" panose="020F0502020204030204" pitchFamily="34" charset="0"/>
                 <a:cs typeface="Calibri" panose="020F0502020204030204" pitchFamily="34" charset="0"/>
@@ -9288,7 +8286,7 @@
               <a:t>web applications for patient management and healthcare analytics</a:t>
             </a:r>
             <a:r>
-              <a:rPr lang="en-US" dirty="0">
+              <a:rPr lang="en-US" sz="1800" dirty="0">
                 <a:latin typeface="Calibri" panose="020F0502020204030204" pitchFamily="34" charset="0"/>
                 <a:ea typeface="Calibri" panose="020F0502020204030204" pitchFamily="34" charset="0"/>
                 <a:cs typeface="Calibri" panose="020F0502020204030204" pitchFamily="34" charset="0"/>
@@ -9350,7 +8348,7 @@
         </p:blipFill>
         <p:spPr>
           <a:xfrm>
-            <a:off x="1381119" y="3959925"/>
+            <a:off x="1266738" y="3848778"/>
             <a:ext cx="411757" cy="167149"/>
           </a:xfrm>
           <a:prstGeom prst="rect">
@@ -9380,7 +8378,7 @@
         </p:blipFill>
         <p:spPr>
           <a:xfrm>
-            <a:off x="1500725" y="1466511"/>
+            <a:off x="1271710" y="1259722"/>
             <a:ext cx="406785" cy="306482"/>
           </a:xfrm>
           <a:prstGeom prst="rect">
@@ -9447,10 +8445,22 @@
           <a:lstStyle/>
           <a:p>
             <a:r>
-              <a:rPr lang="en-US" sz="3200" b="1" dirty="0"/>
+              <a:rPr lang="en-US" sz="3200" b="1" dirty="0">
+                <a:solidFill>
+                  <a:schemeClr val="accent6">
+                    <a:lumMod val="75000"/>
+                  </a:schemeClr>
+                </a:solidFill>
+              </a:rPr>
               <a:t>Current Project Overview</a:t>
             </a:r>
-            <a:endParaRPr lang="en-ZA" sz="3200" b="1" dirty="0"/>
+            <a:endParaRPr lang="en-ZA" sz="3200" b="1" dirty="0">
+              <a:solidFill>
+                <a:schemeClr val="accent6">
+                  <a:lumMod val="75000"/>
+                </a:schemeClr>
+              </a:solidFill>
+            </a:endParaRPr>
           </a:p>
         </p:txBody>
       </p:sp>
@@ -9472,22 +8482,25 @@
         </p:nvSpPr>
         <p:spPr>
           <a:xfrm>
-            <a:off x="1209040" y="1706880"/>
-            <a:ext cx="10027920" cy="4521305"/>
+            <a:off x="1209040" y="1510939"/>
+            <a:ext cx="9242552" cy="4600612"/>
           </a:xfrm>
         </p:spPr>
         <p:txBody>
           <a:bodyPr>
-            <a:normAutofit/>
+            <a:noAutofit/>
           </a:bodyPr>
           <a:lstStyle/>
           <a:p>
             <a:pPr marL="342900" indent="-342900">
+              <a:lnSpc>
+                <a:spcPct val="150000"/>
+              </a:lnSpc>
               <a:buFont typeface="Wingdings" panose="05000000000000000000" pitchFamily="2" charset="2"/>
               <a:buChar char="Ø"/>
             </a:pPr>
             <a:r>
-              <a:rPr lang="en-US" b="1" dirty="0">
+              <a:rPr lang="en-US" sz="1800" b="1" dirty="0">
                 <a:latin typeface="Calibri" panose="020F0502020204030204" pitchFamily="34" charset="0"/>
                 <a:ea typeface="Calibri" panose="020F0502020204030204" pitchFamily="34" charset="0"/>
                 <a:cs typeface="Calibri" panose="020F0502020204030204" pitchFamily="34" charset="0"/>
@@ -9497,10 +8510,13 @@
           </a:p>
           <a:p>
             <a:pPr marL="0" indent="0">
+              <a:lnSpc>
+                <a:spcPct val="150000"/>
+              </a:lnSpc>
               <a:buNone/>
             </a:pPr>
             <a:r>
-              <a:rPr lang="en-US" dirty="0">
+              <a:rPr lang="en-US" sz="1800" dirty="0">
                 <a:latin typeface="Calibri" panose="020F0502020204030204" pitchFamily="34" charset="0"/>
                 <a:ea typeface="Calibri" panose="020F0502020204030204" pitchFamily="34" charset="0"/>
                 <a:cs typeface="Calibri" panose="020F0502020204030204" pitchFamily="34" charset="0"/>
@@ -9508,7 +8524,7 @@
               <a:t>Transformed a legacy mainframe system into a </a:t>
             </a:r>
             <a:r>
-              <a:rPr lang="en-US" b="1" dirty="0">
+              <a:rPr lang="en-US" sz="1800" b="1" dirty="0">
                 <a:latin typeface="Calibri" panose="020F0502020204030204" pitchFamily="34" charset="0"/>
                 <a:ea typeface="Calibri" panose="020F0502020204030204" pitchFamily="34" charset="0"/>
                 <a:cs typeface="Calibri" panose="020F0502020204030204" pitchFamily="34" charset="0"/>
@@ -9516,7 +8532,7 @@
               <a:t>modular, service-oriented web architecture</a:t>
             </a:r>
             <a:r>
-              <a:rPr lang="en-US" dirty="0">
+              <a:rPr lang="en-US" sz="1800" dirty="0">
                 <a:latin typeface="Calibri" panose="020F0502020204030204" pitchFamily="34" charset="0"/>
                 <a:ea typeface="Calibri" panose="020F0502020204030204" pitchFamily="34" charset="0"/>
                 <a:cs typeface="Calibri" panose="020F0502020204030204" pitchFamily="34" charset="0"/>
@@ -9524,7 +8540,7 @@
               <a:t> using </a:t>
             </a:r>
             <a:r>
-              <a:rPr lang="en-US" b="1" dirty="0">
+              <a:rPr lang="en-US" sz="1800" b="1" dirty="0">
                 <a:latin typeface="Calibri" panose="020F0502020204030204" pitchFamily="34" charset="0"/>
                 <a:ea typeface="Calibri" panose="020F0502020204030204" pitchFamily="34" charset="0"/>
                 <a:cs typeface="Calibri" panose="020F0502020204030204" pitchFamily="34" charset="0"/>
@@ -9532,7 +8548,7 @@
               <a:t>ReactJS, ASP.NET Core Web API, and Oracle 19c</a:t>
             </a:r>
             <a:r>
-              <a:rPr lang="en-US" dirty="0">
+              <a:rPr lang="en-US" sz="1800" dirty="0">
                 <a:latin typeface="Calibri" panose="020F0502020204030204" pitchFamily="34" charset="0"/>
                 <a:ea typeface="Calibri" panose="020F0502020204030204" pitchFamily="34" charset="0"/>
                 <a:cs typeface="Calibri" panose="020F0502020204030204" pitchFamily="34" charset="0"/>
@@ -9542,11 +8558,14 @@
           </a:p>
           <a:p>
             <a:pPr marL="342900" indent="-342900">
+              <a:lnSpc>
+                <a:spcPct val="150000"/>
+              </a:lnSpc>
               <a:buFont typeface="Wingdings" panose="05000000000000000000" pitchFamily="2" charset="2"/>
               <a:buChar char="Ø"/>
             </a:pPr>
             <a:r>
-              <a:rPr lang="en-US" b="1" dirty="0">
+              <a:rPr lang="en-US" sz="1800" b="1" dirty="0">
                 <a:latin typeface="Calibri" panose="020F0502020204030204" pitchFamily="34" charset="0"/>
                 <a:ea typeface="Calibri" panose="020F0502020204030204" pitchFamily="34" charset="0"/>
                 <a:cs typeface="Calibri" panose="020F0502020204030204" pitchFamily="34" charset="0"/>
@@ -9556,10 +8575,13 @@
           </a:p>
           <a:p>
             <a:pPr marL="0" indent="0">
+              <a:lnSpc>
+                <a:spcPct val="150000"/>
+              </a:lnSpc>
               <a:buNone/>
             </a:pPr>
             <a:r>
-              <a:rPr lang="en-US" dirty="0">
+              <a:rPr lang="en-US" sz="1800" dirty="0">
                 <a:latin typeface="Calibri" panose="020F0502020204030204" pitchFamily="34" charset="0"/>
                 <a:ea typeface="Calibri" panose="020F0502020204030204" pitchFamily="34" charset="0"/>
                 <a:cs typeface="Calibri" panose="020F0502020204030204" pitchFamily="34" charset="0"/>
@@ -9567,7 +8589,7 @@
               <a:t>Configured </a:t>
             </a:r>
             <a:r>
-              <a:rPr lang="en-US" b="1" dirty="0">
+              <a:rPr lang="en-US" sz="1800" b="1" dirty="0">
                 <a:latin typeface="Calibri" panose="020F0502020204030204" pitchFamily="34" charset="0"/>
                 <a:ea typeface="Calibri" panose="020F0502020204030204" pitchFamily="34" charset="0"/>
                 <a:cs typeface="Calibri" panose="020F0502020204030204" pitchFamily="34" charset="0"/>
@@ -9575,7 +8597,7 @@
               <a:t>OAuth 2.0 Authorization Code Flow with PKCE</a:t>
             </a:r>
             <a:r>
-              <a:rPr lang="en-US" dirty="0">
+              <a:rPr lang="en-US" sz="1800" dirty="0">
                 <a:latin typeface="Calibri" panose="020F0502020204030204" pitchFamily="34" charset="0"/>
                 <a:ea typeface="Calibri" panose="020F0502020204030204" pitchFamily="34" charset="0"/>
                 <a:cs typeface="Calibri" panose="020F0502020204030204" pitchFamily="34" charset="0"/>
@@ -9583,7 +8605,7 @@
               <a:t> using </a:t>
             </a:r>
             <a:r>
-              <a:rPr lang="en-US" b="1" dirty="0">
+              <a:rPr lang="en-US" sz="1800" b="1" dirty="0">
                 <a:latin typeface="Calibri" panose="020F0502020204030204" pitchFamily="34" charset="0"/>
                 <a:ea typeface="Calibri" panose="020F0502020204030204" pitchFamily="34" charset="0"/>
                 <a:cs typeface="Calibri" panose="020F0502020204030204" pitchFamily="34" charset="0"/>
@@ -9591,7 +8613,7 @@
               <a:t>Identity Server</a:t>
             </a:r>
             <a:r>
-              <a:rPr lang="en-US" dirty="0">
+              <a:rPr lang="en-US" sz="1800" dirty="0">
                 <a:latin typeface="Calibri" panose="020F0502020204030204" pitchFamily="34" charset="0"/>
                 <a:ea typeface="Calibri" panose="020F0502020204030204" pitchFamily="34" charset="0"/>
                 <a:cs typeface="Calibri" panose="020F0502020204030204" pitchFamily="34" charset="0"/>
@@ -9601,11 +8623,14 @@
           </a:p>
           <a:p>
             <a:pPr marL="342900" indent="-342900">
+              <a:lnSpc>
+                <a:spcPct val="150000"/>
+              </a:lnSpc>
               <a:buFont typeface="Wingdings" panose="05000000000000000000" pitchFamily="2" charset="2"/>
               <a:buChar char="Ø"/>
             </a:pPr>
             <a:r>
-              <a:rPr lang="en-US" b="1" dirty="0">
+              <a:rPr lang="en-US" sz="1800" b="1" dirty="0">
                 <a:latin typeface="Calibri" panose="020F0502020204030204" pitchFamily="34" charset="0"/>
                 <a:ea typeface="Calibri" panose="020F0502020204030204" pitchFamily="34" charset="0"/>
                 <a:cs typeface="Calibri" panose="020F0502020204030204" pitchFamily="34" charset="0"/>
@@ -9615,10 +8640,13 @@
           </a:p>
           <a:p>
             <a:pPr marL="0" indent="0">
+              <a:lnSpc>
+                <a:spcPct val="150000"/>
+              </a:lnSpc>
               <a:buNone/>
             </a:pPr>
             <a:r>
-              <a:rPr lang="en-US" dirty="0">
+              <a:rPr lang="en-US" sz="1800" dirty="0">
                 <a:latin typeface="Calibri" panose="020F0502020204030204" pitchFamily="34" charset="0"/>
                 <a:ea typeface="Calibri" panose="020F0502020204030204" pitchFamily="34" charset="0"/>
                 <a:cs typeface="Calibri" panose="020F0502020204030204" pitchFamily="34" charset="0"/>
@@ -9626,7 +8654,7 @@
               <a:t>Enhanced backend performance by replacing cursor-based PL/SQL loops with </a:t>
             </a:r>
             <a:r>
-              <a:rPr lang="en-US" b="1" dirty="0">
+              <a:rPr lang="en-US" sz="1800" b="1" dirty="0">
                 <a:latin typeface="Calibri" panose="020F0502020204030204" pitchFamily="34" charset="0"/>
                 <a:ea typeface="Calibri" panose="020F0502020204030204" pitchFamily="34" charset="0"/>
                 <a:cs typeface="Calibri" panose="020F0502020204030204" pitchFamily="34" charset="0"/>
@@ -9634,7 +8662,7 @@
               <a:t>BULK COLLECT</a:t>
             </a:r>
             <a:r>
-              <a:rPr lang="en-US" dirty="0">
+              <a:rPr lang="en-US" sz="1800" dirty="0">
                 <a:latin typeface="Calibri" panose="020F0502020204030204" pitchFamily="34" charset="0"/>
                 <a:ea typeface="Calibri" panose="020F0502020204030204" pitchFamily="34" charset="0"/>
                 <a:cs typeface="Calibri" panose="020F0502020204030204" pitchFamily="34" charset="0"/>
@@ -9642,7 +8670,7 @@
               <a:t>, </a:t>
             </a:r>
             <a:r>
-              <a:rPr lang="en-US" b="1" dirty="0">
+              <a:rPr lang="en-US" sz="1800" b="1" dirty="0">
                 <a:latin typeface="Calibri" panose="020F0502020204030204" pitchFamily="34" charset="0"/>
                 <a:ea typeface="Calibri" panose="020F0502020204030204" pitchFamily="34" charset="0"/>
                 <a:cs typeface="Calibri" panose="020F0502020204030204" pitchFamily="34" charset="0"/>
@@ -9650,7 +8678,7 @@
               <a:t>FORALL</a:t>
             </a:r>
             <a:r>
-              <a:rPr lang="en-US" dirty="0">
+              <a:rPr lang="en-US" sz="1800" dirty="0">
                 <a:latin typeface="Calibri" panose="020F0502020204030204" pitchFamily="34" charset="0"/>
                 <a:ea typeface="Calibri" panose="020F0502020204030204" pitchFamily="34" charset="0"/>
                 <a:cs typeface="Calibri" panose="020F0502020204030204" pitchFamily="34" charset="0"/>
@@ -9658,7 +8686,7 @@
               <a:t>, and </a:t>
             </a:r>
             <a:r>
-              <a:rPr lang="en-US" b="1" dirty="0">
+              <a:rPr lang="en-US" sz="1800" b="1" dirty="0">
                 <a:latin typeface="Calibri" panose="020F0502020204030204" pitchFamily="34" charset="0"/>
                 <a:ea typeface="Calibri" panose="020F0502020204030204" pitchFamily="34" charset="0"/>
                 <a:cs typeface="Calibri" panose="020F0502020204030204" pitchFamily="34" charset="0"/>
@@ -9666,7 +8694,7 @@
               <a:t>MERGE-based SQL</a:t>
             </a:r>
             <a:r>
-              <a:rPr lang="en-US" dirty="0">
+              <a:rPr lang="en-US" sz="1800" dirty="0">
                 <a:latin typeface="Calibri" panose="020F0502020204030204" pitchFamily="34" charset="0"/>
                 <a:ea typeface="Calibri" panose="020F0502020204030204" pitchFamily="34" charset="0"/>
                 <a:cs typeface="Calibri" panose="020F0502020204030204" pitchFamily="34" charset="0"/>
@@ -9676,9 +8704,12 @@
           </a:p>
           <a:p>
             <a:pPr marL="0" indent="0">
+              <a:lnSpc>
+                <a:spcPct val="150000"/>
+              </a:lnSpc>
               <a:buNone/>
             </a:pPr>
-            <a:endParaRPr lang="en-US" dirty="0"/>
+            <a:endParaRPr lang="en-US" sz="1800" dirty="0"/>
           </a:p>
         </p:txBody>
       </p:sp>
@@ -9787,11 +8818,23 @@
           <a:lstStyle/>
           <a:p>
             <a:r>
-              <a:rPr lang="en-US" sz="3200" b="1" dirty="0"/>
+              <a:rPr lang="en-US" sz="3200" b="1" dirty="0">
+                <a:solidFill>
+                  <a:schemeClr val="accent6">
+                    <a:lumMod val="75000"/>
+                  </a:schemeClr>
+                </a:solidFill>
+              </a:rPr>
               <a:t>ARCHITECTURE</a:t>
             </a:r>
             <a:r>
-              <a:rPr lang="en-US" dirty="0"/>
+              <a:rPr lang="en-US" dirty="0">
+                <a:solidFill>
+                  <a:schemeClr val="accent6">
+                    <a:lumMod val="75000"/>
+                  </a:schemeClr>
+                </a:solidFill>
+              </a:rPr>
               <a:t> </a:t>
             </a:r>
           </a:p>
@@ -10442,12 +9485,12 @@
         </p:spPr>
         <p:txBody>
           <a:bodyPr>
-            <a:normAutofit fontScale="92500" lnSpcReduction="10000"/>
+            <a:normAutofit fontScale="92500" lnSpcReduction="20000"/>
           </a:bodyPr>
           <a:lstStyle/>
           <a:p>
             <a:r>
-              <a:rPr lang="en-US" sz="1800" b="1" dirty="0">
+              <a:rPr lang="en-US" sz="1900" b="1" dirty="0">
                 <a:solidFill>
                   <a:schemeClr val="accent6">
                     <a:lumMod val="75000"/>
@@ -10461,7 +9504,7 @@
             </a:r>
           </a:p>
           <a:p>
-            <a:endParaRPr lang="en-US" sz="1800" b="1" dirty="0">
+            <a:endParaRPr lang="en-US" sz="1900" b="1" dirty="0">
               <a:solidFill>
                 <a:schemeClr val="accent6">
                   <a:lumMod val="75000"/>
@@ -10474,15 +9517,15 @@
           </a:p>
           <a:p>
             <a:r>
-              <a:rPr lang="en-US" sz="1800" dirty="0">
-                <a:latin typeface="Calibri" panose="020F0502020204030204" pitchFamily="34" charset="0"/>
-                <a:ea typeface="Calibri" panose="020F0502020204030204" pitchFamily="34" charset="0"/>
-                <a:cs typeface="Calibri" panose="020F0502020204030204" pitchFamily="34" charset="0"/>
-              </a:rPr>
-              <a:t>After successful login, the </a:t>
-            </a:r>
-            <a:r>
-              <a:rPr lang="en-US" sz="1800" b="1" dirty="0">
+              <a:rPr lang="en-US" sz="1900" dirty="0">
+                <a:latin typeface="Calibri" panose="020F0502020204030204" pitchFamily="34" charset="0"/>
+                <a:ea typeface="Calibri" panose="020F0502020204030204" pitchFamily="34" charset="0"/>
+                <a:cs typeface="Calibri" panose="020F0502020204030204" pitchFamily="34" charset="0"/>
+              </a:rPr>
+              <a:t>     After successful login, the </a:t>
+            </a:r>
+            <a:r>
+              <a:rPr lang="en-US" sz="1900" b="1" dirty="0">
                 <a:latin typeface="Calibri" panose="020F0502020204030204" pitchFamily="34" charset="0"/>
                 <a:ea typeface="Calibri" panose="020F0502020204030204" pitchFamily="34" charset="0"/>
                 <a:cs typeface="Calibri" panose="020F0502020204030204" pitchFamily="34" charset="0"/>
@@ -10490,7 +9533,7 @@
               <a:t>Identity Server issues tokens</a:t>
             </a:r>
             <a:r>
-              <a:rPr lang="en-US" sz="1800" dirty="0">
+              <a:rPr lang="en-US" sz="1900" dirty="0">
                 <a:latin typeface="Calibri" panose="020F0502020204030204" pitchFamily="34" charset="0"/>
                 <a:ea typeface="Calibri" panose="020F0502020204030204" pitchFamily="34" charset="0"/>
                 <a:cs typeface="Calibri" panose="020F0502020204030204" pitchFamily="34" charset="0"/>
@@ -10499,7 +9542,7 @@
             </a:r>
           </a:p>
           <a:p>
-            <a:endParaRPr lang="en-US" sz="1800" dirty="0">
+            <a:endParaRPr lang="en-US" sz="1900" dirty="0">
               <a:latin typeface="Calibri" panose="020F0502020204030204" pitchFamily="34" charset="0"/>
               <a:ea typeface="Calibri" panose="020F0502020204030204" pitchFamily="34" charset="0"/>
               <a:cs typeface="Calibri" panose="020F0502020204030204" pitchFamily="34" charset="0"/>
@@ -10511,7 +9554,7 @@
               <a:buChar char="Ø"/>
             </a:pPr>
             <a:r>
-              <a:rPr lang="en-US" sz="1800" b="1" dirty="0">
+              <a:rPr lang="en-US" sz="1900" b="1" dirty="0">
                 <a:latin typeface="Calibri" panose="020F0502020204030204" pitchFamily="34" charset="0"/>
                 <a:ea typeface="Calibri" panose="020F0502020204030204" pitchFamily="34" charset="0"/>
                 <a:cs typeface="Calibri" panose="020F0502020204030204" pitchFamily="34" charset="0"/>
@@ -10519,7 +9562,7 @@
               <a:t>Access Token:</a:t>
             </a:r>
             <a:r>
-              <a:rPr lang="en-US" sz="1800" dirty="0">
+              <a:rPr lang="en-US" sz="1900" dirty="0">
                 <a:latin typeface="Calibri" panose="020F0502020204030204" pitchFamily="34" charset="0"/>
                 <a:ea typeface="Calibri" panose="020F0502020204030204" pitchFamily="34" charset="0"/>
                 <a:cs typeface="Calibri" panose="020F0502020204030204" pitchFamily="34" charset="0"/>
@@ -10533,7 +9576,7 @@
               <a:buChar char="Ø"/>
             </a:pPr>
             <a:r>
-              <a:rPr lang="en-US" sz="1800" b="1" dirty="0">
+              <a:rPr lang="en-US" sz="1900" b="1" dirty="0">
                 <a:latin typeface="Calibri" panose="020F0502020204030204" pitchFamily="34" charset="0"/>
                 <a:ea typeface="Calibri" panose="020F0502020204030204" pitchFamily="34" charset="0"/>
                 <a:cs typeface="Calibri" panose="020F0502020204030204" pitchFamily="34" charset="0"/>
@@ -10541,7 +9584,7 @@
               <a:t>Refresh Token:</a:t>
             </a:r>
             <a:r>
-              <a:rPr lang="en-US" sz="1800" dirty="0">
+              <a:rPr lang="en-US" sz="1900" dirty="0">
                 <a:latin typeface="Calibri" panose="020F0502020204030204" pitchFamily="34" charset="0"/>
                 <a:ea typeface="Calibri" panose="020F0502020204030204" pitchFamily="34" charset="0"/>
                 <a:cs typeface="Calibri" panose="020F0502020204030204" pitchFamily="34" charset="0"/>
@@ -10553,7 +9596,7 @@
             <a:pPr marL="457200" lvl="1" indent="0">
               <a:buNone/>
             </a:pPr>
-            <a:endParaRPr lang="en-US" sz="1800" dirty="0">
+            <a:endParaRPr lang="en-US" sz="1900" dirty="0">
               <a:latin typeface="Calibri" panose="020F0502020204030204" pitchFamily="34" charset="0"/>
               <a:ea typeface="Calibri" panose="020F0502020204030204" pitchFamily="34" charset="0"/>
               <a:cs typeface="Calibri" panose="020F0502020204030204" pitchFamily="34" charset="0"/>
@@ -10561,15 +9604,15 @@
           </a:p>
           <a:p>
             <a:r>
-              <a:rPr lang="en-US" sz="1800" dirty="0">
-                <a:latin typeface="Calibri" panose="020F0502020204030204" pitchFamily="34" charset="0"/>
-                <a:ea typeface="Calibri" panose="020F0502020204030204" pitchFamily="34" charset="0"/>
-                <a:cs typeface="Calibri" panose="020F0502020204030204" pitchFamily="34" charset="0"/>
-              </a:rPr>
-              <a:t>These tokens are securely returned to the </a:t>
-            </a:r>
-            <a:r>
-              <a:rPr lang="en-US" sz="1800" b="1" dirty="0">
+              <a:rPr lang="en-US" sz="1900" dirty="0">
+                <a:latin typeface="Calibri" panose="020F0502020204030204" pitchFamily="34" charset="0"/>
+                <a:ea typeface="Calibri" panose="020F0502020204030204" pitchFamily="34" charset="0"/>
+                <a:cs typeface="Calibri" panose="020F0502020204030204" pitchFamily="34" charset="0"/>
+              </a:rPr>
+              <a:t>      These tokens are securely returned to the </a:t>
+            </a:r>
+            <a:r>
+              <a:rPr lang="en-US" sz="1900" b="1" dirty="0">
                 <a:latin typeface="Calibri" panose="020F0502020204030204" pitchFamily="34" charset="0"/>
                 <a:ea typeface="Calibri" panose="020F0502020204030204" pitchFamily="34" charset="0"/>
                 <a:cs typeface="Calibri" panose="020F0502020204030204" pitchFamily="34" charset="0"/>
@@ -10577,7 +9620,7 @@
               <a:t>React application</a:t>
             </a:r>
             <a:r>
-              <a:rPr lang="en-US" sz="1800" dirty="0">
+              <a:rPr lang="en-US" sz="1900" dirty="0">
                 <a:latin typeface="Calibri" panose="020F0502020204030204" pitchFamily="34" charset="0"/>
                 <a:ea typeface="Calibri" panose="020F0502020204030204" pitchFamily="34" charset="0"/>
                 <a:cs typeface="Calibri" panose="020F0502020204030204" pitchFamily="34" charset="0"/>
@@ -10585,7 +9628,7 @@
               <a:t> via the </a:t>
             </a:r>
             <a:r>
-              <a:rPr lang="en-US" sz="1800" b="1" dirty="0">
+              <a:rPr lang="en-US" sz="1900" b="1" dirty="0">
                 <a:latin typeface="Calibri" panose="020F0502020204030204" pitchFamily="34" charset="0"/>
                 <a:ea typeface="Calibri" panose="020F0502020204030204" pitchFamily="34" charset="0"/>
                 <a:cs typeface="Calibri" panose="020F0502020204030204" pitchFamily="34" charset="0"/>
@@ -10593,7 +9636,7 @@
               <a:t>Redirect URI callback</a:t>
             </a:r>
             <a:r>
-              <a:rPr lang="en-US" sz="1800" dirty="0">
+              <a:rPr lang="en-US" sz="1900" dirty="0">
                 <a:latin typeface="Calibri" panose="020F0502020204030204" pitchFamily="34" charset="0"/>
                 <a:ea typeface="Calibri" panose="020F0502020204030204" pitchFamily="34" charset="0"/>
                 <a:cs typeface="Calibri" panose="020F0502020204030204" pitchFamily="34" charset="0"/>
@@ -10602,7 +9645,7 @@
             </a:r>
           </a:p>
           <a:p>
-            <a:endParaRPr lang="en-US" sz="1800" dirty="0">
+            <a:endParaRPr lang="en-US" sz="1900" dirty="0">
               <a:latin typeface="Calibri" panose="020F0502020204030204" pitchFamily="34" charset="0"/>
               <a:ea typeface="Calibri" panose="020F0502020204030204" pitchFamily="34" charset="0"/>
               <a:cs typeface="Calibri" panose="020F0502020204030204" pitchFamily="34" charset="0"/>
@@ -10610,16 +9653,16 @@
           </a:p>
           <a:p>
             <a:r>
-              <a:rPr lang="en-US" sz="1800" dirty="0">
-                <a:latin typeface="Calibri" panose="020F0502020204030204" pitchFamily="34" charset="0"/>
-                <a:ea typeface="Calibri" panose="020F0502020204030204" pitchFamily="34" charset="0"/>
-                <a:cs typeface="Calibri" panose="020F0502020204030204" pitchFamily="34" charset="0"/>
-              </a:rPr>
-              <a:t> https://localhost:3000/auth/callback).</a:t>
-            </a:r>
-          </a:p>
-          <a:p>
-            <a:endParaRPr lang="en-US" sz="1800" dirty="0">
+              <a:rPr lang="en-US" sz="1900" dirty="0">
+                <a:latin typeface="Calibri" panose="020F0502020204030204" pitchFamily="34" charset="0"/>
+                <a:ea typeface="Calibri" panose="020F0502020204030204" pitchFamily="34" charset="0"/>
+                <a:cs typeface="Calibri" panose="020F0502020204030204" pitchFamily="34" charset="0"/>
+              </a:rPr>
+              <a:t>       https://localhost:3000/auth/callback).</a:t>
+            </a:r>
+          </a:p>
+          <a:p>
+            <a:endParaRPr lang="en-US" sz="1900" dirty="0">
               <a:latin typeface="Calibri" panose="020F0502020204030204" pitchFamily="34" charset="0"/>
               <a:ea typeface="Calibri" panose="020F0502020204030204" pitchFamily="34" charset="0"/>
               <a:cs typeface="Calibri" panose="020F0502020204030204" pitchFamily="34" charset="0"/>
@@ -10627,16 +9670,16 @@
           </a:p>
           <a:p>
             <a:r>
-              <a:rPr lang="en-US" sz="1800" dirty="0">
-                <a:latin typeface="Calibri" panose="020F0502020204030204" pitchFamily="34" charset="0"/>
-                <a:ea typeface="Calibri" panose="020F0502020204030204" pitchFamily="34" charset="0"/>
-                <a:cs typeface="Calibri" panose="020F0502020204030204" pitchFamily="34" charset="0"/>
-              </a:rPr>
-              <a:t>The React app stores the tokens.</a:t>
-            </a:r>
-          </a:p>
-          <a:p>
-            <a:endParaRPr lang="en-US" sz="1800" dirty="0">
+              <a:rPr lang="en-US" sz="1900" dirty="0">
+                <a:latin typeface="Calibri" panose="020F0502020204030204" pitchFamily="34" charset="0"/>
+                <a:ea typeface="Calibri" panose="020F0502020204030204" pitchFamily="34" charset="0"/>
+                <a:cs typeface="Calibri" panose="020F0502020204030204" pitchFamily="34" charset="0"/>
+              </a:rPr>
+              <a:t>       The React app receives the tokens and makes API Calls.</a:t>
+            </a:r>
+          </a:p>
+          <a:p>
+            <a:endParaRPr lang="en-US" sz="1900" dirty="0">
               <a:latin typeface="Calibri" panose="020F0502020204030204" pitchFamily="34" charset="0"/>
               <a:ea typeface="Calibri" panose="020F0502020204030204" pitchFamily="34" charset="0"/>
               <a:cs typeface="Calibri" panose="020F0502020204030204" pitchFamily="34" charset="0"/>
@@ -10644,7 +9687,7 @@
           </a:p>
           <a:p>
             <a:r>
-              <a:rPr lang="en-US" sz="1800" b="1" dirty="0">
+              <a:rPr lang="en-US" sz="1900" b="1" dirty="0">
                 <a:solidFill>
                   <a:schemeClr val="accent6">
                     <a:lumMod val="75000"/>
@@ -10654,11 +9697,11 @@
                 <a:ea typeface="Calibri" panose="020F0502020204030204" pitchFamily="34" charset="0"/>
                 <a:cs typeface="Calibri" panose="020F0502020204030204" pitchFamily="34" charset="0"/>
               </a:rPr>
-              <a:t>4. Data Requests to ASP.NET Core Web API</a:t>
-            </a:r>
-          </a:p>
-          <a:p>
-            <a:endParaRPr lang="en-US" sz="1800" b="1" dirty="0">
+              <a:t>4.  Data Requests to ASP.NET Core Web API</a:t>
+            </a:r>
+          </a:p>
+          <a:p>
+            <a:endParaRPr lang="en-US" sz="1900" b="1" dirty="0">
               <a:solidFill>
                 <a:schemeClr val="accent6">
                   <a:lumMod val="75000"/>
@@ -10675,7 +9718,7 @@
               <a:buChar char="Ø"/>
             </a:pPr>
             <a:r>
-              <a:rPr lang="en-US" sz="1800" dirty="0">
+              <a:rPr lang="en-US" sz="1900" dirty="0">
                 <a:latin typeface="Calibri" panose="020F0502020204030204" pitchFamily="34" charset="0"/>
                 <a:ea typeface="Calibri" panose="020F0502020204030204" pitchFamily="34" charset="0"/>
                 <a:cs typeface="Calibri" panose="020F0502020204030204" pitchFamily="34" charset="0"/>
@@ -10683,7 +9726,7 @@
               <a:t>The React app now includes the </a:t>
             </a:r>
             <a:r>
-              <a:rPr lang="en-US" sz="1800" b="1" dirty="0">
+              <a:rPr lang="en-US" sz="1900" b="1" dirty="0">
                 <a:latin typeface="Calibri" panose="020F0502020204030204" pitchFamily="34" charset="0"/>
                 <a:ea typeface="Calibri" panose="020F0502020204030204" pitchFamily="34" charset="0"/>
                 <a:cs typeface="Calibri" panose="020F0502020204030204" pitchFamily="34" charset="0"/>
@@ -10691,7 +9734,7 @@
               <a:t>Bearer Token</a:t>
             </a:r>
             <a:r>
-              <a:rPr lang="en-US" sz="1800" dirty="0">
+              <a:rPr lang="en-US" sz="1900" dirty="0">
                 <a:latin typeface="Calibri" panose="020F0502020204030204" pitchFamily="34" charset="0"/>
                 <a:ea typeface="Calibri" panose="020F0502020204030204" pitchFamily="34" charset="0"/>
                 <a:cs typeface="Calibri" panose="020F0502020204030204" pitchFamily="34" charset="0"/>
@@ -10699,7 +9742,7 @@
               <a:t> in each HTTP request header and makes </a:t>
             </a:r>
             <a:r>
-              <a:rPr lang="en-US" sz="1800" b="1" dirty="0">
+              <a:rPr lang="en-US" sz="1900" b="1" dirty="0">
                 <a:latin typeface="Calibri" panose="020F0502020204030204" pitchFamily="34" charset="0"/>
                 <a:ea typeface="Calibri" panose="020F0502020204030204" pitchFamily="34" charset="0"/>
                 <a:cs typeface="Calibri" panose="020F0502020204030204" pitchFamily="34" charset="0"/>
@@ -10707,71 +9750,84 @@
               <a:t>API calls</a:t>
             </a:r>
             <a:r>
-              <a:rPr lang="en-US" sz="1800" dirty="0">
-                <a:latin typeface="Calibri" panose="020F0502020204030204" pitchFamily="34" charset="0"/>
-                <a:ea typeface="Calibri" panose="020F0502020204030204" pitchFamily="34" charset="0"/>
-                <a:cs typeface="Calibri" panose="020F0502020204030204" pitchFamily="34" charset="0"/>
-              </a:rPr>
-              <a:t> to the backend (</a:t>
-            </a:r>
-            <a:r>
-              <a:rPr lang="en-US" dirty="0">
-                <a:latin typeface="Calibri" panose="020F0502020204030204" pitchFamily="34" charset="0"/>
-                <a:ea typeface="Calibri" panose="020F0502020204030204" pitchFamily="34" charset="0"/>
-                <a:cs typeface="Calibri" panose="020F0502020204030204" pitchFamily="34" charset="0"/>
-                <a:hlinkClick r:id="rId3"/>
-              </a:rPr>
-              <a:t>https://localhost:7081/</a:t>
-            </a:r>
-            <a:r>
-              <a:rPr lang="en-US" dirty="0" err="1">
-                <a:latin typeface="Calibri" panose="020F0502020204030204" pitchFamily="34" charset="0"/>
-                <a:ea typeface="Calibri" panose="020F0502020204030204" pitchFamily="34" charset="0"/>
-                <a:cs typeface="Calibri" panose="020F0502020204030204" pitchFamily="34" charset="0"/>
-                <a:hlinkClick r:id="rId3"/>
-              </a:rPr>
-              <a:t>api</a:t>
-            </a:r>
-            <a:r>
-              <a:rPr lang="en-US" dirty="0">
-                <a:latin typeface="Calibri" panose="020F0502020204030204" pitchFamily="34" charset="0"/>
-                <a:ea typeface="Calibri" panose="020F0502020204030204" pitchFamily="34" charset="0"/>
-                <a:cs typeface="Calibri" panose="020F0502020204030204" pitchFamily="34" charset="0"/>
-                <a:hlinkClick r:id="rId3"/>
-              </a:rPr>
-              <a:t>/</a:t>
-            </a:r>
-            <a:r>
-              <a:rPr lang="en-US" dirty="0">
-                <a:latin typeface="Calibri" panose="020F0502020204030204" pitchFamily="34" charset="0"/>
-                <a:ea typeface="Calibri" panose="020F0502020204030204" pitchFamily="34" charset="0"/>
-                <a:cs typeface="Calibri" panose="020F0502020204030204" pitchFamily="34" charset="0"/>
-              </a:rPr>
-              <a:t>...</a:t>
-            </a:r>
-            <a:r>
-              <a:rPr lang="en-US" sz="1800" dirty="0">
-                <a:latin typeface="Calibri" panose="020F0502020204030204" pitchFamily="34" charset="0"/>
-                <a:ea typeface="Calibri" panose="020F0502020204030204" pitchFamily="34" charset="0"/>
-                <a:cs typeface="Calibri" panose="020F0502020204030204" pitchFamily="34" charset="0"/>
-              </a:rPr>
-              <a:t>).</a:t>
-            </a:r>
-          </a:p>
-          <a:p>
-            <a:endParaRPr lang="en-US" sz="1800" dirty="0">
+              <a:rPr lang="en-US" sz="1900" dirty="0">
+                <a:latin typeface="Calibri" panose="020F0502020204030204" pitchFamily="34" charset="0"/>
+                <a:ea typeface="Calibri" panose="020F0502020204030204" pitchFamily="34" charset="0"/>
+                <a:cs typeface="Calibri" panose="020F0502020204030204" pitchFamily="34" charset="0"/>
+              </a:rPr>
+              <a:t> to the backend</a:t>
+            </a:r>
+          </a:p>
+          <a:p>
+            <a:pPr marL="285750" indent="-285750">
+              <a:buFont typeface="Wingdings" panose="05000000000000000000" pitchFamily="2" charset="2"/>
+              <a:buChar char="Ø"/>
+            </a:pPr>
+            <a:endParaRPr lang="en-US" sz="1900" dirty="0">
               <a:latin typeface="Calibri" panose="020F0502020204030204" pitchFamily="34" charset="0"/>
               <a:ea typeface="Calibri" panose="020F0502020204030204" pitchFamily="34" charset="0"/>
               <a:cs typeface="Calibri" panose="020F0502020204030204" pitchFamily="34" charset="0"/>
             </a:endParaRPr>
           </a:p>
           <a:p>
+            <a:r>
+              <a:rPr lang="en-US" sz="1900" dirty="0">
+                <a:latin typeface="Calibri" panose="020F0502020204030204" pitchFamily="34" charset="0"/>
+                <a:ea typeface="Calibri" panose="020F0502020204030204" pitchFamily="34" charset="0"/>
+                <a:cs typeface="Calibri" panose="020F0502020204030204" pitchFamily="34" charset="0"/>
+              </a:rPr>
+              <a:t>      (</a:t>
+            </a:r>
+            <a:r>
+              <a:rPr lang="en-US" sz="1900" dirty="0">
+                <a:latin typeface="Calibri" panose="020F0502020204030204" pitchFamily="34" charset="0"/>
+                <a:ea typeface="Calibri" panose="020F0502020204030204" pitchFamily="34" charset="0"/>
+                <a:cs typeface="Calibri" panose="020F0502020204030204" pitchFamily="34" charset="0"/>
+                <a:hlinkClick r:id="rId3"/>
+              </a:rPr>
+              <a:t>https://localhost:7081/</a:t>
+            </a:r>
+            <a:r>
+              <a:rPr lang="en-US" sz="1900" dirty="0" err="1">
+                <a:latin typeface="Calibri" panose="020F0502020204030204" pitchFamily="34" charset="0"/>
+                <a:ea typeface="Calibri" panose="020F0502020204030204" pitchFamily="34" charset="0"/>
+                <a:cs typeface="Calibri" panose="020F0502020204030204" pitchFamily="34" charset="0"/>
+                <a:hlinkClick r:id="rId3"/>
+              </a:rPr>
+              <a:t>api</a:t>
+            </a:r>
+            <a:r>
+              <a:rPr lang="en-US" sz="1900" dirty="0">
+                <a:latin typeface="Calibri" panose="020F0502020204030204" pitchFamily="34" charset="0"/>
+                <a:ea typeface="Calibri" panose="020F0502020204030204" pitchFamily="34" charset="0"/>
+                <a:cs typeface="Calibri" panose="020F0502020204030204" pitchFamily="34" charset="0"/>
+                <a:hlinkClick r:id="rId3"/>
+              </a:rPr>
+              <a:t>/</a:t>
+            </a:r>
+            <a:r>
+              <a:rPr lang="en-US" sz="1900" dirty="0">
+                <a:latin typeface="Calibri" panose="020F0502020204030204" pitchFamily="34" charset="0"/>
+                <a:ea typeface="Calibri" panose="020F0502020204030204" pitchFamily="34" charset="0"/>
+                <a:cs typeface="Calibri" panose="020F0502020204030204" pitchFamily="34" charset="0"/>
+              </a:rPr>
+              <a:t>...).</a:t>
+            </a:r>
+          </a:p>
+          <a:p>
+            <a:endParaRPr lang="en-US" sz="1900" dirty="0">
+              <a:latin typeface="Calibri" panose="020F0502020204030204" pitchFamily="34" charset="0"/>
+              <a:ea typeface="Calibri" panose="020F0502020204030204" pitchFamily="34" charset="0"/>
+              <a:cs typeface="Calibri" panose="020F0502020204030204" pitchFamily="34" charset="0"/>
+            </a:endParaRPr>
+          </a:p>
+          <a:p>
             <a:pPr marL="285750" indent="-285750">
               <a:buFont typeface="Wingdings" panose="05000000000000000000" pitchFamily="2" charset="2"/>
               <a:buChar char="Ø"/>
             </a:pPr>
             <a:r>
-              <a:rPr lang="en-US" sz="1800" dirty="0">
+              <a:rPr lang="en-US" sz="1900" dirty="0">
                 <a:latin typeface="Calibri" panose="020F0502020204030204" pitchFamily="34" charset="0"/>
                 <a:ea typeface="Calibri" panose="020F0502020204030204" pitchFamily="34" charset="0"/>
                 <a:cs typeface="Calibri" panose="020F0502020204030204" pitchFamily="34" charset="0"/>
@@ -10779,7 +9835,7 @@
               <a:t>These APIs are part of the </a:t>
             </a:r>
             <a:r>
-              <a:rPr lang="en-US" sz="1800" b="1" dirty="0">
+              <a:rPr lang="en-US" sz="1900" b="1" dirty="0">
                 <a:latin typeface="Calibri" panose="020F0502020204030204" pitchFamily="34" charset="0"/>
                 <a:ea typeface="Calibri" panose="020F0502020204030204" pitchFamily="34" charset="0"/>
                 <a:cs typeface="Calibri" panose="020F0502020204030204" pitchFamily="34" charset="0"/>
@@ -10787,7 +9843,7 @@
               <a:t>ASP.NET Core Web API</a:t>
             </a:r>
             <a:r>
-              <a:rPr lang="en-US" sz="1800" dirty="0">
+              <a:rPr lang="en-US" sz="1900" dirty="0">
                 <a:latin typeface="Calibri" panose="020F0502020204030204" pitchFamily="34" charset="0"/>
                 <a:ea typeface="Calibri" panose="020F0502020204030204" pitchFamily="34" charset="0"/>
                 <a:cs typeface="Calibri" panose="020F0502020204030204" pitchFamily="34" charset="0"/>
@@ -10795,7 +9851,7 @@
               <a:t> application, which is secured with </a:t>
             </a:r>
             <a:r>
-              <a:rPr lang="en-US" sz="1800" b="1" dirty="0">
+              <a:rPr lang="en-US" sz="1900" b="1" dirty="0">
                 <a:latin typeface="Calibri" panose="020F0502020204030204" pitchFamily="34" charset="0"/>
                 <a:ea typeface="Calibri" panose="020F0502020204030204" pitchFamily="34" charset="0"/>
                 <a:cs typeface="Calibri" panose="020F0502020204030204" pitchFamily="34" charset="0"/>
@@ -10803,7 +9859,7 @@
               <a:t>JWT Bearer Authentication</a:t>
             </a:r>
             <a:r>
-              <a:rPr lang="en-US" sz="1800" dirty="0">
+              <a:rPr lang="en-US" sz="1900" dirty="0">
                 <a:latin typeface="Calibri" panose="020F0502020204030204" pitchFamily="34" charset="0"/>
                 <a:ea typeface="Calibri" panose="020F0502020204030204" pitchFamily="34" charset="0"/>
                 <a:cs typeface="Calibri" panose="020F0502020204030204" pitchFamily="34" charset="0"/>
@@ -10812,7 +9868,7 @@
             </a:r>
           </a:p>
           <a:p>
-            <a:endParaRPr lang="en-US" sz="1800" dirty="0">
+            <a:endParaRPr lang="en-US" sz="1900" dirty="0">
               <a:latin typeface="Calibri" panose="020F0502020204030204" pitchFamily="34" charset="0"/>
               <a:ea typeface="Calibri" panose="020F0502020204030204" pitchFamily="34" charset="0"/>
               <a:cs typeface="Calibri" panose="020F0502020204030204" pitchFamily="34" charset="0"/>
@@ -10824,7 +9880,7 @@
               <a:buChar char="Ø"/>
             </a:pPr>
             <a:r>
-              <a:rPr lang="en-US" sz="1800" dirty="0">
+              <a:rPr lang="en-US" sz="1900" dirty="0">
                 <a:latin typeface="Calibri" panose="020F0502020204030204" pitchFamily="34" charset="0"/>
                 <a:ea typeface="Calibri" panose="020F0502020204030204" pitchFamily="34" charset="0"/>
                 <a:cs typeface="Calibri" panose="020F0502020204030204" pitchFamily="34" charset="0"/>
@@ -10832,7 +9888,7 @@
               <a:t>The API validates the token using the </a:t>
             </a:r>
             <a:r>
-              <a:rPr lang="en-US" sz="1800" b="1" dirty="0">
+              <a:rPr lang="en-US" sz="1900" b="1" dirty="0">
                 <a:latin typeface="Calibri" panose="020F0502020204030204" pitchFamily="34" charset="0"/>
                 <a:ea typeface="Calibri" panose="020F0502020204030204" pitchFamily="34" charset="0"/>
                 <a:cs typeface="Calibri" panose="020F0502020204030204" pitchFamily="34" charset="0"/>
@@ -10840,7 +9896,7 @@
               <a:t>Identity Server’s public key</a:t>
             </a:r>
             <a:r>
-              <a:rPr lang="en-US" sz="1800" dirty="0">
+              <a:rPr lang="en-US" sz="1900" dirty="0">
                 <a:latin typeface="Calibri" panose="020F0502020204030204" pitchFamily="34" charset="0"/>
                 <a:ea typeface="Calibri" panose="020F0502020204030204" pitchFamily="34" charset="0"/>
                 <a:cs typeface="Calibri" panose="020F0502020204030204" pitchFamily="34" charset="0"/>
@@ -10853,7 +9909,7 @@
               <a:buFont typeface="Wingdings" panose="05000000000000000000" pitchFamily="2" charset="2"/>
               <a:buChar char="Ø"/>
             </a:pPr>
-            <a:endParaRPr lang="en-US" sz="1800" dirty="0">
+            <a:endParaRPr lang="en-US" sz="1900" dirty="0">
               <a:latin typeface="Calibri" panose="020F0502020204030204" pitchFamily="34" charset="0"/>
               <a:ea typeface="Calibri" panose="020F0502020204030204" pitchFamily="34" charset="0"/>
               <a:cs typeface="Calibri" panose="020F0502020204030204" pitchFamily="34" charset="0"/>
@@ -10861,7 +9917,7 @@
           </a:p>
           <a:p>
             <a:r>
-              <a:rPr lang="en-US" sz="1800" b="1" dirty="0">
+              <a:rPr lang="en-US" sz="1900" b="1" dirty="0">
                 <a:solidFill>
                   <a:schemeClr val="accent6">
                     <a:lumMod val="75000"/>
@@ -10871,11 +9927,11 @@
                 <a:ea typeface="Calibri" panose="020F0502020204030204" pitchFamily="34" charset="0"/>
                 <a:cs typeface="Calibri" panose="020F0502020204030204" pitchFamily="34" charset="0"/>
               </a:rPr>
-              <a:t>5. Backend Integration with Oracle Database</a:t>
-            </a:r>
-          </a:p>
-          <a:p>
-            <a:endParaRPr lang="en-US" sz="1800" b="1" dirty="0">
+              <a:t>5.  Backend Integration with Oracle Database</a:t>
+            </a:r>
+          </a:p>
+          <a:p>
+            <a:endParaRPr lang="en-US" sz="1900" b="1" dirty="0">
               <a:solidFill>
                 <a:schemeClr val="accent6">
                   <a:lumMod val="75000"/>
@@ -10892,7 +9948,7 @@
               <a:buChar char="Ø"/>
             </a:pPr>
             <a:r>
-              <a:rPr lang="en-US" sz="1800" dirty="0">
+              <a:rPr lang="en-US" sz="1900" dirty="0">
                 <a:latin typeface="Calibri" panose="020F0502020204030204" pitchFamily="34" charset="0"/>
                 <a:ea typeface="Calibri" panose="020F0502020204030204" pitchFamily="34" charset="0"/>
                 <a:cs typeface="Calibri" panose="020F0502020204030204" pitchFamily="34" charset="0"/>
@@ -10900,7 +9956,7 @@
               <a:t>Once authentication succeeds, the Web API performs </a:t>
             </a:r>
             <a:r>
-              <a:rPr lang="en-US" sz="1800" b="1" dirty="0">
+              <a:rPr lang="en-US" sz="1900" b="1" dirty="0">
                 <a:latin typeface="Calibri" panose="020F0502020204030204" pitchFamily="34" charset="0"/>
                 <a:ea typeface="Calibri" panose="020F0502020204030204" pitchFamily="34" charset="0"/>
                 <a:cs typeface="Calibri" panose="020F0502020204030204" pitchFamily="34" charset="0"/>
@@ -10908,44 +9964,61 @@
               <a:t>business logic and data operations</a:t>
             </a:r>
             <a:r>
-              <a:rPr lang="en-US" sz="1800" dirty="0">
-                <a:latin typeface="Calibri" panose="020F0502020204030204" pitchFamily="34" charset="0"/>
-                <a:ea typeface="Calibri" panose="020F0502020204030204" pitchFamily="34" charset="0"/>
-                <a:cs typeface="Calibri" panose="020F0502020204030204" pitchFamily="34" charset="0"/>
-              </a:rPr>
-              <a:t> by connecting to the </a:t>
-            </a:r>
-            <a:r>
-              <a:rPr lang="en-US" sz="1800" b="1" dirty="0">
-                <a:latin typeface="Calibri" panose="020F0502020204030204" pitchFamily="34" charset="0"/>
-                <a:ea typeface="Calibri" panose="020F0502020204030204" pitchFamily="34" charset="0"/>
-                <a:cs typeface="Calibri" panose="020F0502020204030204" pitchFamily="34" charset="0"/>
-              </a:rPr>
-              <a:t>Oracle Server DB</a:t>
-            </a:r>
-            <a:r>
-              <a:rPr lang="en-US" sz="1800" dirty="0">
-                <a:latin typeface="Calibri" panose="020F0502020204030204" pitchFamily="34" charset="0"/>
-                <a:ea typeface="Calibri" panose="020F0502020204030204" pitchFamily="34" charset="0"/>
-                <a:cs typeface="Calibri" panose="020F0502020204030204" pitchFamily="34" charset="0"/>
-              </a:rPr>
-              <a:t>.</a:t>
-            </a:r>
-          </a:p>
-          <a:p>
-            <a:endParaRPr lang="en-US" sz="1800" dirty="0">
+              <a:rPr lang="en-US" sz="1900" dirty="0">
+                <a:latin typeface="Calibri" panose="020F0502020204030204" pitchFamily="34" charset="0"/>
+                <a:ea typeface="Calibri" panose="020F0502020204030204" pitchFamily="34" charset="0"/>
+                <a:cs typeface="Calibri" panose="020F0502020204030204" pitchFamily="34" charset="0"/>
+              </a:rPr>
+              <a:t> by connecting to the</a:t>
+            </a:r>
+          </a:p>
+          <a:p>
+            <a:endParaRPr lang="en-US" sz="1900" dirty="0">
               <a:latin typeface="Calibri" panose="020F0502020204030204" pitchFamily="34" charset="0"/>
               <a:ea typeface="Calibri" panose="020F0502020204030204" pitchFamily="34" charset="0"/>
               <a:cs typeface="Calibri" panose="020F0502020204030204" pitchFamily="34" charset="0"/>
             </a:endParaRPr>
           </a:p>
           <a:p>
+            <a:r>
+              <a:rPr lang="en-US" sz="1900" dirty="0">
+                <a:latin typeface="Calibri" panose="020F0502020204030204" pitchFamily="34" charset="0"/>
+                <a:ea typeface="Calibri" panose="020F0502020204030204" pitchFamily="34" charset="0"/>
+                <a:cs typeface="Calibri" panose="020F0502020204030204" pitchFamily="34" charset="0"/>
+              </a:rPr>
+              <a:t>      </a:t>
+            </a:r>
+            <a:r>
+              <a:rPr lang="en-US" sz="1900" b="1" dirty="0">
+                <a:latin typeface="Calibri" panose="020F0502020204030204" pitchFamily="34" charset="0"/>
+                <a:ea typeface="Calibri" panose="020F0502020204030204" pitchFamily="34" charset="0"/>
+                <a:cs typeface="Calibri" panose="020F0502020204030204" pitchFamily="34" charset="0"/>
+              </a:rPr>
+              <a:t>Oracle Server DB</a:t>
+            </a:r>
+            <a:r>
+              <a:rPr lang="en-US" sz="1900" dirty="0">
+                <a:latin typeface="Calibri" panose="020F0502020204030204" pitchFamily="34" charset="0"/>
+                <a:ea typeface="Calibri" panose="020F0502020204030204" pitchFamily="34" charset="0"/>
+                <a:cs typeface="Calibri" panose="020F0502020204030204" pitchFamily="34" charset="0"/>
+              </a:rPr>
+              <a:t>.</a:t>
+            </a:r>
+          </a:p>
+          <a:p>
+            <a:endParaRPr lang="en-US" sz="1900" dirty="0">
+              <a:latin typeface="Calibri" panose="020F0502020204030204" pitchFamily="34" charset="0"/>
+              <a:ea typeface="Calibri" panose="020F0502020204030204" pitchFamily="34" charset="0"/>
+              <a:cs typeface="Calibri" panose="020F0502020204030204" pitchFamily="34" charset="0"/>
+            </a:endParaRPr>
+          </a:p>
+          <a:p>
             <a:pPr marL="285750" indent="-285750">
               <a:buFont typeface="Wingdings" panose="05000000000000000000" pitchFamily="2" charset="2"/>
               <a:buChar char="Ø"/>
             </a:pPr>
             <a:r>
-              <a:rPr lang="en-US" sz="1800" dirty="0">
+              <a:rPr lang="en-US" sz="1900" dirty="0">
                 <a:latin typeface="Calibri" panose="020F0502020204030204" pitchFamily="34" charset="0"/>
                 <a:ea typeface="Calibri" panose="020F0502020204030204" pitchFamily="34" charset="0"/>
                 <a:cs typeface="Calibri" panose="020F0502020204030204" pitchFamily="34" charset="0"/>
@@ -10953,7 +10026,7 @@
               <a:t>The API retrieves or updates data using optimized </a:t>
             </a:r>
             <a:r>
-              <a:rPr lang="en-US" sz="1800" b="1" dirty="0">
+              <a:rPr lang="en-US" sz="1900" b="1" dirty="0">
                 <a:latin typeface="Calibri" panose="020F0502020204030204" pitchFamily="34" charset="0"/>
                 <a:ea typeface="Calibri" panose="020F0502020204030204" pitchFamily="34" charset="0"/>
                 <a:cs typeface="Calibri" panose="020F0502020204030204" pitchFamily="34" charset="0"/>
@@ -10961,7 +10034,7 @@
               <a:t>PL/SQL procedures</a:t>
             </a:r>
             <a:r>
-              <a:rPr lang="en-US" sz="1800" dirty="0">
+              <a:rPr lang="en-US" sz="1900" dirty="0">
                 <a:latin typeface="Calibri" panose="020F0502020204030204" pitchFamily="34" charset="0"/>
                 <a:ea typeface="Calibri" panose="020F0502020204030204" pitchFamily="34" charset="0"/>
                 <a:cs typeface="Calibri" panose="020F0502020204030204" pitchFamily="34" charset="0"/>
@@ -10969,7 +10042,7 @@
               <a:t>, </a:t>
             </a:r>
             <a:r>
-              <a:rPr lang="en-US" sz="1800" b="1" dirty="0">
+              <a:rPr lang="en-US" sz="1900" b="1" dirty="0">
                 <a:latin typeface="Calibri" panose="020F0502020204030204" pitchFamily="34" charset="0"/>
                 <a:ea typeface="Calibri" panose="020F0502020204030204" pitchFamily="34" charset="0"/>
                 <a:cs typeface="Calibri" panose="020F0502020204030204" pitchFamily="34" charset="0"/>
@@ -10977,7 +10050,7 @@
               <a:t>MERGE operations</a:t>
             </a:r>
             <a:r>
-              <a:rPr lang="en-US" sz="1800" dirty="0">
+              <a:rPr lang="en-US" sz="1900" dirty="0">
                 <a:latin typeface="Calibri" panose="020F0502020204030204" pitchFamily="34" charset="0"/>
                 <a:ea typeface="Calibri" panose="020F0502020204030204" pitchFamily="34" charset="0"/>
                 <a:cs typeface="Calibri" panose="020F0502020204030204" pitchFamily="34" charset="0"/>
@@ -10985,7 +10058,7 @@
               <a:t>, and </a:t>
             </a:r>
             <a:r>
-              <a:rPr lang="en-US" sz="1800" b="1" dirty="0">
+              <a:rPr lang="en-US" sz="1900" b="1" dirty="0">
                 <a:latin typeface="Calibri" panose="020F0502020204030204" pitchFamily="34" charset="0"/>
                 <a:ea typeface="Calibri" panose="020F0502020204030204" pitchFamily="34" charset="0"/>
                 <a:cs typeface="Calibri" panose="020F0502020204030204" pitchFamily="34" charset="0"/>
@@ -10993,7 +10066,7 @@
               <a:t>BULK COLLECT</a:t>
             </a:r>
             <a:r>
-              <a:rPr lang="en-US" sz="1800" dirty="0">
+              <a:rPr lang="en-US" sz="1900" dirty="0">
                 <a:latin typeface="Calibri" panose="020F0502020204030204" pitchFamily="34" charset="0"/>
                 <a:ea typeface="Calibri" panose="020F0502020204030204" pitchFamily="34" charset="0"/>
                 <a:cs typeface="Calibri" panose="020F0502020204030204" pitchFamily="34" charset="0"/>
@@ -11006,7 +10079,7 @@
               <a:buFont typeface="Wingdings" panose="05000000000000000000" pitchFamily="2" charset="2"/>
               <a:buChar char="Ø"/>
             </a:pPr>
-            <a:endParaRPr lang="en-US" sz="1800" dirty="0">
+            <a:endParaRPr lang="en-US" sz="1900" dirty="0">
               <a:latin typeface="Calibri" panose="020F0502020204030204" pitchFamily="34" charset="0"/>
               <a:ea typeface="Calibri" panose="020F0502020204030204" pitchFamily="34" charset="0"/>
               <a:cs typeface="Calibri" panose="020F0502020204030204" pitchFamily="34" charset="0"/>
@@ -11014,7 +10087,7 @@
           </a:p>
           <a:p>
             <a:r>
-              <a:rPr lang="en-US" sz="1800" dirty="0">
+              <a:rPr lang="en-US" sz="1900" dirty="0">
                 <a:latin typeface="Calibri" panose="020F0502020204030204" pitchFamily="34" charset="0"/>
                 <a:ea typeface="Calibri" panose="020F0502020204030204" pitchFamily="34" charset="0"/>
                 <a:cs typeface="Calibri" panose="020F0502020204030204" pitchFamily="34" charset="0"/>
@@ -11023,7 +10096,7 @@
             </a:r>
           </a:p>
           <a:p>
-            <a:endParaRPr lang="en-US" sz="1800" dirty="0">
+            <a:endParaRPr lang="en-US" sz="1900" dirty="0">
               <a:latin typeface="Calibri" panose="020F0502020204030204" pitchFamily="34" charset="0"/>
               <a:ea typeface="Calibri" panose="020F0502020204030204" pitchFamily="34" charset="0"/>
               <a:cs typeface="Calibri" panose="020F0502020204030204" pitchFamily="34" charset="0"/>
@@ -11035,7 +10108,7 @@
               <a:buChar char="Ø"/>
             </a:pPr>
             <a:r>
-              <a:rPr lang="en-US" sz="1800" dirty="0">
+              <a:rPr lang="en-US" sz="1900" dirty="0">
                 <a:latin typeface="Calibri" panose="020F0502020204030204" pitchFamily="34" charset="0"/>
                 <a:ea typeface="Calibri" panose="020F0502020204030204" pitchFamily="34" charset="0"/>
                 <a:cs typeface="Calibri" panose="020F0502020204030204" pitchFamily="34" charset="0"/>
@@ -11048,7 +10121,7 @@
               <a:buFont typeface="Wingdings" panose="05000000000000000000" pitchFamily="2" charset="2"/>
               <a:buChar char="Ø"/>
             </a:pPr>
-            <a:endParaRPr lang="en-US" sz="1800" dirty="0">
+            <a:endParaRPr lang="en-US" sz="1900" dirty="0">
               <a:latin typeface="Calibri" panose="020F0502020204030204" pitchFamily="34" charset="0"/>
               <a:ea typeface="Calibri" panose="020F0502020204030204" pitchFamily="34" charset="0"/>
               <a:cs typeface="Calibri" panose="020F0502020204030204" pitchFamily="34" charset="0"/>
@@ -11948,7 +11021,7 @@
         </p:nvSpPr>
         <p:spPr>
           <a:xfrm>
-            <a:off x="1057755" y="185072"/>
+            <a:off x="1258923" y="262487"/>
             <a:ext cx="9150675" cy="460882"/>
           </a:xfrm>
         </p:spPr>
@@ -11959,7 +11032,7 @@
           <a:lstStyle/>
           <a:p>
             <a:r>
-              <a:rPr lang="en-US" sz="3200" b="1" dirty="0">
+              <a:rPr lang="en-US" sz="2400" b="1" dirty="0">
                 <a:solidFill>
                   <a:schemeClr val="accent6">
                     <a:lumMod val="75000"/>
@@ -11968,7 +11041,7 @@
               </a:rPr>
               <a:t>Key Technologies Used</a:t>
             </a:r>
-            <a:endParaRPr lang="en-ZA" sz="3200" b="1" dirty="0">
+            <a:endParaRPr lang="en-ZA" sz="2400" b="1" dirty="0">
               <a:solidFill>
                 <a:schemeClr val="accent6">
                   <a:lumMod val="75000"/>
@@ -12022,8 +11095,8 @@
         </p:nvSpPr>
         <p:spPr>
           <a:xfrm>
-            <a:off x="1057755" y="645954"/>
-            <a:ext cx="8522473" cy="1708160"/>
+            <a:off x="1220639" y="598868"/>
+            <a:ext cx="8522473" cy="2126864"/>
           </a:xfrm>
           <a:prstGeom prst="rect">
             <a:avLst/>
@@ -12036,8 +11109,13 @@
           </a:bodyPr>
           <a:lstStyle/>
           <a:p>
-            <a:r>
-              <a:rPr lang="en-US" sz="2100" b="1" dirty="0">
+            <a:pPr>
+              <a:lnSpc>
+                <a:spcPct val="150000"/>
+              </a:lnSpc>
+            </a:pPr>
+            <a:r>
+              <a:rPr lang="en-US" b="1" dirty="0">
                 <a:latin typeface="Calibri" panose="020F0502020204030204" pitchFamily="34" charset="0"/>
                 <a:ea typeface="Calibri" panose="020F0502020204030204" pitchFamily="34" charset="0"/>
                 <a:cs typeface="Calibri" panose="020F0502020204030204" pitchFamily="34" charset="0"/>
@@ -12045,7 +11123,7 @@
               <a:t>Frontend:</a:t>
             </a:r>
             <a:r>
-              <a:rPr lang="en-US" sz="2100" dirty="0">
+              <a:rPr lang="en-US" dirty="0">
                 <a:latin typeface="Calibri" panose="020F0502020204030204" pitchFamily="34" charset="0"/>
                 <a:ea typeface="Calibri" panose="020F0502020204030204" pitchFamily="34" charset="0"/>
                 <a:cs typeface="Calibri" panose="020F0502020204030204" pitchFamily="34" charset="0"/>
@@ -12054,8 +11132,13 @@
             </a:r>
           </a:p>
           <a:p>
-            <a:r>
-              <a:rPr lang="en-US" sz="2100" b="1" dirty="0">
+            <a:pPr>
+              <a:lnSpc>
+                <a:spcPct val="150000"/>
+              </a:lnSpc>
+            </a:pPr>
+            <a:r>
+              <a:rPr lang="en-US" b="1" dirty="0">
                 <a:latin typeface="Calibri" panose="020F0502020204030204" pitchFamily="34" charset="0"/>
                 <a:ea typeface="Calibri" panose="020F0502020204030204" pitchFamily="34" charset="0"/>
                 <a:cs typeface="Calibri" panose="020F0502020204030204" pitchFamily="34" charset="0"/>
@@ -12063,7 +11146,7 @@
               <a:t>Backend:</a:t>
             </a:r>
             <a:r>
-              <a:rPr lang="en-US" sz="2100" dirty="0">
+              <a:rPr lang="en-US" dirty="0">
                 <a:latin typeface="Calibri" panose="020F0502020204030204" pitchFamily="34" charset="0"/>
                 <a:ea typeface="Calibri" panose="020F0502020204030204" pitchFamily="34" charset="0"/>
                 <a:cs typeface="Calibri" panose="020F0502020204030204" pitchFamily="34" charset="0"/>
@@ -12071,22 +11154,27 @@
               <a:t> ASP.NET Core 6, C#, REST APIs, Swagger, </a:t>
             </a:r>
             <a:r>
-              <a:rPr lang="en-US" sz="2100" dirty="0" err="1">
+              <a:rPr lang="en-US" dirty="0" err="1">
                 <a:latin typeface="Calibri" panose="020F0502020204030204" pitchFamily="34" charset="0"/>
                 <a:ea typeface="Calibri" panose="020F0502020204030204" pitchFamily="34" charset="0"/>
                 <a:cs typeface="Calibri" panose="020F0502020204030204" pitchFamily="34" charset="0"/>
               </a:rPr>
               <a:t>Serilog</a:t>
             </a:r>
-            <a:endParaRPr lang="en-US" sz="2100" dirty="0">
+            <a:endParaRPr lang="en-US" dirty="0">
               <a:latin typeface="Calibri" panose="020F0502020204030204" pitchFamily="34" charset="0"/>
               <a:ea typeface="Calibri" panose="020F0502020204030204" pitchFamily="34" charset="0"/>
               <a:cs typeface="Calibri" panose="020F0502020204030204" pitchFamily="34" charset="0"/>
             </a:endParaRPr>
           </a:p>
           <a:p>
-            <a:r>
-              <a:rPr lang="en-US" sz="2100" b="1" dirty="0">
+            <a:pPr>
+              <a:lnSpc>
+                <a:spcPct val="150000"/>
+              </a:lnSpc>
+            </a:pPr>
+            <a:r>
+              <a:rPr lang="en-US" b="1" dirty="0">
                 <a:latin typeface="Calibri" panose="020F0502020204030204" pitchFamily="34" charset="0"/>
                 <a:ea typeface="Calibri" panose="020F0502020204030204" pitchFamily="34" charset="0"/>
                 <a:cs typeface="Calibri" panose="020F0502020204030204" pitchFamily="34" charset="0"/>
@@ -12094,7 +11182,7 @@
               <a:t>Database:</a:t>
             </a:r>
             <a:r>
-              <a:rPr lang="en-US" sz="2100" dirty="0">
+              <a:rPr lang="en-US" dirty="0">
                 <a:latin typeface="Calibri" panose="020F0502020204030204" pitchFamily="34" charset="0"/>
                 <a:ea typeface="Calibri" panose="020F0502020204030204" pitchFamily="34" charset="0"/>
                 <a:cs typeface="Calibri" panose="020F0502020204030204" pitchFamily="34" charset="0"/>
@@ -12103,8 +11191,13 @@
             </a:r>
           </a:p>
           <a:p>
-            <a:r>
-              <a:rPr lang="en-US" sz="2100" b="1" dirty="0">
+            <a:pPr>
+              <a:lnSpc>
+                <a:spcPct val="150000"/>
+              </a:lnSpc>
+            </a:pPr>
+            <a:r>
+              <a:rPr lang="en-US" b="1" dirty="0">
                 <a:latin typeface="Calibri" panose="020F0502020204030204" pitchFamily="34" charset="0"/>
                 <a:ea typeface="Calibri" panose="020F0502020204030204" pitchFamily="34" charset="0"/>
                 <a:cs typeface="Calibri" panose="020F0502020204030204" pitchFamily="34" charset="0"/>
@@ -12112,7 +11205,7 @@
               <a:t>Authentication:</a:t>
             </a:r>
             <a:r>
-              <a:rPr lang="en-US" sz="2100" dirty="0">
+              <a:rPr lang="en-US" dirty="0">
                 <a:latin typeface="Calibri" panose="020F0502020204030204" pitchFamily="34" charset="0"/>
                 <a:ea typeface="Calibri" panose="020F0502020204030204" pitchFamily="34" charset="0"/>
                 <a:cs typeface="Calibri" panose="020F0502020204030204" pitchFamily="34" charset="0"/>
@@ -12121,8 +11214,13 @@
             </a:r>
           </a:p>
           <a:p>
-            <a:r>
-              <a:rPr lang="en-US" sz="2100" b="1" dirty="0">
+            <a:pPr>
+              <a:lnSpc>
+                <a:spcPct val="150000"/>
+              </a:lnSpc>
+            </a:pPr>
+            <a:r>
+              <a:rPr lang="en-US" b="1" dirty="0">
                 <a:latin typeface="Calibri" panose="020F0502020204030204" pitchFamily="34" charset="0"/>
                 <a:ea typeface="Calibri" panose="020F0502020204030204" pitchFamily="34" charset="0"/>
                 <a:cs typeface="Calibri" panose="020F0502020204030204" pitchFamily="34" charset="0"/>
@@ -12130,7 +11228,7 @@
               <a:t>Cloud &amp; DevOps:</a:t>
             </a:r>
             <a:r>
-              <a:rPr lang="en-US" sz="2100" dirty="0">
+              <a:rPr lang="en-US" dirty="0">
                 <a:latin typeface="Calibri" panose="020F0502020204030204" pitchFamily="34" charset="0"/>
                 <a:ea typeface="Calibri" panose="020F0502020204030204" pitchFamily="34" charset="0"/>
                 <a:cs typeface="Calibri" panose="020F0502020204030204" pitchFamily="34" charset="0"/>
@@ -12156,7 +11254,7 @@
         </p:nvSpPr>
         <p:spPr>
           <a:xfrm>
-            <a:off x="1134654" y="2497054"/>
+            <a:off x="1163315" y="2725732"/>
             <a:ext cx="9150675" cy="460882"/>
           </a:xfrm>
           <a:prstGeom prst="rect">
@@ -12206,7 +11304,7 @@
               <a:t>📊</a:t>
             </a:r>
             <a:r>
-              <a:rPr lang="en-US" sz="3200" b="1" dirty="0">
+              <a:rPr lang="en-US" sz="2400" b="1" dirty="0">
                 <a:solidFill>
                   <a:schemeClr val="accent6">
                     <a:lumMod val="75000"/>
@@ -12215,7 +11313,7 @@
               </a:rPr>
               <a:t>Best Practices</a:t>
             </a:r>
-            <a:endParaRPr lang="en-ZA" sz="3200" b="1" dirty="0">
+            <a:endParaRPr lang="en-ZA" sz="2400" b="1" dirty="0">
               <a:solidFill>
                 <a:schemeClr val="accent6">
                   <a:lumMod val="75000"/>
@@ -12239,8 +11337,8 @@
         </p:nvSpPr>
         <p:spPr>
           <a:xfrm>
-            <a:off x="1134654" y="2957936"/>
-            <a:ext cx="8579797" cy="3093154"/>
+            <a:off x="1163315" y="3069142"/>
+            <a:ext cx="10262964" cy="3788858"/>
           </a:xfrm>
           <a:prstGeom prst="rect">
             <a:avLst/>
@@ -12254,11 +11352,14 @@
           <a:lstStyle/>
           <a:p>
             <a:pPr marL="285750" indent="-285750">
+              <a:lnSpc>
+                <a:spcPct val="150000"/>
+              </a:lnSpc>
               <a:buFont typeface="Wingdings" panose="05000000000000000000" pitchFamily="2" charset="2"/>
               <a:buChar char="Ø"/>
             </a:pPr>
             <a:r>
-              <a:rPr lang="en-US" sz="2100" dirty="0">
+              <a:rPr lang="en-US" dirty="0">
                 <a:latin typeface="Calibri" panose="020F0502020204030204" pitchFamily="34" charset="0"/>
                 <a:ea typeface="Calibri" panose="020F0502020204030204" pitchFamily="34" charset="0"/>
                 <a:cs typeface="Calibri" panose="020F0502020204030204" pitchFamily="34" charset="0"/>
@@ -12268,27 +11369,22 @@
           </a:p>
           <a:p>
             <a:pPr marL="285750" indent="-285750">
+              <a:lnSpc>
+                <a:spcPct val="150000"/>
+              </a:lnSpc>
               <a:buFont typeface="Wingdings" panose="05000000000000000000" pitchFamily="2" charset="2"/>
               <a:buChar char="Ø"/>
             </a:pPr>
             <a:r>
-              <a:rPr lang="en-US" sz="2100" dirty="0">
-                <a:latin typeface="Calibri" panose="020F0502020204030204" pitchFamily="34" charset="0"/>
-                <a:ea typeface="Calibri" panose="020F0502020204030204" pitchFamily="34" charset="0"/>
-                <a:cs typeface="Calibri" panose="020F0502020204030204" pitchFamily="34" charset="0"/>
-              </a:rPr>
-              <a:t>Suggested SonarQube integration in CI for security &amp; quality gates </a:t>
-            </a:r>
-            <a:r>
-              <a:rPr lang="en-US" sz="2400" dirty="0">
-                <a:latin typeface="Calibri" panose="020F0502020204030204" pitchFamily="34" charset="0"/>
-                <a:ea typeface="Calibri" panose="020F0502020204030204" pitchFamily="34" charset="0"/>
-                <a:cs typeface="Calibri" panose="020F0502020204030204" pitchFamily="34" charset="0"/>
-              </a:rPr>
-              <a:t>to detect and fix </a:t>
-            </a:r>
-            <a:r>
-              <a:rPr lang="en-US" sz="2400" b="1" dirty="0">
+              <a:rPr lang="en-US" dirty="0">
+                <a:latin typeface="Calibri" panose="020F0502020204030204" pitchFamily="34" charset="0"/>
+                <a:ea typeface="Calibri" panose="020F0502020204030204" pitchFamily="34" charset="0"/>
+                <a:cs typeface="Calibri" panose="020F0502020204030204" pitchFamily="34" charset="0"/>
+              </a:rPr>
+              <a:t>Suggested SonarQube integration in CI to detect and fix </a:t>
+            </a:r>
+            <a:r>
+              <a:rPr lang="en-US" b="1" dirty="0">
                 <a:latin typeface="Calibri" panose="020F0502020204030204" pitchFamily="34" charset="0"/>
                 <a:ea typeface="Calibri" panose="020F0502020204030204" pitchFamily="34" charset="0"/>
                 <a:cs typeface="Calibri" panose="020F0502020204030204" pitchFamily="34" charset="0"/>
@@ -12296,26 +11392,24 @@
               <a:t>code smells, unused imports, and inefficiencies</a:t>
             </a:r>
             <a:r>
-              <a:rPr lang="en-US" sz="2400" dirty="0">
+              <a:rPr lang="en-US" dirty="0">
                 <a:latin typeface="Calibri" panose="020F0502020204030204" pitchFamily="34" charset="0"/>
                 <a:ea typeface="Calibri" panose="020F0502020204030204" pitchFamily="34" charset="0"/>
                 <a:cs typeface="Calibri" panose="020F0502020204030204" pitchFamily="34" charset="0"/>
               </a:rPr>
               <a:t>.</a:t>
             </a:r>
-            <a:endParaRPr lang="en-US" sz="2100" dirty="0">
-              <a:latin typeface="Calibri" panose="020F0502020204030204" pitchFamily="34" charset="0"/>
-              <a:ea typeface="Calibri" panose="020F0502020204030204" pitchFamily="34" charset="0"/>
-              <a:cs typeface="Calibri" panose="020F0502020204030204" pitchFamily="34" charset="0"/>
-            </a:endParaRPr>
           </a:p>
           <a:p>
             <a:pPr marL="285750" indent="-285750">
+              <a:lnSpc>
+                <a:spcPct val="150000"/>
+              </a:lnSpc>
               <a:buFont typeface="Wingdings" panose="05000000000000000000" pitchFamily="2" charset="2"/>
               <a:buChar char="Ø"/>
             </a:pPr>
             <a:r>
-              <a:rPr lang="en-US" sz="2100" dirty="0">
+              <a:rPr lang="en-US" dirty="0">
                 <a:latin typeface="Calibri" panose="020F0502020204030204" pitchFamily="34" charset="0"/>
                 <a:ea typeface="Calibri" panose="020F0502020204030204" pitchFamily="34" charset="0"/>
                 <a:cs typeface="Calibri" panose="020F0502020204030204" pitchFamily="34" charset="0"/>
@@ -12325,11 +11419,14 @@
           </a:p>
           <a:p>
             <a:pPr marL="285750" indent="-285750">
+              <a:lnSpc>
+                <a:spcPct val="150000"/>
+              </a:lnSpc>
               <a:buFont typeface="Wingdings" panose="05000000000000000000" pitchFamily="2" charset="2"/>
               <a:buChar char="Ø"/>
             </a:pPr>
             <a:r>
-              <a:rPr lang="en-US" sz="2100" dirty="0">
+              <a:rPr lang="en-US" dirty="0">
                 <a:latin typeface="Calibri" panose="020F0502020204030204" pitchFamily="34" charset="0"/>
                 <a:ea typeface="Calibri" panose="020F0502020204030204" pitchFamily="34" charset="0"/>
                 <a:cs typeface="Calibri" panose="020F0502020204030204" pitchFamily="34" charset="0"/>
@@ -12339,11 +11436,14 @@
           </a:p>
           <a:p>
             <a:pPr marL="285750" indent="-285750">
+              <a:lnSpc>
+                <a:spcPct val="150000"/>
+              </a:lnSpc>
               <a:buFont typeface="Wingdings" panose="05000000000000000000" pitchFamily="2" charset="2"/>
               <a:buChar char="Ø"/>
             </a:pPr>
             <a:r>
-              <a:rPr lang="en-US" sz="2100" dirty="0">
+              <a:rPr lang="en-US" dirty="0">
                 <a:latin typeface="Calibri" panose="020F0502020204030204" pitchFamily="34" charset="0"/>
                 <a:ea typeface="Calibri" panose="020F0502020204030204" pitchFamily="34" charset="0"/>
                 <a:cs typeface="Calibri" panose="020F0502020204030204" pitchFamily="34" charset="0"/>
@@ -12353,11 +11453,14 @@
           </a:p>
           <a:p>
             <a:pPr marL="285750" indent="-285750">
+              <a:lnSpc>
+                <a:spcPct val="150000"/>
+              </a:lnSpc>
               <a:buFont typeface="Wingdings" panose="05000000000000000000" pitchFamily="2" charset="2"/>
               <a:buChar char="Ø"/>
             </a:pPr>
             <a:r>
-              <a:rPr lang="en-US" sz="2100" dirty="0">
+              <a:rPr lang="en-US" dirty="0">
                 <a:latin typeface="Calibri" panose="020F0502020204030204" pitchFamily="34" charset="0"/>
                 <a:ea typeface="Calibri" panose="020F0502020204030204" pitchFamily="34" charset="0"/>
                 <a:cs typeface="Calibri" panose="020F0502020204030204" pitchFamily="34" charset="0"/>
@@ -12367,10 +11470,46 @@
           </a:p>
           <a:p>
             <a:pPr marL="285750" indent="-285750">
+              <a:lnSpc>
+                <a:spcPct val="150000"/>
+              </a:lnSpc>
               <a:buFont typeface="Wingdings" panose="05000000000000000000" pitchFamily="2" charset="2"/>
               <a:buChar char="Ø"/>
             </a:pPr>
-            <a:endParaRPr lang="en-US" sz="2100" dirty="0">
+            <a:r>
+              <a:rPr lang="en-US" dirty="0">
+                <a:latin typeface="Calibri" panose="020F0502020204030204" pitchFamily="34" charset="0"/>
+                <a:ea typeface="Calibri" panose="020F0502020204030204" pitchFamily="34" charset="0"/>
+                <a:cs typeface="Calibri" panose="020F0502020204030204" pitchFamily="34" charset="0"/>
+              </a:rPr>
+              <a:t>Implementation of in-house  UI </a:t>
+            </a:r>
+            <a:r>
+              <a:rPr lang="en-US" dirty="0" err="1">
+                <a:latin typeface="Calibri" panose="020F0502020204030204" pitchFamily="34" charset="0"/>
+                <a:ea typeface="Calibri" panose="020F0502020204030204" pitchFamily="34" charset="0"/>
+                <a:cs typeface="Calibri" panose="020F0502020204030204" pitchFamily="34" charset="0"/>
+              </a:rPr>
+              <a:t>storykit</a:t>
+            </a:r>
+            <a:r>
+              <a:rPr lang="en-US" dirty="0">
+                <a:latin typeface="Calibri" panose="020F0502020204030204" pitchFamily="34" charset="0"/>
+                <a:ea typeface="Calibri" panose="020F0502020204030204" pitchFamily="34" charset="0"/>
+                <a:cs typeface="Calibri" panose="020F0502020204030204" pitchFamily="34" charset="0"/>
+              </a:rPr>
+              <a:t> to build and use the React components across all the projects to maintain uniformity</a:t>
+            </a:r>
+          </a:p>
+          <a:p>
+            <a:pPr marL="285750" indent="-285750">
+              <a:lnSpc>
+                <a:spcPct val="150000"/>
+              </a:lnSpc>
+              <a:buFont typeface="Wingdings" panose="05000000000000000000" pitchFamily="2" charset="2"/>
+              <a:buChar char="Ø"/>
+            </a:pPr>
+            <a:endParaRPr lang="en-US" dirty="0">
               <a:latin typeface="Calibri" panose="020F0502020204030204" pitchFamily="34" charset="0"/>
               <a:ea typeface="Calibri" panose="020F0502020204030204" pitchFamily="34" charset="0"/>
               <a:cs typeface="Calibri" panose="020F0502020204030204" pitchFamily="34" charset="0"/>
@@ -13212,23 +12351,12 @@
 </file>
 
 <file path=customXml/item1.xml><?xml version="1.0" encoding="utf-8"?>
-<p:properties xmlns:p="http://schemas.microsoft.com/office/2006/metadata/properties" xmlns:xsi="http://www.w3.org/2001/XMLSchema-instance" xmlns:pc="http://schemas.microsoft.com/office/infopath/2007/PartnerControls">
-  <documentManagement>
-    <_ip_UnifiedCompliancePolicyUIAction xmlns="http://schemas.microsoft.com/sharepoint/v3" xsi:nil="true"/>
-    <Image xmlns="71af3243-3dd4-4a8d-8c0d-dd76da1f02a5">
-      <Url xsi:nil="true"/>
-      <Description xsi:nil="true"/>
-    </Image>
-    <Status xmlns="71af3243-3dd4-4a8d-8c0d-dd76da1f02a5">Not started</Status>
-    <Background xmlns="71af3243-3dd4-4a8d-8c0d-dd76da1f02a5">false</Background>
-    <_ip_UnifiedCompliancePolicyProperties xmlns="http://schemas.microsoft.com/sharepoint/v3" xsi:nil="true"/>
-    <ImageTagsTaxHTField xmlns="71af3243-3dd4-4a8d-8c0d-dd76da1f02a5">
-      <Terms xmlns="http://schemas.microsoft.com/office/infopath/2007/PartnerControls"/>
-    </ImageTagsTaxHTField>
-    <TaxCatchAll xmlns="230e9df3-be65-4c73-a93b-d1236ebd677e" xsi:nil="true"/>
-    <MediaServiceKeyPoints xmlns="71af3243-3dd4-4a8d-8c0d-dd76da1f02a5" xsi:nil="true"/>
-  </documentManagement>
-</p:properties>
+<?mso-contentType ?>
+<FormTemplates xmlns="http://schemas.microsoft.com/sharepoint/v3/contenttype/forms">
+  <Display>DocumentLibraryForm</Display>
+  <Edit>DocumentLibraryForm</Edit>
+  <New>DocumentLibraryForm</New>
+</FormTemplates>
 </file>
 
 <file path=customXml/item2.xml><?xml version="1.0" encoding="utf-8"?>
@@ -13544,22 +12672,29 @@
 </file>
 
 <file path=customXml/item3.xml><?xml version="1.0" encoding="utf-8"?>
-<?mso-contentType ?>
-<FormTemplates xmlns="http://schemas.microsoft.com/sharepoint/v3/contenttype/forms">
-  <Display>DocumentLibraryForm</Display>
-  <Edit>DocumentLibraryForm</Edit>
-  <New>DocumentLibraryForm</New>
-</FormTemplates>
+<p:properties xmlns:p="http://schemas.microsoft.com/office/2006/metadata/properties" xmlns:xsi="http://www.w3.org/2001/XMLSchema-instance" xmlns:pc="http://schemas.microsoft.com/office/infopath/2007/PartnerControls">
+  <documentManagement>
+    <_ip_UnifiedCompliancePolicyUIAction xmlns="http://schemas.microsoft.com/sharepoint/v3" xsi:nil="true"/>
+    <Image xmlns="71af3243-3dd4-4a8d-8c0d-dd76da1f02a5">
+      <Url xsi:nil="true"/>
+      <Description xsi:nil="true"/>
+    </Image>
+    <Status xmlns="71af3243-3dd4-4a8d-8c0d-dd76da1f02a5">Not started</Status>
+    <Background xmlns="71af3243-3dd4-4a8d-8c0d-dd76da1f02a5">false</Background>
+    <_ip_UnifiedCompliancePolicyProperties xmlns="http://schemas.microsoft.com/sharepoint/v3" xsi:nil="true"/>
+    <ImageTagsTaxHTField xmlns="71af3243-3dd4-4a8d-8c0d-dd76da1f02a5">
+      <Terms xmlns="http://schemas.microsoft.com/office/infopath/2007/PartnerControls"/>
+    </ImageTagsTaxHTField>
+    <TaxCatchAll xmlns="230e9df3-be65-4c73-a93b-d1236ebd677e" xsi:nil="true"/>
+    <MediaServiceKeyPoints xmlns="71af3243-3dd4-4a8d-8c0d-dd76da1f02a5" xsi:nil="true"/>
+  </documentManagement>
+</p:properties>
 </file>
 
 <file path=customXml/itemProps1.xml><?xml version="1.0" encoding="utf-8"?>
-<ds:datastoreItem xmlns:ds="http://schemas.openxmlformats.org/officeDocument/2006/customXml" ds:itemID="{3FDB7358-0BCB-4DEB-B717-C1D7CC555F05}">
+<ds:datastoreItem xmlns:ds="http://schemas.openxmlformats.org/officeDocument/2006/customXml" ds:itemID="{6DE3707C-8CAB-4302-B7E1-D32E1543E05C}">
   <ds:schemaRefs>
-    <ds:schemaRef ds:uri="http://schemas.microsoft.com/office/2006/metadata/properties"/>
-    <ds:schemaRef ds:uri="http://schemas.microsoft.com/office/infopath/2007/PartnerControls"/>
-    <ds:schemaRef ds:uri="http://schemas.microsoft.com/sharepoint/v3"/>
-    <ds:schemaRef ds:uri="71af3243-3dd4-4a8d-8c0d-dd76da1f02a5"/>
-    <ds:schemaRef ds:uri="230e9df3-be65-4c73-a93b-d1236ebd677e"/>
+    <ds:schemaRef ds:uri="http://schemas.microsoft.com/sharepoint/v3/contenttype/forms"/>
   </ds:schemaRefs>
 </ds:datastoreItem>
 </file>
@@ -13586,9 +12721,13 @@
 </file>
 
 <file path=customXml/itemProps3.xml><?xml version="1.0" encoding="utf-8"?>
-<ds:datastoreItem xmlns:ds="http://schemas.openxmlformats.org/officeDocument/2006/customXml" ds:itemID="{6DE3707C-8CAB-4302-B7E1-D32E1543E05C}">
+<ds:datastoreItem xmlns:ds="http://schemas.openxmlformats.org/officeDocument/2006/customXml" ds:itemID="{3FDB7358-0BCB-4DEB-B717-C1D7CC555F05}">
   <ds:schemaRefs>
-    <ds:schemaRef ds:uri="http://schemas.microsoft.com/sharepoint/v3/contenttype/forms"/>
+    <ds:schemaRef ds:uri="http://schemas.microsoft.com/office/2006/metadata/properties"/>
+    <ds:schemaRef ds:uri="http://schemas.microsoft.com/office/infopath/2007/PartnerControls"/>
+    <ds:schemaRef ds:uri="http://schemas.microsoft.com/sharepoint/v3"/>
+    <ds:schemaRef ds:uri="71af3243-3dd4-4a8d-8c0d-dd76da1f02a5"/>
+    <ds:schemaRef ds:uri="230e9df3-be65-4c73-a93b-d1236ebd677e"/>
   </ds:schemaRefs>
 </ds:datastoreItem>
 </file>
